--- a/Audits/WS2122_ChouliarasBurgdorfWolf_Audit2.pptx
+++ b/Audits/WS2122_ChouliarasBurgdorfWolf_Audit2.pptx
@@ -18,11 +18,11 @@
     <p:sldId id="277" r:id="rId9"/>
     <p:sldId id="278" r:id="rId10"/>
     <p:sldId id="279" r:id="rId11"/>
-    <p:sldId id="282" r:id="rId12"/>
-    <p:sldId id="280" r:id="rId13"/>
-    <p:sldId id="281" r:id="rId14"/>
-    <p:sldId id="271" r:id="rId15"/>
-    <p:sldId id="283" r:id="rId16"/>
+    <p:sldId id="280" r:id="rId12"/>
+    <p:sldId id="281" r:id="rId13"/>
+    <p:sldId id="282" r:id="rId14"/>
+    <p:sldId id="283" r:id="rId15"/>
+    <p:sldId id="271" r:id="rId16"/>
     <p:sldId id="273" r:id="rId17"/>
   </p:sldIdLst>
   <p:sldSz cx="12192000" cy="6858000"/>
@@ -212,7 +212,7 @@
           <a:p>
             <a:fld id="{548C82F5-CF6C-4DE6-8004-B736E9B8751D}" type="datetimeFigureOut">
               <a:rPr lang="de-DE" smtClean="0"/>
-              <a:t>05.12.22</a:t>
+              <a:t>05.12.2022</a:t>
             </a:fld>
             <a:endParaRPr lang="de-DE"/>
           </a:p>
@@ -1287,7 +1287,7 @@
           <a:p>
             <a:fld id="{F07C548B-D88F-4CDD-9B79-5E210622A0E5}" type="slidenum">
               <a:rPr lang="de-DE" smtClean="0"/>
-              <a:t>11</a:t>
+              <a:t>13</a:t>
             </a:fld>
             <a:endParaRPr lang="de-DE"/>
           </a:p>
@@ -1453,7 +1453,7 @@
           <a:p>
             <a:fld id="{25653B46-49E9-49CA-9AB5-C5A747C8BE70}" type="datetimeFigureOut">
               <a:rPr lang="de-DE" smtClean="0"/>
-              <a:t>05.12.22</a:t>
+              <a:t>05.12.2022</a:t>
             </a:fld>
             <a:endParaRPr lang="de-DE"/>
           </a:p>
@@ -1651,7 +1651,7 @@
           <a:p>
             <a:fld id="{25653B46-49E9-49CA-9AB5-C5A747C8BE70}" type="datetimeFigureOut">
               <a:rPr lang="de-DE" smtClean="0"/>
-              <a:t>05.12.22</a:t>
+              <a:t>05.12.2022</a:t>
             </a:fld>
             <a:endParaRPr lang="de-DE"/>
           </a:p>
@@ -1859,7 +1859,7 @@
           <a:p>
             <a:fld id="{25653B46-49E9-49CA-9AB5-C5A747C8BE70}" type="datetimeFigureOut">
               <a:rPr lang="de-DE" smtClean="0"/>
-              <a:t>05.12.22</a:t>
+              <a:t>05.12.2022</a:t>
             </a:fld>
             <a:endParaRPr lang="de-DE"/>
           </a:p>
@@ -2057,7 +2057,7 @@
           <a:p>
             <a:fld id="{25653B46-49E9-49CA-9AB5-C5A747C8BE70}" type="datetimeFigureOut">
               <a:rPr lang="de-DE" smtClean="0"/>
-              <a:t>05.12.22</a:t>
+              <a:t>05.12.2022</a:t>
             </a:fld>
             <a:endParaRPr lang="de-DE"/>
           </a:p>
@@ -2332,7 +2332,7 @@
           <a:p>
             <a:fld id="{25653B46-49E9-49CA-9AB5-C5A747C8BE70}" type="datetimeFigureOut">
               <a:rPr lang="de-DE" smtClean="0"/>
-              <a:t>05.12.22</a:t>
+              <a:t>05.12.2022</a:t>
             </a:fld>
             <a:endParaRPr lang="de-DE"/>
           </a:p>
@@ -2597,7 +2597,7 @@
           <a:p>
             <a:fld id="{25653B46-49E9-49CA-9AB5-C5A747C8BE70}" type="datetimeFigureOut">
               <a:rPr lang="de-DE" smtClean="0"/>
-              <a:t>05.12.22</a:t>
+              <a:t>05.12.2022</a:t>
             </a:fld>
             <a:endParaRPr lang="de-DE"/>
           </a:p>
@@ -3009,7 +3009,7 @@
           <a:p>
             <a:fld id="{25653B46-49E9-49CA-9AB5-C5A747C8BE70}" type="datetimeFigureOut">
               <a:rPr lang="de-DE" smtClean="0"/>
-              <a:t>05.12.22</a:t>
+              <a:t>05.12.2022</a:t>
             </a:fld>
             <a:endParaRPr lang="de-DE"/>
           </a:p>
@@ -3150,7 +3150,7 @@
           <a:p>
             <a:fld id="{25653B46-49E9-49CA-9AB5-C5A747C8BE70}" type="datetimeFigureOut">
               <a:rPr lang="de-DE" smtClean="0"/>
-              <a:t>05.12.22</a:t>
+              <a:t>05.12.2022</a:t>
             </a:fld>
             <a:endParaRPr lang="de-DE"/>
           </a:p>
@@ -3263,7 +3263,7 @@
           <a:p>
             <a:fld id="{25653B46-49E9-49CA-9AB5-C5A747C8BE70}" type="datetimeFigureOut">
               <a:rPr lang="de-DE" smtClean="0"/>
-              <a:t>05.12.22</a:t>
+              <a:t>05.12.2022</a:t>
             </a:fld>
             <a:endParaRPr lang="de-DE"/>
           </a:p>
@@ -3574,7 +3574,7 @@
           <a:p>
             <a:fld id="{25653B46-49E9-49CA-9AB5-C5A747C8BE70}" type="datetimeFigureOut">
               <a:rPr lang="de-DE" smtClean="0"/>
-              <a:t>05.12.22</a:t>
+              <a:t>05.12.2022</a:t>
             </a:fld>
             <a:endParaRPr lang="de-DE"/>
           </a:p>
@@ -3862,7 +3862,7 @@
           <a:p>
             <a:fld id="{25653B46-49E9-49CA-9AB5-C5A747C8BE70}" type="datetimeFigureOut">
               <a:rPr lang="de-DE" smtClean="0"/>
-              <a:t>05.12.22</a:t>
+              <a:t>05.12.2022</a:t>
             </a:fld>
             <a:endParaRPr lang="de-DE"/>
           </a:p>
@@ -4103,7 +4103,7 @@
           <a:p>
             <a:fld id="{25653B46-49E9-49CA-9AB5-C5A747C8BE70}" type="datetimeFigureOut">
               <a:rPr lang="de-DE" smtClean="0"/>
-              <a:t>05.12.22</a:t>
+              <a:t>05.12.2022</a:t>
             </a:fld>
             <a:endParaRPr lang="de-DE"/>
           </a:p>
@@ -4544,7 +4544,7 @@
           </a:ln>
           <a:extLst>
             <a:ext uri="{C572A759-6A51-4108-AA02-DFA0A04FC94B}">
-              <ma14:wrappingTextBoxFlag xmlns="" xmlns:m="http://schemas.openxmlformats.org/officeDocument/2006/math" xmlns:a14="http://schemas.microsoft.com/office/drawing/2010/main" xmlns:ma14="http://schemas.microsoft.com/office/mac/drawingml/2011/main" val="1"/>
+              <ma14:wrappingTextBoxFlag xmlns:ma14="http://schemas.microsoft.com/office/mac/drawingml/2011/main" xmlns:a14="http://schemas.microsoft.com/office/drawing/2010/main" xmlns:m="http://schemas.openxmlformats.org/officeDocument/2006/math" xmlns="" val="1"/>
             </a:ext>
           </a:extLst>
         </p:spPr>
@@ -4595,7 +4595,7 @@
           </a:ln>
           <a:extLst>
             <a:ext uri="{C572A759-6A51-4108-AA02-DFA0A04FC94B}">
-              <ma14:wrappingTextBoxFlag xmlns="" xmlns:m="http://schemas.openxmlformats.org/officeDocument/2006/math" xmlns:a14="http://schemas.microsoft.com/office/drawing/2010/main" xmlns:ma14="http://schemas.microsoft.com/office/mac/drawingml/2011/main" val="1"/>
+              <ma14:wrappingTextBoxFlag xmlns:ma14="http://schemas.microsoft.com/office/mac/drawingml/2011/main" xmlns:a14="http://schemas.microsoft.com/office/drawing/2010/main" xmlns:m="http://schemas.openxmlformats.org/officeDocument/2006/math" xmlns="" val="1"/>
             </a:ext>
           </a:extLst>
         </p:spPr>
@@ -4646,7 +4646,7 @@
           </a:ln>
           <a:extLst>
             <a:ext uri="{C572A759-6A51-4108-AA02-DFA0A04FC94B}">
-              <ma14:wrappingTextBoxFlag xmlns="" xmlns:m="http://schemas.openxmlformats.org/officeDocument/2006/math" xmlns:a14="http://schemas.microsoft.com/office/drawing/2010/main" xmlns:ma14="http://schemas.microsoft.com/office/mac/drawingml/2011/main" val="1"/>
+              <ma14:wrappingTextBoxFlag xmlns:ma14="http://schemas.microsoft.com/office/mac/drawingml/2011/main" xmlns:a14="http://schemas.microsoft.com/office/drawing/2010/main" xmlns:m="http://schemas.openxmlformats.org/officeDocument/2006/math" xmlns="" val="1"/>
             </a:ext>
           </a:extLst>
         </p:spPr>
@@ -4697,7 +4697,7 @@
           </a:ln>
           <a:extLst>
             <a:ext uri="{C572A759-6A51-4108-AA02-DFA0A04FC94B}">
-              <ma14:wrappingTextBoxFlag xmlns="" xmlns:m="http://schemas.openxmlformats.org/officeDocument/2006/math" xmlns:a14="http://schemas.microsoft.com/office/drawing/2010/main" xmlns:ma14="http://schemas.microsoft.com/office/mac/drawingml/2011/main" val="1"/>
+              <ma14:wrappingTextBoxFlag xmlns:ma14="http://schemas.microsoft.com/office/mac/drawingml/2011/main" xmlns:a14="http://schemas.microsoft.com/office/drawing/2010/main" xmlns:m="http://schemas.openxmlformats.org/officeDocument/2006/math" xmlns="" val="1"/>
             </a:ext>
           </a:extLst>
         </p:spPr>
@@ -4748,7 +4748,7 @@
           </a:ln>
           <a:extLst>
             <a:ext uri="{C572A759-6A51-4108-AA02-DFA0A04FC94B}">
-              <ma14:wrappingTextBoxFlag xmlns="" xmlns:m="http://schemas.openxmlformats.org/officeDocument/2006/math" xmlns:a14="http://schemas.microsoft.com/office/drawing/2010/main" xmlns:ma14="http://schemas.microsoft.com/office/mac/drawingml/2011/main" val="1"/>
+              <ma14:wrappingTextBoxFlag xmlns:ma14="http://schemas.microsoft.com/office/mac/drawingml/2011/main" xmlns:a14="http://schemas.microsoft.com/office/drawing/2010/main" xmlns:m="http://schemas.openxmlformats.org/officeDocument/2006/math" xmlns="" val="1"/>
             </a:ext>
           </a:extLst>
         </p:spPr>
@@ -4799,7 +4799,7 @@
           </a:ln>
           <a:extLst>
             <a:ext uri="{C572A759-6A51-4108-AA02-DFA0A04FC94B}">
-              <ma14:wrappingTextBoxFlag xmlns="" xmlns:m="http://schemas.openxmlformats.org/officeDocument/2006/math" xmlns:a14="http://schemas.microsoft.com/office/drawing/2010/main" xmlns:ma14="http://schemas.microsoft.com/office/mac/drawingml/2011/main" val="1"/>
+              <ma14:wrappingTextBoxFlag xmlns:ma14="http://schemas.microsoft.com/office/mac/drawingml/2011/main" xmlns:a14="http://schemas.microsoft.com/office/drawing/2010/main" xmlns:m="http://schemas.openxmlformats.org/officeDocument/2006/math" xmlns="" val="1"/>
             </a:ext>
           </a:extLst>
         </p:spPr>
@@ -4850,7 +4850,7 @@
           </a:ln>
           <a:extLst>
             <a:ext uri="{C572A759-6A51-4108-AA02-DFA0A04FC94B}">
-              <ma14:wrappingTextBoxFlag xmlns="" xmlns:m="http://schemas.openxmlformats.org/officeDocument/2006/math" xmlns:a14="http://schemas.microsoft.com/office/drawing/2010/main" xmlns:ma14="http://schemas.microsoft.com/office/mac/drawingml/2011/main" val="1"/>
+              <ma14:wrappingTextBoxFlag xmlns:ma14="http://schemas.microsoft.com/office/mac/drawingml/2011/main" xmlns:a14="http://schemas.microsoft.com/office/drawing/2010/main" xmlns:m="http://schemas.openxmlformats.org/officeDocument/2006/math" xmlns="" val="1"/>
             </a:ext>
           </a:extLst>
         </p:spPr>
@@ -4901,7 +4901,7 @@
           </a:ln>
           <a:extLst>
             <a:ext uri="{C572A759-6A51-4108-AA02-DFA0A04FC94B}">
-              <ma14:wrappingTextBoxFlag xmlns="" xmlns:m="http://schemas.openxmlformats.org/officeDocument/2006/math" xmlns:a14="http://schemas.microsoft.com/office/drawing/2010/main" xmlns:ma14="http://schemas.microsoft.com/office/mac/drawingml/2011/main" val="1"/>
+              <ma14:wrappingTextBoxFlag xmlns:ma14="http://schemas.microsoft.com/office/mac/drawingml/2011/main" xmlns:a14="http://schemas.microsoft.com/office/drawing/2010/main" xmlns:m="http://schemas.openxmlformats.org/officeDocument/2006/math" xmlns="" val="1"/>
             </a:ext>
           </a:extLst>
         </p:spPr>
@@ -4952,7 +4952,7 @@
           </a:ln>
           <a:extLst>
             <a:ext uri="{C572A759-6A51-4108-AA02-DFA0A04FC94B}">
-              <ma14:wrappingTextBoxFlag xmlns="" xmlns:m="http://schemas.openxmlformats.org/officeDocument/2006/math" xmlns:a14="http://schemas.microsoft.com/office/drawing/2010/main" xmlns:ma14="http://schemas.microsoft.com/office/mac/drawingml/2011/main" val="1"/>
+              <ma14:wrappingTextBoxFlag xmlns:ma14="http://schemas.microsoft.com/office/mac/drawingml/2011/main" xmlns:a14="http://schemas.microsoft.com/office/drawing/2010/main" xmlns:m="http://schemas.openxmlformats.org/officeDocument/2006/math" xmlns="" val="1"/>
             </a:ext>
           </a:extLst>
         </p:spPr>
@@ -5003,7 +5003,7 @@
           </a:ln>
           <a:extLst>
             <a:ext uri="{C572A759-6A51-4108-AA02-DFA0A04FC94B}">
-              <ma14:wrappingTextBoxFlag xmlns="" xmlns:m="http://schemas.openxmlformats.org/officeDocument/2006/math" xmlns:a14="http://schemas.microsoft.com/office/drawing/2010/main" xmlns:ma14="http://schemas.microsoft.com/office/mac/drawingml/2011/main" val="1"/>
+              <ma14:wrappingTextBoxFlag xmlns:ma14="http://schemas.microsoft.com/office/mac/drawingml/2011/main" xmlns:a14="http://schemas.microsoft.com/office/drawing/2010/main" xmlns:m="http://schemas.openxmlformats.org/officeDocument/2006/math" xmlns="" val="1"/>
             </a:ext>
           </a:extLst>
         </p:spPr>
@@ -5054,7 +5054,7 @@
           </a:ln>
           <a:extLst>
             <a:ext uri="{C572A759-6A51-4108-AA02-DFA0A04FC94B}">
-              <ma14:wrappingTextBoxFlag xmlns="" xmlns:m="http://schemas.openxmlformats.org/officeDocument/2006/math" xmlns:a14="http://schemas.microsoft.com/office/drawing/2010/main" xmlns:ma14="http://schemas.microsoft.com/office/mac/drawingml/2011/main" val="1"/>
+              <ma14:wrappingTextBoxFlag xmlns:ma14="http://schemas.microsoft.com/office/mac/drawingml/2011/main" xmlns:a14="http://schemas.microsoft.com/office/drawing/2010/main" xmlns:m="http://schemas.openxmlformats.org/officeDocument/2006/math" xmlns="" val="1"/>
             </a:ext>
           </a:extLst>
         </p:spPr>
@@ -5105,7 +5105,7 @@
           </a:ln>
           <a:extLst>
             <a:ext uri="{C572A759-6A51-4108-AA02-DFA0A04FC94B}">
-              <ma14:wrappingTextBoxFlag xmlns="" xmlns:m="http://schemas.openxmlformats.org/officeDocument/2006/math" xmlns:a14="http://schemas.microsoft.com/office/drawing/2010/main" xmlns:ma14="http://schemas.microsoft.com/office/mac/drawingml/2011/main" val="1"/>
+              <ma14:wrappingTextBoxFlag xmlns:ma14="http://schemas.microsoft.com/office/mac/drawingml/2011/main" xmlns:a14="http://schemas.microsoft.com/office/drawing/2010/main" xmlns:m="http://schemas.openxmlformats.org/officeDocument/2006/math" xmlns="" val="1"/>
             </a:ext>
           </a:extLst>
         </p:spPr>
@@ -5156,7 +5156,7 @@
           </a:ln>
           <a:extLst>
             <a:ext uri="{C572A759-6A51-4108-AA02-DFA0A04FC94B}">
-              <ma14:wrappingTextBoxFlag xmlns="" xmlns:m="http://schemas.openxmlformats.org/officeDocument/2006/math" xmlns:a14="http://schemas.microsoft.com/office/drawing/2010/main" xmlns:ma14="http://schemas.microsoft.com/office/mac/drawingml/2011/main" val="1"/>
+              <ma14:wrappingTextBoxFlag xmlns:ma14="http://schemas.microsoft.com/office/mac/drawingml/2011/main" xmlns:a14="http://schemas.microsoft.com/office/drawing/2010/main" xmlns:m="http://schemas.openxmlformats.org/officeDocument/2006/math" xmlns="" val="1"/>
             </a:ext>
           </a:extLst>
         </p:spPr>
@@ -5207,7 +5207,7 @@
           </a:ln>
           <a:extLst>
             <a:ext uri="{C572A759-6A51-4108-AA02-DFA0A04FC94B}">
-              <ma14:wrappingTextBoxFlag xmlns="" xmlns:m="http://schemas.openxmlformats.org/officeDocument/2006/math" xmlns:a14="http://schemas.microsoft.com/office/drawing/2010/main" xmlns:ma14="http://schemas.microsoft.com/office/mac/drawingml/2011/main" val="1"/>
+              <ma14:wrappingTextBoxFlag xmlns:ma14="http://schemas.microsoft.com/office/mac/drawingml/2011/main" xmlns:a14="http://schemas.microsoft.com/office/drawing/2010/main" xmlns:m="http://schemas.openxmlformats.org/officeDocument/2006/math" xmlns="" val="1"/>
             </a:ext>
           </a:extLst>
         </p:spPr>
@@ -5258,7 +5258,7 @@
           </a:ln>
           <a:extLst>
             <a:ext uri="{C572A759-6A51-4108-AA02-DFA0A04FC94B}">
-              <ma14:wrappingTextBoxFlag xmlns="" xmlns:m="http://schemas.openxmlformats.org/officeDocument/2006/math" xmlns:a14="http://schemas.microsoft.com/office/drawing/2010/main" xmlns:ma14="http://schemas.microsoft.com/office/mac/drawingml/2011/main" val="1"/>
+              <ma14:wrappingTextBoxFlag xmlns:ma14="http://schemas.microsoft.com/office/mac/drawingml/2011/main" xmlns:a14="http://schemas.microsoft.com/office/drawing/2010/main" xmlns:m="http://schemas.openxmlformats.org/officeDocument/2006/math" xmlns="" val="1"/>
             </a:ext>
           </a:extLst>
         </p:spPr>
@@ -5309,7 +5309,7 @@
           </a:ln>
           <a:extLst>
             <a:ext uri="{C572A759-6A51-4108-AA02-DFA0A04FC94B}">
-              <ma14:wrappingTextBoxFlag xmlns="" xmlns:m="http://schemas.openxmlformats.org/officeDocument/2006/math" xmlns:a14="http://schemas.microsoft.com/office/drawing/2010/main" xmlns:ma14="http://schemas.microsoft.com/office/mac/drawingml/2011/main" val="1"/>
+              <ma14:wrappingTextBoxFlag xmlns:ma14="http://schemas.microsoft.com/office/mac/drawingml/2011/main" xmlns:a14="http://schemas.microsoft.com/office/drawing/2010/main" xmlns:m="http://schemas.openxmlformats.org/officeDocument/2006/math" xmlns="" val="1"/>
             </a:ext>
           </a:extLst>
         </p:spPr>
@@ -5360,7 +5360,7 @@
           </a:ln>
           <a:extLst>
             <a:ext uri="{C572A759-6A51-4108-AA02-DFA0A04FC94B}">
-              <ma14:wrappingTextBoxFlag xmlns="" xmlns:m="http://schemas.openxmlformats.org/officeDocument/2006/math" xmlns:a14="http://schemas.microsoft.com/office/drawing/2010/main" xmlns:ma14="http://schemas.microsoft.com/office/mac/drawingml/2011/main" val="1"/>
+              <ma14:wrappingTextBoxFlag xmlns:ma14="http://schemas.microsoft.com/office/mac/drawingml/2011/main" xmlns:a14="http://schemas.microsoft.com/office/drawing/2010/main" xmlns:m="http://schemas.openxmlformats.org/officeDocument/2006/math" xmlns="" val="1"/>
             </a:ext>
           </a:extLst>
         </p:spPr>
@@ -5411,7 +5411,7 @@
           </a:ln>
           <a:extLst>
             <a:ext uri="{C572A759-6A51-4108-AA02-DFA0A04FC94B}">
-              <ma14:wrappingTextBoxFlag xmlns="" xmlns:m="http://schemas.openxmlformats.org/officeDocument/2006/math" xmlns:a14="http://schemas.microsoft.com/office/drawing/2010/main" xmlns:ma14="http://schemas.microsoft.com/office/mac/drawingml/2011/main" val="1"/>
+              <ma14:wrappingTextBoxFlag xmlns:ma14="http://schemas.microsoft.com/office/mac/drawingml/2011/main" xmlns:a14="http://schemas.microsoft.com/office/drawing/2010/main" xmlns:m="http://schemas.openxmlformats.org/officeDocument/2006/math" xmlns="" val="1"/>
             </a:ext>
           </a:extLst>
         </p:spPr>
@@ -5462,7 +5462,7 @@
           </a:ln>
           <a:extLst>
             <a:ext uri="{C572A759-6A51-4108-AA02-DFA0A04FC94B}">
-              <ma14:wrappingTextBoxFlag xmlns="" xmlns:m="http://schemas.openxmlformats.org/officeDocument/2006/math" xmlns:a14="http://schemas.microsoft.com/office/drawing/2010/main" xmlns:ma14="http://schemas.microsoft.com/office/mac/drawingml/2011/main" val="1"/>
+              <ma14:wrappingTextBoxFlag xmlns:ma14="http://schemas.microsoft.com/office/mac/drawingml/2011/main" xmlns:a14="http://schemas.microsoft.com/office/drawing/2010/main" xmlns:m="http://schemas.openxmlformats.org/officeDocument/2006/math" xmlns="" val="1"/>
             </a:ext>
           </a:extLst>
         </p:spPr>
@@ -5513,7 +5513,7 @@
           </a:ln>
           <a:extLst>
             <a:ext uri="{C572A759-6A51-4108-AA02-DFA0A04FC94B}">
-              <ma14:wrappingTextBoxFlag xmlns="" xmlns:m="http://schemas.openxmlformats.org/officeDocument/2006/math" xmlns:a14="http://schemas.microsoft.com/office/drawing/2010/main" xmlns:ma14="http://schemas.microsoft.com/office/mac/drawingml/2011/main" val="1"/>
+              <ma14:wrappingTextBoxFlag xmlns:ma14="http://schemas.microsoft.com/office/mac/drawingml/2011/main" xmlns:a14="http://schemas.microsoft.com/office/drawing/2010/main" xmlns:m="http://schemas.openxmlformats.org/officeDocument/2006/math" xmlns="" val="1"/>
             </a:ext>
           </a:extLst>
         </p:spPr>
@@ -5564,7 +5564,7 @@
           </a:ln>
           <a:extLst>
             <a:ext uri="{C572A759-6A51-4108-AA02-DFA0A04FC94B}">
-              <ma14:wrappingTextBoxFlag xmlns="" xmlns:m="http://schemas.openxmlformats.org/officeDocument/2006/math" xmlns:a14="http://schemas.microsoft.com/office/drawing/2010/main" xmlns:ma14="http://schemas.microsoft.com/office/mac/drawingml/2011/main" val="1"/>
+              <ma14:wrappingTextBoxFlag xmlns:ma14="http://schemas.microsoft.com/office/mac/drawingml/2011/main" xmlns:a14="http://schemas.microsoft.com/office/drawing/2010/main" xmlns:m="http://schemas.openxmlformats.org/officeDocument/2006/math" xmlns="" val="1"/>
             </a:ext>
           </a:extLst>
         </p:spPr>
@@ -5615,7 +5615,7 @@
           </a:ln>
           <a:extLst>
             <a:ext uri="{C572A759-6A51-4108-AA02-DFA0A04FC94B}">
-              <ma14:wrappingTextBoxFlag xmlns="" xmlns:m="http://schemas.openxmlformats.org/officeDocument/2006/math" xmlns:a14="http://schemas.microsoft.com/office/drawing/2010/main" xmlns:ma14="http://schemas.microsoft.com/office/mac/drawingml/2011/main" val="1"/>
+              <ma14:wrappingTextBoxFlag xmlns:ma14="http://schemas.microsoft.com/office/mac/drawingml/2011/main" xmlns:a14="http://schemas.microsoft.com/office/drawing/2010/main" xmlns:m="http://schemas.openxmlformats.org/officeDocument/2006/math" xmlns="" val="1"/>
             </a:ext>
           </a:extLst>
         </p:spPr>
@@ -5666,7 +5666,7 @@
           </a:ln>
           <a:extLst>
             <a:ext uri="{C572A759-6A51-4108-AA02-DFA0A04FC94B}">
-              <ma14:wrappingTextBoxFlag xmlns="" xmlns:m="http://schemas.openxmlformats.org/officeDocument/2006/math" xmlns:a14="http://schemas.microsoft.com/office/drawing/2010/main" xmlns:ma14="http://schemas.microsoft.com/office/mac/drawingml/2011/main" val="1"/>
+              <ma14:wrappingTextBoxFlag xmlns:ma14="http://schemas.microsoft.com/office/mac/drawingml/2011/main" xmlns:a14="http://schemas.microsoft.com/office/drawing/2010/main" xmlns:m="http://schemas.openxmlformats.org/officeDocument/2006/math" xmlns="" val="1"/>
             </a:ext>
           </a:extLst>
         </p:spPr>
@@ -5717,7 +5717,7 @@
           </a:ln>
           <a:extLst>
             <a:ext uri="{C572A759-6A51-4108-AA02-DFA0A04FC94B}">
-              <ma14:wrappingTextBoxFlag xmlns="" xmlns:m="http://schemas.openxmlformats.org/officeDocument/2006/math" xmlns:a14="http://schemas.microsoft.com/office/drawing/2010/main" xmlns:ma14="http://schemas.microsoft.com/office/mac/drawingml/2011/main" val="1"/>
+              <ma14:wrappingTextBoxFlag xmlns:ma14="http://schemas.microsoft.com/office/mac/drawingml/2011/main" xmlns:a14="http://schemas.microsoft.com/office/drawing/2010/main" xmlns:m="http://schemas.openxmlformats.org/officeDocument/2006/math" xmlns="" val="1"/>
             </a:ext>
           </a:extLst>
         </p:spPr>
@@ -5768,7 +5768,7 @@
           </a:ln>
           <a:extLst>
             <a:ext uri="{C572A759-6A51-4108-AA02-DFA0A04FC94B}">
-              <ma14:wrappingTextBoxFlag xmlns="" xmlns:m="http://schemas.openxmlformats.org/officeDocument/2006/math" xmlns:a14="http://schemas.microsoft.com/office/drawing/2010/main" xmlns:ma14="http://schemas.microsoft.com/office/mac/drawingml/2011/main" val="1"/>
+              <ma14:wrappingTextBoxFlag xmlns:ma14="http://schemas.microsoft.com/office/mac/drawingml/2011/main" xmlns:a14="http://schemas.microsoft.com/office/drawing/2010/main" xmlns:m="http://schemas.openxmlformats.org/officeDocument/2006/math" xmlns="" val="1"/>
             </a:ext>
           </a:extLst>
         </p:spPr>
@@ -5819,7 +5819,7 @@
           </a:ln>
           <a:extLst>
             <a:ext uri="{C572A759-6A51-4108-AA02-DFA0A04FC94B}">
-              <ma14:wrappingTextBoxFlag xmlns="" xmlns:m="http://schemas.openxmlformats.org/officeDocument/2006/math" xmlns:a14="http://schemas.microsoft.com/office/drawing/2010/main" xmlns:ma14="http://schemas.microsoft.com/office/mac/drawingml/2011/main" val="1"/>
+              <ma14:wrappingTextBoxFlag xmlns:ma14="http://schemas.microsoft.com/office/mac/drawingml/2011/main" xmlns:a14="http://schemas.microsoft.com/office/drawing/2010/main" xmlns:m="http://schemas.openxmlformats.org/officeDocument/2006/math" xmlns="" val="1"/>
             </a:ext>
           </a:extLst>
         </p:spPr>
@@ -5870,7 +5870,7 @@
           </a:ln>
           <a:extLst>
             <a:ext uri="{C572A759-6A51-4108-AA02-DFA0A04FC94B}">
-              <ma14:wrappingTextBoxFlag xmlns="" xmlns:m="http://schemas.openxmlformats.org/officeDocument/2006/math" xmlns:a14="http://schemas.microsoft.com/office/drawing/2010/main" xmlns:ma14="http://schemas.microsoft.com/office/mac/drawingml/2011/main" val="1"/>
+              <ma14:wrappingTextBoxFlag xmlns:ma14="http://schemas.microsoft.com/office/mac/drawingml/2011/main" xmlns:a14="http://schemas.microsoft.com/office/drawing/2010/main" xmlns:m="http://schemas.openxmlformats.org/officeDocument/2006/math" xmlns="" val="1"/>
             </a:ext>
           </a:extLst>
         </p:spPr>
@@ -5921,7 +5921,7 @@
           </a:ln>
           <a:extLst>
             <a:ext uri="{C572A759-6A51-4108-AA02-DFA0A04FC94B}">
-              <ma14:wrappingTextBoxFlag xmlns="" xmlns:m="http://schemas.openxmlformats.org/officeDocument/2006/math" xmlns:a14="http://schemas.microsoft.com/office/drawing/2010/main" xmlns:ma14="http://schemas.microsoft.com/office/mac/drawingml/2011/main" val="1"/>
+              <ma14:wrappingTextBoxFlag xmlns:ma14="http://schemas.microsoft.com/office/mac/drawingml/2011/main" xmlns:a14="http://schemas.microsoft.com/office/drawing/2010/main" xmlns:m="http://schemas.openxmlformats.org/officeDocument/2006/math" xmlns="" val="1"/>
             </a:ext>
           </a:extLst>
         </p:spPr>
@@ -5972,7 +5972,7 @@
           </a:ln>
           <a:extLst>
             <a:ext uri="{C572A759-6A51-4108-AA02-DFA0A04FC94B}">
-              <ma14:wrappingTextBoxFlag xmlns="" xmlns:m="http://schemas.openxmlformats.org/officeDocument/2006/math" xmlns:a14="http://schemas.microsoft.com/office/drawing/2010/main" xmlns:ma14="http://schemas.microsoft.com/office/mac/drawingml/2011/main" val="1"/>
+              <ma14:wrappingTextBoxFlag xmlns:ma14="http://schemas.microsoft.com/office/mac/drawingml/2011/main" xmlns:a14="http://schemas.microsoft.com/office/drawing/2010/main" xmlns:m="http://schemas.openxmlformats.org/officeDocument/2006/math" xmlns="" val="1"/>
             </a:ext>
           </a:extLst>
         </p:spPr>
@@ -6319,7 +6319,7 @@
           </a:ln>
           <a:extLst>
             <a:ext uri="{C572A759-6A51-4108-AA02-DFA0A04FC94B}">
-              <ma14:wrappingTextBoxFlag xmlns="" xmlns:m="http://schemas.openxmlformats.org/officeDocument/2006/math" xmlns:a14="http://schemas.microsoft.com/office/drawing/2010/main" xmlns:ma14="http://schemas.microsoft.com/office/mac/drawingml/2011/main" val="1"/>
+              <ma14:wrappingTextBoxFlag xmlns:ma14="http://schemas.microsoft.com/office/mac/drawingml/2011/main" xmlns:a14="http://schemas.microsoft.com/office/drawing/2010/main" xmlns:m="http://schemas.openxmlformats.org/officeDocument/2006/math" xmlns="" val="1"/>
             </a:ext>
           </a:extLst>
         </p:spPr>
@@ -6383,7 +6383,7 @@
           </a:ln>
           <a:extLst>
             <a:ext uri="{C572A759-6A51-4108-AA02-DFA0A04FC94B}">
-              <ma14:wrappingTextBoxFlag xmlns="" xmlns:m="http://schemas.openxmlformats.org/officeDocument/2006/math" xmlns:a14="http://schemas.microsoft.com/office/drawing/2010/main" xmlns:ma14="http://schemas.microsoft.com/office/mac/drawingml/2011/main" val="1"/>
+              <ma14:wrappingTextBoxFlag xmlns:ma14="http://schemas.microsoft.com/office/mac/drawingml/2011/main" xmlns:a14="http://schemas.microsoft.com/office/drawing/2010/main" xmlns:m="http://schemas.openxmlformats.org/officeDocument/2006/math" xmlns="" val="1"/>
             </a:ext>
           </a:extLst>
         </p:spPr>
@@ -6468,7 +6468,7 @@
           </a:ln>
           <a:extLst>
             <a:ext uri="{C572A759-6A51-4108-AA02-DFA0A04FC94B}">
-              <ma14:wrappingTextBoxFlag xmlns="" xmlns:m="http://schemas.openxmlformats.org/officeDocument/2006/math" xmlns:a14="http://schemas.microsoft.com/office/drawing/2010/main" xmlns:ma14="http://schemas.microsoft.com/office/mac/drawingml/2011/main" val="1"/>
+              <ma14:wrappingTextBoxFlag xmlns:ma14="http://schemas.microsoft.com/office/mac/drawingml/2011/main" xmlns:a14="http://schemas.microsoft.com/office/drawing/2010/main" xmlns:m="http://schemas.openxmlformats.org/officeDocument/2006/math" xmlns="" val="1"/>
             </a:ext>
           </a:extLst>
         </p:spPr>
@@ -6519,7 +6519,7 @@
           </a:ln>
           <a:extLst>
             <a:ext uri="{C572A759-6A51-4108-AA02-DFA0A04FC94B}">
-              <ma14:wrappingTextBoxFlag xmlns="" xmlns:m="http://schemas.openxmlformats.org/officeDocument/2006/math" xmlns:a14="http://schemas.microsoft.com/office/drawing/2010/main" xmlns:ma14="http://schemas.microsoft.com/office/mac/drawingml/2011/main" val="1"/>
+              <ma14:wrappingTextBoxFlag xmlns:ma14="http://schemas.microsoft.com/office/mac/drawingml/2011/main" xmlns:a14="http://schemas.microsoft.com/office/drawing/2010/main" xmlns:m="http://schemas.openxmlformats.org/officeDocument/2006/math" xmlns="" val="1"/>
             </a:ext>
           </a:extLst>
         </p:spPr>
@@ -6570,7 +6570,7 @@
           </a:ln>
           <a:extLst>
             <a:ext uri="{C572A759-6A51-4108-AA02-DFA0A04FC94B}">
-              <ma14:wrappingTextBoxFlag xmlns="" xmlns:m="http://schemas.openxmlformats.org/officeDocument/2006/math" xmlns:a14="http://schemas.microsoft.com/office/drawing/2010/main" xmlns:ma14="http://schemas.microsoft.com/office/mac/drawingml/2011/main" val="1"/>
+              <ma14:wrappingTextBoxFlag xmlns:ma14="http://schemas.microsoft.com/office/mac/drawingml/2011/main" xmlns:a14="http://schemas.microsoft.com/office/drawing/2010/main" xmlns:m="http://schemas.openxmlformats.org/officeDocument/2006/math" xmlns="" val="1"/>
             </a:ext>
           </a:extLst>
         </p:spPr>
@@ -6621,7 +6621,7 @@
           </a:ln>
           <a:extLst>
             <a:ext uri="{C572A759-6A51-4108-AA02-DFA0A04FC94B}">
-              <ma14:wrappingTextBoxFlag xmlns="" xmlns:m="http://schemas.openxmlformats.org/officeDocument/2006/math" xmlns:a14="http://schemas.microsoft.com/office/drawing/2010/main" xmlns:ma14="http://schemas.microsoft.com/office/mac/drawingml/2011/main" val="1"/>
+              <ma14:wrappingTextBoxFlag xmlns:ma14="http://schemas.microsoft.com/office/mac/drawingml/2011/main" xmlns:a14="http://schemas.microsoft.com/office/drawing/2010/main" xmlns:m="http://schemas.openxmlformats.org/officeDocument/2006/math" xmlns="" val="1"/>
             </a:ext>
           </a:extLst>
         </p:spPr>
@@ -6672,7 +6672,7 @@
           </a:ln>
           <a:extLst>
             <a:ext uri="{C572A759-6A51-4108-AA02-DFA0A04FC94B}">
-              <ma14:wrappingTextBoxFlag xmlns="" xmlns:m="http://schemas.openxmlformats.org/officeDocument/2006/math" xmlns:a14="http://schemas.microsoft.com/office/drawing/2010/main" xmlns:ma14="http://schemas.microsoft.com/office/mac/drawingml/2011/main" val="1"/>
+              <ma14:wrappingTextBoxFlag xmlns:ma14="http://schemas.microsoft.com/office/mac/drawingml/2011/main" xmlns:a14="http://schemas.microsoft.com/office/drawing/2010/main" xmlns:m="http://schemas.openxmlformats.org/officeDocument/2006/math" xmlns="" val="1"/>
             </a:ext>
           </a:extLst>
         </p:spPr>
@@ -6723,7 +6723,7 @@
           </a:ln>
           <a:extLst>
             <a:ext uri="{C572A759-6A51-4108-AA02-DFA0A04FC94B}">
-              <ma14:wrappingTextBoxFlag xmlns="" xmlns:m="http://schemas.openxmlformats.org/officeDocument/2006/math" xmlns:a14="http://schemas.microsoft.com/office/drawing/2010/main" xmlns:ma14="http://schemas.microsoft.com/office/mac/drawingml/2011/main" val="1"/>
+              <ma14:wrappingTextBoxFlag xmlns:ma14="http://schemas.microsoft.com/office/mac/drawingml/2011/main" xmlns:a14="http://schemas.microsoft.com/office/drawing/2010/main" xmlns:m="http://schemas.openxmlformats.org/officeDocument/2006/math" xmlns="" val="1"/>
             </a:ext>
           </a:extLst>
         </p:spPr>
@@ -6774,7 +6774,7 @@
           </a:ln>
           <a:extLst>
             <a:ext uri="{C572A759-6A51-4108-AA02-DFA0A04FC94B}">
-              <ma14:wrappingTextBoxFlag xmlns="" xmlns:m="http://schemas.openxmlformats.org/officeDocument/2006/math" xmlns:a14="http://schemas.microsoft.com/office/drawing/2010/main" xmlns:ma14="http://schemas.microsoft.com/office/mac/drawingml/2011/main" val="1"/>
+              <ma14:wrappingTextBoxFlag xmlns:ma14="http://schemas.microsoft.com/office/mac/drawingml/2011/main" xmlns:a14="http://schemas.microsoft.com/office/drawing/2010/main" xmlns:m="http://schemas.openxmlformats.org/officeDocument/2006/math" xmlns="" val="1"/>
             </a:ext>
           </a:extLst>
         </p:spPr>
@@ -6825,7 +6825,7 @@
           </a:ln>
           <a:extLst>
             <a:ext uri="{C572A759-6A51-4108-AA02-DFA0A04FC94B}">
-              <ma14:wrappingTextBoxFlag xmlns="" xmlns:m="http://schemas.openxmlformats.org/officeDocument/2006/math" xmlns:a14="http://schemas.microsoft.com/office/drawing/2010/main" xmlns:ma14="http://schemas.microsoft.com/office/mac/drawingml/2011/main" val="1"/>
+              <ma14:wrappingTextBoxFlag xmlns:ma14="http://schemas.microsoft.com/office/mac/drawingml/2011/main" xmlns:a14="http://schemas.microsoft.com/office/drawing/2010/main" xmlns:m="http://schemas.openxmlformats.org/officeDocument/2006/math" xmlns="" val="1"/>
             </a:ext>
           </a:extLst>
         </p:spPr>
@@ -6876,7 +6876,7 @@
           </a:ln>
           <a:extLst>
             <a:ext uri="{C572A759-6A51-4108-AA02-DFA0A04FC94B}">
-              <ma14:wrappingTextBoxFlag xmlns="" xmlns:m="http://schemas.openxmlformats.org/officeDocument/2006/math" xmlns:a14="http://schemas.microsoft.com/office/drawing/2010/main" xmlns:ma14="http://schemas.microsoft.com/office/mac/drawingml/2011/main" val="1"/>
+              <ma14:wrappingTextBoxFlag xmlns:ma14="http://schemas.microsoft.com/office/mac/drawingml/2011/main" xmlns:a14="http://schemas.microsoft.com/office/drawing/2010/main" xmlns:m="http://schemas.openxmlformats.org/officeDocument/2006/math" xmlns="" val="1"/>
             </a:ext>
           </a:extLst>
         </p:spPr>
@@ -6927,7 +6927,7 @@
           </a:ln>
           <a:extLst>
             <a:ext uri="{C572A759-6A51-4108-AA02-DFA0A04FC94B}">
-              <ma14:wrappingTextBoxFlag xmlns="" xmlns:m="http://schemas.openxmlformats.org/officeDocument/2006/math" xmlns:a14="http://schemas.microsoft.com/office/drawing/2010/main" xmlns:ma14="http://schemas.microsoft.com/office/mac/drawingml/2011/main" val="1"/>
+              <ma14:wrappingTextBoxFlag xmlns:ma14="http://schemas.microsoft.com/office/mac/drawingml/2011/main" xmlns:a14="http://schemas.microsoft.com/office/drawing/2010/main" xmlns:m="http://schemas.openxmlformats.org/officeDocument/2006/math" xmlns="" val="1"/>
             </a:ext>
           </a:extLst>
         </p:spPr>
@@ -6978,7 +6978,7 @@
           </a:ln>
           <a:extLst>
             <a:ext uri="{C572A759-6A51-4108-AA02-DFA0A04FC94B}">
-              <ma14:wrappingTextBoxFlag xmlns="" xmlns:m="http://schemas.openxmlformats.org/officeDocument/2006/math" xmlns:a14="http://schemas.microsoft.com/office/drawing/2010/main" xmlns:ma14="http://schemas.microsoft.com/office/mac/drawingml/2011/main" val="1"/>
+              <ma14:wrappingTextBoxFlag xmlns:ma14="http://schemas.microsoft.com/office/mac/drawingml/2011/main" xmlns:a14="http://schemas.microsoft.com/office/drawing/2010/main" xmlns:m="http://schemas.openxmlformats.org/officeDocument/2006/math" xmlns="" val="1"/>
             </a:ext>
           </a:extLst>
         </p:spPr>
@@ -7029,7 +7029,7 @@
           </a:ln>
           <a:extLst>
             <a:ext uri="{C572A759-6A51-4108-AA02-DFA0A04FC94B}">
-              <ma14:wrappingTextBoxFlag xmlns="" xmlns:m="http://schemas.openxmlformats.org/officeDocument/2006/math" xmlns:a14="http://schemas.microsoft.com/office/drawing/2010/main" xmlns:ma14="http://schemas.microsoft.com/office/mac/drawingml/2011/main" val="1"/>
+              <ma14:wrappingTextBoxFlag xmlns:ma14="http://schemas.microsoft.com/office/mac/drawingml/2011/main" xmlns:a14="http://schemas.microsoft.com/office/drawing/2010/main" xmlns:m="http://schemas.openxmlformats.org/officeDocument/2006/math" xmlns="" val="1"/>
             </a:ext>
           </a:extLst>
         </p:spPr>
@@ -7080,7 +7080,7 @@
           </a:ln>
           <a:extLst>
             <a:ext uri="{C572A759-6A51-4108-AA02-DFA0A04FC94B}">
-              <ma14:wrappingTextBoxFlag xmlns="" xmlns:m="http://schemas.openxmlformats.org/officeDocument/2006/math" xmlns:a14="http://schemas.microsoft.com/office/drawing/2010/main" xmlns:ma14="http://schemas.microsoft.com/office/mac/drawingml/2011/main" val="1"/>
+              <ma14:wrappingTextBoxFlag xmlns:ma14="http://schemas.microsoft.com/office/mac/drawingml/2011/main" xmlns:a14="http://schemas.microsoft.com/office/drawing/2010/main" xmlns:m="http://schemas.openxmlformats.org/officeDocument/2006/math" xmlns="" val="1"/>
             </a:ext>
           </a:extLst>
         </p:spPr>
@@ -7131,7 +7131,7 @@
           </a:ln>
           <a:extLst>
             <a:ext uri="{C572A759-6A51-4108-AA02-DFA0A04FC94B}">
-              <ma14:wrappingTextBoxFlag xmlns="" xmlns:m="http://schemas.openxmlformats.org/officeDocument/2006/math" xmlns:a14="http://schemas.microsoft.com/office/drawing/2010/main" xmlns:ma14="http://schemas.microsoft.com/office/mac/drawingml/2011/main" val="1"/>
+              <ma14:wrappingTextBoxFlag xmlns:ma14="http://schemas.microsoft.com/office/mac/drawingml/2011/main" xmlns:a14="http://schemas.microsoft.com/office/drawing/2010/main" xmlns:m="http://schemas.openxmlformats.org/officeDocument/2006/math" xmlns="" val="1"/>
             </a:ext>
           </a:extLst>
         </p:spPr>
@@ -7182,7 +7182,7 @@
           </a:ln>
           <a:extLst>
             <a:ext uri="{C572A759-6A51-4108-AA02-DFA0A04FC94B}">
-              <ma14:wrappingTextBoxFlag xmlns="" xmlns:m="http://schemas.openxmlformats.org/officeDocument/2006/math" xmlns:a14="http://schemas.microsoft.com/office/drawing/2010/main" xmlns:ma14="http://schemas.microsoft.com/office/mac/drawingml/2011/main" val="1"/>
+              <ma14:wrappingTextBoxFlag xmlns:ma14="http://schemas.microsoft.com/office/mac/drawingml/2011/main" xmlns:a14="http://schemas.microsoft.com/office/drawing/2010/main" xmlns:m="http://schemas.openxmlformats.org/officeDocument/2006/math" xmlns="" val="1"/>
             </a:ext>
           </a:extLst>
         </p:spPr>
@@ -7233,7 +7233,7 @@
           </a:ln>
           <a:extLst>
             <a:ext uri="{C572A759-6A51-4108-AA02-DFA0A04FC94B}">
-              <ma14:wrappingTextBoxFlag xmlns="" xmlns:m="http://schemas.openxmlformats.org/officeDocument/2006/math" xmlns:a14="http://schemas.microsoft.com/office/drawing/2010/main" xmlns:ma14="http://schemas.microsoft.com/office/mac/drawingml/2011/main" val="1"/>
+              <ma14:wrappingTextBoxFlag xmlns:ma14="http://schemas.microsoft.com/office/mac/drawingml/2011/main" xmlns:a14="http://schemas.microsoft.com/office/drawing/2010/main" xmlns:m="http://schemas.openxmlformats.org/officeDocument/2006/math" xmlns="" val="1"/>
             </a:ext>
           </a:extLst>
         </p:spPr>
@@ -7284,7 +7284,7 @@
           </a:ln>
           <a:extLst>
             <a:ext uri="{C572A759-6A51-4108-AA02-DFA0A04FC94B}">
-              <ma14:wrappingTextBoxFlag xmlns="" xmlns:m="http://schemas.openxmlformats.org/officeDocument/2006/math" xmlns:a14="http://schemas.microsoft.com/office/drawing/2010/main" xmlns:ma14="http://schemas.microsoft.com/office/mac/drawingml/2011/main" val="1"/>
+              <ma14:wrappingTextBoxFlag xmlns:ma14="http://schemas.microsoft.com/office/mac/drawingml/2011/main" xmlns:a14="http://schemas.microsoft.com/office/drawing/2010/main" xmlns:m="http://schemas.openxmlformats.org/officeDocument/2006/math" xmlns="" val="1"/>
             </a:ext>
           </a:extLst>
         </p:spPr>
@@ -7335,7 +7335,7 @@
           </a:ln>
           <a:extLst>
             <a:ext uri="{C572A759-6A51-4108-AA02-DFA0A04FC94B}">
-              <ma14:wrappingTextBoxFlag xmlns="" xmlns:m="http://schemas.openxmlformats.org/officeDocument/2006/math" xmlns:a14="http://schemas.microsoft.com/office/drawing/2010/main" xmlns:ma14="http://schemas.microsoft.com/office/mac/drawingml/2011/main" val="1"/>
+              <ma14:wrappingTextBoxFlag xmlns:ma14="http://schemas.microsoft.com/office/mac/drawingml/2011/main" xmlns:a14="http://schemas.microsoft.com/office/drawing/2010/main" xmlns:m="http://schemas.openxmlformats.org/officeDocument/2006/math" xmlns="" val="1"/>
             </a:ext>
           </a:extLst>
         </p:spPr>
@@ -7386,7 +7386,7 @@
           </a:ln>
           <a:extLst>
             <a:ext uri="{C572A759-6A51-4108-AA02-DFA0A04FC94B}">
-              <ma14:wrappingTextBoxFlag xmlns="" xmlns:m="http://schemas.openxmlformats.org/officeDocument/2006/math" xmlns:a14="http://schemas.microsoft.com/office/drawing/2010/main" xmlns:ma14="http://schemas.microsoft.com/office/mac/drawingml/2011/main" val="1"/>
+              <ma14:wrappingTextBoxFlag xmlns:ma14="http://schemas.microsoft.com/office/mac/drawingml/2011/main" xmlns:a14="http://schemas.microsoft.com/office/drawing/2010/main" xmlns:m="http://schemas.openxmlformats.org/officeDocument/2006/math" xmlns="" val="1"/>
             </a:ext>
           </a:extLst>
         </p:spPr>
@@ -7437,7 +7437,7 @@
           </a:ln>
           <a:extLst>
             <a:ext uri="{C572A759-6A51-4108-AA02-DFA0A04FC94B}">
-              <ma14:wrappingTextBoxFlag xmlns="" xmlns:m="http://schemas.openxmlformats.org/officeDocument/2006/math" xmlns:a14="http://schemas.microsoft.com/office/drawing/2010/main" xmlns:ma14="http://schemas.microsoft.com/office/mac/drawingml/2011/main" val="1"/>
+              <ma14:wrappingTextBoxFlag xmlns:ma14="http://schemas.microsoft.com/office/mac/drawingml/2011/main" xmlns:a14="http://schemas.microsoft.com/office/drawing/2010/main" xmlns:m="http://schemas.openxmlformats.org/officeDocument/2006/math" xmlns="" val="1"/>
             </a:ext>
           </a:extLst>
         </p:spPr>
@@ -7488,7 +7488,7 @@
           </a:ln>
           <a:extLst>
             <a:ext uri="{C572A759-6A51-4108-AA02-DFA0A04FC94B}">
-              <ma14:wrappingTextBoxFlag xmlns="" xmlns:m="http://schemas.openxmlformats.org/officeDocument/2006/math" xmlns:a14="http://schemas.microsoft.com/office/drawing/2010/main" xmlns:ma14="http://schemas.microsoft.com/office/mac/drawingml/2011/main" val="1"/>
+              <ma14:wrappingTextBoxFlag xmlns:ma14="http://schemas.microsoft.com/office/mac/drawingml/2011/main" xmlns:a14="http://schemas.microsoft.com/office/drawing/2010/main" xmlns:m="http://schemas.openxmlformats.org/officeDocument/2006/math" xmlns="" val="1"/>
             </a:ext>
           </a:extLst>
         </p:spPr>
@@ -7539,7 +7539,7 @@
           </a:ln>
           <a:extLst>
             <a:ext uri="{C572A759-6A51-4108-AA02-DFA0A04FC94B}">
-              <ma14:wrappingTextBoxFlag xmlns="" xmlns:m="http://schemas.openxmlformats.org/officeDocument/2006/math" xmlns:a14="http://schemas.microsoft.com/office/drawing/2010/main" xmlns:ma14="http://schemas.microsoft.com/office/mac/drawingml/2011/main" val="1"/>
+              <ma14:wrappingTextBoxFlag xmlns:ma14="http://schemas.microsoft.com/office/mac/drawingml/2011/main" xmlns:a14="http://schemas.microsoft.com/office/drawing/2010/main" xmlns:m="http://schemas.openxmlformats.org/officeDocument/2006/math" xmlns="" val="1"/>
             </a:ext>
           </a:extLst>
         </p:spPr>
@@ -7590,7 +7590,7 @@
           </a:ln>
           <a:extLst>
             <a:ext uri="{C572A759-6A51-4108-AA02-DFA0A04FC94B}">
-              <ma14:wrappingTextBoxFlag xmlns="" xmlns:m="http://schemas.openxmlformats.org/officeDocument/2006/math" xmlns:a14="http://schemas.microsoft.com/office/drawing/2010/main" xmlns:ma14="http://schemas.microsoft.com/office/mac/drawingml/2011/main" val="1"/>
+              <ma14:wrappingTextBoxFlag xmlns:ma14="http://schemas.microsoft.com/office/mac/drawingml/2011/main" xmlns:a14="http://schemas.microsoft.com/office/drawing/2010/main" xmlns:m="http://schemas.openxmlformats.org/officeDocument/2006/math" xmlns="" val="1"/>
             </a:ext>
           </a:extLst>
         </p:spPr>
@@ -7641,7 +7641,7 @@
           </a:ln>
           <a:extLst>
             <a:ext uri="{C572A759-6A51-4108-AA02-DFA0A04FC94B}">
-              <ma14:wrappingTextBoxFlag xmlns="" xmlns:m="http://schemas.openxmlformats.org/officeDocument/2006/math" xmlns:a14="http://schemas.microsoft.com/office/drawing/2010/main" xmlns:ma14="http://schemas.microsoft.com/office/mac/drawingml/2011/main" val="1"/>
+              <ma14:wrappingTextBoxFlag xmlns:ma14="http://schemas.microsoft.com/office/mac/drawingml/2011/main" xmlns:a14="http://schemas.microsoft.com/office/drawing/2010/main" xmlns:m="http://schemas.openxmlformats.org/officeDocument/2006/math" xmlns="" val="1"/>
             </a:ext>
           </a:extLst>
         </p:spPr>
@@ -7692,7 +7692,7 @@
           </a:ln>
           <a:extLst>
             <a:ext uri="{C572A759-6A51-4108-AA02-DFA0A04FC94B}">
-              <ma14:wrappingTextBoxFlag xmlns="" xmlns:m="http://schemas.openxmlformats.org/officeDocument/2006/math" xmlns:a14="http://schemas.microsoft.com/office/drawing/2010/main" xmlns:ma14="http://schemas.microsoft.com/office/mac/drawingml/2011/main" val="1"/>
+              <ma14:wrappingTextBoxFlag xmlns:ma14="http://schemas.microsoft.com/office/mac/drawingml/2011/main" xmlns:a14="http://schemas.microsoft.com/office/drawing/2010/main" xmlns:m="http://schemas.openxmlformats.org/officeDocument/2006/math" xmlns="" val="1"/>
             </a:ext>
           </a:extLst>
         </p:spPr>
@@ -7743,7 +7743,7 @@
           </a:ln>
           <a:extLst>
             <a:ext uri="{C572A759-6A51-4108-AA02-DFA0A04FC94B}">
-              <ma14:wrappingTextBoxFlag xmlns="" xmlns:m="http://schemas.openxmlformats.org/officeDocument/2006/math" xmlns:a14="http://schemas.microsoft.com/office/drawing/2010/main" xmlns:ma14="http://schemas.microsoft.com/office/mac/drawingml/2011/main" val="1"/>
+              <ma14:wrappingTextBoxFlag xmlns:ma14="http://schemas.microsoft.com/office/mac/drawingml/2011/main" xmlns:a14="http://schemas.microsoft.com/office/drawing/2010/main" xmlns:m="http://schemas.openxmlformats.org/officeDocument/2006/math" xmlns="" val="1"/>
             </a:ext>
           </a:extLst>
         </p:spPr>
@@ -7794,7 +7794,7 @@
           </a:ln>
           <a:extLst>
             <a:ext uri="{C572A759-6A51-4108-AA02-DFA0A04FC94B}">
-              <ma14:wrappingTextBoxFlag xmlns="" xmlns:m="http://schemas.openxmlformats.org/officeDocument/2006/math" xmlns:a14="http://schemas.microsoft.com/office/drawing/2010/main" xmlns:ma14="http://schemas.microsoft.com/office/mac/drawingml/2011/main" val="1"/>
+              <ma14:wrappingTextBoxFlag xmlns:ma14="http://schemas.microsoft.com/office/mac/drawingml/2011/main" xmlns:a14="http://schemas.microsoft.com/office/drawing/2010/main" xmlns:m="http://schemas.openxmlformats.org/officeDocument/2006/math" xmlns="" val="1"/>
             </a:ext>
           </a:extLst>
         </p:spPr>
@@ -7845,7 +7845,7 @@
           </a:ln>
           <a:extLst>
             <a:ext uri="{C572A759-6A51-4108-AA02-DFA0A04FC94B}">
-              <ma14:wrappingTextBoxFlag xmlns="" xmlns:m="http://schemas.openxmlformats.org/officeDocument/2006/math" xmlns:a14="http://schemas.microsoft.com/office/drawing/2010/main" xmlns:ma14="http://schemas.microsoft.com/office/mac/drawingml/2011/main" val="1"/>
+              <ma14:wrappingTextBoxFlag xmlns:ma14="http://schemas.microsoft.com/office/mac/drawingml/2011/main" xmlns:a14="http://schemas.microsoft.com/office/drawing/2010/main" xmlns:m="http://schemas.openxmlformats.org/officeDocument/2006/math" xmlns="" val="1"/>
             </a:ext>
           </a:extLst>
         </p:spPr>
@@ -7896,7 +7896,7 @@
           </a:ln>
           <a:extLst>
             <a:ext uri="{C572A759-6A51-4108-AA02-DFA0A04FC94B}">
-              <ma14:wrappingTextBoxFlag xmlns="" xmlns:m="http://schemas.openxmlformats.org/officeDocument/2006/math" xmlns:a14="http://schemas.microsoft.com/office/drawing/2010/main" xmlns:ma14="http://schemas.microsoft.com/office/mac/drawingml/2011/main" val="1"/>
+              <ma14:wrappingTextBoxFlag xmlns:ma14="http://schemas.microsoft.com/office/mac/drawingml/2011/main" xmlns:a14="http://schemas.microsoft.com/office/drawing/2010/main" xmlns:m="http://schemas.openxmlformats.org/officeDocument/2006/math" xmlns="" val="1"/>
             </a:ext>
           </a:extLst>
         </p:spPr>
@@ -7947,7 +7947,7 @@
           </a:ln>
           <a:extLst>
             <a:ext uri="{C572A759-6A51-4108-AA02-DFA0A04FC94B}">
-              <ma14:wrappingTextBoxFlag xmlns="" xmlns:m="http://schemas.openxmlformats.org/officeDocument/2006/math" xmlns:a14="http://schemas.microsoft.com/office/drawing/2010/main" xmlns:ma14="http://schemas.microsoft.com/office/mac/drawingml/2011/main" val="1"/>
+              <ma14:wrappingTextBoxFlag xmlns:ma14="http://schemas.microsoft.com/office/mac/drawingml/2011/main" xmlns:a14="http://schemas.microsoft.com/office/drawing/2010/main" xmlns:m="http://schemas.openxmlformats.org/officeDocument/2006/math" xmlns="" val="1"/>
             </a:ext>
           </a:extLst>
         </p:spPr>
@@ -8629,7 +8629,7 @@
           </a:ln>
           <a:extLst>
             <a:ext uri="{C572A759-6A51-4108-AA02-DFA0A04FC94B}">
-              <ma14:wrappingTextBoxFlag xmlns:ma14="http://schemas.microsoft.com/office/mac/drawingml/2011/main" xmlns:a14="http://schemas.microsoft.com/office/drawing/2010/main" xmlns:m="http://schemas.openxmlformats.org/officeDocument/2006/math" xmlns="" val="1"/>
+              <ma14:wrappingTextBoxFlag xmlns="" xmlns:m="http://schemas.openxmlformats.org/officeDocument/2006/math" xmlns:a14="http://schemas.microsoft.com/office/drawing/2010/main" xmlns:ma14="http://schemas.microsoft.com/office/mac/drawingml/2011/main" val="1"/>
             </a:ext>
           </a:extLst>
         </p:spPr>
@@ -8650,7 +8650,7 @@
           <a:p>
             <a:r>
               <a:rPr lang="de-DE" b="1" dirty="0"/>
-              <a:t>Risikoanalyse - Formlos</a:t>
+              <a:t>Anforderungen - muss</a:t>
             </a:r>
             <a:endParaRPr b="1" dirty="0"/>
           </a:p>
@@ -8680,7 +8680,7 @@
           </a:ln>
           <a:extLst>
             <a:ext uri="{C572A759-6A51-4108-AA02-DFA0A04FC94B}">
-              <ma14:wrappingTextBoxFlag xmlns:ma14="http://schemas.microsoft.com/office/mac/drawingml/2011/main" xmlns:a14="http://schemas.microsoft.com/office/drawing/2010/main" xmlns:m="http://schemas.openxmlformats.org/officeDocument/2006/math" xmlns="" val="1"/>
+              <ma14:wrappingTextBoxFlag xmlns="" xmlns:m="http://schemas.openxmlformats.org/officeDocument/2006/math" xmlns:a14="http://schemas.microsoft.com/office/drawing/2010/main" xmlns:ma14="http://schemas.microsoft.com/office/mac/drawingml/2011/main" val="1"/>
             </a:ext>
           </a:extLst>
         </p:spPr>
@@ -8731,7 +8731,7 @@
           </a:ln>
           <a:extLst>
             <a:ext uri="{C572A759-6A51-4108-AA02-DFA0A04FC94B}">
-              <ma14:wrappingTextBoxFlag xmlns:ma14="http://schemas.microsoft.com/office/mac/drawingml/2011/main" xmlns:a14="http://schemas.microsoft.com/office/drawing/2010/main" xmlns:m="http://schemas.openxmlformats.org/officeDocument/2006/math" xmlns="" val="1"/>
+              <ma14:wrappingTextBoxFlag xmlns="" xmlns:m="http://schemas.openxmlformats.org/officeDocument/2006/math" xmlns:a14="http://schemas.microsoft.com/office/drawing/2010/main" xmlns:ma14="http://schemas.microsoft.com/office/mac/drawingml/2011/main" val="1"/>
             </a:ext>
           </a:extLst>
         </p:spPr>
@@ -8782,7 +8782,7 @@
           </a:ln>
           <a:extLst>
             <a:ext uri="{C572A759-6A51-4108-AA02-DFA0A04FC94B}">
-              <ma14:wrappingTextBoxFlag xmlns:ma14="http://schemas.microsoft.com/office/mac/drawingml/2011/main" xmlns:a14="http://schemas.microsoft.com/office/drawing/2010/main" xmlns:m="http://schemas.openxmlformats.org/officeDocument/2006/math" xmlns="" val="1"/>
+              <ma14:wrappingTextBoxFlag xmlns="" xmlns:m="http://schemas.openxmlformats.org/officeDocument/2006/math" xmlns:a14="http://schemas.microsoft.com/office/drawing/2010/main" xmlns:ma14="http://schemas.microsoft.com/office/mac/drawingml/2011/main" val="1"/>
             </a:ext>
           </a:extLst>
         </p:spPr>
@@ -8833,7 +8833,7 @@
           </a:ln>
           <a:extLst>
             <a:ext uri="{C572A759-6A51-4108-AA02-DFA0A04FC94B}">
-              <ma14:wrappingTextBoxFlag xmlns:ma14="http://schemas.microsoft.com/office/mac/drawingml/2011/main" xmlns:a14="http://schemas.microsoft.com/office/drawing/2010/main" xmlns:m="http://schemas.openxmlformats.org/officeDocument/2006/math" xmlns="" val="1"/>
+              <ma14:wrappingTextBoxFlag xmlns="" xmlns:m="http://schemas.openxmlformats.org/officeDocument/2006/math" xmlns:a14="http://schemas.microsoft.com/office/drawing/2010/main" xmlns:ma14="http://schemas.microsoft.com/office/mac/drawingml/2011/main" val="1"/>
             </a:ext>
           </a:extLst>
         </p:spPr>
@@ -8884,7 +8884,7 @@
           </a:ln>
           <a:extLst>
             <a:ext uri="{C572A759-6A51-4108-AA02-DFA0A04FC94B}">
-              <ma14:wrappingTextBoxFlag xmlns:ma14="http://schemas.microsoft.com/office/mac/drawingml/2011/main" xmlns:a14="http://schemas.microsoft.com/office/drawing/2010/main" xmlns:m="http://schemas.openxmlformats.org/officeDocument/2006/math" xmlns="" val="1"/>
+              <ma14:wrappingTextBoxFlag xmlns="" xmlns:m="http://schemas.openxmlformats.org/officeDocument/2006/math" xmlns:a14="http://schemas.microsoft.com/office/drawing/2010/main" xmlns:ma14="http://schemas.microsoft.com/office/mac/drawingml/2011/main" val="1"/>
             </a:ext>
           </a:extLst>
         </p:spPr>
@@ -8935,7 +8935,7 @@
           </a:ln>
           <a:extLst>
             <a:ext uri="{C572A759-6A51-4108-AA02-DFA0A04FC94B}">
-              <ma14:wrappingTextBoxFlag xmlns:ma14="http://schemas.microsoft.com/office/mac/drawingml/2011/main" xmlns:a14="http://schemas.microsoft.com/office/drawing/2010/main" xmlns:m="http://schemas.openxmlformats.org/officeDocument/2006/math" xmlns="" val="1"/>
+              <ma14:wrappingTextBoxFlag xmlns="" xmlns:m="http://schemas.openxmlformats.org/officeDocument/2006/math" xmlns:a14="http://schemas.microsoft.com/office/drawing/2010/main" xmlns:ma14="http://schemas.microsoft.com/office/mac/drawingml/2011/main" val="1"/>
             </a:ext>
           </a:extLst>
         </p:spPr>
@@ -8986,7 +8986,7 @@
           </a:ln>
           <a:extLst>
             <a:ext uri="{C572A759-6A51-4108-AA02-DFA0A04FC94B}">
-              <ma14:wrappingTextBoxFlag xmlns:ma14="http://schemas.microsoft.com/office/mac/drawingml/2011/main" xmlns:a14="http://schemas.microsoft.com/office/drawing/2010/main" xmlns:m="http://schemas.openxmlformats.org/officeDocument/2006/math" xmlns="" val="1"/>
+              <ma14:wrappingTextBoxFlag xmlns="" xmlns:m="http://schemas.openxmlformats.org/officeDocument/2006/math" xmlns:a14="http://schemas.microsoft.com/office/drawing/2010/main" xmlns:ma14="http://schemas.microsoft.com/office/mac/drawingml/2011/main" val="1"/>
             </a:ext>
           </a:extLst>
         </p:spPr>
@@ -9037,7 +9037,7 @@
           </a:ln>
           <a:extLst>
             <a:ext uri="{C572A759-6A51-4108-AA02-DFA0A04FC94B}">
-              <ma14:wrappingTextBoxFlag xmlns:ma14="http://schemas.microsoft.com/office/mac/drawingml/2011/main" xmlns:a14="http://schemas.microsoft.com/office/drawing/2010/main" xmlns:m="http://schemas.openxmlformats.org/officeDocument/2006/math" xmlns="" val="1"/>
+              <ma14:wrappingTextBoxFlag xmlns="" xmlns:m="http://schemas.openxmlformats.org/officeDocument/2006/math" xmlns:a14="http://schemas.microsoft.com/office/drawing/2010/main" xmlns:ma14="http://schemas.microsoft.com/office/mac/drawingml/2011/main" val="1"/>
             </a:ext>
           </a:extLst>
         </p:spPr>
@@ -9088,7 +9088,7 @@
           </a:ln>
           <a:extLst>
             <a:ext uri="{C572A759-6A51-4108-AA02-DFA0A04FC94B}">
-              <ma14:wrappingTextBoxFlag xmlns:ma14="http://schemas.microsoft.com/office/mac/drawingml/2011/main" xmlns:a14="http://schemas.microsoft.com/office/drawing/2010/main" xmlns:m="http://schemas.openxmlformats.org/officeDocument/2006/math" xmlns="" val="1"/>
+              <ma14:wrappingTextBoxFlag xmlns="" xmlns:m="http://schemas.openxmlformats.org/officeDocument/2006/math" xmlns:a14="http://schemas.microsoft.com/office/drawing/2010/main" xmlns:ma14="http://schemas.microsoft.com/office/mac/drawingml/2011/main" val="1"/>
             </a:ext>
           </a:extLst>
         </p:spPr>
@@ -9139,7 +9139,7 @@
           </a:ln>
           <a:extLst>
             <a:ext uri="{C572A759-6A51-4108-AA02-DFA0A04FC94B}">
-              <ma14:wrappingTextBoxFlag xmlns:ma14="http://schemas.microsoft.com/office/mac/drawingml/2011/main" xmlns:a14="http://schemas.microsoft.com/office/drawing/2010/main" xmlns:m="http://schemas.openxmlformats.org/officeDocument/2006/math" xmlns="" val="1"/>
+              <ma14:wrappingTextBoxFlag xmlns="" xmlns:m="http://schemas.openxmlformats.org/officeDocument/2006/math" xmlns:a14="http://schemas.microsoft.com/office/drawing/2010/main" xmlns:ma14="http://schemas.microsoft.com/office/mac/drawingml/2011/main" val="1"/>
             </a:ext>
           </a:extLst>
         </p:spPr>
@@ -9190,7 +9190,7 @@
           </a:ln>
           <a:extLst>
             <a:ext uri="{C572A759-6A51-4108-AA02-DFA0A04FC94B}">
-              <ma14:wrappingTextBoxFlag xmlns:ma14="http://schemas.microsoft.com/office/mac/drawingml/2011/main" xmlns:a14="http://schemas.microsoft.com/office/drawing/2010/main" xmlns:m="http://schemas.openxmlformats.org/officeDocument/2006/math" xmlns="" val="1"/>
+              <ma14:wrappingTextBoxFlag xmlns="" xmlns:m="http://schemas.openxmlformats.org/officeDocument/2006/math" xmlns:a14="http://schemas.microsoft.com/office/drawing/2010/main" xmlns:ma14="http://schemas.microsoft.com/office/mac/drawingml/2011/main" val="1"/>
             </a:ext>
           </a:extLst>
         </p:spPr>
@@ -9241,7 +9241,7 @@
           </a:ln>
           <a:extLst>
             <a:ext uri="{C572A759-6A51-4108-AA02-DFA0A04FC94B}">
-              <ma14:wrappingTextBoxFlag xmlns:ma14="http://schemas.microsoft.com/office/mac/drawingml/2011/main" xmlns:a14="http://schemas.microsoft.com/office/drawing/2010/main" xmlns:m="http://schemas.openxmlformats.org/officeDocument/2006/math" xmlns="" val="1"/>
+              <ma14:wrappingTextBoxFlag xmlns="" xmlns:m="http://schemas.openxmlformats.org/officeDocument/2006/math" xmlns:a14="http://schemas.microsoft.com/office/drawing/2010/main" xmlns:ma14="http://schemas.microsoft.com/office/mac/drawingml/2011/main" val="1"/>
             </a:ext>
           </a:extLst>
         </p:spPr>
@@ -9292,7 +9292,7 @@
           </a:ln>
           <a:extLst>
             <a:ext uri="{C572A759-6A51-4108-AA02-DFA0A04FC94B}">
-              <ma14:wrappingTextBoxFlag xmlns:ma14="http://schemas.microsoft.com/office/mac/drawingml/2011/main" xmlns:a14="http://schemas.microsoft.com/office/drawing/2010/main" xmlns:m="http://schemas.openxmlformats.org/officeDocument/2006/math" xmlns="" val="1"/>
+              <ma14:wrappingTextBoxFlag xmlns="" xmlns:m="http://schemas.openxmlformats.org/officeDocument/2006/math" xmlns:a14="http://schemas.microsoft.com/office/drawing/2010/main" xmlns:ma14="http://schemas.microsoft.com/office/mac/drawingml/2011/main" val="1"/>
             </a:ext>
           </a:extLst>
         </p:spPr>
@@ -9343,7 +9343,7 @@
           </a:ln>
           <a:extLst>
             <a:ext uri="{C572A759-6A51-4108-AA02-DFA0A04FC94B}">
-              <ma14:wrappingTextBoxFlag xmlns:ma14="http://schemas.microsoft.com/office/mac/drawingml/2011/main" xmlns:a14="http://schemas.microsoft.com/office/drawing/2010/main" xmlns:m="http://schemas.openxmlformats.org/officeDocument/2006/math" xmlns="" val="1"/>
+              <ma14:wrappingTextBoxFlag xmlns="" xmlns:m="http://schemas.openxmlformats.org/officeDocument/2006/math" xmlns:a14="http://schemas.microsoft.com/office/drawing/2010/main" xmlns:ma14="http://schemas.microsoft.com/office/mac/drawingml/2011/main" val="1"/>
             </a:ext>
           </a:extLst>
         </p:spPr>
@@ -9394,7 +9394,7 @@
           </a:ln>
           <a:extLst>
             <a:ext uri="{C572A759-6A51-4108-AA02-DFA0A04FC94B}">
-              <ma14:wrappingTextBoxFlag xmlns:ma14="http://schemas.microsoft.com/office/mac/drawingml/2011/main" xmlns:a14="http://schemas.microsoft.com/office/drawing/2010/main" xmlns:m="http://schemas.openxmlformats.org/officeDocument/2006/math" xmlns="" val="1"/>
+              <ma14:wrappingTextBoxFlag xmlns="" xmlns:m="http://schemas.openxmlformats.org/officeDocument/2006/math" xmlns:a14="http://schemas.microsoft.com/office/drawing/2010/main" xmlns:ma14="http://schemas.microsoft.com/office/mac/drawingml/2011/main" val="1"/>
             </a:ext>
           </a:extLst>
         </p:spPr>
@@ -9445,7 +9445,7 @@
           </a:ln>
           <a:extLst>
             <a:ext uri="{C572A759-6A51-4108-AA02-DFA0A04FC94B}">
-              <ma14:wrappingTextBoxFlag xmlns:ma14="http://schemas.microsoft.com/office/mac/drawingml/2011/main" xmlns:a14="http://schemas.microsoft.com/office/drawing/2010/main" xmlns:m="http://schemas.openxmlformats.org/officeDocument/2006/math" xmlns="" val="1"/>
+              <ma14:wrappingTextBoxFlag xmlns="" xmlns:m="http://schemas.openxmlformats.org/officeDocument/2006/math" xmlns:a14="http://schemas.microsoft.com/office/drawing/2010/main" xmlns:ma14="http://schemas.microsoft.com/office/mac/drawingml/2011/main" val="1"/>
             </a:ext>
           </a:extLst>
         </p:spPr>
@@ -9496,7 +9496,7 @@
           </a:ln>
           <a:extLst>
             <a:ext uri="{C572A759-6A51-4108-AA02-DFA0A04FC94B}">
-              <ma14:wrappingTextBoxFlag xmlns:ma14="http://schemas.microsoft.com/office/mac/drawingml/2011/main" xmlns:a14="http://schemas.microsoft.com/office/drawing/2010/main" xmlns:m="http://schemas.openxmlformats.org/officeDocument/2006/math" xmlns="" val="1"/>
+              <ma14:wrappingTextBoxFlag xmlns="" xmlns:m="http://schemas.openxmlformats.org/officeDocument/2006/math" xmlns:a14="http://schemas.microsoft.com/office/drawing/2010/main" xmlns:ma14="http://schemas.microsoft.com/office/mac/drawingml/2011/main" val="1"/>
             </a:ext>
           </a:extLst>
         </p:spPr>
@@ -9547,7 +9547,7 @@
           </a:ln>
           <a:extLst>
             <a:ext uri="{C572A759-6A51-4108-AA02-DFA0A04FC94B}">
-              <ma14:wrappingTextBoxFlag xmlns:ma14="http://schemas.microsoft.com/office/mac/drawingml/2011/main" xmlns:a14="http://schemas.microsoft.com/office/drawing/2010/main" xmlns:m="http://schemas.openxmlformats.org/officeDocument/2006/math" xmlns="" val="1"/>
+              <ma14:wrappingTextBoxFlag xmlns="" xmlns:m="http://schemas.openxmlformats.org/officeDocument/2006/math" xmlns:a14="http://schemas.microsoft.com/office/drawing/2010/main" xmlns:ma14="http://schemas.microsoft.com/office/mac/drawingml/2011/main" val="1"/>
             </a:ext>
           </a:extLst>
         </p:spPr>
@@ -9598,7 +9598,7 @@
           </a:ln>
           <a:extLst>
             <a:ext uri="{C572A759-6A51-4108-AA02-DFA0A04FC94B}">
-              <ma14:wrappingTextBoxFlag xmlns:ma14="http://schemas.microsoft.com/office/mac/drawingml/2011/main" xmlns:a14="http://schemas.microsoft.com/office/drawing/2010/main" xmlns:m="http://schemas.openxmlformats.org/officeDocument/2006/math" xmlns="" val="1"/>
+              <ma14:wrappingTextBoxFlag xmlns="" xmlns:m="http://schemas.openxmlformats.org/officeDocument/2006/math" xmlns:a14="http://schemas.microsoft.com/office/drawing/2010/main" xmlns:ma14="http://schemas.microsoft.com/office/mac/drawingml/2011/main" val="1"/>
             </a:ext>
           </a:extLst>
         </p:spPr>
@@ -9649,7 +9649,7 @@
           </a:ln>
           <a:extLst>
             <a:ext uri="{C572A759-6A51-4108-AA02-DFA0A04FC94B}">
-              <ma14:wrappingTextBoxFlag xmlns:ma14="http://schemas.microsoft.com/office/mac/drawingml/2011/main" xmlns:a14="http://schemas.microsoft.com/office/drawing/2010/main" xmlns:m="http://schemas.openxmlformats.org/officeDocument/2006/math" xmlns="" val="1"/>
+              <ma14:wrappingTextBoxFlag xmlns="" xmlns:m="http://schemas.openxmlformats.org/officeDocument/2006/math" xmlns:a14="http://schemas.microsoft.com/office/drawing/2010/main" xmlns:ma14="http://schemas.microsoft.com/office/mac/drawingml/2011/main" val="1"/>
             </a:ext>
           </a:extLst>
         </p:spPr>
@@ -9700,7 +9700,7 @@
           </a:ln>
           <a:extLst>
             <a:ext uri="{C572A759-6A51-4108-AA02-DFA0A04FC94B}">
-              <ma14:wrappingTextBoxFlag xmlns:ma14="http://schemas.microsoft.com/office/mac/drawingml/2011/main" xmlns:a14="http://schemas.microsoft.com/office/drawing/2010/main" xmlns:m="http://schemas.openxmlformats.org/officeDocument/2006/math" xmlns="" val="1"/>
+              <ma14:wrappingTextBoxFlag xmlns="" xmlns:m="http://schemas.openxmlformats.org/officeDocument/2006/math" xmlns:a14="http://schemas.microsoft.com/office/drawing/2010/main" xmlns:ma14="http://schemas.microsoft.com/office/mac/drawingml/2011/main" val="1"/>
             </a:ext>
           </a:extLst>
         </p:spPr>
@@ -9751,7 +9751,7 @@
           </a:ln>
           <a:extLst>
             <a:ext uri="{C572A759-6A51-4108-AA02-DFA0A04FC94B}">
-              <ma14:wrappingTextBoxFlag xmlns:ma14="http://schemas.microsoft.com/office/mac/drawingml/2011/main" xmlns:a14="http://schemas.microsoft.com/office/drawing/2010/main" xmlns:m="http://schemas.openxmlformats.org/officeDocument/2006/math" xmlns="" val="1"/>
+              <ma14:wrappingTextBoxFlag xmlns="" xmlns:m="http://schemas.openxmlformats.org/officeDocument/2006/math" xmlns:a14="http://schemas.microsoft.com/office/drawing/2010/main" xmlns:ma14="http://schemas.microsoft.com/office/mac/drawingml/2011/main" val="1"/>
             </a:ext>
           </a:extLst>
         </p:spPr>
@@ -9802,7 +9802,7 @@
           </a:ln>
           <a:extLst>
             <a:ext uri="{C572A759-6A51-4108-AA02-DFA0A04FC94B}">
-              <ma14:wrappingTextBoxFlag xmlns:ma14="http://schemas.microsoft.com/office/mac/drawingml/2011/main" xmlns:a14="http://schemas.microsoft.com/office/drawing/2010/main" xmlns:m="http://schemas.openxmlformats.org/officeDocument/2006/math" xmlns="" val="1"/>
+              <ma14:wrappingTextBoxFlag xmlns="" xmlns:m="http://schemas.openxmlformats.org/officeDocument/2006/math" xmlns:a14="http://schemas.microsoft.com/office/drawing/2010/main" xmlns:ma14="http://schemas.microsoft.com/office/mac/drawingml/2011/main" val="1"/>
             </a:ext>
           </a:extLst>
         </p:spPr>
@@ -9853,7 +9853,7 @@
           </a:ln>
           <a:extLst>
             <a:ext uri="{C572A759-6A51-4108-AA02-DFA0A04FC94B}">
-              <ma14:wrappingTextBoxFlag xmlns:ma14="http://schemas.microsoft.com/office/mac/drawingml/2011/main" xmlns:a14="http://schemas.microsoft.com/office/drawing/2010/main" xmlns:m="http://schemas.openxmlformats.org/officeDocument/2006/math" xmlns="" val="1"/>
+              <ma14:wrappingTextBoxFlag xmlns="" xmlns:m="http://schemas.openxmlformats.org/officeDocument/2006/math" xmlns:a14="http://schemas.microsoft.com/office/drawing/2010/main" xmlns:ma14="http://schemas.microsoft.com/office/mac/drawingml/2011/main" val="1"/>
             </a:ext>
           </a:extLst>
         </p:spPr>
@@ -9904,7 +9904,7 @@
           </a:ln>
           <a:extLst>
             <a:ext uri="{C572A759-6A51-4108-AA02-DFA0A04FC94B}">
-              <ma14:wrappingTextBoxFlag xmlns:ma14="http://schemas.microsoft.com/office/mac/drawingml/2011/main" xmlns:a14="http://schemas.microsoft.com/office/drawing/2010/main" xmlns:m="http://schemas.openxmlformats.org/officeDocument/2006/math" xmlns="" val="1"/>
+              <ma14:wrappingTextBoxFlag xmlns="" xmlns:m="http://schemas.openxmlformats.org/officeDocument/2006/math" xmlns:a14="http://schemas.microsoft.com/office/drawing/2010/main" xmlns:ma14="http://schemas.microsoft.com/office/mac/drawingml/2011/main" val="1"/>
             </a:ext>
           </a:extLst>
         </p:spPr>
@@ -9955,7 +9955,7 @@
           </a:ln>
           <a:extLst>
             <a:ext uri="{C572A759-6A51-4108-AA02-DFA0A04FC94B}">
-              <ma14:wrappingTextBoxFlag xmlns:ma14="http://schemas.microsoft.com/office/mac/drawingml/2011/main" xmlns:a14="http://schemas.microsoft.com/office/drawing/2010/main" xmlns:m="http://schemas.openxmlformats.org/officeDocument/2006/math" xmlns="" val="1"/>
+              <ma14:wrappingTextBoxFlag xmlns="" xmlns:m="http://schemas.openxmlformats.org/officeDocument/2006/math" xmlns:a14="http://schemas.microsoft.com/office/drawing/2010/main" xmlns:ma14="http://schemas.microsoft.com/office/mac/drawingml/2011/main" val="1"/>
             </a:ext>
           </a:extLst>
         </p:spPr>
@@ -10006,7 +10006,7 @@
           </a:ln>
           <a:extLst>
             <a:ext uri="{C572A759-6A51-4108-AA02-DFA0A04FC94B}">
-              <ma14:wrappingTextBoxFlag xmlns:ma14="http://schemas.microsoft.com/office/mac/drawingml/2011/main" xmlns:a14="http://schemas.microsoft.com/office/drawing/2010/main" xmlns:m="http://schemas.openxmlformats.org/officeDocument/2006/math" xmlns="" val="1"/>
+              <ma14:wrappingTextBoxFlag xmlns="" xmlns:m="http://schemas.openxmlformats.org/officeDocument/2006/math" xmlns:a14="http://schemas.microsoft.com/office/drawing/2010/main" xmlns:ma14="http://schemas.microsoft.com/office/mac/drawingml/2011/main" val="1"/>
             </a:ext>
           </a:extLst>
         </p:spPr>
@@ -10057,7 +10057,7 @@
           </a:ln>
           <a:extLst>
             <a:ext uri="{C572A759-6A51-4108-AA02-DFA0A04FC94B}">
-              <ma14:wrappingTextBoxFlag xmlns:ma14="http://schemas.microsoft.com/office/mac/drawingml/2011/main" xmlns:a14="http://schemas.microsoft.com/office/drawing/2010/main" xmlns:m="http://schemas.openxmlformats.org/officeDocument/2006/math" xmlns="" val="1"/>
+              <ma14:wrappingTextBoxFlag xmlns="" xmlns:m="http://schemas.openxmlformats.org/officeDocument/2006/math" xmlns:a14="http://schemas.microsoft.com/office/drawing/2010/main" xmlns:ma14="http://schemas.microsoft.com/office/mac/drawingml/2011/main" val="1"/>
             </a:ext>
           </a:extLst>
         </p:spPr>
@@ -10108,7 +10108,7 @@
           </a:ln>
           <a:extLst>
             <a:ext uri="{C572A759-6A51-4108-AA02-DFA0A04FC94B}">
-              <ma14:wrappingTextBoxFlag xmlns:ma14="http://schemas.microsoft.com/office/mac/drawingml/2011/main" xmlns:a14="http://schemas.microsoft.com/office/drawing/2010/main" xmlns:m="http://schemas.openxmlformats.org/officeDocument/2006/math" xmlns="" val="1"/>
+              <ma14:wrappingTextBoxFlag xmlns="" xmlns:m="http://schemas.openxmlformats.org/officeDocument/2006/math" xmlns:a14="http://schemas.microsoft.com/office/drawing/2010/main" xmlns:ma14="http://schemas.microsoft.com/office/mac/drawingml/2011/main" val="1"/>
             </a:ext>
           </a:extLst>
         </p:spPr>
@@ -10438,10 +10438,10 @@
       </p:sp>
       <p:sp>
         <p:nvSpPr>
-          <p:cNvPr id="3" name="Textfeld 2">
+          <p:cNvPr id="10" name="Textfeld 9">
             <a:extLst>
               <a:ext uri="{FF2B5EF4-FFF2-40B4-BE49-F238E27FC236}">
-                <a16:creationId xmlns:a16="http://schemas.microsoft.com/office/drawing/2014/main" id="{F8D99334-138C-085A-F0D6-5C7E0C862460}"/>
+                <a16:creationId xmlns:a16="http://schemas.microsoft.com/office/drawing/2014/main" id="{C271D799-D5E9-734D-5D0C-81634932EAF4}"/>
               </a:ext>
             </a:extLst>
           </p:cNvPr>
@@ -10450,8 +10450,8 @@
         </p:nvSpPr>
         <p:spPr>
           <a:xfrm>
-            <a:off x="1155561" y="1603699"/>
-            <a:ext cx="9259410" cy="2816412"/>
+            <a:off x="1155561" y="2239592"/>
+            <a:ext cx="9259410" cy="3317575"/>
           </a:xfrm>
           <a:prstGeom prst="rect">
             <a:avLst/>
@@ -10464,15 +10464,13 @@
           </a:bodyPr>
           <a:lstStyle/>
           <a:p>
-            <a:pPr marL="285750" indent="-285750">
+            <a:pPr>
               <a:lnSpc>
                 <a:spcPct val="115000"/>
               </a:lnSpc>
               <a:spcAft>
                 <a:spcPts val="800"/>
               </a:spcAft>
-              <a:buFont typeface="Arial" panose="020B0604020202020204" pitchFamily="34" charset="0"/>
-              <a:buChar char="•"/>
             </a:pPr>
             <a:r>
               <a:rPr lang="de-DE" dirty="0">
@@ -10481,19 +10479,35 @@
                 <a:ea typeface="Calibri" panose="020F0502020204030204" pitchFamily="34" charset="0"/>
                 <a:cs typeface="Mangal" panose="02040503050203030202" pitchFamily="18" charset="0"/>
               </a:rPr>
-              <a:t>Für die Routenermittlung muss ein passender Algorithmus gefunden und Implementiert werden [F020]</a:t>
-            </a:r>
-          </a:p>
-          <a:p>
-            <a:pPr marL="285750" indent="-285750">
+              <a:t>[F010] Die Anwendung </a:t>
+            </a:r>
+            <a:r>
+              <a:rPr lang="de-DE" b="1" dirty="0">
+                <a:effectLst/>
+                <a:latin typeface="Calibri" panose="020F0502020204030204" pitchFamily="34" charset="0"/>
+                <a:ea typeface="Calibri" panose="020F0502020204030204" pitchFamily="34" charset="0"/>
+                <a:cs typeface="Mangal" panose="02040503050203030202" pitchFamily="18" charset="0"/>
+              </a:rPr>
+              <a:t>muss</a:t>
+            </a:r>
+            <a:r>
+              <a:rPr lang="de-DE" dirty="0">
+                <a:effectLst/>
+                <a:latin typeface="Calibri" panose="020F0502020204030204" pitchFamily="34" charset="0"/>
+                <a:ea typeface="Calibri" panose="020F0502020204030204" pitchFamily="34" charset="0"/>
+                <a:cs typeface="Mangal" panose="02040503050203030202" pitchFamily="18" charset="0"/>
+              </a:rPr>
+              <a:t> dem Nutzer die Möglichkeit bieten Start sowie einen Endpunkt einzugeben.</a:t>
+            </a:r>
+          </a:p>
+          <a:p>
+            <a:pPr>
               <a:lnSpc>
                 <a:spcPct val="115000"/>
               </a:lnSpc>
               <a:spcAft>
                 <a:spcPts val="800"/>
               </a:spcAft>
-              <a:buFont typeface="Arial" panose="020B0604020202020204" pitchFamily="34" charset="0"/>
-              <a:buChar char="•"/>
             </a:pPr>
             <a:r>
               <a:rPr lang="de-DE" dirty="0">
@@ -10502,39 +10516,89 @@
                 <a:ea typeface="Calibri" panose="020F0502020204030204" pitchFamily="34" charset="0"/>
                 <a:cs typeface="Mangal" panose="02040503050203030202" pitchFamily="18" charset="0"/>
               </a:rPr>
-              <a:t>Selektion der  einzelnen Räume im 3D-Modell [F030]</a:t>
-            </a:r>
-          </a:p>
-          <a:p>
-            <a:pPr marL="285750" indent="-285750">
+              <a:t>[F020] Die Anwendung </a:t>
+            </a:r>
+            <a:r>
+              <a:rPr lang="de-DE" b="1" dirty="0">
+                <a:effectLst/>
+                <a:latin typeface="Calibri" panose="020F0502020204030204" pitchFamily="34" charset="0"/>
+                <a:ea typeface="Calibri" panose="020F0502020204030204" pitchFamily="34" charset="0"/>
+                <a:cs typeface="Mangal" panose="02040503050203030202" pitchFamily="18" charset="0"/>
+              </a:rPr>
+              <a:t>muss</a:t>
+            </a:r>
+            <a:r>
+              <a:rPr lang="de-DE" dirty="0">
+                <a:effectLst/>
+                <a:latin typeface="Calibri" panose="020F0502020204030204" pitchFamily="34" charset="0"/>
+                <a:ea typeface="Calibri" panose="020F0502020204030204" pitchFamily="34" charset="0"/>
+                <a:cs typeface="Mangal" panose="02040503050203030202" pitchFamily="18" charset="0"/>
+              </a:rPr>
+              <a:t> dem Nutzer die Möglichkeit bieten den Weg </a:t>
+            </a:r>
+            <a:r>
+              <a:rPr lang="de-DE" dirty="0">
+                <a:latin typeface="Calibri" panose="020F0502020204030204" pitchFamily="34" charset="0"/>
+                <a:ea typeface="Calibri" panose="020F0502020204030204" pitchFamily="34" charset="0"/>
+                <a:cs typeface="Mangal" panose="02040503050203030202" pitchFamily="18" charset="0"/>
+              </a:rPr>
+              <a:t>zwischen zwei Räumen</a:t>
+            </a:r>
+            <a:r>
+              <a:rPr lang="de-DE" dirty="0">
+                <a:effectLst/>
+                <a:latin typeface="Calibri" panose="020F0502020204030204" pitchFamily="34" charset="0"/>
+                <a:ea typeface="Calibri" panose="020F0502020204030204" pitchFamily="34" charset="0"/>
+                <a:cs typeface="Mangal" panose="02040503050203030202" pitchFamily="18" charset="0"/>
+              </a:rPr>
+              <a:t> im Campus zu zeigen.</a:t>
+            </a:r>
+          </a:p>
+          <a:p>
+            <a:pPr>
               <a:lnSpc>
                 <a:spcPct val="115000"/>
               </a:lnSpc>
               <a:spcAft>
                 <a:spcPts val="800"/>
               </a:spcAft>
-              <a:buFont typeface="Arial" panose="020B0604020202020204" pitchFamily="34" charset="0"/>
-              <a:buChar char="•"/>
             </a:pPr>
             <a:r>
               <a:rPr lang="de-DE" dirty="0">
+                <a:effectLst/>
                 <a:latin typeface="Calibri" panose="020F0502020204030204" pitchFamily="34" charset="0"/>
                 <a:ea typeface="Calibri" panose="020F0502020204030204" pitchFamily="34" charset="0"/>
                 <a:cs typeface="Mangal" panose="02040503050203030202" pitchFamily="18" charset="0"/>
               </a:rPr>
-              <a:t>Verknüpfen von Informationen mit den einzelnen Räumen [F080]</a:t>
-            </a:r>
-          </a:p>
-          <a:p>
-            <a:pPr marL="285750" indent="-285750">
+              <a:t>[F030] Die Anwendung </a:t>
+            </a:r>
+            <a:r>
+              <a:rPr lang="de-DE" b="1" dirty="0">
+                <a:effectLst/>
+                <a:latin typeface="Calibri" panose="020F0502020204030204" pitchFamily="34" charset="0"/>
+                <a:ea typeface="Calibri" panose="020F0502020204030204" pitchFamily="34" charset="0"/>
+                <a:cs typeface="Mangal" panose="02040503050203030202" pitchFamily="18" charset="0"/>
+              </a:rPr>
+              <a:t>muss</a:t>
+            </a:r>
+            <a:r>
+              <a:rPr lang="de-DE" dirty="0">
+                <a:effectLst/>
+                <a:latin typeface="Calibri" panose="020F0502020204030204" pitchFamily="34" charset="0"/>
+                <a:ea typeface="Calibri" panose="020F0502020204030204" pitchFamily="34" charset="0"/>
+                <a:cs typeface="Mangal" panose="02040503050203030202" pitchFamily="18" charset="0"/>
+              </a:rPr>
+              <a:t> dem Nutzer die Möglichkeit bieten Start sowie einen Endpunkt per Mausklick auf die Karte festzulegen.</a:t>
+            </a:r>
+          </a:p>
+          <a:p>
+            <a:pPr>
               <a:lnSpc>
                 <a:spcPct val="115000"/>
               </a:lnSpc>
               <a:spcAft>
                 <a:spcPts val="800"/>
               </a:spcAft>
-              <a:buFont typeface="Arial" panose="020B0604020202020204" pitchFamily="34" charset="0"/>
-              <a:buChar char="•"/>
             </a:pPr>
             <a:r>
               <a:rPr lang="de-DE" dirty="0">
@@ -10543,49 +10607,45 @@
                 <a:ea typeface="Calibri" panose="020F0502020204030204" pitchFamily="34" charset="0"/>
                 <a:cs typeface="Mangal" panose="02040503050203030202" pitchFamily="18" charset="0"/>
               </a:rPr>
-              <a:t>Anbindung </a:t>
-            </a:r>
-            <a:r>
-              <a:rPr lang="de-DE" dirty="0">
+              <a:t>[F040] Die Anwendung </a:t>
+            </a:r>
+            <a:r>
+              <a:rPr lang="de-DE" b="1" dirty="0">
+                <a:effectLst/>
                 <a:latin typeface="Calibri" panose="020F0502020204030204" pitchFamily="34" charset="0"/>
                 <a:ea typeface="Calibri" panose="020F0502020204030204" pitchFamily="34" charset="0"/>
                 <a:cs typeface="Mangal" panose="02040503050203030202" pitchFamily="18" charset="0"/>
               </a:rPr>
-              <a:t>einer Datenbank für Rauminformationen</a:t>
-            </a:r>
-          </a:p>
-          <a:p>
-            <a:pPr marL="285750" indent="-285750">
+              <a:t>muss</a:t>
+            </a:r>
+            <a:r>
+              <a:rPr lang="de-DE" dirty="0">
+                <a:effectLst/>
+                <a:latin typeface="Calibri" panose="020F0502020204030204" pitchFamily="34" charset="0"/>
+                <a:ea typeface="Calibri" panose="020F0502020204030204" pitchFamily="34" charset="0"/>
+                <a:cs typeface="Mangal" panose="02040503050203030202" pitchFamily="18" charset="0"/>
+              </a:rPr>
+              <a:t> dem Nutzer die Möglichkeit bieten die Karte zu Drehen und zu bewegen.</a:t>
+            </a:r>
+          </a:p>
+          <a:p>
+            <a:pPr>
               <a:lnSpc>
                 <a:spcPct val="115000"/>
               </a:lnSpc>
               <a:spcAft>
                 <a:spcPts val="800"/>
               </a:spcAft>
-              <a:buFont typeface="Arial" panose="020B0604020202020204" pitchFamily="34" charset="0"/>
-              <a:buChar char="•"/>
             </a:pPr>
             <a:r>
-              <a:rPr lang="de-DE" dirty="0">
+              <a:rPr lang="de-DE" sz="1600" dirty="0">
                 <a:effectLst/>
                 <a:latin typeface="Calibri" panose="020F0502020204030204" pitchFamily="34" charset="0"/>
                 <a:ea typeface="Calibri" panose="020F0502020204030204" pitchFamily="34" charset="0"/>
                 <a:cs typeface="Mangal" panose="02040503050203030202" pitchFamily="18" charset="0"/>
               </a:rPr>
-              <a:t>Visuell gut erkennbare Darstellung der Geometrie</a:t>
-            </a:r>
-          </a:p>
-          <a:p>
-            <a:pPr marL="285750" indent="-285750">
-              <a:lnSpc>
-                <a:spcPct val="115000"/>
-              </a:lnSpc>
-              <a:spcAft>
-                <a:spcPts val="800"/>
-              </a:spcAft>
-              <a:buFont typeface="Arial" panose="020B0604020202020204" pitchFamily="34" charset="0"/>
-              <a:buChar char="•"/>
-            </a:pPr>
+              <a:t> </a:t>
+            </a:r>
             <a:endParaRPr lang="de-DE" sz="1800" dirty="0">
               <a:effectLst/>
               <a:latin typeface="Calibri" panose="020F0502020204030204" pitchFamily="34" charset="0"/>
@@ -10595,55 +10655,10 @@
           </a:p>
         </p:txBody>
       </p:sp>
-      <p:pic>
-        <p:nvPicPr>
-          <p:cNvPr id="1030" name="Picture 6" descr="Risiko-Symbol auf dem Tachometer. Messgerät für hohes Risiko. Vektorgrafik  Stock-Vektorgrafik - Alamy">
-            <a:extLst>
-              <a:ext uri="{FF2B5EF4-FFF2-40B4-BE49-F238E27FC236}">
-                <a16:creationId xmlns:a16="http://schemas.microsoft.com/office/drawing/2014/main" id="{1AAD6694-FAC5-5B4E-64F3-65B8548CCD34}"/>
-              </a:ext>
-            </a:extLst>
-          </p:cNvPr>
-          <p:cNvPicPr>
-            <a:picLocks noChangeAspect="1" noChangeArrowheads="1"/>
-          </p:cNvPicPr>
-          <p:nvPr/>
-        </p:nvPicPr>
-        <p:blipFill rotWithShape="1">
-          <a:blip r:embed="rId3">
-            <a:extLst>
-              <a:ext uri="{28A0092B-C50C-407E-A947-70E740481C1C}">
-                <a14:useLocalDpi xmlns:a14="http://schemas.microsoft.com/office/drawing/2010/main" val="0"/>
-              </a:ext>
-            </a:extLst>
-          </a:blip>
-          <a:srcRect l="10264" t="10720" r="7189" b="17222"/>
-          <a:stretch/>
-        </p:blipFill>
-        <p:spPr bwMode="auto">
-          <a:xfrm>
-            <a:off x="7377410" y="3143250"/>
-            <a:ext cx="4194928" cy="3303985"/>
-          </a:xfrm>
-          <a:prstGeom prst="rect">
-            <a:avLst/>
-          </a:prstGeom>
-          <a:noFill/>
-          <a:extLst>
-            <a:ext uri="{909E8E84-426E-40DD-AFC4-6F175D3DCCD1}">
-              <a14:hiddenFill xmlns:a14="http://schemas.microsoft.com/office/drawing/2010/main">
-                <a:solidFill>
-                  <a:srgbClr val="FFFFFF"/>
-                </a:solidFill>
-              </a14:hiddenFill>
-            </a:ext>
-          </a:extLst>
-        </p:spPr>
-      </p:pic>
     </p:spTree>
     <p:extLst>
       <p:ext uri="{BB962C8B-B14F-4D97-AF65-F5344CB8AC3E}">
-        <p14:creationId xmlns:p14="http://schemas.microsoft.com/office/powerpoint/2010/main" val="1423824583"/>
+        <p14:creationId xmlns:p14="http://schemas.microsoft.com/office/powerpoint/2010/main" val="2170016028"/>
       </p:ext>
     </p:extLst>
   </p:cSld>
@@ -10710,7 +10725,7 @@
           <a:p>
             <a:r>
               <a:rPr lang="de-DE" b="1" dirty="0"/>
-              <a:t>Anforderungen - muss</a:t>
+              <a:t>Anforderungen – kann und soll</a:t>
             </a:r>
             <a:endParaRPr b="1" dirty="0"/>
           </a:p>
@@ -12510,8 +12525,8 @@
         </p:nvSpPr>
         <p:spPr>
           <a:xfrm>
-            <a:off x="1155561" y="2239592"/>
-            <a:ext cx="9259410" cy="3317575"/>
+            <a:off x="1155561" y="1603699"/>
+            <a:ext cx="9259410" cy="5251438"/>
           </a:xfrm>
           <a:prstGeom prst="rect">
             <a:avLst/>
@@ -12539,7 +12554,7 @@
                 <a:ea typeface="Calibri" panose="020F0502020204030204" pitchFamily="34" charset="0"/>
                 <a:cs typeface="Mangal" panose="02040503050203030202" pitchFamily="18" charset="0"/>
               </a:rPr>
-              <a:t>[F010] Die Anwendung </a:t>
+              <a:t>[F050] Die Anwendung </a:t>
             </a:r>
             <a:r>
               <a:rPr lang="de-DE" b="1" dirty="0">
@@ -12548,7 +12563,7 @@
                 <a:ea typeface="Calibri" panose="020F0502020204030204" pitchFamily="34" charset="0"/>
                 <a:cs typeface="Mangal" panose="02040503050203030202" pitchFamily="18" charset="0"/>
               </a:rPr>
-              <a:t>muss</a:t>
+              <a:t>soll</a:t>
             </a:r>
             <a:r>
               <a:rPr lang="de-DE" dirty="0">
@@ -12557,7 +12572,7 @@
                 <a:ea typeface="Calibri" panose="020F0502020204030204" pitchFamily="34" charset="0"/>
                 <a:cs typeface="Mangal" panose="02040503050203030202" pitchFamily="18" charset="0"/>
               </a:rPr>
-              <a:t> dem Nutzer die Möglichkeit bieten Start sowie einen Endpunkt einzugeben.</a:t>
+              <a:t> dem Nutzer die Möglichkeit bieten zwischen einer perspektivischen und orthographischen Kamera zu wählen.</a:t>
             </a:r>
           </a:p>
           <a:p>
@@ -12576,7 +12591,7 @@
                 <a:ea typeface="Calibri" panose="020F0502020204030204" pitchFamily="34" charset="0"/>
                 <a:cs typeface="Mangal" panose="02040503050203030202" pitchFamily="18" charset="0"/>
               </a:rPr>
-              <a:t>[F020] Die Anwendung </a:t>
+              <a:t>[F060] Die Anwendung </a:t>
             </a:r>
             <a:r>
               <a:rPr lang="de-DE" b="1" dirty="0">
@@ -12585,7 +12600,7 @@
                 <a:ea typeface="Calibri" panose="020F0502020204030204" pitchFamily="34" charset="0"/>
                 <a:cs typeface="Mangal" panose="02040503050203030202" pitchFamily="18" charset="0"/>
               </a:rPr>
-              <a:t>muss</a:t>
+              <a:t>soll</a:t>
             </a:r>
             <a:r>
               <a:rPr lang="de-DE" dirty="0">
@@ -12594,7 +12609,7 @@
                 <a:ea typeface="Calibri" panose="020F0502020204030204" pitchFamily="34" charset="0"/>
                 <a:cs typeface="Mangal" panose="02040503050203030202" pitchFamily="18" charset="0"/>
               </a:rPr>
-              <a:t> dem Nutzer die Möglichkeit bieten den Weg zu einem Raum im Campus zu zeigen.</a:t>
+              <a:t> dem Nutzer die Möglichkeit bieten diese auf jedem Gerät mit einem aktuellen Webbrowser und einer Internetverbindung aufrufen zu können.</a:t>
             </a:r>
           </a:p>
           <a:p>
@@ -12613,7 +12628,7 @@
                 <a:ea typeface="Calibri" panose="020F0502020204030204" pitchFamily="34" charset="0"/>
                 <a:cs typeface="Mangal" panose="02040503050203030202" pitchFamily="18" charset="0"/>
               </a:rPr>
-              <a:t>[F030] Die Anwendung </a:t>
+              <a:t>[F070] Die Anwendung </a:t>
             </a:r>
             <a:r>
               <a:rPr lang="de-DE" b="1" dirty="0">
@@ -12622,7 +12637,7 @@
                 <a:ea typeface="Calibri" panose="020F0502020204030204" pitchFamily="34" charset="0"/>
                 <a:cs typeface="Mangal" panose="02040503050203030202" pitchFamily="18" charset="0"/>
               </a:rPr>
-              <a:t>muss</a:t>
+              <a:t>soll</a:t>
             </a:r>
             <a:r>
               <a:rPr lang="de-DE" dirty="0">
@@ -12631,7 +12646,7 @@
                 <a:ea typeface="Calibri" panose="020F0502020204030204" pitchFamily="34" charset="0"/>
                 <a:cs typeface="Mangal" panose="02040503050203030202" pitchFamily="18" charset="0"/>
               </a:rPr>
-              <a:t> dem Nutzer die Möglichkeit bieten Start sowie einen Endpunkt per Mausklick auf die Karte festzulegen.</a:t>
+              <a:t> dem Nutzer die Möglichkeit bieten Ausgewählte Räume visuell hervorzuheben.</a:t>
             </a:r>
           </a:p>
           <a:p>
@@ -12650,7 +12665,7 @@
                 <a:ea typeface="Calibri" panose="020F0502020204030204" pitchFamily="34" charset="0"/>
                 <a:cs typeface="Mangal" panose="02040503050203030202" pitchFamily="18" charset="0"/>
               </a:rPr>
-              <a:t>[F040] Die Anwendung </a:t>
+              <a:t>[F080] Die Anwendung </a:t>
             </a:r>
             <a:r>
               <a:rPr lang="de-DE" b="1" dirty="0">
@@ -12659,7 +12674,7 @@
                 <a:ea typeface="Calibri" panose="020F0502020204030204" pitchFamily="34" charset="0"/>
                 <a:cs typeface="Mangal" panose="02040503050203030202" pitchFamily="18" charset="0"/>
               </a:rPr>
-              <a:t>muss</a:t>
+              <a:t>soll</a:t>
             </a:r>
             <a:r>
               <a:rPr lang="de-DE" dirty="0">
@@ -12668,7 +12683,7 @@
                 <a:ea typeface="Calibri" panose="020F0502020204030204" pitchFamily="34" charset="0"/>
                 <a:cs typeface="Mangal" panose="02040503050203030202" pitchFamily="18" charset="0"/>
               </a:rPr>
-              <a:t> dem Nutzer die Möglichkeit bieten die Karte zu Drehen und zu bewegen.</a:t>
+              <a:t> dem Nutzer die Möglichkeit bieten Informationen zu den Räumen anzuzeigen.</a:t>
             </a:r>
           </a:p>
           <a:p>
@@ -12681,7 +12696,7 @@
               </a:spcAft>
             </a:pPr>
             <a:r>
-              <a:rPr lang="de-DE" sz="1600" dirty="0">
+              <a:rPr lang="de-DE" dirty="0">
                 <a:effectLst/>
                 <a:latin typeface="Calibri" panose="020F0502020204030204" pitchFamily="34" charset="0"/>
                 <a:ea typeface="Calibri" panose="020F0502020204030204" pitchFamily="34" charset="0"/>
@@ -12689,19 +12704,106 @@
               </a:rPr>
               <a:t> </a:t>
             </a:r>
-            <a:endParaRPr lang="de-DE" sz="1800" dirty="0">
-              <a:effectLst/>
-              <a:latin typeface="Calibri" panose="020F0502020204030204" pitchFamily="34" charset="0"/>
-              <a:ea typeface="Calibri" panose="020F0502020204030204" pitchFamily="34" charset="0"/>
-              <a:cs typeface="Mangal" panose="02040503050203030202" pitchFamily="18" charset="0"/>
-            </a:endParaRPr>
+          </a:p>
+          <a:p>
+            <a:pPr>
+              <a:lnSpc>
+                <a:spcPct val="115000"/>
+              </a:lnSpc>
+              <a:spcAft>
+                <a:spcPts val="800"/>
+              </a:spcAft>
+            </a:pPr>
+            <a:r>
+              <a:rPr lang="de-DE" dirty="0">
+                <a:effectLst/>
+                <a:latin typeface="Calibri" panose="020F0502020204030204" pitchFamily="34" charset="0"/>
+                <a:ea typeface="Calibri" panose="020F0502020204030204" pitchFamily="34" charset="0"/>
+                <a:cs typeface="Mangal" panose="02040503050203030202" pitchFamily="18" charset="0"/>
+              </a:rPr>
+              <a:t>[F090] Die Anwendung </a:t>
+            </a:r>
+            <a:r>
+              <a:rPr lang="de-DE" b="1" dirty="0">
+                <a:effectLst/>
+                <a:latin typeface="Calibri" panose="020F0502020204030204" pitchFamily="34" charset="0"/>
+                <a:ea typeface="Calibri" panose="020F0502020204030204" pitchFamily="34" charset="0"/>
+                <a:cs typeface="Mangal" panose="02040503050203030202" pitchFamily="18" charset="0"/>
+              </a:rPr>
+              <a:t>kann</a:t>
+            </a:r>
+            <a:r>
+              <a:rPr lang="de-DE" dirty="0">
+                <a:effectLst/>
+                <a:latin typeface="Calibri" panose="020F0502020204030204" pitchFamily="34" charset="0"/>
+                <a:ea typeface="Calibri" panose="020F0502020204030204" pitchFamily="34" charset="0"/>
+                <a:cs typeface="Mangal" panose="02040503050203030202" pitchFamily="18" charset="0"/>
+              </a:rPr>
+              <a:t> dem Nutzer die Möglichkeit bieten Räume als Favoriten zu speichern und auszuwählen.</a:t>
+            </a:r>
+          </a:p>
+          <a:p>
+            <a:pPr>
+              <a:lnSpc>
+                <a:spcPct val="115000"/>
+              </a:lnSpc>
+              <a:spcAft>
+                <a:spcPts val="800"/>
+              </a:spcAft>
+            </a:pPr>
+            <a:r>
+              <a:rPr lang="de-DE" dirty="0">
+                <a:effectLst/>
+                <a:latin typeface="Calibri" panose="020F0502020204030204" pitchFamily="34" charset="0"/>
+                <a:ea typeface="Calibri" panose="020F0502020204030204" pitchFamily="34" charset="0"/>
+                <a:cs typeface="Mangal" panose="02040503050203030202" pitchFamily="18" charset="0"/>
+              </a:rPr>
+              <a:t>[F100] Die Anwendung </a:t>
+            </a:r>
+            <a:r>
+              <a:rPr lang="de-DE" b="1" dirty="0">
+                <a:effectLst/>
+                <a:latin typeface="Calibri" panose="020F0502020204030204" pitchFamily="34" charset="0"/>
+                <a:ea typeface="Calibri" panose="020F0502020204030204" pitchFamily="34" charset="0"/>
+                <a:cs typeface="Mangal" panose="02040503050203030202" pitchFamily="18" charset="0"/>
+              </a:rPr>
+              <a:t>kann</a:t>
+            </a:r>
+            <a:r>
+              <a:rPr lang="de-DE" dirty="0">
+                <a:effectLst/>
+                <a:latin typeface="Calibri" panose="020F0502020204030204" pitchFamily="34" charset="0"/>
+                <a:ea typeface="Calibri" panose="020F0502020204030204" pitchFamily="34" charset="0"/>
+                <a:cs typeface="Mangal" panose="02040503050203030202" pitchFamily="18" charset="0"/>
+              </a:rPr>
+              <a:t> dem Nutzer die Möglichkeit bieten die Routengeneration durch URL-Parameter anzugeben.</a:t>
+            </a:r>
+          </a:p>
+          <a:p>
+            <a:pPr>
+              <a:lnSpc>
+                <a:spcPct val="115000"/>
+              </a:lnSpc>
+              <a:spcAft>
+                <a:spcPts val="800"/>
+              </a:spcAft>
+            </a:pPr>
+            <a:r>
+              <a:rPr lang="de-DE" dirty="0">
+                <a:effectLst/>
+                <a:latin typeface="Calibri" panose="020F0502020204030204" pitchFamily="34" charset="0"/>
+                <a:ea typeface="Calibri" panose="020F0502020204030204" pitchFamily="34" charset="0"/>
+                <a:cs typeface="Mangal" panose="02040503050203030202" pitchFamily="18" charset="0"/>
+              </a:rPr>
+              <a:t> </a:t>
+            </a:r>
           </a:p>
         </p:txBody>
       </p:sp>
     </p:spTree>
     <p:extLst>
       <p:ext uri="{BB962C8B-B14F-4D97-AF65-F5344CB8AC3E}">
-        <p14:creationId xmlns:p14="http://schemas.microsoft.com/office/powerpoint/2010/main" val="2170016028"/>
+        <p14:creationId xmlns:p14="http://schemas.microsoft.com/office/powerpoint/2010/main" val="2216635375"/>
       </p:ext>
     </p:extLst>
   </p:cSld>
@@ -12768,7 +12870,7 @@
           <a:p>
             <a:r>
               <a:rPr lang="de-DE" b="1" dirty="0"/>
-              <a:t>Anforderungen – kann und soll</a:t>
+              <a:t>Risikoanalyse - Formlos</a:t>
             </a:r>
             <a:endParaRPr b="1" dirty="0"/>
           </a:p>
@@ -14556,10 +14658,10 @@
       </p:sp>
       <p:sp>
         <p:nvSpPr>
-          <p:cNvPr id="10" name="Textfeld 9">
+          <p:cNvPr id="3" name="Textfeld 2">
             <a:extLst>
               <a:ext uri="{FF2B5EF4-FFF2-40B4-BE49-F238E27FC236}">
-                <a16:creationId xmlns:a16="http://schemas.microsoft.com/office/drawing/2014/main" id="{C271D799-D5E9-734D-5D0C-81634932EAF4}"/>
+                <a16:creationId xmlns:a16="http://schemas.microsoft.com/office/drawing/2014/main" id="{F8D99334-138C-085A-F0D6-5C7E0C862460}"/>
               </a:ext>
             </a:extLst>
           </p:cNvPr>
@@ -14569,7 +14671,7 @@
         <p:spPr>
           <a:xfrm>
             <a:off x="1155561" y="1603699"/>
-            <a:ext cx="9259410" cy="5251438"/>
+            <a:ext cx="9259410" cy="2395271"/>
           </a:xfrm>
           <a:prstGeom prst="rect">
             <a:avLst/>
@@ -14582,13 +14684,15 @@
           </a:bodyPr>
           <a:lstStyle/>
           <a:p>
-            <a:pPr>
+            <a:pPr marL="285750" indent="-285750">
               <a:lnSpc>
                 <a:spcPct val="115000"/>
               </a:lnSpc>
               <a:spcAft>
                 <a:spcPts val="800"/>
               </a:spcAft>
+              <a:buFont typeface="Arial" panose="020B0604020202020204" pitchFamily="34" charset="0"/>
+              <a:buChar char="•"/>
             </a:pPr>
             <a:r>
               <a:rPr lang="de-DE" dirty="0">
@@ -14597,17 +14701,20 @@
                 <a:ea typeface="Calibri" panose="020F0502020204030204" pitchFamily="34" charset="0"/>
                 <a:cs typeface="Mangal" panose="02040503050203030202" pitchFamily="18" charset="0"/>
               </a:rPr>
-              <a:t>[F050] Die Anwendung </a:t>
-            </a:r>
-            <a:r>
-              <a:rPr lang="de-DE" b="1" dirty="0">
-                <a:effectLst/>
-                <a:latin typeface="Calibri" panose="020F0502020204030204" pitchFamily="34" charset="0"/>
-                <a:ea typeface="Calibri" panose="020F0502020204030204" pitchFamily="34" charset="0"/>
-                <a:cs typeface="Mangal" panose="02040503050203030202" pitchFamily="18" charset="0"/>
-              </a:rPr>
-              <a:t>soll</a:t>
-            </a:r>
+              <a:t>Für die Routenermittlung muss ein passender Algorithmus gefunden und Implementiert werden [F020]</a:t>
+            </a:r>
+          </a:p>
+          <a:p>
+            <a:pPr marL="285750" indent="-285750">
+              <a:lnSpc>
+                <a:spcPct val="115000"/>
+              </a:lnSpc>
+              <a:spcAft>
+                <a:spcPts val="800"/>
+              </a:spcAft>
+              <a:buFont typeface="Arial" panose="020B0604020202020204" pitchFamily="34" charset="0"/>
+              <a:buChar char="•"/>
+            </a:pPr>
             <a:r>
               <a:rPr lang="de-DE" dirty="0">
                 <a:effectLst/>
@@ -14615,17 +14722,39 @@
                 <a:ea typeface="Calibri" panose="020F0502020204030204" pitchFamily="34" charset="0"/>
                 <a:cs typeface="Mangal" panose="02040503050203030202" pitchFamily="18" charset="0"/>
               </a:rPr>
-              <a:t> dem Nutzer die Möglichkeit bieten zwischen einer perspektivischen und orthographischen Kamera zu wählen.</a:t>
-            </a:r>
-          </a:p>
-          <a:p>
-            <a:pPr>
+              <a:t>Selektion der  einzelnen Räume im 3D-Modell [F030]</a:t>
+            </a:r>
+          </a:p>
+          <a:p>
+            <a:pPr marL="285750" indent="-285750">
               <a:lnSpc>
                 <a:spcPct val="115000"/>
               </a:lnSpc>
               <a:spcAft>
                 <a:spcPts val="800"/>
               </a:spcAft>
+              <a:buFont typeface="Arial" panose="020B0604020202020204" pitchFamily="34" charset="0"/>
+              <a:buChar char="•"/>
+            </a:pPr>
+            <a:r>
+              <a:rPr lang="de-DE" dirty="0">
+                <a:latin typeface="Calibri" panose="020F0502020204030204" pitchFamily="34" charset="0"/>
+                <a:ea typeface="Calibri" panose="020F0502020204030204" pitchFamily="34" charset="0"/>
+                <a:cs typeface="Mangal" panose="02040503050203030202" pitchFamily="18" charset="0"/>
+              </a:rPr>
+              <a:t>Verknüpfen von Informationen mit den einzelnen Räumen [F080]</a:t>
+            </a:r>
+          </a:p>
+          <a:p>
+            <a:pPr marL="285750" indent="-285750">
+              <a:lnSpc>
+                <a:spcPct val="115000"/>
+              </a:lnSpc>
+              <a:spcAft>
+                <a:spcPts val="800"/>
+              </a:spcAft>
+              <a:buFont typeface="Arial" panose="020B0604020202020204" pitchFamily="34" charset="0"/>
+              <a:buChar char="•"/>
             </a:pPr>
             <a:r>
               <a:rPr lang="de-DE" dirty="0">
@@ -14634,17 +14763,25 @@
                 <a:ea typeface="Calibri" panose="020F0502020204030204" pitchFamily="34" charset="0"/>
                 <a:cs typeface="Mangal" panose="02040503050203030202" pitchFamily="18" charset="0"/>
               </a:rPr>
-              <a:t>[F060] Die Anwendung </a:t>
-            </a:r>
-            <a:r>
-              <a:rPr lang="de-DE" b="1" dirty="0">
-                <a:effectLst/>
-                <a:latin typeface="Calibri" panose="020F0502020204030204" pitchFamily="34" charset="0"/>
-                <a:ea typeface="Calibri" panose="020F0502020204030204" pitchFamily="34" charset="0"/>
-                <a:cs typeface="Mangal" panose="02040503050203030202" pitchFamily="18" charset="0"/>
-              </a:rPr>
-              <a:t>soll</a:t>
-            </a:r>
+              <a:t>Visuell gut erkennbare Darstellung der Geometrie</a:t>
+            </a:r>
+            <a:endParaRPr lang="de-DE" dirty="0">
+              <a:latin typeface="Calibri" panose="020F0502020204030204" pitchFamily="34" charset="0"/>
+              <a:ea typeface="Calibri" panose="020F0502020204030204" pitchFamily="34" charset="0"/>
+              <a:cs typeface="Mangal" panose="02040503050203030202" pitchFamily="18" charset="0"/>
+            </a:endParaRPr>
+          </a:p>
+          <a:p>
+            <a:pPr marL="285750" indent="-285750">
+              <a:lnSpc>
+                <a:spcPct val="115000"/>
+              </a:lnSpc>
+              <a:spcAft>
+                <a:spcPts val="800"/>
+              </a:spcAft>
+              <a:buFont typeface="Arial" panose="020B0604020202020204" pitchFamily="34" charset="0"/>
+              <a:buChar char="•"/>
+            </a:pPr>
             <a:r>
               <a:rPr lang="de-DE" dirty="0">
                 <a:effectLst/>
@@ -14652,201 +14789,74 @@
                 <a:ea typeface="Calibri" panose="020F0502020204030204" pitchFamily="34" charset="0"/>
                 <a:cs typeface="Mangal" panose="02040503050203030202" pitchFamily="18" charset="0"/>
               </a:rPr>
-              <a:t> dem Nutzer die Möglichkeit bieten diese auf jedem Gerät mit einem aktuellen Webbrowser und einer Internetverbindung aufrufen zu können.</a:t>
-            </a:r>
-          </a:p>
-          <a:p>
-            <a:pPr>
-              <a:lnSpc>
-                <a:spcPct val="115000"/>
-              </a:lnSpc>
-              <a:spcAft>
-                <a:spcPts val="800"/>
-              </a:spcAft>
-            </a:pPr>
+              <a:t>Anbindung </a:t>
+            </a:r>
             <a:r>
               <a:rPr lang="de-DE" dirty="0">
-                <a:effectLst/>
                 <a:latin typeface="Calibri" panose="020F0502020204030204" pitchFamily="34" charset="0"/>
                 <a:ea typeface="Calibri" panose="020F0502020204030204" pitchFamily="34" charset="0"/>
                 <a:cs typeface="Mangal" panose="02040503050203030202" pitchFamily="18" charset="0"/>
               </a:rPr>
-              <a:t>[F070] Die Anwendung </a:t>
-            </a:r>
-            <a:r>
-              <a:rPr lang="de-DE" b="1" dirty="0">
-                <a:effectLst/>
-                <a:latin typeface="Calibri" panose="020F0502020204030204" pitchFamily="34" charset="0"/>
-                <a:ea typeface="Calibri" panose="020F0502020204030204" pitchFamily="34" charset="0"/>
-                <a:cs typeface="Mangal" panose="02040503050203030202" pitchFamily="18" charset="0"/>
-              </a:rPr>
-              <a:t>soll</a:t>
-            </a:r>
-            <a:r>
-              <a:rPr lang="de-DE" dirty="0">
-                <a:effectLst/>
-                <a:latin typeface="Calibri" panose="020F0502020204030204" pitchFamily="34" charset="0"/>
-                <a:ea typeface="Calibri" panose="020F0502020204030204" pitchFamily="34" charset="0"/>
-                <a:cs typeface="Mangal" panose="02040503050203030202" pitchFamily="18" charset="0"/>
-              </a:rPr>
-              <a:t> dem Nutzer die Möglichkeit bieten Ausgewählte Räume visuell hervorzuheben.</a:t>
-            </a:r>
-          </a:p>
-          <a:p>
-            <a:pPr>
-              <a:lnSpc>
-                <a:spcPct val="115000"/>
-              </a:lnSpc>
-              <a:spcAft>
-                <a:spcPts val="800"/>
-              </a:spcAft>
-            </a:pPr>
-            <a:r>
-              <a:rPr lang="de-DE" dirty="0">
-                <a:effectLst/>
-                <a:latin typeface="Calibri" panose="020F0502020204030204" pitchFamily="34" charset="0"/>
-                <a:ea typeface="Calibri" panose="020F0502020204030204" pitchFamily="34" charset="0"/>
-                <a:cs typeface="Mangal" panose="02040503050203030202" pitchFamily="18" charset="0"/>
-              </a:rPr>
-              <a:t>[F080] Die Anwendung </a:t>
-            </a:r>
-            <a:r>
-              <a:rPr lang="de-DE" b="1" dirty="0">
-                <a:effectLst/>
-                <a:latin typeface="Calibri" panose="020F0502020204030204" pitchFamily="34" charset="0"/>
-                <a:ea typeface="Calibri" panose="020F0502020204030204" pitchFamily="34" charset="0"/>
-                <a:cs typeface="Mangal" panose="02040503050203030202" pitchFamily="18" charset="0"/>
-              </a:rPr>
-              <a:t>soll</a:t>
-            </a:r>
-            <a:r>
-              <a:rPr lang="de-DE" dirty="0">
-                <a:effectLst/>
-                <a:latin typeface="Calibri" panose="020F0502020204030204" pitchFamily="34" charset="0"/>
-                <a:ea typeface="Calibri" panose="020F0502020204030204" pitchFamily="34" charset="0"/>
-                <a:cs typeface="Mangal" panose="02040503050203030202" pitchFamily="18" charset="0"/>
-              </a:rPr>
-              <a:t> dem Nutzer die Möglichkeit bieten Informationen zu den Räumen anzuzeigen.</a:t>
-            </a:r>
-          </a:p>
-          <a:p>
-            <a:pPr>
-              <a:lnSpc>
-                <a:spcPct val="115000"/>
-              </a:lnSpc>
-              <a:spcAft>
-                <a:spcPts val="800"/>
-              </a:spcAft>
-            </a:pPr>
-            <a:r>
-              <a:rPr lang="de-DE" dirty="0">
-                <a:effectLst/>
-                <a:latin typeface="Calibri" panose="020F0502020204030204" pitchFamily="34" charset="0"/>
-                <a:ea typeface="Calibri" panose="020F0502020204030204" pitchFamily="34" charset="0"/>
-                <a:cs typeface="Mangal" panose="02040503050203030202" pitchFamily="18" charset="0"/>
-              </a:rPr>
-              <a:t> </a:t>
-            </a:r>
-          </a:p>
-          <a:p>
-            <a:pPr>
-              <a:lnSpc>
-                <a:spcPct val="115000"/>
-              </a:lnSpc>
-              <a:spcAft>
-                <a:spcPts val="800"/>
-              </a:spcAft>
-            </a:pPr>
-            <a:r>
-              <a:rPr lang="de-DE" dirty="0">
-                <a:effectLst/>
-                <a:latin typeface="Calibri" panose="020F0502020204030204" pitchFamily="34" charset="0"/>
-                <a:ea typeface="Calibri" panose="020F0502020204030204" pitchFamily="34" charset="0"/>
-                <a:cs typeface="Mangal" panose="02040503050203030202" pitchFamily="18" charset="0"/>
-              </a:rPr>
-              <a:t>[F090] Die Anwendung </a:t>
-            </a:r>
-            <a:r>
-              <a:rPr lang="de-DE" b="1" dirty="0">
-                <a:effectLst/>
-                <a:latin typeface="Calibri" panose="020F0502020204030204" pitchFamily="34" charset="0"/>
-                <a:ea typeface="Calibri" panose="020F0502020204030204" pitchFamily="34" charset="0"/>
-                <a:cs typeface="Mangal" panose="02040503050203030202" pitchFamily="18" charset="0"/>
-              </a:rPr>
-              <a:t>kann</a:t>
-            </a:r>
-            <a:r>
-              <a:rPr lang="de-DE" dirty="0">
-                <a:effectLst/>
-                <a:latin typeface="Calibri" panose="020F0502020204030204" pitchFamily="34" charset="0"/>
-                <a:ea typeface="Calibri" panose="020F0502020204030204" pitchFamily="34" charset="0"/>
-                <a:cs typeface="Mangal" panose="02040503050203030202" pitchFamily="18" charset="0"/>
-              </a:rPr>
-              <a:t> dem Nutzer die Möglichkeit bieten Räume als Favoriten zu speichern und auszuwählen.</a:t>
-            </a:r>
-          </a:p>
-          <a:p>
-            <a:pPr>
-              <a:lnSpc>
-                <a:spcPct val="115000"/>
-              </a:lnSpc>
-              <a:spcAft>
-                <a:spcPts val="800"/>
-              </a:spcAft>
-            </a:pPr>
-            <a:r>
-              <a:rPr lang="de-DE" dirty="0">
-                <a:effectLst/>
-                <a:latin typeface="Calibri" panose="020F0502020204030204" pitchFamily="34" charset="0"/>
-                <a:ea typeface="Calibri" panose="020F0502020204030204" pitchFamily="34" charset="0"/>
-                <a:cs typeface="Mangal" panose="02040503050203030202" pitchFamily="18" charset="0"/>
-              </a:rPr>
-              <a:t>[F100] Die Anwendung </a:t>
-            </a:r>
-            <a:r>
-              <a:rPr lang="de-DE" b="1" dirty="0">
-                <a:effectLst/>
-                <a:latin typeface="Calibri" panose="020F0502020204030204" pitchFamily="34" charset="0"/>
-                <a:ea typeface="Calibri" panose="020F0502020204030204" pitchFamily="34" charset="0"/>
-                <a:cs typeface="Mangal" panose="02040503050203030202" pitchFamily="18" charset="0"/>
-              </a:rPr>
-              <a:t>kann</a:t>
-            </a:r>
-            <a:r>
-              <a:rPr lang="de-DE" dirty="0">
-                <a:effectLst/>
-                <a:latin typeface="Calibri" panose="020F0502020204030204" pitchFamily="34" charset="0"/>
-                <a:ea typeface="Calibri" panose="020F0502020204030204" pitchFamily="34" charset="0"/>
-                <a:cs typeface="Mangal" panose="02040503050203030202" pitchFamily="18" charset="0"/>
-              </a:rPr>
-              <a:t> dem Nutzer die Möglichkeit bieten die Routengeneration durch URL-Parameter anzugeben.</a:t>
-            </a:r>
-          </a:p>
-          <a:p>
-            <a:pPr>
-              <a:lnSpc>
-                <a:spcPct val="115000"/>
-              </a:lnSpc>
-              <a:spcAft>
-                <a:spcPts val="800"/>
-              </a:spcAft>
-            </a:pPr>
-            <a:r>
-              <a:rPr lang="de-DE" dirty="0">
-                <a:effectLst/>
-                <a:latin typeface="Calibri" panose="020F0502020204030204" pitchFamily="34" charset="0"/>
-                <a:ea typeface="Calibri" panose="020F0502020204030204" pitchFamily="34" charset="0"/>
-                <a:cs typeface="Mangal" panose="02040503050203030202" pitchFamily="18" charset="0"/>
-              </a:rPr>
-              <a:t> </a:t>
-            </a:r>
-          </a:p>
-        </p:txBody>
-      </p:sp>
+              <a:t>einer Datenbank für Rauminformationen</a:t>
+            </a:r>
+            <a:endParaRPr lang="de-DE" sz="1800" dirty="0">
+              <a:effectLst/>
+              <a:latin typeface="Calibri" panose="020F0502020204030204" pitchFamily="34" charset="0"/>
+              <a:ea typeface="Calibri" panose="020F0502020204030204" pitchFamily="34" charset="0"/>
+              <a:cs typeface="Mangal" panose="02040503050203030202" pitchFamily="18" charset="0"/>
+            </a:endParaRPr>
+          </a:p>
+        </p:txBody>
+      </p:sp>
+      <p:pic>
+        <p:nvPicPr>
+          <p:cNvPr id="1030" name="Picture 6" descr="Risiko-Symbol auf dem Tachometer. Messgerät für hohes Risiko. Vektorgrafik  Stock-Vektorgrafik - Alamy">
+            <a:extLst>
+              <a:ext uri="{FF2B5EF4-FFF2-40B4-BE49-F238E27FC236}">
+                <a16:creationId xmlns:a16="http://schemas.microsoft.com/office/drawing/2014/main" id="{1AAD6694-FAC5-5B4E-64F3-65B8548CCD34}"/>
+              </a:ext>
+            </a:extLst>
+          </p:cNvPr>
+          <p:cNvPicPr>
+            <a:picLocks noChangeAspect="1" noChangeArrowheads="1"/>
+          </p:cNvPicPr>
+          <p:nvPr/>
+        </p:nvPicPr>
+        <p:blipFill rotWithShape="1">
+          <a:blip r:embed="rId3">
+            <a:extLst>
+              <a:ext uri="{28A0092B-C50C-407E-A947-70E740481C1C}">
+                <a14:useLocalDpi xmlns:a14="http://schemas.microsoft.com/office/drawing/2010/main" val="0"/>
+              </a:ext>
+            </a:extLst>
+          </a:blip>
+          <a:srcRect l="10264" t="10720" r="7189" b="17222"/>
+          <a:stretch/>
+        </p:blipFill>
+        <p:spPr bwMode="auto">
+          <a:xfrm>
+            <a:off x="7377410" y="3143250"/>
+            <a:ext cx="4194928" cy="3303985"/>
+          </a:xfrm>
+          <a:prstGeom prst="rect">
+            <a:avLst/>
+          </a:prstGeom>
+          <a:noFill/>
+          <a:extLst>
+            <a:ext uri="{909E8E84-426E-40DD-AFC4-6F175D3DCCD1}">
+              <a14:hiddenFill xmlns:a14="http://schemas.microsoft.com/office/drawing/2010/main">
+                <a:solidFill>
+                  <a:srgbClr val="FFFFFF"/>
+                </a:solidFill>
+              </a14:hiddenFill>
+            </a:ext>
+          </a:extLst>
+        </p:spPr>
+      </p:pic>
     </p:spTree>
     <p:extLst>
       <p:ext uri="{BB962C8B-B14F-4D97-AF65-F5344CB8AC3E}">
-        <p14:creationId xmlns:p14="http://schemas.microsoft.com/office/powerpoint/2010/main" val="2216635375"/>
+        <p14:creationId xmlns:p14="http://schemas.microsoft.com/office/powerpoint/2010/main" val="1423824583"/>
       </p:ext>
     </p:extLst>
   </p:cSld>
@@ -14882,7 +14892,7 @@
         <p:spPr>
           <a:xfrm>
             <a:off x="2063273" y="499215"/>
-            <a:ext cx="1572546" cy="323165"/>
+            <a:ext cx="4812215" cy="323165"/>
           </a:xfrm>
           <a:prstGeom prst="rect">
             <a:avLst/>
@@ -14913,7 +14923,7 @@
           <a:p>
             <a:r>
               <a:rPr lang="de-DE" b="1" dirty="0"/>
-              <a:t>Projektplan </a:t>
+              <a:t>Weitere PoCs aus den Anforderungen</a:t>
             </a:r>
             <a:endParaRPr b="1" dirty="0"/>
           </a:p>
@@ -16699,40 +16709,10 @@
           </a:p>
         </p:txBody>
       </p:sp>
-      <p:pic>
-        <p:nvPicPr>
-          <p:cNvPr id="4" name="Grafik 3">
-            <a:extLst>
-              <a:ext uri="{FF2B5EF4-FFF2-40B4-BE49-F238E27FC236}">
-                <a16:creationId xmlns:a16="http://schemas.microsoft.com/office/drawing/2014/main" id="{CAEA2A7D-16D4-1D96-222E-10597E4A9809}"/>
-              </a:ext>
-            </a:extLst>
-          </p:cNvPr>
-          <p:cNvPicPr>
-            <a:picLocks noChangeAspect="1"/>
-          </p:cNvPicPr>
-          <p:nvPr/>
-        </p:nvPicPr>
-        <p:blipFill>
-          <a:blip r:embed="rId2"/>
-          <a:stretch>
-            <a:fillRect/>
-          </a:stretch>
-        </p:blipFill>
-        <p:spPr>
-          <a:xfrm>
-            <a:off x="847024" y="1160859"/>
-            <a:ext cx="9961429" cy="5412525"/>
-          </a:xfrm>
-          <a:prstGeom prst="rect">
-            <a:avLst/>
-          </a:prstGeom>
-        </p:spPr>
-      </p:pic>
     </p:spTree>
     <p:extLst>
       <p:ext uri="{BB962C8B-B14F-4D97-AF65-F5344CB8AC3E}">
-        <p14:creationId xmlns:p14="http://schemas.microsoft.com/office/powerpoint/2010/main" val="160808260"/>
+        <p14:creationId xmlns:p14="http://schemas.microsoft.com/office/powerpoint/2010/main" val="47429905"/>
       </p:ext>
     </p:extLst>
   </p:cSld>
@@ -16768,7 +16748,7 @@
         <p:spPr>
           <a:xfrm>
             <a:off x="2063273" y="499215"/>
-            <a:ext cx="4425892" cy="323165"/>
+            <a:ext cx="1572546" cy="323165"/>
           </a:xfrm>
           <a:prstGeom prst="rect">
             <a:avLst/>
@@ -16799,7 +16779,7 @@
           <a:p>
             <a:r>
               <a:rPr lang="de-DE" b="1" dirty="0"/>
-              <a:t>PoCs zu den Kernfunktionalitäten </a:t>
+              <a:t>Projektplan </a:t>
             </a:r>
             <a:endParaRPr b="1" dirty="0"/>
           </a:p>
@@ -18585,10 +18565,40 @@
           </a:p>
         </p:txBody>
       </p:sp>
+      <p:pic>
+        <p:nvPicPr>
+          <p:cNvPr id="4" name="Grafik 3">
+            <a:extLst>
+              <a:ext uri="{FF2B5EF4-FFF2-40B4-BE49-F238E27FC236}">
+                <a16:creationId xmlns:a16="http://schemas.microsoft.com/office/drawing/2014/main" id="{CAEA2A7D-16D4-1D96-222E-10597E4A9809}"/>
+              </a:ext>
+            </a:extLst>
+          </p:cNvPr>
+          <p:cNvPicPr>
+            <a:picLocks noChangeAspect="1"/>
+          </p:cNvPicPr>
+          <p:nvPr/>
+        </p:nvPicPr>
+        <p:blipFill>
+          <a:blip r:embed="rId2"/>
+          <a:stretch>
+            <a:fillRect/>
+          </a:stretch>
+        </p:blipFill>
+        <p:spPr>
+          <a:xfrm>
+            <a:off x="847024" y="1160859"/>
+            <a:ext cx="9961429" cy="5412525"/>
+          </a:xfrm>
+          <a:prstGeom prst="rect">
+            <a:avLst/>
+          </a:prstGeom>
+        </p:spPr>
+      </p:pic>
     </p:spTree>
     <p:extLst>
       <p:ext uri="{BB962C8B-B14F-4D97-AF65-F5344CB8AC3E}">
-        <p14:creationId xmlns:p14="http://schemas.microsoft.com/office/powerpoint/2010/main" val="47429905"/>
+        <p14:creationId xmlns:p14="http://schemas.microsoft.com/office/powerpoint/2010/main" val="160808260"/>
       </p:ext>
     </p:extLst>
   </p:cSld>
@@ -18634,7 +18644,7 @@
           </a:ln>
           <a:extLst>
             <a:ext uri="{C572A759-6A51-4108-AA02-DFA0A04FC94B}">
-              <ma14:wrappingTextBoxFlag xmlns:ma14="http://schemas.microsoft.com/office/mac/drawingml/2011/main" xmlns:a14="http://schemas.microsoft.com/office/drawing/2010/main" xmlns:m="http://schemas.openxmlformats.org/officeDocument/2006/math" xmlns="" val="1"/>
+              <ma14:wrappingTextBoxFlag xmlns="" xmlns:m="http://schemas.openxmlformats.org/officeDocument/2006/math" xmlns:a14="http://schemas.microsoft.com/office/drawing/2010/main" xmlns:ma14="http://schemas.microsoft.com/office/mac/drawingml/2011/main" val="1"/>
             </a:ext>
           </a:extLst>
         </p:spPr>
@@ -18685,7 +18695,7 @@
           </a:ln>
           <a:extLst>
             <a:ext uri="{C572A759-6A51-4108-AA02-DFA0A04FC94B}">
-              <ma14:wrappingTextBoxFlag xmlns:ma14="http://schemas.microsoft.com/office/mac/drawingml/2011/main" xmlns:a14="http://schemas.microsoft.com/office/drawing/2010/main" xmlns:m="http://schemas.openxmlformats.org/officeDocument/2006/math" xmlns="" val="1"/>
+              <ma14:wrappingTextBoxFlag xmlns="" xmlns:m="http://schemas.openxmlformats.org/officeDocument/2006/math" xmlns:a14="http://schemas.microsoft.com/office/drawing/2010/main" xmlns:ma14="http://schemas.microsoft.com/office/mac/drawingml/2011/main" val="1"/>
             </a:ext>
           </a:extLst>
         </p:spPr>
@@ -18736,7 +18746,7 @@
           </a:ln>
           <a:extLst>
             <a:ext uri="{C572A759-6A51-4108-AA02-DFA0A04FC94B}">
-              <ma14:wrappingTextBoxFlag xmlns:ma14="http://schemas.microsoft.com/office/mac/drawingml/2011/main" xmlns:a14="http://schemas.microsoft.com/office/drawing/2010/main" xmlns:m="http://schemas.openxmlformats.org/officeDocument/2006/math" xmlns="" val="1"/>
+              <ma14:wrappingTextBoxFlag xmlns="" xmlns:m="http://schemas.openxmlformats.org/officeDocument/2006/math" xmlns:a14="http://schemas.microsoft.com/office/drawing/2010/main" xmlns:ma14="http://schemas.microsoft.com/office/mac/drawingml/2011/main" val="1"/>
             </a:ext>
           </a:extLst>
         </p:spPr>
@@ -18787,7 +18797,7 @@
           </a:ln>
           <a:extLst>
             <a:ext uri="{C572A759-6A51-4108-AA02-DFA0A04FC94B}">
-              <ma14:wrappingTextBoxFlag xmlns:ma14="http://schemas.microsoft.com/office/mac/drawingml/2011/main" xmlns:a14="http://schemas.microsoft.com/office/drawing/2010/main" xmlns:m="http://schemas.openxmlformats.org/officeDocument/2006/math" xmlns="" val="1"/>
+              <ma14:wrappingTextBoxFlag xmlns="" xmlns:m="http://schemas.openxmlformats.org/officeDocument/2006/math" xmlns:a14="http://schemas.microsoft.com/office/drawing/2010/main" xmlns:ma14="http://schemas.microsoft.com/office/mac/drawingml/2011/main" val="1"/>
             </a:ext>
           </a:extLst>
         </p:spPr>
@@ -18838,7 +18848,7 @@
           </a:ln>
           <a:extLst>
             <a:ext uri="{C572A759-6A51-4108-AA02-DFA0A04FC94B}">
-              <ma14:wrappingTextBoxFlag xmlns:ma14="http://schemas.microsoft.com/office/mac/drawingml/2011/main" xmlns:a14="http://schemas.microsoft.com/office/drawing/2010/main" xmlns:m="http://schemas.openxmlformats.org/officeDocument/2006/math" xmlns="" val="1"/>
+              <ma14:wrappingTextBoxFlag xmlns="" xmlns:m="http://schemas.openxmlformats.org/officeDocument/2006/math" xmlns:a14="http://schemas.microsoft.com/office/drawing/2010/main" xmlns:ma14="http://schemas.microsoft.com/office/mac/drawingml/2011/main" val="1"/>
             </a:ext>
           </a:extLst>
         </p:spPr>
@@ -18889,7 +18899,7 @@
           </a:ln>
           <a:extLst>
             <a:ext uri="{C572A759-6A51-4108-AA02-DFA0A04FC94B}">
-              <ma14:wrappingTextBoxFlag xmlns:ma14="http://schemas.microsoft.com/office/mac/drawingml/2011/main" xmlns:a14="http://schemas.microsoft.com/office/drawing/2010/main" xmlns:m="http://schemas.openxmlformats.org/officeDocument/2006/math" xmlns="" val="1"/>
+              <ma14:wrappingTextBoxFlag xmlns="" xmlns:m="http://schemas.openxmlformats.org/officeDocument/2006/math" xmlns:a14="http://schemas.microsoft.com/office/drawing/2010/main" xmlns:ma14="http://schemas.microsoft.com/office/mac/drawingml/2011/main" val="1"/>
             </a:ext>
           </a:extLst>
         </p:spPr>
@@ -18940,7 +18950,7 @@
           </a:ln>
           <a:extLst>
             <a:ext uri="{C572A759-6A51-4108-AA02-DFA0A04FC94B}">
-              <ma14:wrappingTextBoxFlag xmlns:ma14="http://schemas.microsoft.com/office/mac/drawingml/2011/main" xmlns:a14="http://schemas.microsoft.com/office/drawing/2010/main" xmlns:m="http://schemas.openxmlformats.org/officeDocument/2006/math" xmlns="" val="1"/>
+              <ma14:wrappingTextBoxFlag xmlns="" xmlns:m="http://schemas.openxmlformats.org/officeDocument/2006/math" xmlns:a14="http://schemas.microsoft.com/office/drawing/2010/main" xmlns:ma14="http://schemas.microsoft.com/office/mac/drawingml/2011/main" val="1"/>
             </a:ext>
           </a:extLst>
         </p:spPr>
@@ -18991,7 +19001,7 @@
           </a:ln>
           <a:extLst>
             <a:ext uri="{C572A759-6A51-4108-AA02-DFA0A04FC94B}">
-              <ma14:wrappingTextBoxFlag xmlns:ma14="http://schemas.microsoft.com/office/mac/drawingml/2011/main" xmlns:a14="http://schemas.microsoft.com/office/drawing/2010/main" xmlns:m="http://schemas.openxmlformats.org/officeDocument/2006/math" xmlns="" val="1"/>
+              <ma14:wrappingTextBoxFlag xmlns="" xmlns:m="http://schemas.openxmlformats.org/officeDocument/2006/math" xmlns:a14="http://schemas.microsoft.com/office/drawing/2010/main" xmlns:ma14="http://schemas.microsoft.com/office/mac/drawingml/2011/main" val="1"/>
             </a:ext>
           </a:extLst>
         </p:spPr>
@@ -19042,7 +19052,7 @@
           </a:ln>
           <a:extLst>
             <a:ext uri="{C572A759-6A51-4108-AA02-DFA0A04FC94B}">
-              <ma14:wrappingTextBoxFlag xmlns:ma14="http://schemas.microsoft.com/office/mac/drawingml/2011/main" xmlns:a14="http://schemas.microsoft.com/office/drawing/2010/main" xmlns:m="http://schemas.openxmlformats.org/officeDocument/2006/math" xmlns="" val="1"/>
+              <ma14:wrappingTextBoxFlag xmlns="" xmlns:m="http://schemas.openxmlformats.org/officeDocument/2006/math" xmlns:a14="http://schemas.microsoft.com/office/drawing/2010/main" xmlns:ma14="http://schemas.microsoft.com/office/mac/drawingml/2011/main" val="1"/>
             </a:ext>
           </a:extLst>
         </p:spPr>
@@ -19093,7 +19103,7 @@
           </a:ln>
           <a:extLst>
             <a:ext uri="{C572A759-6A51-4108-AA02-DFA0A04FC94B}">
-              <ma14:wrappingTextBoxFlag xmlns:ma14="http://schemas.microsoft.com/office/mac/drawingml/2011/main" xmlns:a14="http://schemas.microsoft.com/office/drawing/2010/main" xmlns:m="http://schemas.openxmlformats.org/officeDocument/2006/math" xmlns="" val="1"/>
+              <ma14:wrappingTextBoxFlag xmlns="" xmlns:m="http://schemas.openxmlformats.org/officeDocument/2006/math" xmlns:a14="http://schemas.microsoft.com/office/drawing/2010/main" xmlns:ma14="http://schemas.microsoft.com/office/mac/drawingml/2011/main" val="1"/>
             </a:ext>
           </a:extLst>
         </p:spPr>
@@ -19144,7 +19154,7 @@
           </a:ln>
           <a:extLst>
             <a:ext uri="{C572A759-6A51-4108-AA02-DFA0A04FC94B}">
-              <ma14:wrappingTextBoxFlag xmlns:ma14="http://schemas.microsoft.com/office/mac/drawingml/2011/main" xmlns:a14="http://schemas.microsoft.com/office/drawing/2010/main" xmlns:m="http://schemas.openxmlformats.org/officeDocument/2006/math" xmlns="" val="1"/>
+              <ma14:wrappingTextBoxFlag xmlns="" xmlns:m="http://schemas.openxmlformats.org/officeDocument/2006/math" xmlns:a14="http://schemas.microsoft.com/office/drawing/2010/main" xmlns:ma14="http://schemas.microsoft.com/office/mac/drawingml/2011/main" val="1"/>
             </a:ext>
           </a:extLst>
         </p:spPr>
@@ -19195,7 +19205,7 @@
           </a:ln>
           <a:extLst>
             <a:ext uri="{C572A759-6A51-4108-AA02-DFA0A04FC94B}">
-              <ma14:wrappingTextBoxFlag xmlns:ma14="http://schemas.microsoft.com/office/mac/drawingml/2011/main" xmlns:a14="http://schemas.microsoft.com/office/drawing/2010/main" xmlns:m="http://schemas.openxmlformats.org/officeDocument/2006/math" xmlns="" val="1"/>
+              <ma14:wrappingTextBoxFlag xmlns="" xmlns:m="http://schemas.openxmlformats.org/officeDocument/2006/math" xmlns:a14="http://schemas.microsoft.com/office/drawing/2010/main" xmlns:ma14="http://schemas.microsoft.com/office/mac/drawingml/2011/main" val="1"/>
             </a:ext>
           </a:extLst>
         </p:spPr>
@@ -19246,7 +19256,7 @@
           </a:ln>
           <a:extLst>
             <a:ext uri="{C572A759-6A51-4108-AA02-DFA0A04FC94B}">
-              <ma14:wrappingTextBoxFlag xmlns:ma14="http://schemas.microsoft.com/office/mac/drawingml/2011/main" xmlns:a14="http://schemas.microsoft.com/office/drawing/2010/main" xmlns:m="http://schemas.openxmlformats.org/officeDocument/2006/math" xmlns="" val="1"/>
+              <ma14:wrappingTextBoxFlag xmlns="" xmlns:m="http://schemas.openxmlformats.org/officeDocument/2006/math" xmlns:a14="http://schemas.microsoft.com/office/drawing/2010/main" xmlns:ma14="http://schemas.microsoft.com/office/mac/drawingml/2011/main" val="1"/>
             </a:ext>
           </a:extLst>
         </p:spPr>
@@ -19297,7 +19307,7 @@
           </a:ln>
           <a:extLst>
             <a:ext uri="{C572A759-6A51-4108-AA02-DFA0A04FC94B}">
-              <ma14:wrappingTextBoxFlag xmlns:ma14="http://schemas.microsoft.com/office/mac/drawingml/2011/main" xmlns:a14="http://schemas.microsoft.com/office/drawing/2010/main" xmlns:m="http://schemas.openxmlformats.org/officeDocument/2006/math" xmlns="" val="1"/>
+              <ma14:wrappingTextBoxFlag xmlns="" xmlns:m="http://schemas.openxmlformats.org/officeDocument/2006/math" xmlns:a14="http://schemas.microsoft.com/office/drawing/2010/main" xmlns:ma14="http://schemas.microsoft.com/office/mac/drawingml/2011/main" val="1"/>
             </a:ext>
           </a:extLst>
         </p:spPr>
@@ -19348,7 +19358,7 @@
           </a:ln>
           <a:extLst>
             <a:ext uri="{C572A759-6A51-4108-AA02-DFA0A04FC94B}">
-              <ma14:wrappingTextBoxFlag xmlns:ma14="http://schemas.microsoft.com/office/mac/drawingml/2011/main" xmlns:a14="http://schemas.microsoft.com/office/drawing/2010/main" xmlns:m="http://schemas.openxmlformats.org/officeDocument/2006/math" xmlns="" val="1"/>
+              <ma14:wrappingTextBoxFlag xmlns="" xmlns:m="http://schemas.openxmlformats.org/officeDocument/2006/math" xmlns:a14="http://schemas.microsoft.com/office/drawing/2010/main" xmlns:ma14="http://schemas.microsoft.com/office/mac/drawingml/2011/main" val="1"/>
             </a:ext>
           </a:extLst>
         </p:spPr>
@@ -19399,7 +19409,7 @@
           </a:ln>
           <a:extLst>
             <a:ext uri="{C572A759-6A51-4108-AA02-DFA0A04FC94B}">
-              <ma14:wrappingTextBoxFlag xmlns:ma14="http://schemas.microsoft.com/office/mac/drawingml/2011/main" xmlns:a14="http://schemas.microsoft.com/office/drawing/2010/main" xmlns:m="http://schemas.openxmlformats.org/officeDocument/2006/math" xmlns="" val="1"/>
+              <ma14:wrappingTextBoxFlag xmlns="" xmlns:m="http://schemas.openxmlformats.org/officeDocument/2006/math" xmlns:a14="http://schemas.microsoft.com/office/drawing/2010/main" xmlns:ma14="http://schemas.microsoft.com/office/mac/drawingml/2011/main" val="1"/>
             </a:ext>
           </a:extLst>
         </p:spPr>
@@ -19450,7 +19460,7 @@
           </a:ln>
           <a:extLst>
             <a:ext uri="{C572A759-6A51-4108-AA02-DFA0A04FC94B}">
-              <ma14:wrappingTextBoxFlag xmlns:ma14="http://schemas.microsoft.com/office/mac/drawingml/2011/main" xmlns:a14="http://schemas.microsoft.com/office/drawing/2010/main" xmlns:m="http://schemas.openxmlformats.org/officeDocument/2006/math" xmlns="" val="1"/>
+              <ma14:wrappingTextBoxFlag xmlns="" xmlns:m="http://schemas.openxmlformats.org/officeDocument/2006/math" xmlns:a14="http://schemas.microsoft.com/office/drawing/2010/main" xmlns:ma14="http://schemas.microsoft.com/office/mac/drawingml/2011/main" val="1"/>
             </a:ext>
           </a:extLst>
         </p:spPr>
@@ -19501,7 +19511,7 @@
           </a:ln>
           <a:extLst>
             <a:ext uri="{C572A759-6A51-4108-AA02-DFA0A04FC94B}">
-              <ma14:wrappingTextBoxFlag xmlns:ma14="http://schemas.microsoft.com/office/mac/drawingml/2011/main" xmlns:a14="http://schemas.microsoft.com/office/drawing/2010/main" xmlns:m="http://schemas.openxmlformats.org/officeDocument/2006/math" xmlns="" val="1"/>
+              <ma14:wrappingTextBoxFlag xmlns="" xmlns:m="http://schemas.openxmlformats.org/officeDocument/2006/math" xmlns:a14="http://schemas.microsoft.com/office/drawing/2010/main" xmlns:ma14="http://schemas.microsoft.com/office/mac/drawingml/2011/main" val="1"/>
             </a:ext>
           </a:extLst>
         </p:spPr>
@@ -19552,7 +19562,7 @@
           </a:ln>
           <a:extLst>
             <a:ext uri="{C572A759-6A51-4108-AA02-DFA0A04FC94B}">
-              <ma14:wrappingTextBoxFlag xmlns:ma14="http://schemas.microsoft.com/office/mac/drawingml/2011/main" xmlns:a14="http://schemas.microsoft.com/office/drawing/2010/main" xmlns:m="http://schemas.openxmlformats.org/officeDocument/2006/math" xmlns="" val="1"/>
+              <ma14:wrappingTextBoxFlag xmlns="" xmlns:m="http://schemas.openxmlformats.org/officeDocument/2006/math" xmlns:a14="http://schemas.microsoft.com/office/drawing/2010/main" xmlns:ma14="http://schemas.microsoft.com/office/mac/drawingml/2011/main" val="1"/>
             </a:ext>
           </a:extLst>
         </p:spPr>
@@ -19603,7 +19613,7 @@
           </a:ln>
           <a:extLst>
             <a:ext uri="{C572A759-6A51-4108-AA02-DFA0A04FC94B}">
-              <ma14:wrappingTextBoxFlag xmlns:ma14="http://schemas.microsoft.com/office/mac/drawingml/2011/main" xmlns:a14="http://schemas.microsoft.com/office/drawing/2010/main" xmlns:m="http://schemas.openxmlformats.org/officeDocument/2006/math" xmlns="" val="1"/>
+              <ma14:wrappingTextBoxFlag xmlns="" xmlns:m="http://schemas.openxmlformats.org/officeDocument/2006/math" xmlns:a14="http://schemas.microsoft.com/office/drawing/2010/main" xmlns:ma14="http://schemas.microsoft.com/office/mac/drawingml/2011/main" val="1"/>
             </a:ext>
           </a:extLst>
         </p:spPr>
@@ -19654,7 +19664,7 @@
           </a:ln>
           <a:extLst>
             <a:ext uri="{C572A759-6A51-4108-AA02-DFA0A04FC94B}">
-              <ma14:wrappingTextBoxFlag xmlns:ma14="http://schemas.microsoft.com/office/mac/drawingml/2011/main" xmlns:a14="http://schemas.microsoft.com/office/drawing/2010/main" xmlns:m="http://schemas.openxmlformats.org/officeDocument/2006/math" xmlns="" val="1"/>
+              <ma14:wrappingTextBoxFlag xmlns="" xmlns:m="http://schemas.openxmlformats.org/officeDocument/2006/math" xmlns:a14="http://schemas.microsoft.com/office/drawing/2010/main" xmlns:ma14="http://schemas.microsoft.com/office/mac/drawingml/2011/main" val="1"/>
             </a:ext>
           </a:extLst>
         </p:spPr>
@@ -19705,7 +19715,7 @@
           </a:ln>
           <a:extLst>
             <a:ext uri="{C572A759-6A51-4108-AA02-DFA0A04FC94B}">
-              <ma14:wrappingTextBoxFlag xmlns:ma14="http://schemas.microsoft.com/office/mac/drawingml/2011/main" xmlns:a14="http://schemas.microsoft.com/office/drawing/2010/main" xmlns:m="http://schemas.openxmlformats.org/officeDocument/2006/math" xmlns="" val="1"/>
+              <ma14:wrappingTextBoxFlag xmlns="" xmlns:m="http://schemas.openxmlformats.org/officeDocument/2006/math" xmlns:a14="http://schemas.microsoft.com/office/drawing/2010/main" xmlns:ma14="http://schemas.microsoft.com/office/mac/drawingml/2011/main" val="1"/>
             </a:ext>
           </a:extLst>
         </p:spPr>
@@ -19756,7 +19766,7 @@
           </a:ln>
           <a:extLst>
             <a:ext uri="{C572A759-6A51-4108-AA02-DFA0A04FC94B}">
-              <ma14:wrappingTextBoxFlag xmlns:ma14="http://schemas.microsoft.com/office/mac/drawingml/2011/main" xmlns:a14="http://schemas.microsoft.com/office/drawing/2010/main" xmlns:m="http://schemas.openxmlformats.org/officeDocument/2006/math" xmlns="" val="1"/>
+              <ma14:wrappingTextBoxFlag xmlns="" xmlns:m="http://schemas.openxmlformats.org/officeDocument/2006/math" xmlns:a14="http://schemas.microsoft.com/office/drawing/2010/main" xmlns:ma14="http://schemas.microsoft.com/office/mac/drawingml/2011/main" val="1"/>
             </a:ext>
           </a:extLst>
         </p:spPr>
@@ -19807,7 +19817,7 @@
           </a:ln>
           <a:extLst>
             <a:ext uri="{C572A759-6A51-4108-AA02-DFA0A04FC94B}">
-              <ma14:wrappingTextBoxFlag xmlns:ma14="http://schemas.microsoft.com/office/mac/drawingml/2011/main" xmlns:a14="http://schemas.microsoft.com/office/drawing/2010/main" xmlns:m="http://schemas.openxmlformats.org/officeDocument/2006/math" xmlns="" val="1"/>
+              <ma14:wrappingTextBoxFlag xmlns="" xmlns:m="http://schemas.openxmlformats.org/officeDocument/2006/math" xmlns:a14="http://schemas.microsoft.com/office/drawing/2010/main" xmlns:ma14="http://schemas.microsoft.com/office/mac/drawingml/2011/main" val="1"/>
             </a:ext>
           </a:extLst>
         </p:spPr>
@@ -19858,7 +19868,7 @@
           </a:ln>
           <a:extLst>
             <a:ext uri="{C572A759-6A51-4108-AA02-DFA0A04FC94B}">
-              <ma14:wrappingTextBoxFlag xmlns:ma14="http://schemas.microsoft.com/office/mac/drawingml/2011/main" xmlns:a14="http://schemas.microsoft.com/office/drawing/2010/main" xmlns:m="http://schemas.openxmlformats.org/officeDocument/2006/math" xmlns="" val="1"/>
+              <ma14:wrappingTextBoxFlag xmlns="" xmlns:m="http://schemas.openxmlformats.org/officeDocument/2006/math" xmlns:a14="http://schemas.microsoft.com/office/drawing/2010/main" xmlns:ma14="http://schemas.microsoft.com/office/mac/drawingml/2011/main" val="1"/>
             </a:ext>
           </a:extLst>
         </p:spPr>
@@ -19909,7 +19919,7 @@
           </a:ln>
           <a:extLst>
             <a:ext uri="{C572A759-6A51-4108-AA02-DFA0A04FC94B}">
-              <ma14:wrappingTextBoxFlag xmlns:ma14="http://schemas.microsoft.com/office/mac/drawingml/2011/main" xmlns:a14="http://schemas.microsoft.com/office/drawing/2010/main" xmlns:m="http://schemas.openxmlformats.org/officeDocument/2006/math" xmlns="" val="1"/>
+              <ma14:wrappingTextBoxFlag xmlns="" xmlns:m="http://schemas.openxmlformats.org/officeDocument/2006/math" xmlns:a14="http://schemas.microsoft.com/office/drawing/2010/main" xmlns:ma14="http://schemas.microsoft.com/office/mac/drawingml/2011/main" val="1"/>
             </a:ext>
           </a:extLst>
         </p:spPr>
@@ -19960,7 +19970,7 @@
           </a:ln>
           <a:extLst>
             <a:ext uri="{C572A759-6A51-4108-AA02-DFA0A04FC94B}">
-              <ma14:wrappingTextBoxFlag xmlns:ma14="http://schemas.microsoft.com/office/mac/drawingml/2011/main" xmlns:a14="http://schemas.microsoft.com/office/drawing/2010/main" xmlns:m="http://schemas.openxmlformats.org/officeDocument/2006/math" xmlns="" val="1"/>
+              <ma14:wrappingTextBoxFlag xmlns="" xmlns:m="http://schemas.openxmlformats.org/officeDocument/2006/math" xmlns:a14="http://schemas.microsoft.com/office/drawing/2010/main" xmlns:ma14="http://schemas.microsoft.com/office/mac/drawingml/2011/main" val="1"/>
             </a:ext>
           </a:extLst>
         </p:spPr>
@@ -20011,7 +20021,7 @@
           </a:ln>
           <a:extLst>
             <a:ext uri="{C572A759-6A51-4108-AA02-DFA0A04FC94B}">
-              <ma14:wrappingTextBoxFlag xmlns:ma14="http://schemas.microsoft.com/office/mac/drawingml/2011/main" xmlns:a14="http://schemas.microsoft.com/office/drawing/2010/main" xmlns:m="http://schemas.openxmlformats.org/officeDocument/2006/math" xmlns="" val="1"/>
+              <ma14:wrappingTextBoxFlag xmlns="" xmlns:m="http://schemas.openxmlformats.org/officeDocument/2006/math" xmlns:a14="http://schemas.microsoft.com/office/drawing/2010/main" xmlns:ma14="http://schemas.microsoft.com/office/mac/drawingml/2011/main" val="1"/>
             </a:ext>
           </a:extLst>
         </p:spPr>
@@ -20062,7 +20072,7 @@
           </a:ln>
           <a:extLst>
             <a:ext uri="{C572A759-6A51-4108-AA02-DFA0A04FC94B}">
-              <ma14:wrappingTextBoxFlag xmlns:ma14="http://schemas.microsoft.com/office/mac/drawingml/2011/main" xmlns:a14="http://schemas.microsoft.com/office/drawing/2010/main" xmlns:m="http://schemas.openxmlformats.org/officeDocument/2006/math" xmlns="" val="1"/>
+              <ma14:wrappingTextBoxFlag xmlns="" xmlns:m="http://schemas.openxmlformats.org/officeDocument/2006/math" xmlns:a14="http://schemas.microsoft.com/office/drawing/2010/main" xmlns:ma14="http://schemas.microsoft.com/office/mac/drawingml/2011/main" val="1"/>
             </a:ext>
           </a:extLst>
         </p:spPr>
@@ -20113,7 +20123,7 @@
           </a:ln>
           <a:extLst>
             <a:ext uri="{C572A759-6A51-4108-AA02-DFA0A04FC94B}">
-              <ma14:wrappingTextBoxFlag xmlns:ma14="http://schemas.microsoft.com/office/mac/drawingml/2011/main" xmlns:a14="http://schemas.microsoft.com/office/drawing/2010/main" xmlns:m="http://schemas.openxmlformats.org/officeDocument/2006/math" xmlns="" val="1"/>
+              <ma14:wrappingTextBoxFlag xmlns="" xmlns:m="http://schemas.openxmlformats.org/officeDocument/2006/math" xmlns:a14="http://schemas.microsoft.com/office/drawing/2010/main" xmlns:ma14="http://schemas.microsoft.com/office/mac/drawingml/2011/main" val="1"/>
             </a:ext>
           </a:extLst>
         </p:spPr>
@@ -20587,7 +20597,7 @@
           </a:ln>
           <a:extLst>
             <a:ext uri="{C572A759-6A51-4108-AA02-DFA0A04FC94B}">
-              <ma14:wrappingTextBoxFlag xmlns="" xmlns:m="http://schemas.openxmlformats.org/officeDocument/2006/math" xmlns:a14="http://schemas.microsoft.com/office/drawing/2010/main" xmlns:ma14="http://schemas.microsoft.com/office/mac/drawingml/2011/main" val="1"/>
+              <ma14:wrappingTextBoxFlag xmlns:ma14="http://schemas.microsoft.com/office/mac/drawingml/2011/main" xmlns:a14="http://schemas.microsoft.com/office/drawing/2010/main" xmlns:m="http://schemas.openxmlformats.org/officeDocument/2006/math" xmlns="" val="1"/>
             </a:ext>
           </a:extLst>
         </p:spPr>
@@ -20638,7 +20648,7 @@
           </a:ln>
           <a:extLst>
             <a:ext uri="{C572A759-6A51-4108-AA02-DFA0A04FC94B}">
-              <ma14:wrappingTextBoxFlag xmlns="" xmlns:m="http://schemas.openxmlformats.org/officeDocument/2006/math" xmlns:a14="http://schemas.microsoft.com/office/drawing/2010/main" xmlns:ma14="http://schemas.microsoft.com/office/mac/drawingml/2011/main" val="1"/>
+              <ma14:wrappingTextBoxFlag xmlns:ma14="http://schemas.microsoft.com/office/mac/drawingml/2011/main" xmlns:a14="http://schemas.microsoft.com/office/drawing/2010/main" xmlns:m="http://schemas.openxmlformats.org/officeDocument/2006/math" xmlns="" val="1"/>
             </a:ext>
           </a:extLst>
         </p:spPr>
@@ -20689,7 +20699,7 @@
           </a:ln>
           <a:extLst>
             <a:ext uri="{C572A759-6A51-4108-AA02-DFA0A04FC94B}">
-              <ma14:wrappingTextBoxFlag xmlns="" xmlns:m="http://schemas.openxmlformats.org/officeDocument/2006/math" xmlns:a14="http://schemas.microsoft.com/office/drawing/2010/main" xmlns:ma14="http://schemas.microsoft.com/office/mac/drawingml/2011/main" val="1"/>
+              <ma14:wrappingTextBoxFlag xmlns:ma14="http://schemas.microsoft.com/office/mac/drawingml/2011/main" xmlns:a14="http://schemas.microsoft.com/office/drawing/2010/main" xmlns:m="http://schemas.openxmlformats.org/officeDocument/2006/math" xmlns="" val="1"/>
             </a:ext>
           </a:extLst>
         </p:spPr>
@@ -20740,7 +20750,7 @@
           </a:ln>
           <a:extLst>
             <a:ext uri="{C572A759-6A51-4108-AA02-DFA0A04FC94B}">
-              <ma14:wrappingTextBoxFlag xmlns="" xmlns:m="http://schemas.openxmlformats.org/officeDocument/2006/math" xmlns:a14="http://schemas.microsoft.com/office/drawing/2010/main" xmlns:ma14="http://schemas.microsoft.com/office/mac/drawingml/2011/main" val="1"/>
+              <ma14:wrappingTextBoxFlag xmlns:ma14="http://schemas.microsoft.com/office/mac/drawingml/2011/main" xmlns:a14="http://schemas.microsoft.com/office/drawing/2010/main" xmlns:m="http://schemas.openxmlformats.org/officeDocument/2006/math" xmlns="" val="1"/>
             </a:ext>
           </a:extLst>
         </p:spPr>
@@ -20791,7 +20801,7 @@
           </a:ln>
           <a:extLst>
             <a:ext uri="{C572A759-6A51-4108-AA02-DFA0A04FC94B}">
-              <ma14:wrappingTextBoxFlag xmlns="" xmlns:m="http://schemas.openxmlformats.org/officeDocument/2006/math" xmlns:a14="http://schemas.microsoft.com/office/drawing/2010/main" xmlns:ma14="http://schemas.microsoft.com/office/mac/drawingml/2011/main" val="1"/>
+              <ma14:wrappingTextBoxFlag xmlns:ma14="http://schemas.microsoft.com/office/mac/drawingml/2011/main" xmlns:a14="http://schemas.microsoft.com/office/drawing/2010/main" xmlns:m="http://schemas.openxmlformats.org/officeDocument/2006/math" xmlns="" val="1"/>
             </a:ext>
           </a:extLst>
         </p:spPr>
@@ -20842,7 +20852,7 @@
           </a:ln>
           <a:extLst>
             <a:ext uri="{C572A759-6A51-4108-AA02-DFA0A04FC94B}">
-              <ma14:wrappingTextBoxFlag xmlns="" xmlns:m="http://schemas.openxmlformats.org/officeDocument/2006/math" xmlns:a14="http://schemas.microsoft.com/office/drawing/2010/main" xmlns:ma14="http://schemas.microsoft.com/office/mac/drawingml/2011/main" val="1"/>
+              <ma14:wrappingTextBoxFlag xmlns:ma14="http://schemas.microsoft.com/office/mac/drawingml/2011/main" xmlns:a14="http://schemas.microsoft.com/office/drawing/2010/main" xmlns:m="http://schemas.openxmlformats.org/officeDocument/2006/math" xmlns="" val="1"/>
             </a:ext>
           </a:extLst>
         </p:spPr>
@@ -20893,7 +20903,7 @@
           </a:ln>
           <a:extLst>
             <a:ext uri="{C572A759-6A51-4108-AA02-DFA0A04FC94B}">
-              <ma14:wrappingTextBoxFlag xmlns="" xmlns:m="http://schemas.openxmlformats.org/officeDocument/2006/math" xmlns:a14="http://schemas.microsoft.com/office/drawing/2010/main" xmlns:ma14="http://schemas.microsoft.com/office/mac/drawingml/2011/main" val="1"/>
+              <ma14:wrappingTextBoxFlag xmlns:ma14="http://schemas.microsoft.com/office/mac/drawingml/2011/main" xmlns:a14="http://schemas.microsoft.com/office/drawing/2010/main" xmlns:m="http://schemas.openxmlformats.org/officeDocument/2006/math" xmlns="" val="1"/>
             </a:ext>
           </a:extLst>
         </p:spPr>
@@ -20944,7 +20954,7 @@
           </a:ln>
           <a:extLst>
             <a:ext uri="{C572A759-6A51-4108-AA02-DFA0A04FC94B}">
-              <ma14:wrappingTextBoxFlag xmlns="" xmlns:m="http://schemas.openxmlformats.org/officeDocument/2006/math" xmlns:a14="http://schemas.microsoft.com/office/drawing/2010/main" xmlns:ma14="http://schemas.microsoft.com/office/mac/drawingml/2011/main" val="1"/>
+              <ma14:wrappingTextBoxFlag xmlns:ma14="http://schemas.microsoft.com/office/mac/drawingml/2011/main" xmlns:a14="http://schemas.microsoft.com/office/drawing/2010/main" xmlns:m="http://schemas.openxmlformats.org/officeDocument/2006/math" xmlns="" val="1"/>
             </a:ext>
           </a:extLst>
         </p:spPr>
@@ -20995,7 +21005,7 @@
           </a:ln>
           <a:extLst>
             <a:ext uri="{C572A759-6A51-4108-AA02-DFA0A04FC94B}">
-              <ma14:wrappingTextBoxFlag xmlns="" xmlns:m="http://schemas.openxmlformats.org/officeDocument/2006/math" xmlns:a14="http://schemas.microsoft.com/office/drawing/2010/main" xmlns:ma14="http://schemas.microsoft.com/office/mac/drawingml/2011/main" val="1"/>
+              <ma14:wrappingTextBoxFlag xmlns:ma14="http://schemas.microsoft.com/office/mac/drawingml/2011/main" xmlns:a14="http://schemas.microsoft.com/office/drawing/2010/main" xmlns:m="http://schemas.openxmlformats.org/officeDocument/2006/math" xmlns="" val="1"/>
             </a:ext>
           </a:extLst>
         </p:spPr>
@@ -21046,7 +21056,7 @@
           </a:ln>
           <a:extLst>
             <a:ext uri="{C572A759-6A51-4108-AA02-DFA0A04FC94B}">
-              <ma14:wrappingTextBoxFlag xmlns="" xmlns:m="http://schemas.openxmlformats.org/officeDocument/2006/math" xmlns:a14="http://schemas.microsoft.com/office/drawing/2010/main" xmlns:ma14="http://schemas.microsoft.com/office/mac/drawingml/2011/main" val="1"/>
+              <ma14:wrappingTextBoxFlag xmlns:ma14="http://schemas.microsoft.com/office/mac/drawingml/2011/main" xmlns:a14="http://schemas.microsoft.com/office/drawing/2010/main" xmlns:m="http://schemas.openxmlformats.org/officeDocument/2006/math" xmlns="" val="1"/>
             </a:ext>
           </a:extLst>
         </p:spPr>
@@ -21097,7 +21107,7 @@
           </a:ln>
           <a:extLst>
             <a:ext uri="{C572A759-6A51-4108-AA02-DFA0A04FC94B}">
-              <ma14:wrappingTextBoxFlag xmlns="" xmlns:m="http://schemas.openxmlformats.org/officeDocument/2006/math" xmlns:a14="http://schemas.microsoft.com/office/drawing/2010/main" xmlns:ma14="http://schemas.microsoft.com/office/mac/drawingml/2011/main" val="1"/>
+              <ma14:wrappingTextBoxFlag xmlns:ma14="http://schemas.microsoft.com/office/mac/drawingml/2011/main" xmlns:a14="http://schemas.microsoft.com/office/drawing/2010/main" xmlns:m="http://schemas.openxmlformats.org/officeDocument/2006/math" xmlns="" val="1"/>
             </a:ext>
           </a:extLst>
         </p:spPr>
@@ -21148,7 +21158,7 @@
           </a:ln>
           <a:extLst>
             <a:ext uri="{C572A759-6A51-4108-AA02-DFA0A04FC94B}">
-              <ma14:wrappingTextBoxFlag xmlns="" xmlns:m="http://schemas.openxmlformats.org/officeDocument/2006/math" xmlns:a14="http://schemas.microsoft.com/office/drawing/2010/main" xmlns:ma14="http://schemas.microsoft.com/office/mac/drawingml/2011/main" val="1"/>
+              <ma14:wrappingTextBoxFlag xmlns:ma14="http://schemas.microsoft.com/office/mac/drawingml/2011/main" xmlns:a14="http://schemas.microsoft.com/office/drawing/2010/main" xmlns:m="http://schemas.openxmlformats.org/officeDocument/2006/math" xmlns="" val="1"/>
             </a:ext>
           </a:extLst>
         </p:spPr>
@@ -21199,7 +21209,7 @@
           </a:ln>
           <a:extLst>
             <a:ext uri="{C572A759-6A51-4108-AA02-DFA0A04FC94B}">
-              <ma14:wrappingTextBoxFlag xmlns="" xmlns:m="http://schemas.openxmlformats.org/officeDocument/2006/math" xmlns:a14="http://schemas.microsoft.com/office/drawing/2010/main" xmlns:ma14="http://schemas.microsoft.com/office/mac/drawingml/2011/main" val="1"/>
+              <ma14:wrappingTextBoxFlag xmlns:ma14="http://schemas.microsoft.com/office/mac/drawingml/2011/main" xmlns:a14="http://schemas.microsoft.com/office/drawing/2010/main" xmlns:m="http://schemas.openxmlformats.org/officeDocument/2006/math" xmlns="" val="1"/>
             </a:ext>
           </a:extLst>
         </p:spPr>
@@ -21250,7 +21260,7 @@
           </a:ln>
           <a:extLst>
             <a:ext uri="{C572A759-6A51-4108-AA02-DFA0A04FC94B}">
-              <ma14:wrappingTextBoxFlag xmlns="" xmlns:m="http://schemas.openxmlformats.org/officeDocument/2006/math" xmlns:a14="http://schemas.microsoft.com/office/drawing/2010/main" xmlns:ma14="http://schemas.microsoft.com/office/mac/drawingml/2011/main" val="1"/>
+              <ma14:wrappingTextBoxFlag xmlns:ma14="http://schemas.microsoft.com/office/mac/drawingml/2011/main" xmlns:a14="http://schemas.microsoft.com/office/drawing/2010/main" xmlns:m="http://schemas.openxmlformats.org/officeDocument/2006/math" xmlns="" val="1"/>
             </a:ext>
           </a:extLst>
         </p:spPr>
@@ -21301,7 +21311,7 @@
           </a:ln>
           <a:extLst>
             <a:ext uri="{C572A759-6A51-4108-AA02-DFA0A04FC94B}">
-              <ma14:wrappingTextBoxFlag xmlns="" xmlns:m="http://schemas.openxmlformats.org/officeDocument/2006/math" xmlns:a14="http://schemas.microsoft.com/office/drawing/2010/main" xmlns:ma14="http://schemas.microsoft.com/office/mac/drawingml/2011/main" val="1"/>
+              <ma14:wrappingTextBoxFlag xmlns:ma14="http://schemas.microsoft.com/office/mac/drawingml/2011/main" xmlns:a14="http://schemas.microsoft.com/office/drawing/2010/main" xmlns:m="http://schemas.openxmlformats.org/officeDocument/2006/math" xmlns="" val="1"/>
             </a:ext>
           </a:extLst>
         </p:spPr>
@@ -21352,7 +21362,7 @@
           </a:ln>
           <a:extLst>
             <a:ext uri="{C572A759-6A51-4108-AA02-DFA0A04FC94B}">
-              <ma14:wrappingTextBoxFlag xmlns="" xmlns:m="http://schemas.openxmlformats.org/officeDocument/2006/math" xmlns:a14="http://schemas.microsoft.com/office/drawing/2010/main" xmlns:ma14="http://schemas.microsoft.com/office/mac/drawingml/2011/main" val="1"/>
+              <ma14:wrappingTextBoxFlag xmlns:ma14="http://schemas.microsoft.com/office/mac/drawingml/2011/main" xmlns:a14="http://schemas.microsoft.com/office/drawing/2010/main" xmlns:m="http://schemas.openxmlformats.org/officeDocument/2006/math" xmlns="" val="1"/>
             </a:ext>
           </a:extLst>
         </p:spPr>
@@ -21403,7 +21413,7 @@
           </a:ln>
           <a:extLst>
             <a:ext uri="{C572A759-6A51-4108-AA02-DFA0A04FC94B}">
-              <ma14:wrappingTextBoxFlag xmlns="" xmlns:m="http://schemas.openxmlformats.org/officeDocument/2006/math" xmlns:a14="http://schemas.microsoft.com/office/drawing/2010/main" xmlns:ma14="http://schemas.microsoft.com/office/mac/drawingml/2011/main" val="1"/>
+              <ma14:wrappingTextBoxFlag xmlns:ma14="http://schemas.microsoft.com/office/mac/drawingml/2011/main" xmlns:a14="http://schemas.microsoft.com/office/drawing/2010/main" xmlns:m="http://schemas.openxmlformats.org/officeDocument/2006/math" xmlns="" val="1"/>
             </a:ext>
           </a:extLst>
         </p:spPr>
@@ -21454,7 +21464,7 @@
           </a:ln>
           <a:extLst>
             <a:ext uri="{C572A759-6A51-4108-AA02-DFA0A04FC94B}">
-              <ma14:wrappingTextBoxFlag xmlns="" xmlns:m="http://schemas.openxmlformats.org/officeDocument/2006/math" xmlns:a14="http://schemas.microsoft.com/office/drawing/2010/main" xmlns:ma14="http://schemas.microsoft.com/office/mac/drawingml/2011/main" val="1"/>
+              <ma14:wrappingTextBoxFlag xmlns:ma14="http://schemas.microsoft.com/office/mac/drawingml/2011/main" xmlns:a14="http://schemas.microsoft.com/office/drawing/2010/main" xmlns:m="http://schemas.openxmlformats.org/officeDocument/2006/math" xmlns="" val="1"/>
             </a:ext>
           </a:extLst>
         </p:spPr>
@@ -21505,7 +21515,7 @@
           </a:ln>
           <a:extLst>
             <a:ext uri="{C572A759-6A51-4108-AA02-DFA0A04FC94B}">
-              <ma14:wrappingTextBoxFlag xmlns="" xmlns:m="http://schemas.openxmlformats.org/officeDocument/2006/math" xmlns:a14="http://schemas.microsoft.com/office/drawing/2010/main" xmlns:ma14="http://schemas.microsoft.com/office/mac/drawingml/2011/main" val="1"/>
+              <ma14:wrappingTextBoxFlag xmlns:ma14="http://schemas.microsoft.com/office/mac/drawingml/2011/main" xmlns:a14="http://schemas.microsoft.com/office/drawing/2010/main" xmlns:m="http://schemas.openxmlformats.org/officeDocument/2006/math" xmlns="" val="1"/>
             </a:ext>
           </a:extLst>
         </p:spPr>
@@ -21556,7 +21566,7 @@
           </a:ln>
           <a:extLst>
             <a:ext uri="{C572A759-6A51-4108-AA02-DFA0A04FC94B}">
-              <ma14:wrappingTextBoxFlag xmlns="" xmlns:m="http://schemas.openxmlformats.org/officeDocument/2006/math" xmlns:a14="http://schemas.microsoft.com/office/drawing/2010/main" xmlns:ma14="http://schemas.microsoft.com/office/mac/drawingml/2011/main" val="1"/>
+              <ma14:wrappingTextBoxFlag xmlns:ma14="http://schemas.microsoft.com/office/mac/drawingml/2011/main" xmlns:a14="http://schemas.microsoft.com/office/drawing/2010/main" xmlns:m="http://schemas.openxmlformats.org/officeDocument/2006/math" xmlns="" val="1"/>
             </a:ext>
           </a:extLst>
         </p:spPr>
@@ -21607,7 +21617,7 @@
           </a:ln>
           <a:extLst>
             <a:ext uri="{C572A759-6A51-4108-AA02-DFA0A04FC94B}">
-              <ma14:wrappingTextBoxFlag xmlns="" xmlns:m="http://schemas.openxmlformats.org/officeDocument/2006/math" xmlns:a14="http://schemas.microsoft.com/office/drawing/2010/main" xmlns:ma14="http://schemas.microsoft.com/office/mac/drawingml/2011/main" val="1"/>
+              <ma14:wrappingTextBoxFlag xmlns:ma14="http://schemas.microsoft.com/office/mac/drawingml/2011/main" xmlns:a14="http://schemas.microsoft.com/office/drawing/2010/main" xmlns:m="http://schemas.openxmlformats.org/officeDocument/2006/math" xmlns="" val="1"/>
             </a:ext>
           </a:extLst>
         </p:spPr>
@@ -21658,7 +21668,7 @@
           </a:ln>
           <a:extLst>
             <a:ext uri="{C572A759-6A51-4108-AA02-DFA0A04FC94B}">
-              <ma14:wrappingTextBoxFlag xmlns="" xmlns:m="http://schemas.openxmlformats.org/officeDocument/2006/math" xmlns:a14="http://schemas.microsoft.com/office/drawing/2010/main" xmlns:ma14="http://schemas.microsoft.com/office/mac/drawingml/2011/main" val="1"/>
+              <ma14:wrappingTextBoxFlag xmlns:ma14="http://schemas.microsoft.com/office/mac/drawingml/2011/main" xmlns:a14="http://schemas.microsoft.com/office/drawing/2010/main" xmlns:m="http://schemas.openxmlformats.org/officeDocument/2006/math" xmlns="" val="1"/>
             </a:ext>
           </a:extLst>
         </p:spPr>
@@ -21709,7 +21719,7 @@
           </a:ln>
           <a:extLst>
             <a:ext uri="{C572A759-6A51-4108-AA02-DFA0A04FC94B}">
-              <ma14:wrappingTextBoxFlag xmlns="" xmlns:m="http://schemas.openxmlformats.org/officeDocument/2006/math" xmlns:a14="http://schemas.microsoft.com/office/drawing/2010/main" xmlns:ma14="http://schemas.microsoft.com/office/mac/drawingml/2011/main" val="1"/>
+              <ma14:wrappingTextBoxFlag xmlns:ma14="http://schemas.microsoft.com/office/mac/drawingml/2011/main" xmlns:a14="http://schemas.microsoft.com/office/drawing/2010/main" xmlns:m="http://schemas.openxmlformats.org/officeDocument/2006/math" xmlns="" val="1"/>
             </a:ext>
           </a:extLst>
         </p:spPr>
@@ -21760,7 +21770,7 @@
           </a:ln>
           <a:extLst>
             <a:ext uri="{C572A759-6A51-4108-AA02-DFA0A04FC94B}">
-              <ma14:wrappingTextBoxFlag xmlns="" xmlns:m="http://schemas.openxmlformats.org/officeDocument/2006/math" xmlns:a14="http://schemas.microsoft.com/office/drawing/2010/main" xmlns:ma14="http://schemas.microsoft.com/office/mac/drawingml/2011/main" val="1"/>
+              <ma14:wrappingTextBoxFlag xmlns:ma14="http://schemas.microsoft.com/office/mac/drawingml/2011/main" xmlns:a14="http://schemas.microsoft.com/office/drawing/2010/main" xmlns:m="http://schemas.openxmlformats.org/officeDocument/2006/math" xmlns="" val="1"/>
             </a:ext>
           </a:extLst>
         </p:spPr>
@@ -21811,7 +21821,7 @@
           </a:ln>
           <a:extLst>
             <a:ext uri="{C572A759-6A51-4108-AA02-DFA0A04FC94B}">
-              <ma14:wrappingTextBoxFlag xmlns="" xmlns:m="http://schemas.openxmlformats.org/officeDocument/2006/math" xmlns:a14="http://schemas.microsoft.com/office/drawing/2010/main" xmlns:ma14="http://schemas.microsoft.com/office/mac/drawingml/2011/main" val="1"/>
+              <ma14:wrappingTextBoxFlag xmlns:ma14="http://schemas.microsoft.com/office/mac/drawingml/2011/main" xmlns:a14="http://schemas.microsoft.com/office/drawing/2010/main" xmlns:m="http://schemas.openxmlformats.org/officeDocument/2006/math" xmlns="" val="1"/>
             </a:ext>
           </a:extLst>
         </p:spPr>
@@ -21862,7 +21872,7 @@
           </a:ln>
           <a:extLst>
             <a:ext uri="{C572A759-6A51-4108-AA02-DFA0A04FC94B}">
-              <ma14:wrappingTextBoxFlag xmlns="" xmlns:m="http://schemas.openxmlformats.org/officeDocument/2006/math" xmlns:a14="http://schemas.microsoft.com/office/drawing/2010/main" xmlns:ma14="http://schemas.microsoft.com/office/mac/drawingml/2011/main" val="1"/>
+              <ma14:wrappingTextBoxFlag xmlns:ma14="http://schemas.microsoft.com/office/mac/drawingml/2011/main" xmlns:a14="http://schemas.microsoft.com/office/drawing/2010/main" xmlns:m="http://schemas.openxmlformats.org/officeDocument/2006/math" xmlns="" val="1"/>
             </a:ext>
           </a:extLst>
         </p:spPr>
@@ -21913,7 +21923,7 @@
           </a:ln>
           <a:extLst>
             <a:ext uri="{C572A759-6A51-4108-AA02-DFA0A04FC94B}">
-              <ma14:wrappingTextBoxFlag xmlns="" xmlns:m="http://schemas.openxmlformats.org/officeDocument/2006/math" xmlns:a14="http://schemas.microsoft.com/office/drawing/2010/main" xmlns:ma14="http://schemas.microsoft.com/office/mac/drawingml/2011/main" val="1"/>
+              <ma14:wrappingTextBoxFlag xmlns:ma14="http://schemas.microsoft.com/office/mac/drawingml/2011/main" xmlns:a14="http://schemas.microsoft.com/office/drawing/2010/main" xmlns:m="http://schemas.openxmlformats.org/officeDocument/2006/math" xmlns="" val="1"/>
             </a:ext>
           </a:extLst>
         </p:spPr>
@@ -21964,7 +21974,7 @@
           </a:ln>
           <a:extLst>
             <a:ext uri="{C572A759-6A51-4108-AA02-DFA0A04FC94B}">
-              <ma14:wrappingTextBoxFlag xmlns="" xmlns:m="http://schemas.openxmlformats.org/officeDocument/2006/math" xmlns:a14="http://schemas.microsoft.com/office/drawing/2010/main" xmlns:ma14="http://schemas.microsoft.com/office/mac/drawingml/2011/main" val="1"/>
+              <ma14:wrappingTextBoxFlag xmlns:ma14="http://schemas.microsoft.com/office/mac/drawingml/2011/main" xmlns:a14="http://schemas.microsoft.com/office/drawing/2010/main" xmlns:m="http://schemas.openxmlformats.org/officeDocument/2006/math" xmlns="" val="1"/>
             </a:ext>
           </a:extLst>
         </p:spPr>
@@ -22015,7 +22025,7 @@
           </a:ln>
           <a:extLst>
             <a:ext uri="{C572A759-6A51-4108-AA02-DFA0A04FC94B}">
-              <ma14:wrappingTextBoxFlag xmlns="" xmlns:m="http://schemas.openxmlformats.org/officeDocument/2006/math" xmlns:a14="http://schemas.microsoft.com/office/drawing/2010/main" xmlns:ma14="http://schemas.microsoft.com/office/mac/drawingml/2011/main" val="1"/>
+              <ma14:wrappingTextBoxFlag xmlns:ma14="http://schemas.microsoft.com/office/mac/drawingml/2011/main" xmlns:a14="http://schemas.microsoft.com/office/drawing/2010/main" xmlns:m="http://schemas.openxmlformats.org/officeDocument/2006/math" xmlns="" val="1"/>
             </a:ext>
           </a:extLst>
         </p:spPr>
@@ -22066,7 +22076,7 @@
           </a:ln>
           <a:extLst>
             <a:ext uri="{C572A759-6A51-4108-AA02-DFA0A04FC94B}">
-              <ma14:wrappingTextBoxFlag xmlns="" xmlns:m="http://schemas.openxmlformats.org/officeDocument/2006/math" xmlns:a14="http://schemas.microsoft.com/office/drawing/2010/main" xmlns:ma14="http://schemas.microsoft.com/office/mac/drawingml/2011/main" val="1"/>
+              <ma14:wrappingTextBoxFlag xmlns:ma14="http://schemas.microsoft.com/office/mac/drawingml/2011/main" xmlns:a14="http://schemas.microsoft.com/office/drawing/2010/main" xmlns:m="http://schemas.openxmlformats.org/officeDocument/2006/math" xmlns="" val="1"/>
             </a:ext>
           </a:extLst>
         </p:spPr>
@@ -22502,7 +22512,7 @@
           </a:ln>
           <a:extLst>
             <a:ext uri="{C572A759-6A51-4108-AA02-DFA0A04FC94B}">
-              <ma14:wrappingTextBoxFlag xmlns="" xmlns:m="http://schemas.openxmlformats.org/officeDocument/2006/math" xmlns:a14="http://schemas.microsoft.com/office/drawing/2010/main" xmlns:ma14="http://schemas.microsoft.com/office/mac/drawingml/2011/main" val="1"/>
+              <ma14:wrappingTextBoxFlag xmlns:ma14="http://schemas.microsoft.com/office/mac/drawingml/2011/main" xmlns:a14="http://schemas.microsoft.com/office/drawing/2010/main" xmlns:m="http://schemas.openxmlformats.org/officeDocument/2006/math" xmlns="" val="1"/>
             </a:ext>
           </a:extLst>
         </p:spPr>
@@ -22553,7 +22563,7 @@
           </a:ln>
           <a:extLst>
             <a:ext uri="{C572A759-6A51-4108-AA02-DFA0A04FC94B}">
-              <ma14:wrappingTextBoxFlag xmlns="" xmlns:m="http://schemas.openxmlformats.org/officeDocument/2006/math" xmlns:a14="http://schemas.microsoft.com/office/drawing/2010/main" xmlns:ma14="http://schemas.microsoft.com/office/mac/drawingml/2011/main" val="1"/>
+              <ma14:wrappingTextBoxFlag xmlns:ma14="http://schemas.microsoft.com/office/mac/drawingml/2011/main" xmlns:a14="http://schemas.microsoft.com/office/drawing/2010/main" xmlns:m="http://schemas.openxmlformats.org/officeDocument/2006/math" xmlns="" val="1"/>
             </a:ext>
           </a:extLst>
         </p:spPr>
@@ -22604,7 +22614,7 @@
           </a:ln>
           <a:extLst>
             <a:ext uri="{C572A759-6A51-4108-AA02-DFA0A04FC94B}">
-              <ma14:wrappingTextBoxFlag xmlns="" xmlns:m="http://schemas.openxmlformats.org/officeDocument/2006/math" xmlns:a14="http://schemas.microsoft.com/office/drawing/2010/main" xmlns:ma14="http://schemas.microsoft.com/office/mac/drawingml/2011/main" val="1"/>
+              <ma14:wrappingTextBoxFlag xmlns:ma14="http://schemas.microsoft.com/office/mac/drawingml/2011/main" xmlns:a14="http://schemas.microsoft.com/office/drawing/2010/main" xmlns:m="http://schemas.openxmlformats.org/officeDocument/2006/math" xmlns="" val="1"/>
             </a:ext>
           </a:extLst>
         </p:spPr>
@@ -22655,7 +22665,7 @@
           </a:ln>
           <a:extLst>
             <a:ext uri="{C572A759-6A51-4108-AA02-DFA0A04FC94B}">
-              <ma14:wrappingTextBoxFlag xmlns="" xmlns:m="http://schemas.openxmlformats.org/officeDocument/2006/math" xmlns:a14="http://schemas.microsoft.com/office/drawing/2010/main" xmlns:ma14="http://schemas.microsoft.com/office/mac/drawingml/2011/main" val="1"/>
+              <ma14:wrappingTextBoxFlag xmlns:ma14="http://schemas.microsoft.com/office/mac/drawingml/2011/main" xmlns:a14="http://schemas.microsoft.com/office/drawing/2010/main" xmlns:m="http://schemas.openxmlformats.org/officeDocument/2006/math" xmlns="" val="1"/>
             </a:ext>
           </a:extLst>
         </p:spPr>
@@ -22706,7 +22716,7 @@
           </a:ln>
           <a:extLst>
             <a:ext uri="{C572A759-6A51-4108-AA02-DFA0A04FC94B}">
-              <ma14:wrappingTextBoxFlag xmlns="" xmlns:m="http://schemas.openxmlformats.org/officeDocument/2006/math" xmlns:a14="http://schemas.microsoft.com/office/drawing/2010/main" xmlns:ma14="http://schemas.microsoft.com/office/mac/drawingml/2011/main" val="1"/>
+              <ma14:wrappingTextBoxFlag xmlns:ma14="http://schemas.microsoft.com/office/mac/drawingml/2011/main" xmlns:a14="http://schemas.microsoft.com/office/drawing/2010/main" xmlns:m="http://schemas.openxmlformats.org/officeDocument/2006/math" xmlns="" val="1"/>
             </a:ext>
           </a:extLst>
         </p:spPr>
@@ -22757,7 +22767,7 @@
           </a:ln>
           <a:extLst>
             <a:ext uri="{C572A759-6A51-4108-AA02-DFA0A04FC94B}">
-              <ma14:wrappingTextBoxFlag xmlns="" xmlns:m="http://schemas.openxmlformats.org/officeDocument/2006/math" xmlns:a14="http://schemas.microsoft.com/office/drawing/2010/main" xmlns:ma14="http://schemas.microsoft.com/office/mac/drawingml/2011/main" val="1"/>
+              <ma14:wrappingTextBoxFlag xmlns:ma14="http://schemas.microsoft.com/office/mac/drawingml/2011/main" xmlns:a14="http://schemas.microsoft.com/office/drawing/2010/main" xmlns:m="http://schemas.openxmlformats.org/officeDocument/2006/math" xmlns="" val="1"/>
             </a:ext>
           </a:extLst>
         </p:spPr>
@@ -22808,7 +22818,7 @@
           </a:ln>
           <a:extLst>
             <a:ext uri="{C572A759-6A51-4108-AA02-DFA0A04FC94B}">
-              <ma14:wrappingTextBoxFlag xmlns="" xmlns:m="http://schemas.openxmlformats.org/officeDocument/2006/math" xmlns:a14="http://schemas.microsoft.com/office/drawing/2010/main" xmlns:ma14="http://schemas.microsoft.com/office/mac/drawingml/2011/main" val="1"/>
+              <ma14:wrappingTextBoxFlag xmlns:ma14="http://schemas.microsoft.com/office/mac/drawingml/2011/main" xmlns:a14="http://schemas.microsoft.com/office/drawing/2010/main" xmlns:m="http://schemas.openxmlformats.org/officeDocument/2006/math" xmlns="" val="1"/>
             </a:ext>
           </a:extLst>
         </p:spPr>
@@ -22859,7 +22869,7 @@
           </a:ln>
           <a:extLst>
             <a:ext uri="{C572A759-6A51-4108-AA02-DFA0A04FC94B}">
-              <ma14:wrappingTextBoxFlag xmlns="" xmlns:m="http://schemas.openxmlformats.org/officeDocument/2006/math" xmlns:a14="http://schemas.microsoft.com/office/drawing/2010/main" xmlns:ma14="http://schemas.microsoft.com/office/mac/drawingml/2011/main" val="1"/>
+              <ma14:wrappingTextBoxFlag xmlns:ma14="http://schemas.microsoft.com/office/mac/drawingml/2011/main" xmlns:a14="http://schemas.microsoft.com/office/drawing/2010/main" xmlns:m="http://schemas.openxmlformats.org/officeDocument/2006/math" xmlns="" val="1"/>
             </a:ext>
           </a:extLst>
         </p:spPr>
@@ -22910,7 +22920,7 @@
           </a:ln>
           <a:extLst>
             <a:ext uri="{C572A759-6A51-4108-AA02-DFA0A04FC94B}">
-              <ma14:wrappingTextBoxFlag xmlns="" xmlns:m="http://schemas.openxmlformats.org/officeDocument/2006/math" xmlns:a14="http://schemas.microsoft.com/office/drawing/2010/main" xmlns:ma14="http://schemas.microsoft.com/office/mac/drawingml/2011/main" val="1"/>
+              <ma14:wrappingTextBoxFlag xmlns:ma14="http://schemas.microsoft.com/office/mac/drawingml/2011/main" xmlns:a14="http://schemas.microsoft.com/office/drawing/2010/main" xmlns:m="http://schemas.openxmlformats.org/officeDocument/2006/math" xmlns="" val="1"/>
             </a:ext>
           </a:extLst>
         </p:spPr>
@@ -22961,7 +22971,7 @@
           </a:ln>
           <a:extLst>
             <a:ext uri="{C572A759-6A51-4108-AA02-DFA0A04FC94B}">
-              <ma14:wrappingTextBoxFlag xmlns="" xmlns:m="http://schemas.openxmlformats.org/officeDocument/2006/math" xmlns:a14="http://schemas.microsoft.com/office/drawing/2010/main" xmlns:ma14="http://schemas.microsoft.com/office/mac/drawingml/2011/main" val="1"/>
+              <ma14:wrappingTextBoxFlag xmlns:ma14="http://schemas.microsoft.com/office/mac/drawingml/2011/main" xmlns:a14="http://schemas.microsoft.com/office/drawing/2010/main" xmlns:m="http://schemas.openxmlformats.org/officeDocument/2006/math" xmlns="" val="1"/>
             </a:ext>
           </a:extLst>
         </p:spPr>
@@ -23012,7 +23022,7 @@
           </a:ln>
           <a:extLst>
             <a:ext uri="{C572A759-6A51-4108-AA02-DFA0A04FC94B}">
-              <ma14:wrappingTextBoxFlag xmlns="" xmlns:m="http://schemas.openxmlformats.org/officeDocument/2006/math" xmlns:a14="http://schemas.microsoft.com/office/drawing/2010/main" xmlns:ma14="http://schemas.microsoft.com/office/mac/drawingml/2011/main" val="1"/>
+              <ma14:wrappingTextBoxFlag xmlns:ma14="http://schemas.microsoft.com/office/mac/drawingml/2011/main" xmlns:a14="http://schemas.microsoft.com/office/drawing/2010/main" xmlns:m="http://schemas.openxmlformats.org/officeDocument/2006/math" xmlns="" val="1"/>
             </a:ext>
           </a:extLst>
         </p:spPr>
@@ -23063,7 +23073,7 @@
           </a:ln>
           <a:extLst>
             <a:ext uri="{C572A759-6A51-4108-AA02-DFA0A04FC94B}">
-              <ma14:wrappingTextBoxFlag xmlns="" xmlns:m="http://schemas.openxmlformats.org/officeDocument/2006/math" xmlns:a14="http://schemas.microsoft.com/office/drawing/2010/main" xmlns:ma14="http://schemas.microsoft.com/office/mac/drawingml/2011/main" val="1"/>
+              <ma14:wrappingTextBoxFlag xmlns:ma14="http://schemas.microsoft.com/office/mac/drawingml/2011/main" xmlns:a14="http://schemas.microsoft.com/office/drawing/2010/main" xmlns:m="http://schemas.openxmlformats.org/officeDocument/2006/math" xmlns="" val="1"/>
             </a:ext>
           </a:extLst>
         </p:spPr>
@@ -23114,7 +23124,7 @@
           </a:ln>
           <a:extLst>
             <a:ext uri="{C572A759-6A51-4108-AA02-DFA0A04FC94B}">
-              <ma14:wrappingTextBoxFlag xmlns="" xmlns:m="http://schemas.openxmlformats.org/officeDocument/2006/math" xmlns:a14="http://schemas.microsoft.com/office/drawing/2010/main" xmlns:ma14="http://schemas.microsoft.com/office/mac/drawingml/2011/main" val="1"/>
+              <ma14:wrappingTextBoxFlag xmlns:ma14="http://schemas.microsoft.com/office/mac/drawingml/2011/main" xmlns:a14="http://schemas.microsoft.com/office/drawing/2010/main" xmlns:m="http://schemas.openxmlformats.org/officeDocument/2006/math" xmlns="" val="1"/>
             </a:ext>
           </a:extLst>
         </p:spPr>
@@ -23165,7 +23175,7 @@
           </a:ln>
           <a:extLst>
             <a:ext uri="{C572A759-6A51-4108-AA02-DFA0A04FC94B}">
-              <ma14:wrappingTextBoxFlag xmlns="" xmlns:m="http://schemas.openxmlformats.org/officeDocument/2006/math" xmlns:a14="http://schemas.microsoft.com/office/drawing/2010/main" xmlns:ma14="http://schemas.microsoft.com/office/mac/drawingml/2011/main" val="1"/>
+              <ma14:wrappingTextBoxFlag xmlns:ma14="http://schemas.microsoft.com/office/mac/drawingml/2011/main" xmlns:a14="http://schemas.microsoft.com/office/drawing/2010/main" xmlns:m="http://schemas.openxmlformats.org/officeDocument/2006/math" xmlns="" val="1"/>
             </a:ext>
           </a:extLst>
         </p:spPr>
@@ -23216,7 +23226,7 @@
           </a:ln>
           <a:extLst>
             <a:ext uri="{C572A759-6A51-4108-AA02-DFA0A04FC94B}">
-              <ma14:wrappingTextBoxFlag xmlns="" xmlns:m="http://schemas.openxmlformats.org/officeDocument/2006/math" xmlns:a14="http://schemas.microsoft.com/office/drawing/2010/main" xmlns:ma14="http://schemas.microsoft.com/office/mac/drawingml/2011/main" val="1"/>
+              <ma14:wrappingTextBoxFlag xmlns:ma14="http://schemas.microsoft.com/office/mac/drawingml/2011/main" xmlns:a14="http://schemas.microsoft.com/office/drawing/2010/main" xmlns:m="http://schemas.openxmlformats.org/officeDocument/2006/math" xmlns="" val="1"/>
             </a:ext>
           </a:extLst>
         </p:spPr>
@@ -23267,7 +23277,7 @@
           </a:ln>
           <a:extLst>
             <a:ext uri="{C572A759-6A51-4108-AA02-DFA0A04FC94B}">
-              <ma14:wrappingTextBoxFlag xmlns="" xmlns:m="http://schemas.openxmlformats.org/officeDocument/2006/math" xmlns:a14="http://schemas.microsoft.com/office/drawing/2010/main" xmlns:ma14="http://schemas.microsoft.com/office/mac/drawingml/2011/main" val="1"/>
+              <ma14:wrappingTextBoxFlag xmlns:ma14="http://schemas.microsoft.com/office/mac/drawingml/2011/main" xmlns:a14="http://schemas.microsoft.com/office/drawing/2010/main" xmlns:m="http://schemas.openxmlformats.org/officeDocument/2006/math" xmlns="" val="1"/>
             </a:ext>
           </a:extLst>
         </p:spPr>
@@ -23318,7 +23328,7 @@
           </a:ln>
           <a:extLst>
             <a:ext uri="{C572A759-6A51-4108-AA02-DFA0A04FC94B}">
-              <ma14:wrappingTextBoxFlag xmlns="" xmlns:m="http://schemas.openxmlformats.org/officeDocument/2006/math" xmlns:a14="http://schemas.microsoft.com/office/drawing/2010/main" xmlns:ma14="http://schemas.microsoft.com/office/mac/drawingml/2011/main" val="1"/>
+              <ma14:wrappingTextBoxFlag xmlns:ma14="http://schemas.microsoft.com/office/mac/drawingml/2011/main" xmlns:a14="http://schemas.microsoft.com/office/drawing/2010/main" xmlns:m="http://schemas.openxmlformats.org/officeDocument/2006/math" xmlns="" val="1"/>
             </a:ext>
           </a:extLst>
         </p:spPr>
@@ -23369,7 +23379,7 @@
           </a:ln>
           <a:extLst>
             <a:ext uri="{C572A759-6A51-4108-AA02-DFA0A04FC94B}">
-              <ma14:wrappingTextBoxFlag xmlns="" xmlns:m="http://schemas.openxmlformats.org/officeDocument/2006/math" xmlns:a14="http://schemas.microsoft.com/office/drawing/2010/main" xmlns:ma14="http://schemas.microsoft.com/office/mac/drawingml/2011/main" val="1"/>
+              <ma14:wrappingTextBoxFlag xmlns:ma14="http://schemas.microsoft.com/office/mac/drawingml/2011/main" xmlns:a14="http://schemas.microsoft.com/office/drawing/2010/main" xmlns:m="http://schemas.openxmlformats.org/officeDocument/2006/math" xmlns="" val="1"/>
             </a:ext>
           </a:extLst>
         </p:spPr>
@@ -23420,7 +23430,7 @@
           </a:ln>
           <a:extLst>
             <a:ext uri="{C572A759-6A51-4108-AA02-DFA0A04FC94B}">
-              <ma14:wrappingTextBoxFlag xmlns="" xmlns:m="http://schemas.openxmlformats.org/officeDocument/2006/math" xmlns:a14="http://schemas.microsoft.com/office/drawing/2010/main" xmlns:ma14="http://schemas.microsoft.com/office/mac/drawingml/2011/main" val="1"/>
+              <ma14:wrappingTextBoxFlag xmlns:ma14="http://schemas.microsoft.com/office/mac/drawingml/2011/main" xmlns:a14="http://schemas.microsoft.com/office/drawing/2010/main" xmlns:m="http://schemas.openxmlformats.org/officeDocument/2006/math" xmlns="" val="1"/>
             </a:ext>
           </a:extLst>
         </p:spPr>
@@ -23471,7 +23481,7 @@
           </a:ln>
           <a:extLst>
             <a:ext uri="{C572A759-6A51-4108-AA02-DFA0A04FC94B}">
-              <ma14:wrappingTextBoxFlag xmlns="" xmlns:m="http://schemas.openxmlformats.org/officeDocument/2006/math" xmlns:a14="http://schemas.microsoft.com/office/drawing/2010/main" xmlns:ma14="http://schemas.microsoft.com/office/mac/drawingml/2011/main" val="1"/>
+              <ma14:wrappingTextBoxFlag xmlns:ma14="http://schemas.microsoft.com/office/mac/drawingml/2011/main" xmlns:a14="http://schemas.microsoft.com/office/drawing/2010/main" xmlns:m="http://schemas.openxmlformats.org/officeDocument/2006/math" xmlns="" val="1"/>
             </a:ext>
           </a:extLst>
         </p:spPr>
@@ -23522,7 +23532,7 @@
           </a:ln>
           <a:extLst>
             <a:ext uri="{C572A759-6A51-4108-AA02-DFA0A04FC94B}">
-              <ma14:wrappingTextBoxFlag xmlns="" xmlns:m="http://schemas.openxmlformats.org/officeDocument/2006/math" xmlns:a14="http://schemas.microsoft.com/office/drawing/2010/main" xmlns:ma14="http://schemas.microsoft.com/office/mac/drawingml/2011/main" val="1"/>
+              <ma14:wrappingTextBoxFlag xmlns:ma14="http://schemas.microsoft.com/office/mac/drawingml/2011/main" xmlns:a14="http://schemas.microsoft.com/office/drawing/2010/main" xmlns:m="http://schemas.openxmlformats.org/officeDocument/2006/math" xmlns="" val="1"/>
             </a:ext>
           </a:extLst>
         </p:spPr>
@@ -23573,7 +23583,7 @@
           </a:ln>
           <a:extLst>
             <a:ext uri="{C572A759-6A51-4108-AA02-DFA0A04FC94B}">
-              <ma14:wrappingTextBoxFlag xmlns="" xmlns:m="http://schemas.openxmlformats.org/officeDocument/2006/math" xmlns:a14="http://schemas.microsoft.com/office/drawing/2010/main" xmlns:ma14="http://schemas.microsoft.com/office/mac/drawingml/2011/main" val="1"/>
+              <ma14:wrappingTextBoxFlag xmlns:ma14="http://schemas.microsoft.com/office/mac/drawingml/2011/main" xmlns:a14="http://schemas.microsoft.com/office/drawing/2010/main" xmlns:m="http://schemas.openxmlformats.org/officeDocument/2006/math" xmlns="" val="1"/>
             </a:ext>
           </a:extLst>
         </p:spPr>
@@ -23624,7 +23634,7 @@
           </a:ln>
           <a:extLst>
             <a:ext uri="{C572A759-6A51-4108-AA02-DFA0A04FC94B}">
-              <ma14:wrappingTextBoxFlag xmlns="" xmlns:m="http://schemas.openxmlformats.org/officeDocument/2006/math" xmlns:a14="http://schemas.microsoft.com/office/drawing/2010/main" xmlns:ma14="http://schemas.microsoft.com/office/mac/drawingml/2011/main" val="1"/>
+              <ma14:wrappingTextBoxFlag xmlns:ma14="http://schemas.microsoft.com/office/mac/drawingml/2011/main" xmlns:a14="http://schemas.microsoft.com/office/drawing/2010/main" xmlns:m="http://schemas.openxmlformats.org/officeDocument/2006/math" xmlns="" val="1"/>
             </a:ext>
           </a:extLst>
         </p:spPr>
@@ -23675,7 +23685,7 @@
           </a:ln>
           <a:extLst>
             <a:ext uri="{C572A759-6A51-4108-AA02-DFA0A04FC94B}">
-              <ma14:wrappingTextBoxFlag xmlns="" xmlns:m="http://schemas.openxmlformats.org/officeDocument/2006/math" xmlns:a14="http://schemas.microsoft.com/office/drawing/2010/main" xmlns:ma14="http://schemas.microsoft.com/office/mac/drawingml/2011/main" val="1"/>
+              <ma14:wrappingTextBoxFlag xmlns:ma14="http://schemas.microsoft.com/office/mac/drawingml/2011/main" xmlns:a14="http://schemas.microsoft.com/office/drawing/2010/main" xmlns:m="http://schemas.openxmlformats.org/officeDocument/2006/math" xmlns="" val="1"/>
             </a:ext>
           </a:extLst>
         </p:spPr>
@@ -23726,7 +23736,7 @@
           </a:ln>
           <a:extLst>
             <a:ext uri="{C572A759-6A51-4108-AA02-DFA0A04FC94B}">
-              <ma14:wrappingTextBoxFlag xmlns="" xmlns:m="http://schemas.openxmlformats.org/officeDocument/2006/math" xmlns:a14="http://schemas.microsoft.com/office/drawing/2010/main" xmlns:ma14="http://schemas.microsoft.com/office/mac/drawingml/2011/main" val="1"/>
+              <ma14:wrappingTextBoxFlag xmlns:ma14="http://schemas.microsoft.com/office/mac/drawingml/2011/main" xmlns:a14="http://schemas.microsoft.com/office/drawing/2010/main" xmlns:m="http://schemas.openxmlformats.org/officeDocument/2006/math" xmlns="" val="1"/>
             </a:ext>
           </a:extLst>
         </p:spPr>
@@ -23777,7 +23787,7 @@
           </a:ln>
           <a:extLst>
             <a:ext uri="{C572A759-6A51-4108-AA02-DFA0A04FC94B}">
-              <ma14:wrappingTextBoxFlag xmlns="" xmlns:m="http://schemas.openxmlformats.org/officeDocument/2006/math" xmlns:a14="http://schemas.microsoft.com/office/drawing/2010/main" xmlns:ma14="http://schemas.microsoft.com/office/mac/drawingml/2011/main" val="1"/>
+              <ma14:wrappingTextBoxFlag xmlns:ma14="http://schemas.microsoft.com/office/mac/drawingml/2011/main" xmlns:a14="http://schemas.microsoft.com/office/drawing/2010/main" xmlns:m="http://schemas.openxmlformats.org/officeDocument/2006/math" xmlns="" val="1"/>
             </a:ext>
           </a:extLst>
         </p:spPr>
@@ -23828,7 +23838,7 @@
           </a:ln>
           <a:extLst>
             <a:ext uri="{C572A759-6A51-4108-AA02-DFA0A04FC94B}">
-              <ma14:wrappingTextBoxFlag xmlns="" xmlns:m="http://schemas.openxmlformats.org/officeDocument/2006/math" xmlns:a14="http://schemas.microsoft.com/office/drawing/2010/main" xmlns:ma14="http://schemas.microsoft.com/office/mac/drawingml/2011/main" val="1"/>
+              <ma14:wrappingTextBoxFlag xmlns:ma14="http://schemas.microsoft.com/office/mac/drawingml/2011/main" xmlns:a14="http://schemas.microsoft.com/office/drawing/2010/main" xmlns:m="http://schemas.openxmlformats.org/officeDocument/2006/math" xmlns="" val="1"/>
             </a:ext>
           </a:extLst>
         </p:spPr>
@@ -23879,7 +23889,7 @@
           </a:ln>
           <a:extLst>
             <a:ext uri="{C572A759-6A51-4108-AA02-DFA0A04FC94B}">
-              <ma14:wrappingTextBoxFlag xmlns="" xmlns:m="http://schemas.openxmlformats.org/officeDocument/2006/math" xmlns:a14="http://schemas.microsoft.com/office/drawing/2010/main" xmlns:ma14="http://schemas.microsoft.com/office/mac/drawingml/2011/main" val="1"/>
+              <ma14:wrappingTextBoxFlag xmlns:ma14="http://schemas.microsoft.com/office/mac/drawingml/2011/main" xmlns:a14="http://schemas.microsoft.com/office/drawing/2010/main" xmlns:m="http://schemas.openxmlformats.org/officeDocument/2006/math" xmlns="" val="1"/>
             </a:ext>
           </a:extLst>
         </p:spPr>
@@ -23930,7 +23940,7 @@
           </a:ln>
           <a:extLst>
             <a:ext uri="{C572A759-6A51-4108-AA02-DFA0A04FC94B}">
-              <ma14:wrappingTextBoxFlag xmlns="" xmlns:m="http://schemas.openxmlformats.org/officeDocument/2006/math" xmlns:a14="http://schemas.microsoft.com/office/drawing/2010/main" xmlns:ma14="http://schemas.microsoft.com/office/mac/drawingml/2011/main" val="1"/>
+              <ma14:wrappingTextBoxFlag xmlns:ma14="http://schemas.microsoft.com/office/mac/drawingml/2011/main" xmlns:a14="http://schemas.microsoft.com/office/drawing/2010/main" xmlns:m="http://schemas.openxmlformats.org/officeDocument/2006/math" xmlns="" val="1"/>
             </a:ext>
           </a:extLst>
         </p:spPr>
@@ -23981,7 +23991,7 @@
           </a:ln>
           <a:extLst>
             <a:ext uri="{C572A759-6A51-4108-AA02-DFA0A04FC94B}">
-              <ma14:wrappingTextBoxFlag xmlns="" xmlns:m="http://schemas.openxmlformats.org/officeDocument/2006/math" xmlns:a14="http://schemas.microsoft.com/office/drawing/2010/main" xmlns:ma14="http://schemas.microsoft.com/office/mac/drawingml/2011/main" val="1"/>
+              <ma14:wrappingTextBoxFlag xmlns:ma14="http://schemas.microsoft.com/office/mac/drawingml/2011/main" xmlns:a14="http://schemas.microsoft.com/office/drawing/2010/main" xmlns:m="http://schemas.openxmlformats.org/officeDocument/2006/math" xmlns="" val="1"/>
             </a:ext>
           </a:extLst>
         </p:spPr>
@@ -24393,7 +24403,7 @@
           </a:ln>
           <a:extLst>
             <a:ext uri="{C572A759-6A51-4108-AA02-DFA0A04FC94B}">
-              <ma14:wrappingTextBoxFlag xmlns:ma14="http://schemas.microsoft.com/office/mac/drawingml/2011/main" xmlns:a14="http://schemas.microsoft.com/office/drawing/2010/main" xmlns:m="http://schemas.openxmlformats.org/officeDocument/2006/math" xmlns="" val="1"/>
+              <ma14:wrappingTextBoxFlag xmlns="" xmlns:m="http://schemas.openxmlformats.org/officeDocument/2006/math" xmlns:a14="http://schemas.microsoft.com/office/drawing/2010/main" xmlns:ma14="http://schemas.microsoft.com/office/mac/drawingml/2011/main" val="1"/>
             </a:ext>
           </a:extLst>
         </p:spPr>
@@ -24448,7 +24458,7 @@
           </a:ln>
           <a:extLst>
             <a:ext uri="{C572A759-6A51-4108-AA02-DFA0A04FC94B}">
-              <ma14:wrappingTextBoxFlag xmlns:ma14="http://schemas.microsoft.com/office/mac/drawingml/2011/main" xmlns:a14="http://schemas.microsoft.com/office/drawing/2010/main" xmlns:m="http://schemas.openxmlformats.org/officeDocument/2006/math" xmlns="" val="1"/>
+              <ma14:wrappingTextBoxFlag xmlns="" xmlns:m="http://schemas.openxmlformats.org/officeDocument/2006/math" xmlns:a14="http://schemas.microsoft.com/office/drawing/2010/main" xmlns:ma14="http://schemas.microsoft.com/office/mac/drawingml/2011/main" val="1"/>
             </a:ext>
           </a:extLst>
         </p:spPr>
@@ -24499,7 +24509,7 @@
           </a:ln>
           <a:extLst>
             <a:ext uri="{C572A759-6A51-4108-AA02-DFA0A04FC94B}">
-              <ma14:wrappingTextBoxFlag xmlns:ma14="http://schemas.microsoft.com/office/mac/drawingml/2011/main" xmlns:a14="http://schemas.microsoft.com/office/drawing/2010/main" xmlns:m="http://schemas.openxmlformats.org/officeDocument/2006/math" xmlns="" val="1"/>
+              <ma14:wrappingTextBoxFlag xmlns="" xmlns:m="http://schemas.openxmlformats.org/officeDocument/2006/math" xmlns:a14="http://schemas.microsoft.com/office/drawing/2010/main" xmlns:ma14="http://schemas.microsoft.com/office/mac/drawingml/2011/main" val="1"/>
             </a:ext>
           </a:extLst>
         </p:spPr>
@@ -24550,7 +24560,7 @@
           </a:ln>
           <a:extLst>
             <a:ext uri="{C572A759-6A51-4108-AA02-DFA0A04FC94B}">
-              <ma14:wrappingTextBoxFlag xmlns:ma14="http://schemas.microsoft.com/office/mac/drawingml/2011/main" xmlns:a14="http://schemas.microsoft.com/office/drawing/2010/main" xmlns:m="http://schemas.openxmlformats.org/officeDocument/2006/math" xmlns="" val="1"/>
+              <ma14:wrappingTextBoxFlag xmlns="" xmlns:m="http://schemas.openxmlformats.org/officeDocument/2006/math" xmlns:a14="http://schemas.microsoft.com/office/drawing/2010/main" xmlns:ma14="http://schemas.microsoft.com/office/mac/drawingml/2011/main" val="1"/>
             </a:ext>
           </a:extLst>
         </p:spPr>
@@ -24601,7 +24611,7 @@
           </a:ln>
           <a:extLst>
             <a:ext uri="{C572A759-6A51-4108-AA02-DFA0A04FC94B}">
-              <ma14:wrappingTextBoxFlag xmlns:ma14="http://schemas.microsoft.com/office/mac/drawingml/2011/main" xmlns:a14="http://schemas.microsoft.com/office/drawing/2010/main" xmlns:m="http://schemas.openxmlformats.org/officeDocument/2006/math" xmlns="" val="1"/>
+              <ma14:wrappingTextBoxFlag xmlns="" xmlns:m="http://schemas.openxmlformats.org/officeDocument/2006/math" xmlns:a14="http://schemas.microsoft.com/office/drawing/2010/main" xmlns:ma14="http://schemas.microsoft.com/office/mac/drawingml/2011/main" val="1"/>
             </a:ext>
           </a:extLst>
         </p:spPr>
@@ -24652,7 +24662,7 @@
           </a:ln>
           <a:extLst>
             <a:ext uri="{C572A759-6A51-4108-AA02-DFA0A04FC94B}">
-              <ma14:wrappingTextBoxFlag xmlns:ma14="http://schemas.microsoft.com/office/mac/drawingml/2011/main" xmlns:a14="http://schemas.microsoft.com/office/drawing/2010/main" xmlns:m="http://schemas.openxmlformats.org/officeDocument/2006/math" xmlns="" val="1"/>
+              <ma14:wrappingTextBoxFlag xmlns="" xmlns:m="http://schemas.openxmlformats.org/officeDocument/2006/math" xmlns:a14="http://schemas.microsoft.com/office/drawing/2010/main" xmlns:ma14="http://schemas.microsoft.com/office/mac/drawingml/2011/main" val="1"/>
             </a:ext>
           </a:extLst>
         </p:spPr>
@@ -24703,7 +24713,7 @@
           </a:ln>
           <a:extLst>
             <a:ext uri="{C572A759-6A51-4108-AA02-DFA0A04FC94B}">
-              <ma14:wrappingTextBoxFlag xmlns:ma14="http://schemas.microsoft.com/office/mac/drawingml/2011/main" xmlns:a14="http://schemas.microsoft.com/office/drawing/2010/main" xmlns:m="http://schemas.openxmlformats.org/officeDocument/2006/math" xmlns="" val="1"/>
+              <ma14:wrappingTextBoxFlag xmlns="" xmlns:m="http://schemas.openxmlformats.org/officeDocument/2006/math" xmlns:a14="http://schemas.microsoft.com/office/drawing/2010/main" xmlns:ma14="http://schemas.microsoft.com/office/mac/drawingml/2011/main" val="1"/>
             </a:ext>
           </a:extLst>
         </p:spPr>
@@ -24754,7 +24764,7 @@
           </a:ln>
           <a:extLst>
             <a:ext uri="{C572A759-6A51-4108-AA02-DFA0A04FC94B}">
-              <ma14:wrappingTextBoxFlag xmlns:ma14="http://schemas.microsoft.com/office/mac/drawingml/2011/main" xmlns:a14="http://schemas.microsoft.com/office/drawing/2010/main" xmlns:m="http://schemas.openxmlformats.org/officeDocument/2006/math" xmlns="" val="1"/>
+              <ma14:wrappingTextBoxFlag xmlns="" xmlns:m="http://schemas.openxmlformats.org/officeDocument/2006/math" xmlns:a14="http://schemas.microsoft.com/office/drawing/2010/main" xmlns:ma14="http://schemas.microsoft.com/office/mac/drawingml/2011/main" val="1"/>
             </a:ext>
           </a:extLst>
         </p:spPr>
@@ -24805,7 +24815,7 @@
           </a:ln>
           <a:extLst>
             <a:ext uri="{C572A759-6A51-4108-AA02-DFA0A04FC94B}">
-              <ma14:wrappingTextBoxFlag xmlns:ma14="http://schemas.microsoft.com/office/mac/drawingml/2011/main" xmlns:a14="http://schemas.microsoft.com/office/drawing/2010/main" xmlns:m="http://schemas.openxmlformats.org/officeDocument/2006/math" xmlns="" val="1"/>
+              <ma14:wrappingTextBoxFlag xmlns="" xmlns:m="http://schemas.openxmlformats.org/officeDocument/2006/math" xmlns:a14="http://schemas.microsoft.com/office/drawing/2010/main" xmlns:ma14="http://schemas.microsoft.com/office/mac/drawingml/2011/main" val="1"/>
             </a:ext>
           </a:extLst>
         </p:spPr>
@@ -24856,7 +24866,7 @@
           </a:ln>
           <a:extLst>
             <a:ext uri="{C572A759-6A51-4108-AA02-DFA0A04FC94B}">
-              <ma14:wrappingTextBoxFlag xmlns:ma14="http://schemas.microsoft.com/office/mac/drawingml/2011/main" xmlns:a14="http://schemas.microsoft.com/office/drawing/2010/main" xmlns:m="http://schemas.openxmlformats.org/officeDocument/2006/math" xmlns="" val="1"/>
+              <ma14:wrappingTextBoxFlag xmlns="" xmlns:m="http://schemas.openxmlformats.org/officeDocument/2006/math" xmlns:a14="http://schemas.microsoft.com/office/drawing/2010/main" xmlns:ma14="http://schemas.microsoft.com/office/mac/drawingml/2011/main" val="1"/>
             </a:ext>
           </a:extLst>
         </p:spPr>
@@ -24907,7 +24917,7 @@
           </a:ln>
           <a:extLst>
             <a:ext uri="{C572A759-6A51-4108-AA02-DFA0A04FC94B}">
-              <ma14:wrappingTextBoxFlag xmlns:ma14="http://schemas.microsoft.com/office/mac/drawingml/2011/main" xmlns:a14="http://schemas.microsoft.com/office/drawing/2010/main" xmlns:m="http://schemas.openxmlformats.org/officeDocument/2006/math" xmlns="" val="1"/>
+              <ma14:wrappingTextBoxFlag xmlns="" xmlns:m="http://schemas.openxmlformats.org/officeDocument/2006/math" xmlns:a14="http://schemas.microsoft.com/office/drawing/2010/main" xmlns:ma14="http://schemas.microsoft.com/office/mac/drawingml/2011/main" val="1"/>
             </a:ext>
           </a:extLst>
         </p:spPr>
@@ -24958,7 +24968,7 @@
           </a:ln>
           <a:extLst>
             <a:ext uri="{C572A759-6A51-4108-AA02-DFA0A04FC94B}">
-              <ma14:wrappingTextBoxFlag xmlns:ma14="http://schemas.microsoft.com/office/mac/drawingml/2011/main" xmlns:a14="http://schemas.microsoft.com/office/drawing/2010/main" xmlns:m="http://schemas.openxmlformats.org/officeDocument/2006/math" xmlns="" val="1"/>
+              <ma14:wrappingTextBoxFlag xmlns="" xmlns:m="http://schemas.openxmlformats.org/officeDocument/2006/math" xmlns:a14="http://schemas.microsoft.com/office/drawing/2010/main" xmlns:ma14="http://schemas.microsoft.com/office/mac/drawingml/2011/main" val="1"/>
             </a:ext>
           </a:extLst>
         </p:spPr>
@@ -25009,7 +25019,7 @@
           </a:ln>
           <a:extLst>
             <a:ext uri="{C572A759-6A51-4108-AA02-DFA0A04FC94B}">
-              <ma14:wrappingTextBoxFlag xmlns:ma14="http://schemas.microsoft.com/office/mac/drawingml/2011/main" xmlns:a14="http://schemas.microsoft.com/office/drawing/2010/main" xmlns:m="http://schemas.openxmlformats.org/officeDocument/2006/math" xmlns="" val="1"/>
+              <ma14:wrappingTextBoxFlag xmlns="" xmlns:m="http://schemas.openxmlformats.org/officeDocument/2006/math" xmlns:a14="http://schemas.microsoft.com/office/drawing/2010/main" xmlns:ma14="http://schemas.microsoft.com/office/mac/drawingml/2011/main" val="1"/>
             </a:ext>
           </a:extLst>
         </p:spPr>
@@ -25060,7 +25070,7 @@
           </a:ln>
           <a:extLst>
             <a:ext uri="{C572A759-6A51-4108-AA02-DFA0A04FC94B}">
-              <ma14:wrappingTextBoxFlag xmlns:ma14="http://schemas.microsoft.com/office/mac/drawingml/2011/main" xmlns:a14="http://schemas.microsoft.com/office/drawing/2010/main" xmlns:m="http://schemas.openxmlformats.org/officeDocument/2006/math" xmlns="" val="1"/>
+              <ma14:wrappingTextBoxFlag xmlns="" xmlns:m="http://schemas.openxmlformats.org/officeDocument/2006/math" xmlns:a14="http://schemas.microsoft.com/office/drawing/2010/main" xmlns:ma14="http://schemas.microsoft.com/office/mac/drawingml/2011/main" val="1"/>
             </a:ext>
           </a:extLst>
         </p:spPr>
@@ -25111,7 +25121,7 @@
           </a:ln>
           <a:extLst>
             <a:ext uri="{C572A759-6A51-4108-AA02-DFA0A04FC94B}">
-              <ma14:wrappingTextBoxFlag xmlns:ma14="http://schemas.microsoft.com/office/mac/drawingml/2011/main" xmlns:a14="http://schemas.microsoft.com/office/drawing/2010/main" xmlns:m="http://schemas.openxmlformats.org/officeDocument/2006/math" xmlns="" val="1"/>
+              <ma14:wrappingTextBoxFlag xmlns="" xmlns:m="http://schemas.openxmlformats.org/officeDocument/2006/math" xmlns:a14="http://schemas.microsoft.com/office/drawing/2010/main" xmlns:ma14="http://schemas.microsoft.com/office/mac/drawingml/2011/main" val="1"/>
             </a:ext>
           </a:extLst>
         </p:spPr>
@@ -25162,7 +25172,7 @@
           </a:ln>
           <a:extLst>
             <a:ext uri="{C572A759-6A51-4108-AA02-DFA0A04FC94B}">
-              <ma14:wrappingTextBoxFlag xmlns:ma14="http://schemas.microsoft.com/office/mac/drawingml/2011/main" xmlns:a14="http://schemas.microsoft.com/office/drawing/2010/main" xmlns:m="http://schemas.openxmlformats.org/officeDocument/2006/math" xmlns="" val="1"/>
+              <ma14:wrappingTextBoxFlag xmlns="" xmlns:m="http://schemas.openxmlformats.org/officeDocument/2006/math" xmlns:a14="http://schemas.microsoft.com/office/drawing/2010/main" xmlns:ma14="http://schemas.microsoft.com/office/mac/drawingml/2011/main" val="1"/>
             </a:ext>
           </a:extLst>
         </p:spPr>
@@ -25213,7 +25223,7 @@
           </a:ln>
           <a:extLst>
             <a:ext uri="{C572A759-6A51-4108-AA02-DFA0A04FC94B}">
-              <ma14:wrappingTextBoxFlag xmlns:ma14="http://schemas.microsoft.com/office/mac/drawingml/2011/main" xmlns:a14="http://schemas.microsoft.com/office/drawing/2010/main" xmlns:m="http://schemas.openxmlformats.org/officeDocument/2006/math" xmlns="" val="1"/>
+              <ma14:wrappingTextBoxFlag xmlns="" xmlns:m="http://schemas.openxmlformats.org/officeDocument/2006/math" xmlns:a14="http://schemas.microsoft.com/office/drawing/2010/main" xmlns:ma14="http://schemas.microsoft.com/office/mac/drawingml/2011/main" val="1"/>
             </a:ext>
           </a:extLst>
         </p:spPr>
@@ -25264,7 +25274,7 @@
           </a:ln>
           <a:extLst>
             <a:ext uri="{C572A759-6A51-4108-AA02-DFA0A04FC94B}">
-              <ma14:wrappingTextBoxFlag xmlns:ma14="http://schemas.microsoft.com/office/mac/drawingml/2011/main" xmlns:a14="http://schemas.microsoft.com/office/drawing/2010/main" xmlns:m="http://schemas.openxmlformats.org/officeDocument/2006/math" xmlns="" val="1"/>
+              <ma14:wrappingTextBoxFlag xmlns="" xmlns:m="http://schemas.openxmlformats.org/officeDocument/2006/math" xmlns:a14="http://schemas.microsoft.com/office/drawing/2010/main" xmlns:ma14="http://schemas.microsoft.com/office/mac/drawingml/2011/main" val="1"/>
             </a:ext>
           </a:extLst>
         </p:spPr>
@@ -25315,7 +25325,7 @@
           </a:ln>
           <a:extLst>
             <a:ext uri="{C572A759-6A51-4108-AA02-DFA0A04FC94B}">
-              <ma14:wrappingTextBoxFlag xmlns:ma14="http://schemas.microsoft.com/office/mac/drawingml/2011/main" xmlns:a14="http://schemas.microsoft.com/office/drawing/2010/main" xmlns:m="http://schemas.openxmlformats.org/officeDocument/2006/math" xmlns="" val="1"/>
+              <ma14:wrappingTextBoxFlag xmlns="" xmlns:m="http://schemas.openxmlformats.org/officeDocument/2006/math" xmlns:a14="http://schemas.microsoft.com/office/drawing/2010/main" xmlns:ma14="http://schemas.microsoft.com/office/mac/drawingml/2011/main" val="1"/>
             </a:ext>
           </a:extLst>
         </p:spPr>
@@ -25366,7 +25376,7 @@
           </a:ln>
           <a:extLst>
             <a:ext uri="{C572A759-6A51-4108-AA02-DFA0A04FC94B}">
-              <ma14:wrappingTextBoxFlag xmlns:ma14="http://schemas.microsoft.com/office/mac/drawingml/2011/main" xmlns:a14="http://schemas.microsoft.com/office/drawing/2010/main" xmlns:m="http://schemas.openxmlformats.org/officeDocument/2006/math" xmlns="" val="1"/>
+              <ma14:wrappingTextBoxFlag xmlns="" xmlns:m="http://schemas.openxmlformats.org/officeDocument/2006/math" xmlns:a14="http://schemas.microsoft.com/office/drawing/2010/main" xmlns:ma14="http://schemas.microsoft.com/office/mac/drawingml/2011/main" val="1"/>
             </a:ext>
           </a:extLst>
         </p:spPr>
@@ -25417,7 +25427,7 @@
           </a:ln>
           <a:extLst>
             <a:ext uri="{C572A759-6A51-4108-AA02-DFA0A04FC94B}">
-              <ma14:wrappingTextBoxFlag xmlns:ma14="http://schemas.microsoft.com/office/mac/drawingml/2011/main" xmlns:a14="http://schemas.microsoft.com/office/drawing/2010/main" xmlns:m="http://schemas.openxmlformats.org/officeDocument/2006/math" xmlns="" val="1"/>
+              <ma14:wrappingTextBoxFlag xmlns="" xmlns:m="http://schemas.openxmlformats.org/officeDocument/2006/math" xmlns:a14="http://schemas.microsoft.com/office/drawing/2010/main" xmlns:ma14="http://schemas.microsoft.com/office/mac/drawingml/2011/main" val="1"/>
             </a:ext>
           </a:extLst>
         </p:spPr>
@@ -25468,7 +25478,7 @@
           </a:ln>
           <a:extLst>
             <a:ext uri="{C572A759-6A51-4108-AA02-DFA0A04FC94B}">
-              <ma14:wrappingTextBoxFlag xmlns:ma14="http://schemas.microsoft.com/office/mac/drawingml/2011/main" xmlns:a14="http://schemas.microsoft.com/office/drawing/2010/main" xmlns:m="http://schemas.openxmlformats.org/officeDocument/2006/math" xmlns="" val="1"/>
+              <ma14:wrappingTextBoxFlag xmlns="" xmlns:m="http://schemas.openxmlformats.org/officeDocument/2006/math" xmlns:a14="http://schemas.microsoft.com/office/drawing/2010/main" xmlns:ma14="http://schemas.microsoft.com/office/mac/drawingml/2011/main" val="1"/>
             </a:ext>
           </a:extLst>
         </p:spPr>
@@ -25519,7 +25529,7 @@
           </a:ln>
           <a:extLst>
             <a:ext uri="{C572A759-6A51-4108-AA02-DFA0A04FC94B}">
-              <ma14:wrappingTextBoxFlag xmlns:ma14="http://schemas.microsoft.com/office/mac/drawingml/2011/main" xmlns:a14="http://schemas.microsoft.com/office/drawing/2010/main" xmlns:m="http://schemas.openxmlformats.org/officeDocument/2006/math" xmlns="" val="1"/>
+              <ma14:wrappingTextBoxFlag xmlns="" xmlns:m="http://schemas.openxmlformats.org/officeDocument/2006/math" xmlns:a14="http://schemas.microsoft.com/office/drawing/2010/main" xmlns:ma14="http://schemas.microsoft.com/office/mac/drawingml/2011/main" val="1"/>
             </a:ext>
           </a:extLst>
         </p:spPr>
@@ -25570,7 +25580,7 @@
           </a:ln>
           <a:extLst>
             <a:ext uri="{C572A759-6A51-4108-AA02-DFA0A04FC94B}">
-              <ma14:wrappingTextBoxFlag xmlns:ma14="http://schemas.microsoft.com/office/mac/drawingml/2011/main" xmlns:a14="http://schemas.microsoft.com/office/drawing/2010/main" xmlns:m="http://schemas.openxmlformats.org/officeDocument/2006/math" xmlns="" val="1"/>
+              <ma14:wrappingTextBoxFlag xmlns="" xmlns:m="http://schemas.openxmlformats.org/officeDocument/2006/math" xmlns:a14="http://schemas.microsoft.com/office/drawing/2010/main" xmlns:ma14="http://schemas.microsoft.com/office/mac/drawingml/2011/main" val="1"/>
             </a:ext>
           </a:extLst>
         </p:spPr>
@@ -25621,7 +25631,7 @@
           </a:ln>
           <a:extLst>
             <a:ext uri="{C572A759-6A51-4108-AA02-DFA0A04FC94B}">
-              <ma14:wrappingTextBoxFlag xmlns:ma14="http://schemas.microsoft.com/office/mac/drawingml/2011/main" xmlns:a14="http://schemas.microsoft.com/office/drawing/2010/main" xmlns:m="http://schemas.openxmlformats.org/officeDocument/2006/math" xmlns="" val="1"/>
+              <ma14:wrappingTextBoxFlag xmlns="" xmlns:m="http://schemas.openxmlformats.org/officeDocument/2006/math" xmlns:a14="http://schemas.microsoft.com/office/drawing/2010/main" xmlns:ma14="http://schemas.microsoft.com/office/mac/drawingml/2011/main" val="1"/>
             </a:ext>
           </a:extLst>
         </p:spPr>
@@ -25672,7 +25682,7 @@
           </a:ln>
           <a:extLst>
             <a:ext uri="{C572A759-6A51-4108-AA02-DFA0A04FC94B}">
-              <ma14:wrappingTextBoxFlag xmlns:ma14="http://schemas.microsoft.com/office/mac/drawingml/2011/main" xmlns:a14="http://schemas.microsoft.com/office/drawing/2010/main" xmlns:m="http://schemas.openxmlformats.org/officeDocument/2006/math" xmlns="" val="1"/>
+              <ma14:wrappingTextBoxFlag xmlns="" xmlns:m="http://schemas.openxmlformats.org/officeDocument/2006/math" xmlns:a14="http://schemas.microsoft.com/office/drawing/2010/main" xmlns:ma14="http://schemas.microsoft.com/office/mac/drawingml/2011/main" val="1"/>
             </a:ext>
           </a:extLst>
         </p:spPr>
@@ -25723,7 +25733,7 @@
           </a:ln>
           <a:extLst>
             <a:ext uri="{C572A759-6A51-4108-AA02-DFA0A04FC94B}">
-              <ma14:wrappingTextBoxFlag xmlns:ma14="http://schemas.microsoft.com/office/mac/drawingml/2011/main" xmlns:a14="http://schemas.microsoft.com/office/drawing/2010/main" xmlns:m="http://schemas.openxmlformats.org/officeDocument/2006/math" xmlns="" val="1"/>
+              <ma14:wrappingTextBoxFlag xmlns="" xmlns:m="http://schemas.openxmlformats.org/officeDocument/2006/math" xmlns:a14="http://schemas.microsoft.com/office/drawing/2010/main" xmlns:ma14="http://schemas.microsoft.com/office/mac/drawingml/2011/main" val="1"/>
             </a:ext>
           </a:extLst>
         </p:spPr>
@@ -25774,7 +25784,7 @@
           </a:ln>
           <a:extLst>
             <a:ext uri="{C572A759-6A51-4108-AA02-DFA0A04FC94B}">
-              <ma14:wrappingTextBoxFlag xmlns:ma14="http://schemas.microsoft.com/office/mac/drawingml/2011/main" xmlns:a14="http://schemas.microsoft.com/office/drawing/2010/main" xmlns:m="http://schemas.openxmlformats.org/officeDocument/2006/math" xmlns="" val="1"/>
+              <ma14:wrappingTextBoxFlag xmlns="" xmlns:m="http://schemas.openxmlformats.org/officeDocument/2006/math" xmlns:a14="http://schemas.microsoft.com/office/drawing/2010/main" xmlns:ma14="http://schemas.microsoft.com/office/mac/drawingml/2011/main" val="1"/>
             </a:ext>
           </a:extLst>
         </p:spPr>
@@ -25825,7 +25835,7 @@
           </a:ln>
           <a:extLst>
             <a:ext uri="{C572A759-6A51-4108-AA02-DFA0A04FC94B}">
-              <ma14:wrappingTextBoxFlag xmlns:ma14="http://schemas.microsoft.com/office/mac/drawingml/2011/main" xmlns:a14="http://schemas.microsoft.com/office/drawing/2010/main" xmlns:m="http://schemas.openxmlformats.org/officeDocument/2006/math" xmlns="" val="1"/>
+              <ma14:wrappingTextBoxFlag xmlns="" xmlns:m="http://schemas.openxmlformats.org/officeDocument/2006/math" xmlns:a14="http://schemas.microsoft.com/office/drawing/2010/main" xmlns:ma14="http://schemas.microsoft.com/office/mac/drawingml/2011/main" val="1"/>
             </a:ext>
           </a:extLst>
         </p:spPr>
@@ -25876,7 +25886,7 @@
           </a:ln>
           <a:extLst>
             <a:ext uri="{C572A759-6A51-4108-AA02-DFA0A04FC94B}">
-              <ma14:wrappingTextBoxFlag xmlns:ma14="http://schemas.microsoft.com/office/mac/drawingml/2011/main" xmlns:a14="http://schemas.microsoft.com/office/drawing/2010/main" xmlns:m="http://schemas.openxmlformats.org/officeDocument/2006/math" xmlns="" val="1"/>
+              <ma14:wrappingTextBoxFlag xmlns="" xmlns:m="http://schemas.openxmlformats.org/officeDocument/2006/math" xmlns:a14="http://schemas.microsoft.com/office/drawing/2010/main" xmlns:ma14="http://schemas.microsoft.com/office/mac/drawingml/2011/main" val="1"/>
             </a:ext>
           </a:extLst>
         </p:spPr>
@@ -26288,7 +26298,7 @@
           </a:ln>
           <a:extLst>
             <a:ext uri="{C572A759-6A51-4108-AA02-DFA0A04FC94B}">
-              <ma14:wrappingTextBoxFlag xmlns:ma14="http://schemas.microsoft.com/office/mac/drawingml/2011/main" xmlns:a14="http://schemas.microsoft.com/office/drawing/2010/main" xmlns:m="http://schemas.openxmlformats.org/officeDocument/2006/math" xmlns="" val="1"/>
+              <ma14:wrappingTextBoxFlag xmlns="" xmlns:m="http://schemas.openxmlformats.org/officeDocument/2006/math" xmlns:a14="http://schemas.microsoft.com/office/drawing/2010/main" xmlns:ma14="http://schemas.microsoft.com/office/mac/drawingml/2011/main" val="1"/>
             </a:ext>
           </a:extLst>
         </p:spPr>
@@ -26339,7 +26349,7 @@
           </a:ln>
           <a:extLst>
             <a:ext uri="{C572A759-6A51-4108-AA02-DFA0A04FC94B}">
-              <ma14:wrappingTextBoxFlag xmlns:ma14="http://schemas.microsoft.com/office/mac/drawingml/2011/main" xmlns:a14="http://schemas.microsoft.com/office/drawing/2010/main" xmlns:m="http://schemas.openxmlformats.org/officeDocument/2006/math" xmlns="" val="1"/>
+              <ma14:wrappingTextBoxFlag xmlns="" xmlns:m="http://schemas.openxmlformats.org/officeDocument/2006/math" xmlns:a14="http://schemas.microsoft.com/office/drawing/2010/main" xmlns:ma14="http://schemas.microsoft.com/office/mac/drawingml/2011/main" val="1"/>
             </a:ext>
           </a:extLst>
         </p:spPr>
@@ -26390,7 +26400,7 @@
           </a:ln>
           <a:extLst>
             <a:ext uri="{C572A759-6A51-4108-AA02-DFA0A04FC94B}">
-              <ma14:wrappingTextBoxFlag xmlns:ma14="http://schemas.microsoft.com/office/mac/drawingml/2011/main" xmlns:a14="http://schemas.microsoft.com/office/drawing/2010/main" xmlns:m="http://schemas.openxmlformats.org/officeDocument/2006/math" xmlns="" val="1"/>
+              <ma14:wrappingTextBoxFlag xmlns="" xmlns:m="http://schemas.openxmlformats.org/officeDocument/2006/math" xmlns:a14="http://schemas.microsoft.com/office/drawing/2010/main" xmlns:ma14="http://schemas.microsoft.com/office/mac/drawingml/2011/main" val="1"/>
             </a:ext>
           </a:extLst>
         </p:spPr>
@@ -26441,7 +26451,7 @@
           </a:ln>
           <a:extLst>
             <a:ext uri="{C572A759-6A51-4108-AA02-DFA0A04FC94B}">
-              <ma14:wrappingTextBoxFlag xmlns:ma14="http://schemas.microsoft.com/office/mac/drawingml/2011/main" xmlns:a14="http://schemas.microsoft.com/office/drawing/2010/main" xmlns:m="http://schemas.openxmlformats.org/officeDocument/2006/math" xmlns="" val="1"/>
+              <ma14:wrappingTextBoxFlag xmlns="" xmlns:m="http://schemas.openxmlformats.org/officeDocument/2006/math" xmlns:a14="http://schemas.microsoft.com/office/drawing/2010/main" xmlns:ma14="http://schemas.microsoft.com/office/mac/drawingml/2011/main" val="1"/>
             </a:ext>
           </a:extLst>
         </p:spPr>
@@ -26492,7 +26502,7 @@
           </a:ln>
           <a:extLst>
             <a:ext uri="{C572A759-6A51-4108-AA02-DFA0A04FC94B}">
-              <ma14:wrappingTextBoxFlag xmlns:ma14="http://schemas.microsoft.com/office/mac/drawingml/2011/main" xmlns:a14="http://schemas.microsoft.com/office/drawing/2010/main" xmlns:m="http://schemas.openxmlformats.org/officeDocument/2006/math" xmlns="" val="1"/>
+              <ma14:wrappingTextBoxFlag xmlns="" xmlns:m="http://schemas.openxmlformats.org/officeDocument/2006/math" xmlns:a14="http://schemas.microsoft.com/office/drawing/2010/main" xmlns:ma14="http://schemas.microsoft.com/office/mac/drawingml/2011/main" val="1"/>
             </a:ext>
           </a:extLst>
         </p:spPr>
@@ -26543,7 +26553,7 @@
           </a:ln>
           <a:extLst>
             <a:ext uri="{C572A759-6A51-4108-AA02-DFA0A04FC94B}">
-              <ma14:wrappingTextBoxFlag xmlns:ma14="http://schemas.microsoft.com/office/mac/drawingml/2011/main" xmlns:a14="http://schemas.microsoft.com/office/drawing/2010/main" xmlns:m="http://schemas.openxmlformats.org/officeDocument/2006/math" xmlns="" val="1"/>
+              <ma14:wrappingTextBoxFlag xmlns="" xmlns:m="http://schemas.openxmlformats.org/officeDocument/2006/math" xmlns:a14="http://schemas.microsoft.com/office/drawing/2010/main" xmlns:ma14="http://schemas.microsoft.com/office/mac/drawingml/2011/main" val="1"/>
             </a:ext>
           </a:extLst>
         </p:spPr>
@@ -26594,7 +26604,7 @@
           </a:ln>
           <a:extLst>
             <a:ext uri="{C572A759-6A51-4108-AA02-DFA0A04FC94B}">
-              <ma14:wrappingTextBoxFlag xmlns:ma14="http://schemas.microsoft.com/office/mac/drawingml/2011/main" xmlns:a14="http://schemas.microsoft.com/office/drawing/2010/main" xmlns:m="http://schemas.openxmlformats.org/officeDocument/2006/math" xmlns="" val="1"/>
+              <ma14:wrappingTextBoxFlag xmlns="" xmlns:m="http://schemas.openxmlformats.org/officeDocument/2006/math" xmlns:a14="http://schemas.microsoft.com/office/drawing/2010/main" xmlns:ma14="http://schemas.microsoft.com/office/mac/drawingml/2011/main" val="1"/>
             </a:ext>
           </a:extLst>
         </p:spPr>
@@ -26645,7 +26655,7 @@
           </a:ln>
           <a:extLst>
             <a:ext uri="{C572A759-6A51-4108-AA02-DFA0A04FC94B}">
-              <ma14:wrappingTextBoxFlag xmlns:ma14="http://schemas.microsoft.com/office/mac/drawingml/2011/main" xmlns:a14="http://schemas.microsoft.com/office/drawing/2010/main" xmlns:m="http://schemas.openxmlformats.org/officeDocument/2006/math" xmlns="" val="1"/>
+              <ma14:wrappingTextBoxFlag xmlns="" xmlns:m="http://schemas.openxmlformats.org/officeDocument/2006/math" xmlns:a14="http://schemas.microsoft.com/office/drawing/2010/main" xmlns:ma14="http://schemas.microsoft.com/office/mac/drawingml/2011/main" val="1"/>
             </a:ext>
           </a:extLst>
         </p:spPr>
@@ -26696,7 +26706,7 @@
           </a:ln>
           <a:extLst>
             <a:ext uri="{C572A759-6A51-4108-AA02-DFA0A04FC94B}">
-              <ma14:wrappingTextBoxFlag xmlns:ma14="http://schemas.microsoft.com/office/mac/drawingml/2011/main" xmlns:a14="http://schemas.microsoft.com/office/drawing/2010/main" xmlns:m="http://schemas.openxmlformats.org/officeDocument/2006/math" xmlns="" val="1"/>
+              <ma14:wrappingTextBoxFlag xmlns="" xmlns:m="http://schemas.openxmlformats.org/officeDocument/2006/math" xmlns:a14="http://schemas.microsoft.com/office/drawing/2010/main" xmlns:ma14="http://schemas.microsoft.com/office/mac/drawingml/2011/main" val="1"/>
             </a:ext>
           </a:extLst>
         </p:spPr>
@@ -26747,7 +26757,7 @@
           </a:ln>
           <a:extLst>
             <a:ext uri="{C572A759-6A51-4108-AA02-DFA0A04FC94B}">
-              <ma14:wrappingTextBoxFlag xmlns:ma14="http://schemas.microsoft.com/office/mac/drawingml/2011/main" xmlns:a14="http://schemas.microsoft.com/office/drawing/2010/main" xmlns:m="http://schemas.openxmlformats.org/officeDocument/2006/math" xmlns="" val="1"/>
+              <ma14:wrappingTextBoxFlag xmlns="" xmlns:m="http://schemas.openxmlformats.org/officeDocument/2006/math" xmlns:a14="http://schemas.microsoft.com/office/drawing/2010/main" xmlns:ma14="http://schemas.microsoft.com/office/mac/drawingml/2011/main" val="1"/>
             </a:ext>
           </a:extLst>
         </p:spPr>
@@ -26798,7 +26808,7 @@
           </a:ln>
           <a:extLst>
             <a:ext uri="{C572A759-6A51-4108-AA02-DFA0A04FC94B}">
-              <ma14:wrappingTextBoxFlag xmlns:ma14="http://schemas.microsoft.com/office/mac/drawingml/2011/main" xmlns:a14="http://schemas.microsoft.com/office/drawing/2010/main" xmlns:m="http://schemas.openxmlformats.org/officeDocument/2006/math" xmlns="" val="1"/>
+              <ma14:wrappingTextBoxFlag xmlns="" xmlns:m="http://schemas.openxmlformats.org/officeDocument/2006/math" xmlns:a14="http://schemas.microsoft.com/office/drawing/2010/main" xmlns:ma14="http://schemas.microsoft.com/office/mac/drawingml/2011/main" val="1"/>
             </a:ext>
           </a:extLst>
         </p:spPr>
@@ -26849,7 +26859,7 @@
           </a:ln>
           <a:extLst>
             <a:ext uri="{C572A759-6A51-4108-AA02-DFA0A04FC94B}">
-              <ma14:wrappingTextBoxFlag xmlns:ma14="http://schemas.microsoft.com/office/mac/drawingml/2011/main" xmlns:a14="http://schemas.microsoft.com/office/drawing/2010/main" xmlns:m="http://schemas.openxmlformats.org/officeDocument/2006/math" xmlns="" val="1"/>
+              <ma14:wrappingTextBoxFlag xmlns="" xmlns:m="http://schemas.openxmlformats.org/officeDocument/2006/math" xmlns:a14="http://schemas.microsoft.com/office/drawing/2010/main" xmlns:ma14="http://schemas.microsoft.com/office/mac/drawingml/2011/main" val="1"/>
             </a:ext>
           </a:extLst>
         </p:spPr>
@@ -26900,7 +26910,7 @@
           </a:ln>
           <a:extLst>
             <a:ext uri="{C572A759-6A51-4108-AA02-DFA0A04FC94B}">
-              <ma14:wrappingTextBoxFlag xmlns:ma14="http://schemas.microsoft.com/office/mac/drawingml/2011/main" xmlns:a14="http://schemas.microsoft.com/office/drawing/2010/main" xmlns:m="http://schemas.openxmlformats.org/officeDocument/2006/math" xmlns="" val="1"/>
+              <ma14:wrappingTextBoxFlag xmlns="" xmlns:m="http://schemas.openxmlformats.org/officeDocument/2006/math" xmlns:a14="http://schemas.microsoft.com/office/drawing/2010/main" xmlns:ma14="http://schemas.microsoft.com/office/mac/drawingml/2011/main" val="1"/>
             </a:ext>
           </a:extLst>
         </p:spPr>
@@ -26951,7 +26961,7 @@
           </a:ln>
           <a:extLst>
             <a:ext uri="{C572A759-6A51-4108-AA02-DFA0A04FC94B}">
-              <ma14:wrappingTextBoxFlag xmlns:ma14="http://schemas.microsoft.com/office/mac/drawingml/2011/main" xmlns:a14="http://schemas.microsoft.com/office/drawing/2010/main" xmlns:m="http://schemas.openxmlformats.org/officeDocument/2006/math" xmlns="" val="1"/>
+              <ma14:wrappingTextBoxFlag xmlns="" xmlns:m="http://schemas.openxmlformats.org/officeDocument/2006/math" xmlns:a14="http://schemas.microsoft.com/office/drawing/2010/main" xmlns:ma14="http://schemas.microsoft.com/office/mac/drawingml/2011/main" val="1"/>
             </a:ext>
           </a:extLst>
         </p:spPr>
@@ -27002,7 +27012,7 @@
           </a:ln>
           <a:extLst>
             <a:ext uri="{C572A759-6A51-4108-AA02-DFA0A04FC94B}">
-              <ma14:wrappingTextBoxFlag xmlns:ma14="http://schemas.microsoft.com/office/mac/drawingml/2011/main" xmlns:a14="http://schemas.microsoft.com/office/drawing/2010/main" xmlns:m="http://schemas.openxmlformats.org/officeDocument/2006/math" xmlns="" val="1"/>
+              <ma14:wrappingTextBoxFlag xmlns="" xmlns:m="http://schemas.openxmlformats.org/officeDocument/2006/math" xmlns:a14="http://schemas.microsoft.com/office/drawing/2010/main" xmlns:ma14="http://schemas.microsoft.com/office/mac/drawingml/2011/main" val="1"/>
             </a:ext>
           </a:extLst>
         </p:spPr>
@@ -27053,7 +27063,7 @@
           </a:ln>
           <a:extLst>
             <a:ext uri="{C572A759-6A51-4108-AA02-DFA0A04FC94B}">
-              <ma14:wrappingTextBoxFlag xmlns:ma14="http://schemas.microsoft.com/office/mac/drawingml/2011/main" xmlns:a14="http://schemas.microsoft.com/office/drawing/2010/main" xmlns:m="http://schemas.openxmlformats.org/officeDocument/2006/math" xmlns="" val="1"/>
+              <ma14:wrappingTextBoxFlag xmlns="" xmlns:m="http://schemas.openxmlformats.org/officeDocument/2006/math" xmlns:a14="http://schemas.microsoft.com/office/drawing/2010/main" xmlns:ma14="http://schemas.microsoft.com/office/mac/drawingml/2011/main" val="1"/>
             </a:ext>
           </a:extLst>
         </p:spPr>
@@ -27104,7 +27114,7 @@
           </a:ln>
           <a:extLst>
             <a:ext uri="{C572A759-6A51-4108-AA02-DFA0A04FC94B}">
-              <ma14:wrappingTextBoxFlag xmlns:ma14="http://schemas.microsoft.com/office/mac/drawingml/2011/main" xmlns:a14="http://schemas.microsoft.com/office/drawing/2010/main" xmlns:m="http://schemas.openxmlformats.org/officeDocument/2006/math" xmlns="" val="1"/>
+              <ma14:wrappingTextBoxFlag xmlns="" xmlns:m="http://schemas.openxmlformats.org/officeDocument/2006/math" xmlns:a14="http://schemas.microsoft.com/office/drawing/2010/main" xmlns:ma14="http://schemas.microsoft.com/office/mac/drawingml/2011/main" val="1"/>
             </a:ext>
           </a:extLst>
         </p:spPr>
@@ -27155,7 +27165,7 @@
           </a:ln>
           <a:extLst>
             <a:ext uri="{C572A759-6A51-4108-AA02-DFA0A04FC94B}">
-              <ma14:wrappingTextBoxFlag xmlns:ma14="http://schemas.microsoft.com/office/mac/drawingml/2011/main" xmlns:a14="http://schemas.microsoft.com/office/drawing/2010/main" xmlns:m="http://schemas.openxmlformats.org/officeDocument/2006/math" xmlns="" val="1"/>
+              <ma14:wrappingTextBoxFlag xmlns="" xmlns:m="http://schemas.openxmlformats.org/officeDocument/2006/math" xmlns:a14="http://schemas.microsoft.com/office/drawing/2010/main" xmlns:ma14="http://schemas.microsoft.com/office/mac/drawingml/2011/main" val="1"/>
             </a:ext>
           </a:extLst>
         </p:spPr>
@@ -27206,7 +27216,7 @@
           </a:ln>
           <a:extLst>
             <a:ext uri="{C572A759-6A51-4108-AA02-DFA0A04FC94B}">
-              <ma14:wrappingTextBoxFlag xmlns:ma14="http://schemas.microsoft.com/office/mac/drawingml/2011/main" xmlns:a14="http://schemas.microsoft.com/office/drawing/2010/main" xmlns:m="http://schemas.openxmlformats.org/officeDocument/2006/math" xmlns="" val="1"/>
+              <ma14:wrappingTextBoxFlag xmlns="" xmlns:m="http://schemas.openxmlformats.org/officeDocument/2006/math" xmlns:a14="http://schemas.microsoft.com/office/drawing/2010/main" xmlns:ma14="http://schemas.microsoft.com/office/mac/drawingml/2011/main" val="1"/>
             </a:ext>
           </a:extLst>
         </p:spPr>
@@ -27257,7 +27267,7 @@
           </a:ln>
           <a:extLst>
             <a:ext uri="{C572A759-6A51-4108-AA02-DFA0A04FC94B}">
-              <ma14:wrappingTextBoxFlag xmlns:ma14="http://schemas.microsoft.com/office/mac/drawingml/2011/main" xmlns:a14="http://schemas.microsoft.com/office/drawing/2010/main" xmlns:m="http://schemas.openxmlformats.org/officeDocument/2006/math" xmlns="" val="1"/>
+              <ma14:wrappingTextBoxFlag xmlns="" xmlns:m="http://schemas.openxmlformats.org/officeDocument/2006/math" xmlns:a14="http://schemas.microsoft.com/office/drawing/2010/main" xmlns:ma14="http://schemas.microsoft.com/office/mac/drawingml/2011/main" val="1"/>
             </a:ext>
           </a:extLst>
         </p:spPr>
@@ -27308,7 +27318,7 @@
           </a:ln>
           <a:extLst>
             <a:ext uri="{C572A759-6A51-4108-AA02-DFA0A04FC94B}">
-              <ma14:wrappingTextBoxFlag xmlns:ma14="http://schemas.microsoft.com/office/mac/drawingml/2011/main" xmlns:a14="http://schemas.microsoft.com/office/drawing/2010/main" xmlns:m="http://schemas.openxmlformats.org/officeDocument/2006/math" xmlns="" val="1"/>
+              <ma14:wrappingTextBoxFlag xmlns="" xmlns:m="http://schemas.openxmlformats.org/officeDocument/2006/math" xmlns:a14="http://schemas.microsoft.com/office/drawing/2010/main" xmlns:ma14="http://schemas.microsoft.com/office/mac/drawingml/2011/main" val="1"/>
             </a:ext>
           </a:extLst>
         </p:spPr>
@@ -27359,7 +27369,7 @@
           </a:ln>
           <a:extLst>
             <a:ext uri="{C572A759-6A51-4108-AA02-DFA0A04FC94B}">
-              <ma14:wrappingTextBoxFlag xmlns:ma14="http://schemas.microsoft.com/office/mac/drawingml/2011/main" xmlns:a14="http://schemas.microsoft.com/office/drawing/2010/main" xmlns:m="http://schemas.openxmlformats.org/officeDocument/2006/math" xmlns="" val="1"/>
+              <ma14:wrappingTextBoxFlag xmlns="" xmlns:m="http://schemas.openxmlformats.org/officeDocument/2006/math" xmlns:a14="http://schemas.microsoft.com/office/drawing/2010/main" xmlns:ma14="http://schemas.microsoft.com/office/mac/drawingml/2011/main" val="1"/>
             </a:ext>
           </a:extLst>
         </p:spPr>
@@ -27410,7 +27420,7 @@
           </a:ln>
           <a:extLst>
             <a:ext uri="{C572A759-6A51-4108-AA02-DFA0A04FC94B}">
-              <ma14:wrappingTextBoxFlag xmlns:ma14="http://schemas.microsoft.com/office/mac/drawingml/2011/main" xmlns:a14="http://schemas.microsoft.com/office/drawing/2010/main" xmlns:m="http://schemas.openxmlformats.org/officeDocument/2006/math" xmlns="" val="1"/>
+              <ma14:wrappingTextBoxFlag xmlns="" xmlns:m="http://schemas.openxmlformats.org/officeDocument/2006/math" xmlns:a14="http://schemas.microsoft.com/office/drawing/2010/main" xmlns:ma14="http://schemas.microsoft.com/office/mac/drawingml/2011/main" val="1"/>
             </a:ext>
           </a:extLst>
         </p:spPr>
@@ -27461,7 +27471,7 @@
           </a:ln>
           <a:extLst>
             <a:ext uri="{C572A759-6A51-4108-AA02-DFA0A04FC94B}">
-              <ma14:wrappingTextBoxFlag xmlns:ma14="http://schemas.microsoft.com/office/mac/drawingml/2011/main" xmlns:a14="http://schemas.microsoft.com/office/drawing/2010/main" xmlns:m="http://schemas.openxmlformats.org/officeDocument/2006/math" xmlns="" val="1"/>
+              <ma14:wrappingTextBoxFlag xmlns="" xmlns:m="http://schemas.openxmlformats.org/officeDocument/2006/math" xmlns:a14="http://schemas.microsoft.com/office/drawing/2010/main" xmlns:ma14="http://schemas.microsoft.com/office/mac/drawingml/2011/main" val="1"/>
             </a:ext>
           </a:extLst>
         </p:spPr>
@@ -27512,7 +27522,7 @@
           </a:ln>
           <a:extLst>
             <a:ext uri="{C572A759-6A51-4108-AA02-DFA0A04FC94B}">
-              <ma14:wrappingTextBoxFlag xmlns:ma14="http://schemas.microsoft.com/office/mac/drawingml/2011/main" xmlns:a14="http://schemas.microsoft.com/office/drawing/2010/main" xmlns:m="http://schemas.openxmlformats.org/officeDocument/2006/math" xmlns="" val="1"/>
+              <ma14:wrappingTextBoxFlag xmlns="" xmlns:m="http://schemas.openxmlformats.org/officeDocument/2006/math" xmlns:a14="http://schemas.microsoft.com/office/drawing/2010/main" xmlns:ma14="http://schemas.microsoft.com/office/mac/drawingml/2011/main" val="1"/>
             </a:ext>
           </a:extLst>
         </p:spPr>
@@ -27563,7 +27573,7 @@
           </a:ln>
           <a:extLst>
             <a:ext uri="{C572A759-6A51-4108-AA02-DFA0A04FC94B}">
-              <ma14:wrappingTextBoxFlag xmlns:ma14="http://schemas.microsoft.com/office/mac/drawingml/2011/main" xmlns:a14="http://schemas.microsoft.com/office/drawing/2010/main" xmlns:m="http://schemas.openxmlformats.org/officeDocument/2006/math" xmlns="" val="1"/>
+              <ma14:wrappingTextBoxFlag xmlns="" xmlns:m="http://schemas.openxmlformats.org/officeDocument/2006/math" xmlns:a14="http://schemas.microsoft.com/office/drawing/2010/main" xmlns:ma14="http://schemas.microsoft.com/office/mac/drawingml/2011/main" val="1"/>
             </a:ext>
           </a:extLst>
         </p:spPr>
@@ -27614,7 +27624,7 @@
           </a:ln>
           <a:extLst>
             <a:ext uri="{C572A759-6A51-4108-AA02-DFA0A04FC94B}">
-              <ma14:wrappingTextBoxFlag xmlns:ma14="http://schemas.microsoft.com/office/mac/drawingml/2011/main" xmlns:a14="http://schemas.microsoft.com/office/drawing/2010/main" xmlns:m="http://schemas.openxmlformats.org/officeDocument/2006/math" xmlns="" val="1"/>
+              <ma14:wrappingTextBoxFlag xmlns="" xmlns:m="http://schemas.openxmlformats.org/officeDocument/2006/math" xmlns:a14="http://schemas.microsoft.com/office/drawing/2010/main" xmlns:ma14="http://schemas.microsoft.com/office/mac/drawingml/2011/main" val="1"/>
             </a:ext>
           </a:extLst>
         </p:spPr>
@@ -27665,7 +27675,7 @@
           </a:ln>
           <a:extLst>
             <a:ext uri="{C572A759-6A51-4108-AA02-DFA0A04FC94B}">
-              <ma14:wrappingTextBoxFlag xmlns:ma14="http://schemas.microsoft.com/office/mac/drawingml/2011/main" xmlns:a14="http://schemas.microsoft.com/office/drawing/2010/main" xmlns:m="http://schemas.openxmlformats.org/officeDocument/2006/math" xmlns="" val="1"/>
+              <ma14:wrappingTextBoxFlag xmlns="" xmlns:m="http://schemas.openxmlformats.org/officeDocument/2006/math" xmlns:a14="http://schemas.microsoft.com/office/drawing/2010/main" xmlns:ma14="http://schemas.microsoft.com/office/mac/drawingml/2011/main" val="1"/>
             </a:ext>
           </a:extLst>
         </p:spPr>
@@ -27716,7 +27726,7 @@
           </a:ln>
           <a:extLst>
             <a:ext uri="{C572A759-6A51-4108-AA02-DFA0A04FC94B}">
-              <ma14:wrappingTextBoxFlag xmlns:ma14="http://schemas.microsoft.com/office/mac/drawingml/2011/main" xmlns:a14="http://schemas.microsoft.com/office/drawing/2010/main" xmlns:m="http://schemas.openxmlformats.org/officeDocument/2006/math" xmlns="" val="1"/>
+              <ma14:wrappingTextBoxFlag xmlns="" xmlns:m="http://schemas.openxmlformats.org/officeDocument/2006/math" xmlns:a14="http://schemas.microsoft.com/office/drawing/2010/main" xmlns:ma14="http://schemas.microsoft.com/office/mac/drawingml/2011/main" val="1"/>
             </a:ext>
           </a:extLst>
         </p:spPr>
@@ -27767,7 +27777,7 @@
           </a:ln>
           <a:extLst>
             <a:ext uri="{C572A759-6A51-4108-AA02-DFA0A04FC94B}">
-              <ma14:wrappingTextBoxFlag xmlns:ma14="http://schemas.microsoft.com/office/mac/drawingml/2011/main" xmlns:a14="http://schemas.microsoft.com/office/drawing/2010/main" xmlns:m="http://schemas.openxmlformats.org/officeDocument/2006/math" xmlns="" val="1"/>
+              <ma14:wrappingTextBoxFlag xmlns="" xmlns:m="http://schemas.openxmlformats.org/officeDocument/2006/math" xmlns:a14="http://schemas.microsoft.com/office/drawing/2010/main" xmlns:ma14="http://schemas.microsoft.com/office/mac/drawingml/2011/main" val="1"/>
             </a:ext>
           </a:extLst>
         </p:spPr>
@@ -28311,7 +28321,7 @@
           </a:ln>
           <a:extLst>
             <a:ext uri="{C572A759-6A51-4108-AA02-DFA0A04FC94B}">
-              <ma14:wrappingTextBoxFlag xmlns="" xmlns:m="http://schemas.openxmlformats.org/officeDocument/2006/math" xmlns:a14="http://schemas.microsoft.com/office/drawing/2010/main" xmlns:ma14="http://schemas.microsoft.com/office/mac/drawingml/2011/main" val="1"/>
+              <ma14:wrappingTextBoxFlag xmlns:ma14="http://schemas.microsoft.com/office/mac/drawingml/2011/main" xmlns:a14="http://schemas.microsoft.com/office/drawing/2010/main" xmlns:m="http://schemas.openxmlformats.org/officeDocument/2006/math" xmlns="" val="1"/>
             </a:ext>
           </a:extLst>
         </p:spPr>
@@ -28362,7 +28372,7 @@
           </a:ln>
           <a:extLst>
             <a:ext uri="{C572A759-6A51-4108-AA02-DFA0A04FC94B}">
-              <ma14:wrappingTextBoxFlag xmlns="" xmlns:m="http://schemas.openxmlformats.org/officeDocument/2006/math" xmlns:a14="http://schemas.microsoft.com/office/drawing/2010/main" xmlns:ma14="http://schemas.microsoft.com/office/mac/drawingml/2011/main" val="1"/>
+              <ma14:wrappingTextBoxFlag xmlns:ma14="http://schemas.microsoft.com/office/mac/drawingml/2011/main" xmlns:a14="http://schemas.microsoft.com/office/drawing/2010/main" xmlns:m="http://schemas.openxmlformats.org/officeDocument/2006/math" xmlns="" val="1"/>
             </a:ext>
           </a:extLst>
         </p:spPr>
@@ -28413,7 +28423,7 @@
           </a:ln>
           <a:extLst>
             <a:ext uri="{C572A759-6A51-4108-AA02-DFA0A04FC94B}">
-              <ma14:wrappingTextBoxFlag xmlns="" xmlns:m="http://schemas.openxmlformats.org/officeDocument/2006/math" xmlns:a14="http://schemas.microsoft.com/office/drawing/2010/main" xmlns:ma14="http://schemas.microsoft.com/office/mac/drawingml/2011/main" val="1"/>
+              <ma14:wrappingTextBoxFlag xmlns:ma14="http://schemas.microsoft.com/office/mac/drawingml/2011/main" xmlns:a14="http://schemas.microsoft.com/office/drawing/2010/main" xmlns:m="http://schemas.openxmlformats.org/officeDocument/2006/math" xmlns="" val="1"/>
             </a:ext>
           </a:extLst>
         </p:spPr>
@@ -28464,7 +28474,7 @@
           </a:ln>
           <a:extLst>
             <a:ext uri="{C572A759-6A51-4108-AA02-DFA0A04FC94B}">
-              <ma14:wrappingTextBoxFlag xmlns="" xmlns:m="http://schemas.openxmlformats.org/officeDocument/2006/math" xmlns:a14="http://schemas.microsoft.com/office/drawing/2010/main" xmlns:ma14="http://schemas.microsoft.com/office/mac/drawingml/2011/main" val="1"/>
+              <ma14:wrappingTextBoxFlag xmlns:ma14="http://schemas.microsoft.com/office/mac/drawingml/2011/main" xmlns:a14="http://schemas.microsoft.com/office/drawing/2010/main" xmlns:m="http://schemas.openxmlformats.org/officeDocument/2006/math" xmlns="" val="1"/>
             </a:ext>
           </a:extLst>
         </p:spPr>
@@ -28515,7 +28525,7 @@
           </a:ln>
           <a:extLst>
             <a:ext uri="{C572A759-6A51-4108-AA02-DFA0A04FC94B}">
-              <ma14:wrappingTextBoxFlag xmlns="" xmlns:m="http://schemas.openxmlformats.org/officeDocument/2006/math" xmlns:a14="http://schemas.microsoft.com/office/drawing/2010/main" xmlns:ma14="http://schemas.microsoft.com/office/mac/drawingml/2011/main" val="1"/>
+              <ma14:wrappingTextBoxFlag xmlns:ma14="http://schemas.microsoft.com/office/mac/drawingml/2011/main" xmlns:a14="http://schemas.microsoft.com/office/drawing/2010/main" xmlns:m="http://schemas.openxmlformats.org/officeDocument/2006/math" xmlns="" val="1"/>
             </a:ext>
           </a:extLst>
         </p:spPr>
@@ -28566,7 +28576,7 @@
           </a:ln>
           <a:extLst>
             <a:ext uri="{C572A759-6A51-4108-AA02-DFA0A04FC94B}">
-              <ma14:wrappingTextBoxFlag xmlns="" xmlns:m="http://schemas.openxmlformats.org/officeDocument/2006/math" xmlns:a14="http://schemas.microsoft.com/office/drawing/2010/main" xmlns:ma14="http://schemas.microsoft.com/office/mac/drawingml/2011/main" val="1"/>
+              <ma14:wrappingTextBoxFlag xmlns:ma14="http://schemas.microsoft.com/office/mac/drawingml/2011/main" xmlns:a14="http://schemas.microsoft.com/office/drawing/2010/main" xmlns:m="http://schemas.openxmlformats.org/officeDocument/2006/math" xmlns="" val="1"/>
             </a:ext>
           </a:extLst>
         </p:spPr>
@@ -28617,7 +28627,7 @@
           </a:ln>
           <a:extLst>
             <a:ext uri="{C572A759-6A51-4108-AA02-DFA0A04FC94B}">
-              <ma14:wrappingTextBoxFlag xmlns="" xmlns:m="http://schemas.openxmlformats.org/officeDocument/2006/math" xmlns:a14="http://schemas.microsoft.com/office/drawing/2010/main" xmlns:ma14="http://schemas.microsoft.com/office/mac/drawingml/2011/main" val="1"/>
+              <ma14:wrappingTextBoxFlag xmlns:ma14="http://schemas.microsoft.com/office/mac/drawingml/2011/main" xmlns:a14="http://schemas.microsoft.com/office/drawing/2010/main" xmlns:m="http://schemas.openxmlformats.org/officeDocument/2006/math" xmlns="" val="1"/>
             </a:ext>
           </a:extLst>
         </p:spPr>
@@ -28668,7 +28678,7 @@
           </a:ln>
           <a:extLst>
             <a:ext uri="{C572A759-6A51-4108-AA02-DFA0A04FC94B}">
-              <ma14:wrappingTextBoxFlag xmlns="" xmlns:m="http://schemas.openxmlformats.org/officeDocument/2006/math" xmlns:a14="http://schemas.microsoft.com/office/drawing/2010/main" xmlns:ma14="http://schemas.microsoft.com/office/mac/drawingml/2011/main" val="1"/>
+              <ma14:wrappingTextBoxFlag xmlns:ma14="http://schemas.microsoft.com/office/mac/drawingml/2011/main" xmlns:a14="http://schemas.microsoft.com/office/drawing/2010/main" xmlns:m="http://schemas.openxmlformats.org/officeDocument/2006/math" xmlns="" val="1"/>
             </a:ext>
           </a:extLst>
         </p:spPr>
@@ -28719,7 +28729,7 @@
           </a:ln>
           <a:extLst>
             <a:ext uri="{C572A759-6A51-4108-AA02-DFA0A04FC94B}">
-              <ma14:wrappingTextBoxFlag xmlns="" xmlns:m="http://schemas.openxmlformats.org/officeDocument/2006/math" xmlns:a14="http://schemas.microsoft.com/office/drawing/2010/main" xmlns:ma14="http://schemas.microsoft.com/office/mac/drawingml/2011/main" val="1"/>
+              <ma14:wrappingTextBoxFlag xmlns:ma14="http://schemas.microsoft.com/office/mac/drawingml/2011/main" xmlns:a14="http://schemas.microsoft.com/office/drawing/2010/main" xmlns:m="http://schemas.openxmlformats.org/officeDocument/2006/math" xmlns="" val="1"/>
             </a:ext>
           </a:extLst>
         </p:spPr>
@@ -28770,7 +28780,7 @@
           </a:ln>
           <a:extLst>
             <a:ext uri="{C572A759-6A51-4108-AA02-DFA0A04FC94B}">
-              <ma14:wrappingTextBoxFlag xmlns="" xmlns:m="http://schemas.openxmlformats.org/officeDocument/2006/math" xmlns:a14="http://schemas.microsoft.com/office/drawing/2010/main" xmlns:ma14="http://schemas.microsoft.com/office/mac/drawingml/2011/main" val="1"/>
+              <ma14:wrappingTextBoxFlag xmlns:ma14="http://schemas.microsoft.com/office/mac/drawingml/2011/main" xmlns:a14="http://schemas.microsoft.com/office/drawing/2010/main" xmlns:m="http://schemas.openxmlformats.org/officeDocument/2006/math" xmlns="" val="1"/>
             </a:ext>
           </a:extLst>
         </p:spPr>
@@ -28821,7 +28831,7 @@
           </a:ln>
           <a:extLst>
             <a:ext uri="{C572A759-6A51-4108-AA02-DFA0A04FC94B}">
-              <ma14:wrappingTextBoxFlag xmlns="" xmlns:m="http://schemas.openxmlformats.org/officeDocument/2006/math" xmlns:a14="http://schemas.microsoft.com/office/drawing/2010/main" xmlns:ma14="http://schemas.microsoft.com/office/mac/drawingml/2011/main" val="1"/>
+              <ma14:wrappingTextBoxFlag xmlns:ma14="http://schemas.microsoft.com/office/mac/drawingml/2011/main" xmlns:a14="http://schemas.microsoft.com/office/drawing/2010/main" xmlns:m="http://schemas.openxmlformats.org/officeDocument/2006/math" xmlns="" val="1"/>
             </a:ext>
           </a:extLst>
         </p:spPr>
@@ -28872,7 +28882,7 @@
           </a:ln>
           <a:extLst>
             <a:ext uri="{C572A759-6A51-4108-AA02-DFA0A04FC94B}">
-              <ma14:wrappingTextBoxFlag xmlns="" xmlns:m="http://schemas.openxmlformats.org/officeDocument/2006/math" xmlns:a14="http://schemas.microsoft.com/office/drawing/2010/main" xmlns:ma14="http://schemas.microsoft.com/office/mac/drawingml/2011/main" val="1"/>
+              <ma14:wrappingTextBoxFlag xmlns:ma14="http://schemas.microsoft.com/office/mac/drawingml/2011/main" xmlns:a14="http://schemas.microsoft.com/office/drawing/2010/main" xmlns:m="http://schemas.openxmlformats.org/officeDocument/2006/math" xmlns="" val="1"/>
             </a:ext>
           </a:extLst>
         </p:spPr>
@@ -28923,7 +28933,7 @@
           </a:ln>
           <a:extLst>
             <a:ext uri="{C572A759-6A51-4108-AA02-DFA0A04FC94B}">
-              <ma14:wrappingTextBoxFlag xmlns="" xmlns:m="http://schemas.openxmlformats.org/officeDocument/2006/math" xmlns:a14="http://schemas.microsoft.com/office/drawing/2010/main" xmlns:ma14="http://schemas.microsoft.com/office/mac/drawingml/2011/main" val="1"/>
+              <ma14:wrappingTextBoxFlag xmlns:ma14="http://schemas.microsoft.com/office/mac/drawingml/2011/main" xmlns:a14="http://schemas.microsoft.com/office/drawing/2010/main" xmlns:m="http://schemas.openxmlformats.org/officeDocument/2006/math" xmlns="" val="1"/>
             </a:ext>
           </a:extLst>
         </p:spPr>
@@ -28974,7 +28984,7 @@
           </a:ln>
           <a:extLst>
             <a:ext uri="{C572A759-6A51-4108-AA02-DFA0A04FC94B}">
-              <ma14:wrappingTextBoxFlag xmlns="" xmlns:m="http://schemas.openxmlformats.org/officeDocument/2006/math" xmlns:a14="http://schemas.microsoft.com/office/drawing/2010/main" xmlns:ma14="http://schemas.microsoft.com/office/mac/drawingml/2011/main" val="1"/>
+              <ma14:wrappingTextBoxFlag xmlns:ma14="http://schemas.microsoft.com/office/mac/drawingml/2011/main" xmlns:a14="http://schemas.microsoft.com/office/drawing/2010/main" xmlns:m="http://schemas.openxmlformats.org/officeDocument/2006/math" xmlns="" val="1"/>
             </a:ext>
           </a:extLst>
         </p:spPr>
@@ -29025,7 +29035,7 @@
           </a:ln>
           <a:extLst>
             <a:ext uri="{C572A759-6A51-4108-AA02-DFA0A04FC94B}">
-              <ma14:wrappingTextBoxFlag xmlns="" xmlns:m="http://schemas.openxmlformats.org/officeDocument/2006/math" xmlns:a14="http://schemas.microsoft.com/office/drawing/2010/main" xmlns:ma14="http://schemas.microsoft.com/office/mac/drawingml/2011/main" val="1"/>
+              <ma14:wrappingTextBoxFlag xmlns:ma14="http://schemas.microsoft.com/office/mac/drawingml/2011/main" xmlns:a14="http://schemas.microsoft.com/office/drawing/2010/main" xmlns:m="http://schemas.openxmlformats.org/officeDocument/2006/math" xmlns="" val="1"/>
             </a:ext>
           </a:extLst>
         </p:spPr>
@@ -29076,7 +29086,7 @@
           </a:ln>
           <a:extLst>
             <a:ext uri="{C572A759-6A51-4108-AA02-DFA0A04FC94B}">
-              <ma14:wrappingTextBoxFlag xmlns="" xmlns:m="http://schemas.openxmlformats.org/officeDocument/2006/math" xmlns:a14="http://schemas.microsoft.com/office/drawing/2010/main" xmlns:ma14="http://schemas.microsoft.com/office/mac/drawingml/2011/main" val="1"/>
+              <ma14:wrappingTextBoxFlag xmlns:ma14="http://schemas.microsoft.com/office/mac/drawingml/2011/main" xmlns:a14="http://schemas.microsoft.com/office/drawing/2010/main" xmlns:m="http://schemas.openxmlformats.org/officeDocument/2006/math" xmlns="" val="1"/>
             </a:ext>
           </a:extLst>
         </p:spPr>
@@ -29127,7 +29137,7 @@
           </a:ln>
           <a:extLst>
             <a:ext uri="{C572A759-6A51-4108-AA02-DFA0A04FC94B}">
-              <ma14:wrappingTextBoxFlag xmlns="" xmlns:m="http://schemas.openxmlformats.org/officeDocument/2006/math" xmlns:a14="http://schemas.microsoft.com/office/drawing/2010/main" xmlns:ma14="http://schemas.microsoft.com/office/mac/drawingml/2011/main" val="1"/>
+              <ma14:wrappingTextBoxFlag xmlns:ma14="http://schemas.microsoft.com/office/mac/drawingml/2011/main" xmlns:a14="http://schemas.microsoft.com/office/drawing/2010/main" xmlns:m="http://schemas.openxmlformats.org/officeDocument/2006/math" xmlns="" val="1"/>
             </a:ext>
           </a:extLst>
         </p:spPr>
@@ -29178,7 +29188,7 @@
           </a:ln>
           <a:extLst>
             <a:ext uri="{C572A759-6A51-4108-AA02-DFA0A04FC94B}">
-              <ma14:wrappingTextBoxFlag xmlns="" xmlns:m="http://schemas.openxmlformats.org/officeDocument/2006/math" xmlns:a14="http://schemas.microsoft.com/office/drawing/2010/main" xmlns:ma14="http://schemas.microsoft.com/office/mac/drawingml/2011/main" val="1"/>
+              <ma14:wrappingTextBoxFlag xmlns:ma14="http://schemas.microsoft.com/office/mac/drawingml/2011/main" xmlns:a14="http://schemas.microsoft.com/office/drawing/2010/main" xmlns:m="http://schemas.openxmlformats.org/officeDocument/2006/math" xmlns="" val="1"/>
             </a:ext>
           </a:extLst>
         </p:spPr>
@@ -29229,7 +29239,7 @@
           </a:ln>
           <a:extLst>
             <a:ext uri="{C572A759-6A51-4108-AA02-DFA0A04FC94B}">
-              <ma14:wrappingTextBoxFlag xmlns="" xmlns:m="http://schemas.openxmlformats.org/officeDocument/2006/math" xmlns:a14="http://schemas.microsoft.com/office/drawing/2010/main" xmlns:ma14="http://schemas.microsoft.com/office/mac/drawingml/2011/main" val="1"/>
+              <ma14:wrappingTextBoxFlag xmlns:ma14="http://schemas.microsoft.com/office/mac/drawingml/2011/main" xmlns:a14="http://schemas.microsoft.com/office/drawing/2010/main" xmlns:m="http://schemas.openxmlformats.org/officeDocument/2006/math" xmlns="" val="1"/>
             </a:ext>
           </a:extLst>
         </p:spPr>
@@ -29280,7 +29290,7 @@
           </a:ln>
           <a:extLst>
             <a:ext uri="{C572A759-6A51-4108-AA02-DFA0A04FC94B}">
-              <ma14:wrappingTextBoxFlag xmlns="" xmlns:m="http://schemas.openxmlformats.org/officeDocument/2006/math" xmlns:a14="http://schemas.microsoft.com/office/drawing/2010/main" xmlns:ma14="http://schemas.microsoft.com/office/mac/drawingml/2011/main" val="1"/>
+              <ma14:wrappingTextBoxFlag xmlns:ma14="http://schemas.microsoft.com/office/mac/drawingml/2011/main" xmlns:a14="http://schemas.microsoft.com/office/drawing/2010/main" xmlns:m="http://schemas.openxmlformats.org/officeDocument/2006/math" xmlns="" val="1"/>
             </a:ext>
           </a:extLst>
         </p:spPr>
@@ -29331,7 +29341,7 @@
           </a:ln>
           <a:extLst>
             <a:ext uri="{C572A759-6A51-4108-AA02-DFA0A04FC94B}">
-              <ma14:wrappingTextBoxFlag xmlns="" xmlns:m="http://schemas.openxmlformats.org/officeDocument/2006/math" xmlns:a14="http://schemas.microsoft.com/office/drawing/2010/main" xmlns:ma14="http://schemas.microsoft.com/office/mac/drawingml/2011/main" val="1"/>
+              <ma14:wrappingTextBoxFlag xmlns:ma14="http://schemas.microsoft.com/office/mac/drawingml/2011/main" xmlns:a14="http://schemas.microsoft.com/office/drawing/2010/main" xmlns:m="http://schemas.openxmlformats.org/officeDocument/2006/math" xmlns="" val="1"/>
             </a:ext>
           </a:extLst>
         </p:spPr>
@@ -29382,7 +29392,7 @@
           </a:ln>
           <a:extLst>
             <a:ext uri="{C572A759-6A51-4108-AA02-DFA0A04FC94B}">
-              <ma14:wrappingTextBoxFlag xmlns="" xmlns:m="http://schemas.openxmlformats.org/officeDocument/2006/math" xmlns:a14="http://schemas.microsoft.com/office/drawing/2010/main" xmlns:ma14="http://schemas.microsoft.com/office/mac/drawingml/2011/main" val="1"/>
+              <ma14:wrappingTextBoxFlag xmlns:ma14="http://schemas.microsoft.com/office/mac/drawingml/2011/main" xmlns:a14="http://schemas.microsoft.com/office/drawing/2010/main" xmlns:m="http://schemas.openxmlformats.org/officeDocument/2006/math" xmlns="" val="1"/>
             </a:ext>
           </a:extLst>
         </p:spPr>
@@ -29433,7 +29443,7 @@
           </a:ln>
           <a:extLst>
             <a:ext uri="{C572A759-6A51-4108-AA02-DFA0A04FC94B}">
-              <ma14:wrappingTextBoxFlag xmlns="" xmlns:m="http://schemas.openxmlformats.org/officeDocument/2006/math" xmlns:a14="http://schemas.microsoft.com/office/drawing/2010/main" xmlns:ma14="http://schemas.microsoft.com/office/mac/drawingml/2011/main" val="1"/>
+              <ma14:wrappingTextBoxFlag xmlns:ma14="http://schemas.microsoft.com/office/mac/drawingml/2011/main" xmlns:a14="http://schemas.microsoft.com/office/drawing/2010/main" xmlns:m="http://schemas.openxmlformats.org/officeDocument/2006/math" xmlns="" val="1"/>
             </a:ext>
           </a:extLst>
         </p:spPr>
@@ -29484,7 +29494,7 @@
           </a:ln>
           <a:extLst>
             <a:ext uri="{C572A759-6A51-4108-AA02-DFA0A04FC94B}">
-              <ma14:wrappingTextBoxFlag xmlns="" xmlns:m="http://schemas.openxmlformats.org/officeDocument/2006/math" xmlns:a14="http://schemas.microsoft.com/office/drawing/2010/main" xmlns:ma14="http://schemas.microsoft.com/office/mac/drawingml/2011/main" val="1"/>
+              <ma14:wrappingTextBoxFlag xmlns:ma14="http://schemas.microsoft.com/office/mac/drawingml/2011/main" xmlns:a14="http://schemas.microsoft.com/office/drawing/2010/main" xmlns:m="http://schemas.openxmlformats.org/officeDocument/2006/math" xmlns="" val="1"/>
             </a:ext>
           </a:extLst>
         </p:spPr>
@@ -29535,7 +29545,7 @@
           </a:ln>
           <a:extLst>
             <a:ext uri="{C572A759-6A51-4108-AA02-DFA0A04FC94B}">
-              <ma14:wrappingTextBoxFlag xmlns="" xmlns:m="http://schemas.openxmlformats.org/officeDocument/2006/math" xmlns:a14="http://schemas.microsoft.com/office/drawing/2010/main" xmlns:ma14="http://schemas.microsoft.com/office/mac/drawingml/2011/main" val="1"/>
+              <ma14:wrappingTextBoxFlag xmlns:ma14="http://schemas.microsoft.com/office/mac/drawingml/2011/main" xmlns:a14="http://schemas.microsoft.com/office/drawing/2010/main" xmlns:m="http://schemas.openxmlformats.org/officeDocument/2006/math" xmlns="" val="1"/>
             </a:ext>
           </a:extLst>
         </p:spPr>
@@ -29586,7 +29596,7 @@
           </a:ln>
           <a:extLst>
             <a:ext uri="{C572A759-6A51-4108-AA02-DFA0A04FC94B}">
-              <ma14:wrappingTextBoxFlag xmlns="" xmlns:m="http://schemas.openxmlformats.org/officeDocument/2006/math" xmlns:a14="http://schemas.microsoft.com/office/drawing/2010/main" xmlns:ma14="http://schemas.microsoft.com/office/mac/drawingml/2011/main" val="1"/>
+              <ma14:wrappingTextBoxFlag xmlns:ma14="http://schemas.microsoft.com/office/mac/drawingml/2011/main" xmlns:a14="http://schemas.microsoft.com/office/drawing/2010/main" xmlns:m="http://schemas.openxmlformats.org/officeDocument/2006/math" xmlns="" val="1"/>
             </a:ext>
           </a:extLst>
         </p:spPr>
@@ -29637,7 +29647,7 @@
           </a:ln>
           <a:extLst>
             <a:ext uri="{C572A759-6A51-4108-AA02-DFA0A04FC94B}">
-              <ma14:wrappingTextBoxFlag xmlns="" xmlns:m="http://schemas.openxmlformats.org/officeDocument/2006/math" xmlns:a14="http://schemas.microsoft.com/office/drawing/2010/main" xmlns:ma14="http://schemas.microsoft.com/office/mac/drawingml/2011/main" val="1"/>
+              <ma14:wrappingTextBoxFlag xmlns:ma14="http://schemas.microsoft.com/office/mac/drawingml/2011/main" xmlns:a14="http://schemas.microsoft.com/office/drawing/2010/main" xmlns:m="http://schemas.openxmlformats.org/officeDocument/2006/math" xmlns="" val="1"/>
             </a:ext>
           </a:extLst>
         </p:spPr>
@@ -29688,7 +29698,7 @@
           </a:ln>
           <a:extLst>
             <a:ext uri="{C572A759-6A51-4108-AA02-DFA0A04FC94B}">
-              <ma14:wrappingTextBoxFlag xmlns="" xmlns:m="http://schemas.openxmlformats.org/officeDocument/2006/math" xmlns:a14="http://schemas.microsoft.com/office/drawing/2010/main" xmlns:ma14="http://schemas.microsoft.com/office/mac/drawingml/2011/main" val="1"/>
+              <ma14:wrappingTextBoxFlag xmlns:ma14="http://schemas.microsoft.com/office/mac/drawingml/2011/main" xmlns:a14="http://schemas.microsoft.com/office/drawing/2010/main" xmlns:m="http://schemas.openxmlformats.org/officeDocument/2006/math" xmlns="" val="1"/>
             </a:ext>
           </a:extLst>
         </p:spPr>
@@ -29739,7 +29749,7 @@
           </a:ln>
           <a:extLst>
             <a:ext uri="{C572A759-6A51-4108-AA02-DFA0A04FC94B}">
-              <ma14:wrappingTextBoxFlag xmlns="" xmlns:m="http://schemas.openxmlformats.org/officeDocument/2006/math" xmlns:a14="http://schemas.microsoft.com/office/drawing/2010/main" xmlns:ma14="http://schemas.microsoft.com/office/mac/drawingml/2011/main" val="1"/>
+              <ma14:wrappingTextBoxFlag xmlns:ma14="http://schemas.microsoft.com/office/mac/drawingml/2011/main" xmlns:a14="http://schemas.microsoft.com/office/drawing/2010/main" xmlns:m="http://schemas.openxmlformats.org/officeDocument/2006/math" xmlns="" val="1"/>
             </a:ext>
           </a:extLst>
         </p:spPr>
@@ -29790,7 +29800,7 @@
           </a:ln>
           <a:extLst>
             <a:ext uri="{C572A759-6A51-4108-AA02-DFA0A04FC94B}">
-              <ma14:wrappingTextBoxFlag xmlns="" xmlns:m="http://schemas.openxmlformats.org/officeDocument/2006/math" xmlns:a14="http://schemas.microsoft.com/office/drawing/2010/main" xmlns:ma14="http://schemas.microsoft.com/office/mac/drawingml/2011/main" val="1"/>
+              <ma14:wrappingTextBoxFlag xmlns:ma14="http://schemas.microsoft.com/office/mac/drawingml/2011/main" xmlns:a14="http://schemas.microsoft.com/office/drawing/2010/main" xmlns:m="http://schemas.openxmlformats.org/officeDocument/2006/math" xmlns="" val="1"/>
             </a:ext>
           </a:extLst>
         </p:spPr>
@@ -30953,7 +30963,7 @@
           </a:ln>
           <a:extLst>
             <a:ext uri="{C572A759-6A51-4108-AA02-DFA0A04FC94B}">
-              <ma14:wrappingTextBoxFlag xmlns="" xmlns:m="http://schemas.openxmlformats.org/officeDocument/2006/math" xmlns:a14="http://schemas.microsoft.com/office/drawing/2010/main" xmlns:ma14="http://schemas.microsoft.com/office/mac/drawingml/2011/main" val="1"/>
+              <ma14:wrappingTextBoxFlag xmlns:ma14="http://schemas.microsoft.com/office/mac/drawingml/2011/main" xmlns:a14="http://schemas.microsoft.com/office/drawing/2010/main" xmlns:m="http://schemas.openxmlformats.org/officeDocument/2006/math" xmlns="" val="1"/>
             </a:ext>
           </a:extLst>
         </p:spPr>
@@ -31003,7 +31013,7 @@
           </a:ln>
           <a:extLst>
             <a:ext uri="{C572A759-6A51-4108-AA02-DFA0A04FC94B}">
-              <ma14:wrappingTextBoxFlag xmlns="" xmlns:m="http://schemas.openxmlformats.org/officeDocument/2006/math" xmlns:a14="http://schemas.microsoft.com/office/drawing/2010/main" xmlns:ma14="http://schemas.microsoft.com/office/mac/drawingml/2011/main" val="1"/>
+              <ma14:wrappingTextBoxFlag xmlns:ma14="http://schemas.microsoft.com/office/mac/drawingml/2011/main" xmlns:a14="http://schemas.microsoft.com/office/drawing/2010/main" xmlns:m="http://schemas.openxmlformats.org/officeDocument/2006/math" xmlns="" val="1"/>
             </a:ext>
           </a:extLst>
         </p:spPr>
@@ -31054,7 +31064,7 @@
           </a:ln>
           <a:extLst>
             <a:ext uri="{C572A759-6A51-4108-AA02-DFA0A04FC94B}">
-              <ma14:wrappingTextBoxFlag xmlns="" xmlns:m="http://schemas.openxmlformats.org/officeDocument/2006/math" xmlns:a14="http://schemas.microsoft.com/office/drawing/2010/main" xmlns:ma14="http://schemas.microsoft.com/office/mac/drawingml/2011/main" val="1"/>
+              <ma14:wrappingTextBoxFlag xmlns:ma14="http://schemas.microsoft.com/office/mac/drawingml/2011/main" xmlns:a14="http://schemas.microsoft.com/office/drawing/2010/main" xmlns:m="http://schemas.openxmlformats.org/officeDocument/2006/math" xmlns="" val="1"/>
             </a:ext>
           </a:extLst>
         </p:spPr>
@@ -31105,7 +31115,7 @@
           </a:ln>
           <a:extLst>
             <a:ext uri="{C572A759-6A51-4108-AA02-DFA0A04FC94B}">
-              <ma14:wrappingTextBoxFlag xmlns="" xmlns:m="http://schemas.openxmlformats.org/officeDocument/2006/math" xmlns:a14="http://schemas.microsoft.com/office/drawing/2010/main" xmlns:ma14="http://schemas.microsoft.com/office/mac/drawingml/2011/main" val="1"/>
+              <ma14:wrappingTextBoxFlag xmlns:ma14="http://schemas.microsoft.com/office/mac/drawingml/2011/main" xmlns:a14="http://schemas.microsoft.com/office/drawing/2010/main" xmlns:m="http://schemas.openxmlformats.org/officeDocument/2006/math" xmlns="" val="1"/>
             </a:ext>
           </a:extLst>
         </p:spPr>
@@ -31156,7 +31166,7 @@
           </a:ln>
           <a:extLst>
             <a:ext uri="{C572A759-6A51-4108-AA02-DFA0A04FC94B}">
-              <ma14:wrappingTextBoxFlag xmlns="" xmlns:m="http://schemas.openxmlformats.org/officeDocument/2006/math" xmlns:a14="http://schemas.microsoft.com/office/drawing/2010/main" xmlns:ma14="http://schemas.microsoft.com/office/mac/drawingml/2011/main" val="1"/>
+              <ma14:wrappingTextBoxFlag xmlns:ma14="http://schemas.microsoft.com/office/mac/drawingml/2011/main" xmlns:a14="http://schemas.microsoft.com/office/drawing/2010/main" xmlns:m="http://schemas.openxmlformats.org/officeDocument/2006/math" xmlns="" val="1"/>
             </a:ext>
           </a:extLst>
         </p:spPr>
@@ -31207,7 +31217,7 @@
           </a:ln>
           <a:extLst>
             <a:ext uri="{C572A759-6A51-4108-AA02-DFA0A04FC94B}">
-              <ma14:wrappingTextBoxFlag xmlns="" xmlns:m="http://schemas.openxmlformats.org/officeDocument/2006/math" xmlns:a14="http://schemas.microsoft.com/office/drawing/2010/main" xmlns:ma14="http://schemas.microsoft.com/office/mac/drawingml/2011/main" val="1"/>
+              <ma14:wrappingTextBoxFlag xmlns:ma14="http://schemas.microsoft.com/office/mac/drawingml/2011/main" xmlns:a14="http://schemas.microsoft.com/office/drawing/2010/main" xmlns:m="http://schemas.openxmlformats.org/officeDocument/2006/math" xmlns="" val="1"/>
             </a:ext>
           </a:extLst>
         </p:spPr>
@@ -31258,7 +31268,7 @@
           </a:ln>
           <a:extLst>
             <a:ext uri="{C572A759-6A51-4108-AA02-DFA0A04FC94B}">
-              <ma14:wrappingTextBoxFlag xmlns="" xmlns:m="http://schemas.openxmlformats.org/officeDocument/2006/math" xmlns:a14="http://schemas.microsoft.com/office/drawing/2010/main" xmlns:ma14="http://schemas.microsoft.com/office/mac/drawingml/2011/main" val="1"/>
+              <ma14:wrappingTextBoxFlag xmlns:ma14="http://schemas.microsoft.com/office/mac/drawingml/2011/main" xmlns:a14="http://schemas.microsoft.com/office/drawing/2010/main" xmlns:m="http://schemas.openxmlformats.org/officeDocument/2006/math" xmlns="" val="1"/>
             </a:ext>
           </a:extLst>
         </p:spPr>
@@ -31309,7 +31319,7 @@
           </a:ln>
           <a:extLst>
             <a:ext uri="{C572A759-6A51-4108-AA02-DFA0A04FC94B}">
-              <ma14:wrappingTextBoxFlag xmlns="" xmlns:m="http://schemas.openxmlformats.org/officeDocument/2006/math" xmlns:a14="http://schemas.microsoft.com/office/drawing/2010/main" xmlns:ma14="http://schemas.microsoft.com/office/mac/drawingml/2011/main" val="1"/>
+              <ma14:wrappingTextBoxFlag xmlns:ma14="http://schemas.microsoft.com/office/mac/drawingml/2011/main" xmlns:a14="http://schemas.microsoft.com/office/drawing/2010/main" xmlns:m="http://schemas.openxmlformats.org/officeDocument/2006/math" xmlns="" val="1"/>
             </a:ext>
           </a:extLst>
         </p:spPr>
@@ -31360,7 +31370,7 @@
           </a:ln>
           <a:extLst>
             <a:ext uri="{C572A759-6A51-4108-AA02-DFA0A04FC94B}">
-              <ma14:wrappingTextBoxFlag xmlns="" xmlns:m="http://schemas.openxmlformats.org/officeDocument/2006/math" xmlns:a14="http://schemas.microsoft.com/office/drawing/2010/main" xmlns:ma14="http://schemas.microsoft.com/office/mac/drawingml/2011/main" val="1"/>
+              <ma14:wrappingTextBoxFlag xmlns:ma14="http://schemas.microsoft.com/office/mac/drawingml/2011/main" xmlns:a14="http://schemas.microsoft.com/office/drawing/2010/main" xmlns:m="http://schemas.openxmlformats.org/officeDocument/2006/math" xmlns="" val="1"/>
             </a:ext>
           </a:extLst>
         </p:spPr>
@@ -31411,7 +31421,7 @@
           </a:ln>
           <a:extLst>
             <a:ext uri="{C572A759-6A51-4108-AA02-DFA0A04FC94B}">
-              <ma14:wrappingTextBoxFlag xmlns="" xmlns:m="http://schemas.openxmlformats.org/officeDocument/2006/math" xmlns:a14="http://schemas.microsoft.com/office/drawing/2010/main" xmlns:ma14="http://schemas.microsoft.com/office/mac/drawingml/2011/main" val="1"/>
+              <ma14:wrappingTextBoxFlag xmlns:ma14="http://schemas.microsoft.com/office/mac/drawingml/2011/main" xmlns:a14="http://schemas.microsoft.com/office/drawing/2010/main" xmlns:m="http://schemas.openxmlformats.org/officeDocument/2006/math" xmlns="" val="1"/>
             </a:ext>
           </a:extLst>
         </p:spPr>
@@ -31462,7 +31472,7 @@
           </a:ln>
           <a:extLst>
             <a:ext uri="{C572A759-6A51-4108-AA02-DFA0A04FC94B}">
-              <ma14:wrappingTextBoxFlag xmlns="" xmlns:m="http://schemas.openxmlformats.org/officeDocument/2006/math" xmlns:a14="http://schemas.microsoft.com/office/drawing/2010/main" xmlns:ma14="http://schemas.microsoft.com/office/mac/drawingml/2011/main" val="1"/>
+              <ma14:wrappingTextBoxFlag xmlns:ma14="http://schemas.microsoft.com/office/mac/drawingml/2011/main" xmlns:a14="http://schemas.microsoft.com/office/drawing/2010/main" xmlns:m="http://schemas.openxmlformats.org/officeDocument/2006/math" xmlns="" val="1"/>
             </a:ext>
           </a:extLst>
         </p:spPr>
@@ -31513,7 +31523,7 @@
           </a:ln>
           <a:extLst>
             <a:ext uri="{C572A759-6A51-4108-AA02-DFA0A04FC94B}">
-              <ma14:wrappingTextBoxFlag xmlns="" xmlns:m="http://schemas.openxmlformats.org/officeDocument/2006/math" xmlns:a14="http://schemas.microsoft.com/office/drawing/2010/main" xmlns:ma14="http://schemas.microsoft.com/office/mac/drawingml/2011/main" val="1"/>
+              <ma14:wrappingTextBoxFlag xmlns:ma14="http://schemas.microsoft.com/office/mac/drawingml/2011/main" xmlns:a14="http://schemas.microsoft.com/office/drawing/2010/main" xmlns:m="http://schemas.openxmlformats.org/officeDocument/2006/math" xmlns="" val="1"/>
             </a:ext>
           </a:extLst>
         </p:spPr>
@@ -31564,7 +31574,7 @@
           </a:ln>
           <a:extLst>
             <a:ext uri="{C572A759-6A51-4108-AA02-DFA0A04FC94B}">
-              <ma14:wrappingTextBoxFlag xmlns="" xmlns:m="http://schemas.openxmlformats.org/officeDocument/2006/math" xmlns:a14="http://schemas.microsoft.com/office/drawing/2010/main" xmlns:ma14="http://schemas.microsoft.com/office/mac/drawingml/2011/main" val="1"/>
+              <ma14:wrappingTextBoxFlag xmlns:ma14="http://schemas.microsoft.com/office/mac/drawingml/2011/main" xmlns:a14="http://schemas.microsoft.com/office/drawing/2010/main" xmlns:m="http://schemas.openxmlformats.org/officeDocument/2006/math" xmlns="" val="1"/>
             </a:ext>
           </a:extLst>
         </p:spPr>
@@ -31615,7 +31625,7 @@
           </a:ln>
           <a:extLst>
             <a:ext uri="{C572A759-6A51-4108-AA02-DFA0A04FC94B}">
-              <ma14:wrappingTextBoxFlag xmlns="" xmlns:m="http://schemas.openxmlformats.org/officeDocument/2006/math" xmlns:a14="http://schemas.microsoft.com/office/drawing/2010/main" xmlns:ma14="http://schemas.microsoft.com/office/mac/drawingml/2011/main" val="1"/>
+              <ma14:wrappingTextBoxFlag xmlns:ma14="http://schemas.microsoft.com/office/mac/drawingml/2011/main" xmlns:a14="http://schemas.microsoft.com/office/drawing/2010/main" xmlns:m="http://schemas.openxmlformats.org/officeDocument/2006/math" xmlns="" val="1"/>
             </a:ext>
           </a:extLst>
         </p:spPr>
@@ -31666,7 +31676,7 @@
           </a:ln>
           <a:extLst>
             <a:ext uri="{C572A759-6A51-4108-AA02-DFA0A04FC94B}">
-              <ma14:wrappingTextBoxFlag xmlns="" xmlns:m="http://schemas.openxmlformats.org/officeDocument/2006/math" xmlns:a14="http://schemas.microsoft.com/office/drawing/2010/main" xmlns:ma14="http://schemas.microsoft.com/office/mac/drawingml/2011/main" val="1"/>
+              <ma14:wrappingTextBoxFlag xmlns:ma14="http://schemas.microsoft.com/office/mac/drawingml/2011/main" xmlns:a14="http://schemas.microsoft.com/office/drawing/2010/main" xmlns:m="http://schemas.openxmlformats.org/officeDocument/2006/math" xmlns="" val="1"/>
             </a:ext>
           </a:extLst>
         </p:spPr>
@@ -31717,7 +31727,7 @@
           </a:ln>
           <a:extLst>
             <a:ext uri="{C572A759-6A51-4108-AA02-DFA0A04FC94B}">
-              <ma14:wrappingTextBoxFlag xmlns="" xmlns:m="http://schemas.openxmlformats.org/officeDocument/2006/math" xmlns:a14="http://schemas.microsoft.com/office/drawing/2010/main" xmlns:ma14="http://schemas.microsoft.com/office/mac/drawingml/2011/main" val="1"/>
+              <ma14:wrappingTextBoxFlag xmlns:ma14="http://schemas.microsoft.com/office/mac/drawingml/2011/main" xmlns:a14="http://schemas.microsoft.com/office/drawing/2010/main" xmlns:m="http://schemas.openxmlformats.org/officeDocument/2006/math" xmlns="" val="1"/>
             </a:ext>
           </a:extLst>
         </p:spPr>
@@ -31768,7 +31778,7 @@
           </a:ln>
           <a:extLst>
             <a:ext uri="{C572A759-6A51-4108-AA02-DFA0A04FC94B}">
-              <ma14:wrappingTextBoxFlag xmlns="" xmlns:m="http://schemas.openxmlformats.org/officeDocument/2006/math" xmlns:a14="http://schemas.microsoft.com/office/drawing/2010/main" xmlns:ma14="http://schemas.microsoft.com/office/mac/drawingml/2011/main" val="1"/>
+              <ma14:wrappingTextBoxFlag xmlns:ma14="http://schemas.microsoft.com/office/mac/drawingml/2011/main" xmlns:a14="http://schemas.microsoft.com/office/drawing/2010/main" xmlns:m="http://schemas.openxmlformats.org/officeDocument/2006/math" xmlns="" val="1"/>
             </a:ext>
           </a:extLst>
         </p:spPr>
@@ -31819,7 +31829,7 @@
           </a:ln>
           <a:extLst>
             <a:ext uri="{C572A759-6A51-4108-AA02-DFA0A04FC94B}">
-              <ma14:wrappingTextBoxFlag xmlns="" xmlns:m="http://schemas.openxmlformats.org/officeDocument/2006/math" xmlns:a14="http://schemas.microsoft.com/office/drawing/2010/main" xmlns:ma14="http://schemas.microsoft.com/office/mac/drawingml/2011/main" val="1"/>
+              <ma14:wrappingTextBoxFlag xmlns:ma14="http://schemas.microsoft.com/office/mac/drawingml/2011/main" xmlns:a14="http://schemas.microsoft.com/office/drawing/2010/main" xmlns:m="http://schemas.openxmlformats.org/officeDocument/2006/math" xmlns="" val="1"/>
             </a:ext>
           </a:extLst>
         </p:spPr>
@@ -31870,7 +31880,7 @@
           </a:ln>
           <a:extLst>
             <a:ext uri="{C572A759-6A51-4108-AA02-DFA0A04FC94B}">
-              <ma14:wrappingTextBoxFlag xmlns="" xmlns:m="http://schemas.openxmlformats.org/officeDocument/2006/math" xmlns:a14="http://schemas.microsoft.com/office/drawing/2010/main" xmlns:ma14="http://schemas.microsoft.com/office/mac/drawingml/2011/main" val="1"/>
+              <ma14:wrappingTextBoxFlag xmlns:ma14="http://schemas.microsoft.com/office/mac/drawingml/2011/main" xmlns:a14="http://schemas.microsoft.com/office/drawing/2010/main" xmlns:m="http://schemas.openxmlformats.org/officeDocument/2006/math" xmlns="" val="1"/>
             </a:ext>
           </a:extLst>
         </p:spPr>
@@ -31921,7 +31931,7 @@
           </a:ln>
           <a:extLst>
             <a:ext uri="{C572A759-6A51-4108-AA02-DFA0A04FC94B}">
-              <ma14:wrappingTextBoxFlag xmlns="" xmlns:m="http://schemas.openxmlformats.org/officeDocument/2006/math" xmlns:a14="http://schemas.microsoft.com/office/drawing/2010/main" xmlns:ma14="http://schemas.microsoft.com/office/mac/drawingml/2011/main" val="1"/>
+              <ma14:wrappingTextBoxFlag xmlns:ma14="http://schemas.microsoft.com/office/mac/drawingml/2011/main" xmlns:a14="http://schemas.microsoft.com/office/drawing/2010/main" xmlns:m="http://schemas.openxmlformats.org/officeDocument/2006/math" xmlns="" val="1"/>
             </a:ext>
           </a:extLst>
         </p:spPr>
@@ -31972,7 +31982,7 @@
           </a:ln>
           <a:extLst>
             <a:ext uri="{C572A759-6A51-4108-AA02-DFA0A04FC94B}">
-              <ma14:wrappingTextBoxFlag xmlns="" xmlns:m="http://schemas.openxmlformats.org/officeDocument/2006/math" xmlns:a14="http://schemas.microsoft.com/office/drawing/2010/main" xmlns:ma14="http://schemas.microsoft.com/office/mac/drawingml/2011/main" val="1"/>
+              <ma14:wrappingTextBoxFlag xmlns:ma14="http://schemas.microsoft.com/office/mac/drawingml/2011/main" xmlns:a14="http://schemas.microsoft.com/office/drawing/2010/main" xmlns:m="http://schemas.openxmlformats.org/officeDocument/2006/math" xmlns="" val="1"/>
             </a:ext>
           </a:extLst>
         </p:spPr>
@@ -32023,7 +32033,7 @@
           </a:ln>
           <a:extLst>
             <a:ext uri="{C572A759-6A51-4108-AA02-DFA0A04FC94B}">
-              <ma14:wrappingTextBoxFlag xmlns="" xmlns:m="http://schemas.openxmlformats.org/officeDocument/2006/math" xmlns:a14="http://schemas.microsoft.com/office/drawing/2010/main" xmlns:ma14="http://schemas.microsoft.com/office/mac/drawingml/2011/main" val="1"/>
+              <ma14:wrappingTextBoxFlag xmlns:ma14="http://schemas.microsoft.com/office/mac/drawingml/2011/main" xmlns:a14="http://schemas.microsoft.com/office/drawing/2010/main" xmlns:m="http://schemas.openxmlformats.org/officeDocument/2006/math" xmlns="" val="1"/>
             </a:ext>
           </a:extLst>
         </p:spPr>
@@ -32074,7 +32084,7 @@
           </a:ln>
           <a:extLst>
             <a:ext uri="{C572A759-6A51-4108-AA02-DFA0A04FC94B}">
-              <ma14:wrappingTextBoxFlag xmlns="" xmlns:m="http://schemas.openxmlformats.org/officeDocument/2006/math" xmlns:a14="http://schemas.microsoft.com/office/drawing/2010/main" xmlns:ma14="http://schemas.microsoft.com/office/mac/drawingml/2011/main" val="1"/>
+              <ma14:wrappingTextBoxFlag xmlns:ma14="http://schemas.microsoft.com/office/mac/drawingml/2011/main" xmlns:a14="http://schemas.microsoft.com/office/drawing/2010/main" xmlns:m="http://schemas.openxmlformats.org/officeDocument/2006/math" xmlns="" val="1"/>
             </a:ext>
           </a:extLst>
         </p:spPr>
@@ -32125,7 +32135,7 @@
           </a:ln>
           <a:extLst>
             <a:ext uri="{C572A759-6A51-4108-AA02-DFA0A04FC94B}">
-              <ma14:wrappingTextBoxFlag xmlns="" xmlns:m="http://schemas.openxmlformats.org/officeDocument/2006/math" xmlns:a14="http://schemas.microsoft.com/office/drawing/2010/main" xmlns:ma14="http://schemas.microsoft.com/office/mac/drawingml/2011/main" val="1"/>
+              <ma14:wrappingTextBoxFlag xmlns:ma14="http://schemas.microsoft.com/office/mac/drawingml/2011/main" xmlns:a14="http://schemas.microsoft.com/office/drawing/2010/main" xmlns:m="http://schemas.openxmlformats.org/officeDocument/2006/math" xmlns="" val="1"/>
             </a:ext>
           </a:extLst>
         </p:spPr>
@@ -32176,7 +32186,7 @@
           </a:ln>
           <a:extLst>
             <a:ext uri="{C572A759-6A51-4108-AA02-DFA0A04FC94B}">
-              <ma14:wrappingTextBoxFlag xmlns="" xmlns:m="http://schemas.openxmlformats.org/officeDocument/2006/math" xmlns:a14="http://schemas.microsoft.com/office/drawing/2010/main" xmlns:ma14="http://schemas.microsoft.com/office/mac/drawingml/2011/main" val="1"/>
+              <ma14:wrappingTextBoxFlag xmlns:ma14="http://schemas.microsoft.com/office/mac/drawingml/2011/main" xmlns:a14="http://schemas.microsoft.com/office/drawing/2010/main" xmlns:m="http://schemas.openxmlformats.org/officeDocument/2006/math" xmlns="" val="1"/>
             </a:ext>
           </a:extLst>
         </p:spPr>
@@ -32227,7 +32237,7 @@
           </a:ln>
           <a:extLst>
             <a:ext uri="{C572A759-6A51-4108-AA02-DFA0A04FC94B}">
-              <ma14:wrappingTextBoxFlag xmlns="" xmlns:m="http://schemas.openxmlformats.org/officeDocument/2006/math" xmlns:a14="http://schemas.microsoft.com/office/drawing/2010/main" xmlns:ma14="http://schemas.microsoft.com/office/mac/drawingml/2011/main" val="1"/>
+              <ma14:wrappingTextBoxFlag xmlns:ma14="http://schemas.microsoft.com/office/mac/drawingml/2011/main" xmlns:a14="http://schemas.microsoft.com/office/drawing/2010/main" xmlns:m="http://schemas.openxmlformats.org/officeDocument/2006/math" xmlns="" val="1"/>
             </a:ext>
           </a:extLst>
         </p:spPr>
@@ -32278,7 +32288,7 @@
           </a:ln>
           <a:extLst>
             <a:ext uri="{C572A759-6A51-4108-AA02-DFA0A04FC94B}">
-              <ma14:wrappingTextBoxFlag xmlns="" xmlns:m="http://schemas.openxmlformats.org/officeDocument/2006/math" xmlns:a14="http://schemas.microsoft.com/office/drawing/2010/main" xmlns:ma14="http://schemas.microsoft.com/office/mac/drawingml/2011/main" val="1"/>
+              <ma14:wrappingTextBoxFlag xmlns:ma14="http://schemas.microsoft.com/office/mac/drawingml/2011/main" xmlns:a14="http://schemas.microsoft.com/office/drawing/2010/main" xmlns:m="http://schemas.openxmlformats.org/officeDocument/2006/math" xmlns="" val="1"/>
             </a:ext>
           </a:extLst>
         </p:spPr>
@@ -32329,7 +32339,7 @@
           </a:ln>
           <a:extLst>
             <a:ext uri="{C572A759-6A51-4108-AA02-DFA0A04FC94B}">
-              <ma14:wrappingTextBoxFlag xmlns="" xmlns:m="http://schemas.openxmlformats.org/officeDocument/2006/math" xmlns:a14="http://schemas.microsoft.com/office/drawing/2010/main" xmlns:ma14="http://schemas.microsoft.com/office/mac/drawingml/2011/main" val="1"/>
+              <ma14:wrappingTextBoxFlag xmlns:ma14="http://schemas.microsoft.com/office/mac/drawingml/2011/main" xmlns:a14="http://schemas.microsoft.com/office/drawing/2010/main" xmlns:m="http://schemas.openxmlformats.org/officeDocument/2006/math" xmlns="" val="1"/>
             </a:ext>
           </a:extLst>
         </p:spPr>
@@ -32380,7 +32390,7 @@
           </a:ln>
           <a:extLst>
             <a:ext uri="{C572A759-6A51-4108-AA02-DFA0A04FC94B}">
-              <ma14:wrappingTextBoxFlag xmlns="" xmlns:m="http://schemas.openxmlformats.org/officeDocument/2006/math" xmlns:a14="http://schemas.microsoft.com/office/drawing/2010/main" xmlns:ma14="http://schemas.microsoft.com/office/mac/drawingml/2011/main" val="1"/>
+              <ma14:wrappingTextBoxFlag xmlns:ma14="http://schemas.microsoft.com/office/mac/drawingml/2011/main" xmlns:a14="http://schemas.microsoft.com/office/drawing/2010/main" xmlns:m="http://schemas.openxmlformats.org/officeDocument/2006/math" xmlns="" val="1"/>
             </a:ext>
           </a:extLst>
         </p:spPr>
@@ -32431,7 +32441,7 @@
           </a:ln>
           <a:extLst>
             <a:ext uri="{C572A759-6A51-4108-AA02-DFA0A04FC94B}">
-              <ma14:wrappingTextBoxFlag xmlns="" xmlns:m="http://schemas.openxmlformats.org/officeDocument/2006/math" xmlns:a14="http://schemas.microsoft.com/office/drawing/2010/main" xmlns:ma14="http://schemas.microsoft.com/office/mac/drawingml/2011/main" val="1"/>
+              <ma14:wrappingTextBoxFlag xmlns:ma14="http://schemas.microsoft.com/office/mac/drawingml/2011/main" xmlns:a14="http://schemas.microsoft.com/office/drawing/2010/main" xmlns:m="http://schemas.openxmlformats.org/officeDocument/2006/math" xmlns="" val="1"/>
             </a:ext>
           </a:extLst>
         </p:spPr>
@@ -32930,7 +32940,7 @@
           </a:ln>
           <a:extLst>
             <a:ext uri="{C572A759-6A51-4108-AA02-DFA0A04FC94B}">
-              <ma14:wrappingTextBoxFlag xmlns:ma14="http://schemas.microsoft.com/office/mac/drawingml/2011/main" xmlns:a14="http://schemas.microsoft.com/office/drawing/2010/main" xmlns:m="http://schemas.openxmlformats.org/officeDocument/2006/math" xmlns="" val="1"/>
+              <ma14:wrappingTextBoxFlag xmlns="" xmlns:m="http://schemas.openxmlformats.org/officeDocument/2006/math" xmlns:a14="http://schemas.microsoft.com/office/drawing/2010/main" xmlns:ma14="http://schemas.microsoft.com/office/mac/drawingml/2011/main" val="1"/>
             </a:ext>
           </a:extLst>
         </p:spPr>
@@ -32980,7 +32990,7 @@
           </a:ln>
           <a:extLst>
             <a:ext uri="{C572A759-6A51-4108-AA02-DFA0A04FC94B}">
-              <ma14:wrappingTextBoxFlag xmlns:ma14="http://schemas.microsoft.com/office/mac/drawingml/2011/main" xmlns:a14="http://schemas.microsoft.com/office/drawing/2010/main" xmlns:m="http://schemas.openxmlformats.org/officeDocument/2006/math" xmlns="" val="1"/>
+              <ma14:wrappingTextBoxFlag xmlns="" xmlns:m="http://schemas.openxmlformats.org/officeDocument/2006/math" xmlns:a14="http://schemas.microsoft.com/office/drawing/2010/main" xmlns:ma14="http://schemas.microsoft.com/office/mac/drawingml/2011/main" val="1"/>
             </a:ext>
           </a:extLst>
         </p:spPr>
@@ -33031,7 +33041,7 @@
           </a:ln>
           <a:extLst>
             <a:ext uri="{C572A759-6A51-4108-AA02-DFA0A04FC94B}">
-              <ma14:wrappingTextBoxFlag xmlns:ma14="http://schemas.microsoft.com/office/mac/drawingml/2011/main" xmlns:a14="http://schemas.microsoft.com/office/drawing/2010/main" xmlns:m="http://schemas.openxmlformats.org/officeDocument/2006/math" xmlns="" val="1"/>
+              <ma14:wrappingTextBoxFlag xmlns="" xmlns:m="http://schemas.openxmlformats.org/officeDocument/2006/math" xmlns:a14="http://schemas.microsoft.com/office/drawing/2010/main" xmlns:ma14="http://schemas.microsoft.com/office/mac/drawingml/2011/main" val="1"/>
             </a:ext>
           </a:extLst>
         </p:spPr>
@@ -33082,7 +33092,7 @@
           </a:ln>
           <a:extLst>
             <a:ext uri="{C572A759-6A51-4108-AA02-DFA0A04FC94B}">
-              <ma14:wrappingTextBoxFlag xmlns:ma14="http://schemas.microsoft.com/office/mac/drawingml/2011/main" xmlns:a14="http://schemas.microsoft.com/office/drawing/2010/main" xmlns:m="http://schemas.openxmlformats.org/officeDocument/2006/math" xmlns="" val="1"/>
+              <ma14:wrappingTextBoxFlag xmlns="" xmlns:m="http://schemas.openxmlformats.org/officeDocument/2006/math" xmlns:a14="http://schemas.microsoft.com/office/drawing/2010/main" xmlns:ma14="http://schemas.microsoft.com/office/mac/drawingml/2011/main" val="1"/>
             </a:ext>
           </a:extLst>
         </p:spPr>
@@ -33133,7 +33143,7 @@
           </a:ln>
           <a:extLst>
             <a:ext uri="{C572A759-6A51-4108-AA02-DFA0A04FC94B}">
-              <ma14:wrappingTextBoxFlag xmlns:ma14="http://schemas.microsoft.com/office/mac/drawingml/2011/main" xmlns:a14="http://schemas.microsoft.com/office/drawing/2010/main" xmlns:m="http://schemas.openxmlformats.org/officeDocument/2006/math" xmlns="" val="1"/>
+              <ma14:wrappingTextBoxFlag xmlns="" xmlns:m="http://schemas.openxmlformats.org/officeDocument/2006/math" xmlns:a14="http://schemas.microsoft.com/office/drawing/2010/main" xmlns:ma14="http://schemas.microsoft.com/office/mac/drawingml/2011/main" val="1"/>
             </a:ext>
           </a:extLst>
         </p:spPr>
@@ -33184,7 +33194,7 @@
           </a:ln>
           <a:extLst>
             <a:ext uri="{C572A759-6A51-4108-AA02-DFA0A04FC94B}">
-              <ma14:wrappingTextBoxFlag xmlns:ma14="http://schemas.microsoft.com/office/mac/drawingml/2011/main" xmlns:a14="http://schemas.microsoft.com/office/drawing/2010/main" xmlns:m="http://schemas.openxmlformats.org/officeDocument/2006/math" xmlns="" val="1"/>
+              <ma14:wrappingTextBoxFlag xmlns="" xmlns:m="http://schemas.openxmlformats.org/officeDocument/2006/math" xmlns:a14="http://schemas.microsoft.com/office/drawing/2010/main" xmlns:ma14="http://schemas.microsoft.com/office/mac/drawingml/2011/main" val="1"/>
             </a:ext>
           </a:extLst>
         </p:spPr>
@@ -33235,7 +33245,7 @@
           </a:ln>
           <a:extLst>
             <a:ext uri="{C572A759-6A51-4108-AA02-DFA0A04FC94B}">
-              <ma14:wrappingTextBoxFlag xmlns:ma14="http://schemas.microsoft.com/office/mac/drawingml/2011/main" xmlns:a14="http://schemas.microsoft.com/office/drawing/2010/main" xmlns:m="http://schemas.openxmlformats.org/officeDocument/2006/math" xmlns="" val="1"/>
+              <ma14:wrappingTextBoxFlag xmlns="" xmlns:m="http://schemas.openxmlformats.org/officeDocument/2006/math" xmlns:a14="http://schemas.microsoft.com/office/drawing/2010/main" xmlns:ma14="http://schemas.microsoft.com/office/mac/drawingml/2011/main" val="1"/>
             </a:ext>
           </a:extLst>
         </p:spPr>
@@ -33286,7 +33296,7 @@
           </a:ln>
           <a:extLst>
             <a:ext uri="{C572A759-6A51-4108-AA02-DFA0A04FC94B}">
-              <ma14:wrappingTextBoxFlag xmlns:ma14="http://schemas.microsoft.com/office/mac/drawingml/2011/main" xmlns:a14="http://schemas.microsoft.com/office/drawing/2010/main" xmlns:m="http://schemas.openxmlformats.org/officeDocument/2006/math" xmlns="" val="1"/>
+              <ma14:wrappingTextBoxFlag xmlns="" xmlns:m="http://schemas.openxmlformats.org/officeDocument/2006/math" xmlns:a14="http://schemas.microsoft.com/office/drawing/2010/main" xmlns:ma14="http://schemas.microsoft.com/office/mac/drawingml/2011/main" val="1"/>
             </a:ext>
           </a:extLst>
         </p:spPr>
@@ -33337,7 +33347,7 @@
           </a:ln>
           <a:extLst>
             <a:ext uri="{C572A759-6A51-4108-AA02-DFA0A04FC94B}">
-              <ma14:wrappingTextBoxFlag xmlns:ma14="http://schemas.microsoft.com/office/mac/drawingml/2011/main" xmlns:a14="http://schemas.microsoft.com/office/drawing/2010/main" xmlns:m="http://schemas.openxmlformats.org/officeDocument/2006/math" xmlns="" val="1"/>
+              <ma14:wrappingTextBoxFlag xmlns="" xmlns:m="http://schemas.openxmlformats.org/officeDocument/2006/math" xmlns:a14="http://schemas.microsoft.com/office/drawing/2010/main" xmlns:ma14="http://schemas.microsoft.com/office/mac/drawingml/2011/main" val="1"/>
             </a:ext>
           </a:extLst>
         </p:spPr>
@@ -33388,7 +33398,7 @@
           </a:ln>
           <a:extLst>
             <a:ext uri="{C572A759-6A51-4108-AA02-DFA0A04FC94B}">
-              <ma14:wrappingTextBoxFlag xmlns:ma14="http://schemas.microsoft.com/office/mac/drawingml/2011/main" xmlns:a14="http://schemas.microsoft.com/office/drawing/2010/main" xmlns:m="http://schemas.openxmlformats.org/officeDocument/2006/math" xmlns="" val="1"/>
+              <ma14:wrappingTextBoxFlag xmlns="" xmlns:m="http://schemas.openxmlformats.org/officeDocument/2006/math" xmlns:a14="http://schemas.microsoft.com/office/drawing/2010/main" xmlns:ma14="http://schemas.microsoft.com/office/mac/drawingml/2011/main" val="1"/>
             </a:ext>
           </a:extLst>
         </p:spPr>
@@ -33439,7 +33449,7 @@
           </a:ln>
           <a:extLst>
             <a:ext uri="{C572A759-6A51-4108-AA02-DFA0A04FC94B}">
-              <ma14:wrappingTextBoxFlag xmlns:ma14="http://schemas.microsoft.com/office/mac/drawingml/2011/main" xmlns:a14="http://schemas.microsoft.com/office/drawing/2010/main" xmlns:m="http://schemas.openxmlformats.org/officeDocument/2006/math" xmlns="" val="1"/>
+              <ma14:wrappingTextBoxFlag xmlns="" xmlns:m="http://schemas.openxmlformats.org/officeDocument/2006/math" xmlns:a14="http://schemas.microsoft.com/office/drawing/2010/main" xmlns:ma14="http://schemas.microsoft.com/office/mac/drawingml/2011/main" val="1"/>
             </a:ext>
           </a:extLst>
         </p:spPr>
@@ -33490,7 +33500,7 @@
           </a:ln>
           <a:extLst>
             <a:ext uri="{C572A759-6A51-4108-AA02-DFA0A04FC94B}">
-              <ma14:wrappingTextBoxFlag xmlns:ma14="http://schemas.microsoft.com/office/mac/drawingml/2011/main" xmlns:a14="http://schemas.microsoft.com/office/drawing/2010/main" xmlns:m="http://schemas.openxmlformats.org/officeDocument/2006/math" xmlns="" val="1"/>
+              <ma14:wrappingTextBoxFlag xmlns="" xmlns:m="http://schemas.openxmlformats.org/officeDocument/2006/math" xmlns:a14="http://schemas.microsoft.com/office/drawing/2010/main" xmlns:ma14="http://schemas.microsoft.com/office/mac/drawingml/2011/main" val="1"/>
             </a:ext>
           </a:extLst>
         </p:spPr>
@@ -33541,7 +33551,7 @@
           </a:ln>
           <a:extLst>
             <a:ext uri="{C572A759-6A51-4108-AA02-DFA0A04FC94B}">
-              <ma14:wrappingTextBoxFlag xmlns:ma14="http://schemas.microsoft.com/office/mac/drawingml/2011/main" xmlns:a14="http://schemas.microsoft.com/office/drawing/2010/main" xmlns:m="http://schemas.openxmlformats.org/officeDocument/2006/math" xmlns="" val="1"/>
+              <ma14:wrappingTextBoxFlag xmlns="" xmlns:m="http://schemas.openxmlformats.org/officeDocument/2006/math" xmlns:a14="http://schemas.microsoft.com/office/drawing/2010/main" xmlns:ma14="http://schemas.microsoft.com/office/mac/drawingml/2011/main" val="1"/>
             </a:ext>
           </a:extLst>
         </p:spPr>
@@ -33592,7 +33602,7 @@
           </a:ln>
           <a:extLst>
             <a:ext uri="{C572A759-6A51-4108-AA02-DFA0A04FC94B}">
-              <ma14:wrappingTextBoxFlag xmlns:ma14="http://schemas.microsoft.com/office/mac/drawingml/2011/main" xmlns:a14="http://schemas.microsoft.com/office/drawing/2010/main" xmlns:m="http://schemas.openxmlformats.org/officeDocument/2006/math" xmlns="" val="1"/>
+              <ma14:wrappingTextBoxFlag xmlns="" xmlns:m="http://schemas.openxmlformats.org/officeDocument/2006/math" xmlns:a14="http://schemas.microsoft.com/office/drawing/2010/main" xmlns:ma14="http://schemas.microsoft.com/office/mac/drawingml/2011/main" val="1"/>
             </a:ext>
           </a:extLst>
         </p:spPr>
@@ -33643,7 +33653,7 @@
           </a:ln>
           <a:extLst>
             <a:ext uri="{C572A759-6A51-4108-AA02-DFA0A04FC94B}">
-              <ma14:wrappingTextBoxFlag xmlns:ma14="http://schemas.microsoft.com/office/mac/drawingml/2011/main" xmlns:a14="http://schemas.microsoft.com/office/drawing/2010/main" xmlns:m="http://schemas.openxmlformats.org/officeDocument/2006/math" xmlns="" val="1"/>
+              <ma14:wrappingTextBoxFlag xmlns="" xmlns:m="http://schemas.openxmlformats.org/officeDocument/2006/math" xmlns:a14="http://schemas.microsoft.com/office/drawing/2010/main" xmlns:ma14="http://schemas.microsoft.com/office/mac/drawingml/2011/main" val="1"/>
             </a:ext>
           </a:extLst>
         </p:spPr>
@@ -33694,7 +33704,7 @@
           </a:ln>
           <a:extLst>
             <a:ext uri="{C572A759-6A51-4108-AA02-DFA0A04FC94B}">
-              <ma14:wrappingTextBoxFlag xmlns:ma14="http://schemas.microsoft.com/office/mac/drawingml/2011/main" xmlns:a14="http://schemas.microsoft.com/office/drawing/2010/main" xmlns:m="http://schemas.openxmlformats.org/officeDocument/2006/math" xmlns="" val="1"/>
+              <ma14:wrappingTextBoxFlag xmlns="" xmlns:m="http://schemas.openxmlformats.org/officeDocument/2006/math" xmlns:a14="http://schemas.microsoft.com/office/drawing/2010/main" xmlns:ma14="http://schemas.microsoft.com/office/mac/drawingml/2011/main" val="1"/>
             </a:ext>
           </a:extLst>
         </p:spPr>
@@ -33745,7 +33755,7 @@
           </a:ln>
           <a:extLst>
             <a:ext uri="{C572A759-6A51-4108-AA02-DFA0A04FC94B}">
-              <ma14:wrappingTextBoxFlag xmlns:ma14="http://schemas.microsoft.com/office/mac/drawingml/2011/main" xmlns:a14="http://schemas.microsoft.com/office/drawing/2010/main" xmlns:m="http://schemas.openxmlformats.org/officeDocument/2006/math" xmlns="" val="1"/>
+              <ma14:wrappingTextBoxFlag xmlns="" xmlns:m="http://schemas.openxmlformats.org/officeDocument/2006/math" xmlns:a14="http://schemas.microsoft.com/office/drawing/2010/main" xmlns:ma14="http://schemas.microsoft.com/office/mac/drawingml/2011/main" val="1"/>
             </a:ext>
           </a:extLst>
         </p:spPr>
@@ -33796,7 +33806,7 @@
           </a:ln>
           <a:extLst>
             <a:ext uri="{C572A759-6A51-4108-AA02-DFA0A04FC94B}">
-              <ma14:wrappingTextBoxFlag xmlns:ma14="http://schemas.microsoft.com/office/mac/drawingml/2011/main" xmlns:a14="http://schemas.microsoft.com/office/drawing/2010/main" xmlns:m="http://schemas.openxmlformats.org/officeDocument/2006/math" xmlns="" val="1"/>
+              <ma14:wrappingTextBoxFlag xmlns="" xmlns:m="http://schemas.openxmlformats.org/officeDocument/2006/math" xmlns:a14="http://schemas.microsoft.com/office/drawing/2010/main" xmlns:ma14="http://schemas.microsoft.com/office/mac/drawingml/2011/main" val="1"/>
             </a:ext>
           </a:extLst>
         </p:spPr>
@@ -33847,7 +33857,7 @@
           </a:ln>
           <a:extLst>
             <a:ext uri="{C572A759-6A51-4108-AA02-DFA0A04FC94B}">
-              <ma14:wrappingTextBoxFlag xmlns:ma14="http://schemas.microsoft.com/office/mac/drawingml/2011/main" xmlns:a14="http://schemas.microsoft.com/office/drawing/2010/main" xmlns:m="http://schemas.openxmlformats.org/officeDocument/2006/math" xmlns="" val="1"/>
+              <ma14:wrappingTextBoxFlag xmlns="" xmlns:m="http://schemas.openxmlformats.org/officeDocument/2006/math" xmlns:a14="http://schemas.microsoft.com/office/drawing/2010/main" xmlns:ma14="http://schemas.microsoft.com/office/mac/drawingml/2011/main" val="1"/>
             </a:ext>
           </a:extLst>
         </p:spPr>
@@ -33898,7 +33908,7 @@
           </a:ln>
           <a:extLst>
             <a:ext uri="{C572A759-6A51-4108-AA02-DFA0A04FC94B}">
-              <ma14:wrappingTextBoxFlag xmlns:ma14="http://schemas.microsoft.com/office/mac/drawingml/2011/main" xmlns:a14="http://schemas.microsoft.com/office/drawing/2010/main" xmlns:m="http://schemas.openxmlformats.org/officeDocument/2006/math" xmlns="" val="1"/>
+              <ma14:wrappingTextBoxFlag xmlns="" xmlns:m="http://schemas.openxmlformats.org/officeDocument/2006/math" xmlns:a14="http://schemas.microsoft.com/office/drawing/2010/main" xmlns:ma14="http://schemas.microsoft.com/office/mac/drawingml/2011/main" val="1"/>
             </a:ext>
           </a:extLst>
         </p:spPr>
@@ -33949,7 +33959,7 @@
           </a:ln>
           <a:extLst>
             <a:ext uri="{C572A759-6A51-4108-AA02-DFA0A04FC94B}">
-              <ma14:wrappingTextBoxFlag xmlns:ma14="http://schemas.microsoft.com/office/mac/drawingml/2011/main" xmlns:a14="http://schemas.microsoft.com/office/drawing/2010/main" xmlns:m="http://schemas.openxmlformats.org/officeDocument/2006/math" xmlns="" val="1"/>
+              <ma14:wrappingTextBoxFlag xmlns="" xmlns:m="http://schemas.openxmlformats.org/officeDocument/2006/math" xmlns:a14="http://schemas.microsoft.com/office/drawing/2010/main" xmlns:ma14="http://schemas.microsoft.com/office/mac/drawingml/2011/main" val="1"/>
             </a:ext>
           </a:extLst>
         </p:spPr>
@@ -34000,7 +34010,7 @@
           </a:ln>
           <a:extLst>
             <a:ext uri="{C572A759-6A51-4108-AA02-DFA0A04FC94B}">
-              <ma14:wrappingTextBoxFlag xmlns:ma14="http://schemas.microsoft.com/office/mac/drawingml/2011/main" xmlns:a14="http://schemas.microsoft.com/office/drawing/2010/main" xmlns:m="http://schemas.openxmlformats.org/officeDocument/2006/math" xmlns="" val="1"/>
+              <ma14:wrappingTextBoxFlag xmlns="" xmlns:m="http://schemas.openxmlformats.org/officeDocument/2006/math" xmlns:a14="http://schemas.microsoft.com/office/drawing/2010/main" xmlns:ma14="http://schemas.microsoft.com/office/mac/drawingml/2011/main" val="1"/>
             </a:ext>
           </a:extLst>
         </p:spPr>
@@ -34051,7 +34061,7 @@
           </a:ln>
           <a:extLst>
             <a:ext uri="{C572A759-6A51-4108-AA02-DFA0A04FC94B}">
-              <ma14:wrappingTextBoxFlag xmlns:ma14="http://schemas.microsoft.com/office/mac/drawingml/2011/main" xmlns:a14="http://schemas.microsoft.com/office/drawing/2010/main" xmlns:m="http://schemas.openxmlformats.org/officeDocument/2006/math" xmlns="" val="1"/>
+              <ma14:wrappingTextBoxFlag xmlns="" xmlns:m="http://schemas.openxmlformats.org/officeDocument/2006/math" xmlns:a14="http://schemas.microsoft.com/office/drawing/2010/main" xmlns:ma14="http://schemas.microsoft.com/office/mac/drawingml/2011/main" val="1"/>
             </a:ext>
           </a:extLst>
         </p:spPr>
@@ -34102,7 +34112,7 @@
           </a:ln>
           <a:extLst>
             <a:ext uri="{C572A759-6A51-4108-AA02-DFA0A04FC94B}">
-              <ma14:wrappingTextBoxFlag xmlns:ma14="http://schemas.microsoft.com/office/mac/drawingml/2011/main" xmlns:a14="http://schemas.microsoft.com/office/drawing/2010/main" xmlns:m="http://schemas.openxmlformats.org/officeDocument/2006/math" xmlns="" val="1"/>
+              <ma14:wrappingTextBoxFlag xmlns="" xmlns:m="http://schemas.openxmlformats.org/officeDocument/2006/math" xmlns:a14="http://schemas.microsoft.com/office/drawing/2010/main" xmlns:ma14="http://schemas.microsoft.com/office/mac/drawingml/2011/main" val="1"/>
             </a:ext>
           </a:extLst>
         </p:spPr>
@@ -34153,7 +34163,7 @@
           </a:ln>
           <a:extLst>
             <a:ext uri="{C572A759-6A51-4108-AA02-DFA0A04FC94B}">
-              <ma14:wrappingTextBoxFlag xmlns:ma14="http://schemas.microsoft.com/office/mac/drawingml/2011/main" xmlns:a14="http://schemas.microsoft.com/office/drawing/2010/main" xmlns:m="http://schemas.openxmlformats.org/officeDocument/2006/math" xmlns="" val="1"/>
+              <ma14:wrappingTextBoxFlag xmlns="" xmlns:m="http://schemas.openxmlformats.org/officeDocument/2006/math" xmlns:a14="http://schemas.microsoft.com/office/drawing/2010/main" xmlns:ma14="http://schemas.microsoft.com/office/mac/drawingml/2011/main" val="1"/>
             </a:ext>
           </a:extLst>
         </p:spPr>
@@ -34204,7 +34214,7 @@
           </a:ln>
           <a:extLst>
             <a:ext uri="{C572A759-6A51-4108-AA02-DFA0A04FC94B}">
-              <ma14:wrappingTextBoxFlag xmlns:ma14="http://schemas.microsoft.com/office/mac/drawingml/2011/main" xmlns:a14="http://schemas.microsoft.com/office/drawing/2010/main" xmlns:m="http://schemas.openxmlformats.org/officeDocument/2006/math" xmlns="" val="1"/>
+              <ma14:wrappingTextBoxFlag xmlns="" xmlns:m="http://schemas.openxmlformats.org/officeDocument/2006/math" xmlns:a14="http://schemas.microsoft.com/office/drawing/2010/main" xmlns:ma14="http://schemas.microsoft.com/office/mac/drawingml/2011/main" val="1"/>
             </a:ext>
           </a:extLst>
         </p:spPr>
@@ -34255,7 +34265,7 @@
           </a:ln>
           <a:extLst>
             <a:ext uri="{C572A759-6A51-4108-AA02-DFA0A04FC94B}">
-              <ma14:wrappingTextBoxFlag xmlns:ma14="http://schemas.microsoft.com/office/mac/drawingml/2011/main" xmlns:a14="http://schemas.microsoft.com/office/drawing/2010/main" xmlns:m="http://schemas.openxmlformats.org/officeDocument/2006/math" xmlns="" val="1"/>
+              <ma14:wrappingTextBoxFlag xmlns="" xmlns:m="http://schemas.openxmlformats.org/officeDocument/2006/math" xmlns:a14="http://schemas.microsoft.com/office/drawing/2010/main" xmlns:ma14="http://schemas.microsoft.com/office/mac/drawingml/2011/main" val="1"/>
             </a:ext>
           </a:extLst>
         </p:spPr>
@@ -34306,7 +34316,7 @@
           </a:ln>
           <a:extLst>
             <a:ext uri="{C572A759-6A51-4108-AA02-DFA0A04FC94B}">
-              <ma14:wrappingTextBoxFlag xmlns:ma14="http://schemas.microsoft.com/office/mac/drawingml/2011/main" xmlns:a14="http://schemas.microsoft.com/office/drawing/2010/main" xmlns:m="http://schemas.openxmlformats.org/officeDocument/2006/math" xmlns="" val="1"/>
+              <ma14:wrappingTextBoxFlag xmlns="" xmlns:m="http://schemas.openxmlformats.org/officeDocument/2006/math" xmlns:a14="http://schemas.microsoft.com/office/drawing/2010/main" xmlns:ma14="http://schemas.microsoft.com/office/mac/drawingml/2011/main" val="1"/>
             </a:ext>
           </a:extLst>
         </p:spPr>
@@ -34357,7 +34367,7 @@
           </a:ln>
           <a:extLst>
             <a:ext uri="{C572A759-6A51-4108-AA02-DFA0A04FC94B}">
-              <ma14:wrappingTextBoxFlag xmlns:ma14="http://schemas.microsoft.com/office/mac/drawingml/2011/main" xmlns:a14="http://schemas.microsoft.com/office/drawing/2010/main" xmlns:m="http://schemas.openxmlformats.org/officeDocument/2006/math" xmlns="" val="1"/>
+              <ma14:wrappingTextBoxFlag xmlns="" xmlns:m="http://schemas.openxmlformats.org/officeDocument/2006/math" xmlns:a14="http://schemas.microsoft.com/office/drawing/2010/main" xmlns:ma14="http://schemas.microsoft.com/office/mac/drawingml/2011/main" val="1"/>
             </a:ext>
           </a:extLst>
         </p:spPr>
@@ -34408,7 +34418,7 @@
           </a:ln>
           <a:extLst>
             <a:ext uri="{C572A759-6A51-4108-AA02-DFA0A04FC94B}">
-              <ma14:wrappingTextBoxFlag xmlns:ma14="http://schemas.microsoft.com/office/mac/drawingml/2011/main" xmlns:a14="http://schemas.microsoft.com/office/drawing/2010/main" xmlns:m="http://schemas.openxmlformats.org/officeDocument/2006/math" xmlns="" val="1"/>
+              <ma14:wrappingTextBoxFlag xmlns="" xmlns:m="http://schemas.openxmlformats.org/officeDocument/2006/math" xmlns:a14="http://schemas.microsoft.com/office/drawing/2010/main" xmlns:ma14="http://schemas.microsoft.com/office/mac/drawingml/2011/main" val="1"/>
             </a:ext>
           </a:extLst>
         </p:spPr>
@@ -34887,7 +34897,7 @@
           </a:ln>
           <a:extLst>
             <a:ext uri="{C572A759-6A51-4108-AA02-DFA0A04FC94B}">
-              <ma14:wrappingTextBoxFlag xmlns="" xmlns:m="http://schemas.openxmlformats.org/officeDocument/2006/math" xmlns:a14="http://schemas.microsoft.com/office/drawing/2010/main" xmlns:ma14="http://schemas.microsoft.com/office/mac/drawingml/2011/main" val="1"/>
+              <ma14:wrappingTextBoxFlag xmlns:ma14="http://schemas.microsoft.com/office/mac/drawingml/2011/main" xmlns:a14="http://schemas.microsoft.com/office/drawing/2010/main" xmlns:m="http://schemas.openxmlformats.org/officeDocument/2006/math" xmlns="" val="1"/>
             </a:ext>
           </a:extLst>
         </p:spPr>
@@ -34937,7 +34947,7 @@
           </a:ln>
           <a:extLst>
             <a:ext uri="{C572A759-6A51-4108-AA02-DFA0A04FC94B}">
-              <ma14:wrappingTextBoxFlag xmlns="" xmlns:m="http://schemas.openxmlformats.org/officeDocument/2006/math" xmlns:a14="http://schemas.microsoft.com/office/drawing/2010/main" xmlns:ma14="http://schemas.microsoft.com/office/mac/drawingml/2011/main" val="1"/>
+              <ma14:wrappingTextBoxFlag xmlns:ma14="http://schemas.microsoft.com/office/mac/drawingml/2011/main" xmlns:a14="http://schemas.microsoft.com/office/drawing/2010/main" xmlns:m="http://schemas.openxmlformats.org/officeDocument/2006/math" xmlns="" val="1"/>
             </a:ext>
           </a:extLst>
         </p:spPr>
@@ -34988,7 +34998,7 @@
           </a:ln>
           <a:extLst>
             <a:ext uri="{C572A759-6A51-4108-AA02-DFA0A04FC94B}">
-              <ma14:wrappingTextBoxFlag xmlns="" xmlns:m="http://schemas.openxmlformats.org/officeDocument/2006/math" xmlns:a14="http://schemas.microsoft.com/office/drawing/2010/main" xmlns:ma14="http://schemas.microsoft.com/office/mac/drawingml/2011/main" val="1"/>
+              <ma14:wrappingTextBoxFlag xmlns:ma14="http://schemas.microsoft.com/office/mac/drawingml/2011/main" xmlns:a14="http://schemas.microsoft.com/office/drawing/2010/main" xmlns:m="http://schemas.openxmlformats.org/officeDocument/2006/math" xmlns="" val="1"/>
             </a:ext>
           </a:extLst>
         </p:spPr>
@@ -35039,7 +35049,7 @@
           </a:ln>
           <a:extLst>
             <a:ext uri="{C572A759-6A51-4108-AA02-DFA0A04FC94B}">
-              <ma14:wrappingTextBoxFlag xmlns="" xmlns:m="http://schemas.openxmlformats.org/officeDocument/2006/math" xmlns:a14="http://schemas.microsoft.com/office/drawing/2010/main" xmlns:ma14="http://schemas.microsoft.com/office/mac/drawingml/2011/main" val="1"/>
+              <ma14:wrappingTextBoxFlag xmlns:ma14="http://schemas.microsoft.com/office/mac/drawingml/2011/main" xmlns:a14="http://schemas.microsoft.com/office/drawing/2010/main" xmlns:m="http://schemas.openxmlformats.org/officeDocument/2006/math" xmlns="" val="1"/>
             </a:ext>
           </a:extLst>
         </p:spPr>
@@ -35090,7 +35100,7 @@
           </a:ln>
           <a:extLst>
             <a:ext uri="{C572A759-6A51-4108-AA02-DFA0A04FC94B}">
-              <ma14:wrappingTextBoxFlag xmlns="" xmlns:m="http://schemas.openxmlformats.org/officeDocument/2006/math" xmlns:a14="http://schemas.microsoft.com/office/drawing/2010/main" xmlns:ma14="http://schemas.microsoft.com/office/mac/drawingml/2011/main" val="1"/>
+              <ma14:wrappingTextBoxFlag xmlns:ma14="http://schemas.microsoft.com/office/mac/drawingml/2011/main" xmlns:a14="http://schemas.microsoft.com/office/drawing/2010/main" xmlns:m="http://schemas.openxmlformats.org/officeDocument/2006/math" xmlns="" val="1"/>
             </a:ext>
           </a:extLst>
         </p:spPr>
@@ -35141,7 +35151,7 @@
           </a:ln>
           <a:extLst>
             <a:ext uri="{C572A759-6A51-4108-AA02-DFA0A04FC94B}">
-              <ma14:wrappingTextBoxFlag xmlns="" xmlns:m="http://schemas.openxmlformats.org/officeDocument/2006/math" xmlns:a14="http://schemas.microsoft.com/office/drawing/2010/main" xmlns:ma14="http://schemas.microsoft.com/office/mac/drawingml/2011/main" val="1"/>
+              <ma14:wrappingTextBoxFlag xmlns:ma14="http://schemas.microsoft.com/office/mac/drawingml/2011/main" xmlns:a14="http://schemas.microsoft.com/office/drawing/2010/main" xmlns:m="http://schemas.openxmlformats.org/officeDocument/2006/math" xmlns="" val="1"/>
             </a:ext>
           </a:extLst>
         </p:spPr>
@@ -35192,7 +35202,7 @@
           </a:ln>
           <a:extLst>
             <a:ext uri="{C572A759-6A51-4108-AA02-DFA0A04FC94B}">
-              <ma14:wrappingTextBoxFlag xmlns="" xmlns:m="http://schemas.openxmlformats.org/officeDocument/2006/math" xmlns:a14="http://schemas.microsoft.com/office/drawing/2010/main" xmlns:ma14="http://schemas.microsoft.com/office/mac/drawingml/2011/main" val="1"/>
+              <ma14:wrappingTextBoxFlag xmlns:ma14="http://schemas.microsoft.com/office/mac/drawingml/2011/main" xmlns:a14="http://schemas.microsoft.com/office/drawing/2010/main" xmlns:m="http://schemas.openxmlformats.org/officeDocument/2006/math" xmlns="" val="1"/>
             </a:ext>
           </a:extLst>
         </p:spPr>
@@ -35243,7 +35253,7 @@
           </a:ln>
           <a:extLst>
             <a:ext uri="{C572A759-6A51-4108-AA02-DFA0A04FC94B}">
-              <ma14:wrappingTextBoxFlag xmlns="" xmlns:m="http://schemas.openxmlformats.org/officeDocument/2006/math" xmlns:a14="http://schemas.microsoft.com/office/drawing/2010/main" xmlns:ma14="http://schemas.microsoft.com/office/mac/drawingml/2011/main" val="1"/>
+              <ma14:wrappingTextBoxFlag xmlns:ma14="http://schemas.microsoft.com/office/mac/drawingml/2011/main" xmlns:a14="http://schemas.microsoft.com/office/drawing/2010/main" xmlns:m="http://schemas.openxmlformats.org/officeDocument/2006/math" xmlns="" val="1"/>
             </a:ext>
           </a:extLst>
         </p:spPr>
@@ -35294,7 +35304,7 @@
           </a:ln>
           <a:extLst>
             <a:ext uri="{C572A759-6A51-4108-AA02-DFA0A04FC94B}">
-              <ma14:wrappingTextBoxFlag xmlns="" xmlns:m="http://schemas.openxmlformats.org/officeDocument/2006/math" xmlns:a14="http://schemas.microsoft.com/office/drawing/2010/main" xmlns:ma14="http://schemas.microsoft.com/office/mac/drawingml/2011/main" val="1"/>
+              <ma14:wrappingTextBoxFlag xmlns:ma14="http://schemas.microsoft.com/office/mac/drawingml/2011/main" xmlns:a14="http://schemas.microsoft.com/office/drawing/2010/main" xmlns:m="http://schemas.openxmlformats.org/officeDocument/2006/math" xmlns="" val="1"/>
             </a:ext>
           </a:extLst>
         </p:spPr>
@@ -35345,7 +35355,7 @@
           </a:ln>
           <a:extLst>
             <a:ext uri="{C572A759-6A51-4108-AA02-DFA0A04FC94B}">
-              <ma14:wrappingTextBoxFlag xmlns="" xmlns:m="http://schemas.openxmlformats.org/officeDocument/2006/math" xmlns:a14="http://schemas.microsoft.com/office/drawing/2010/main" xmlns:ma14="http://schemas.microsoft.com/office/mac/drawingml/2011/main" val="1"/>
+              <ma14:wrappingTextBoxFlag xmlns:ma14="http://schemas.microsoft.com/office/mac/drawingml/2011/main" xmlns:a14="http://schemas.microsoft.com/office/drawing/2010/main" xmlns:m="http://schemas.openxmlformats.org/officeDocument/2006/math" xmlns="" val="1"/>
             </a:ext>
           </a:extLst>
         </p:spPr>
@@ -35396,7 +35406,7 @@
           </a:ln>
           <a:extLst>
             <a:ext uri="{C572A759-6A51-4108-AA02-DFA0A04FC94B}">
-              <ma14:wrappingTextBoxFlag xmlns="" xmlns:m="http://schemas.openxmlformats.org/officeDocument/2006/math" xmlns:a14="http://schemas.microsoft.com/office/drawing/2010/main" xmlns:ma14="http://schemas.microsoft.com/office/mac/drawingml/2011/main" val="1"/>
+              <ma14:wrappingTextBoxFlag xmlns:ma14="http://schemas.microsoft.com/office/mac/drawingml/2011/main" xmlns:a14="http://schemas.microsoft.com/office/drawing/2010/main" xmlns:m="http://schemas.openxmlformats.org/officeDocument/2006/math" xmlns="" val="1"/>
             </a:ext>
           </a:extLst>
         </p:spPr>
@@ -35447,7 +35457,7 @@
           </a:ln>
           <a:extLst>
             <a:ext uri="{C572A759-6A51-4108-AA02-DFA0A04FC94B}">
-              <ma14:wrappingTextBoxFlag xmlns="" xmlns:m="http://schemas.openxmlformats.org/officeDocument/2006/math" xmlns:a14="http://schemas.microsoft.com/office/drawing/2010/main" xmlns:ma14="http://schemas.microsoft.com/office/mac/drawingml/2011/main" val="1"/>
+              <ma14:wrappingTextBoxFlag xmlns:ma14="http://schemas.microsoft.com/office/mac/drawingml/2011/main" xmlns:a14="http://schemas.microsoft.com/office/drawing/2010/main" xmlns:m="http://schemas.openxmlformats.org/officeDocument/2006/math" xmlns="" val="1"/>
             </a:ext>
           </a:extLst>
         </p:spPr>
@@ -35498,7 +35508,7 @@
           </a:ln>
           <a:extLst>
             <a:ext uri="{C572A759-6A51-4108-AA02-DFA0A04FC94B}">
-              <ma14:wrappingTextBoxFlag xmlns="" xmlns:m="http://schemas.openxmlformats.org/officeDocument/2006/math" xmlns:a14="http://schemas.microsoft.com/office/drawing/2010/main" xmlns:ma14="http://schemas.microsoft.com/office/mac/drawingml/2011/main" val="1"/>
+              <ma14:wrappingTextBoxFlag xmlns:ma14="http://schemas.microsoft.com/office/mac/drawingml/2011/main" xmlns:a14="http://schemas.microsoft.com/office/drawing/2010/main" xmlns:m="http://schemas.openxmlformats.org/officeDocument/2006/math" xmlns="" val="1"/>
             </a:ext>
           </a:extLst>
         </p:spPr>
@@ -35549,7 +35559,7 @@
           </a:ln>
           <a:extLst>
             <a:ext uri="{C572A759-6A51-4108-AA02-DFA0A04FC94B}">
-              <ma14:wrappingTextBoxFlag xmlns="" xmlns:m="http://schemas.openxmlformats.org/officeDocument/2006/math" xmlns:a14="http://schemas.microsoft.com/office/drawing/2010/main" xmlns:ma14="http://schemas.microsoft.com/office/mac/drawingml/2011/main" val="1"/>
+              <ma14:wrappingTextBoxFlag xmlns:ma14="http://schemas.microsoft.com/office/mac/drawingml/2011/main" xmlns:a14="http://schemas.microsoft.com/office/drawing/2010/main" xmlns:m="http://schemas.openxmlformats.org/officeDocument/2006/math" xmlns="" val="1"/>
             </a:ext>
           </a:extLst>
         </p:spPr>
@@ -35600,7 +35610,7 @@
           </a:ln>
           <a:extLst>
             <a:ext uri="{C572A759-6A51-4108-AA02-DFA0A04FC94B}">
-              <ma14:wrappingTextBoxFlag xmlns="" xmlns:m="http://schemas.openxmlformats.org/officeDocument/2006/math" xmlns:a14="http://schemas.microsoft.com/office/drawing/2010/main" xmlns:ma14="http://schemas.microsoft.com/office/mac/drawingml/2011/main" val="1"/>
+              <ma14:wrappingTextBoxFlag xmlns:ma14="http://schemas.microsoft.com/office/mac/drawingml/2011/main" xmlns:a14="http://schemas.microsoft.com/office/drawing/2010/main" xmlns:m="http://schemas.openxmlformats.org/officeDocument/2006/math" xmlns="" val="1"/>
             </a:ext>
           </a:extLst>
         </p:spPr>
@@ -35651,7 +35661,7 @@
           </a:ln>
           <a:extLst>
             <a:ext uri="{C572A759-6A51-4108-AA02-DFA0A04FC94B}">
-              <ma14:wrappingTextBoxFlag xmlns="" xmlns:m="http://schemas.openxmlformats.org/officeDocument/2006/math" xmlns:a14="http://schemas.microsoft.com/office/drawing/2010/main" xmlns:ma14="http://schemas.microsoft.com/office/mac/drawingml/2011/main" val="1"/>
+              <ma14:wrappingTextBoxFlag xmlns:ma14="http://schemas.microsoft.com/office/mac/drawingml/2011/main" xmlns:a14="http://schemas.microsoft.com/office/drawing/2010/main" xmlns:m="http://schemas.openxmlformats.org/officeDocument/2006/math" xmlns="" val="1"/>
             </a:ext>
           </a:extLst>
         </p:spPr>
@@ -35702,7 +35712,7 @@
           </a:ln>
           <a:extLst>
             <a:ext uri="{C572A759-6A51-4108-AA02-DFA0A04FC94B}">
-              <ma14:wrappingTextBoxFlag xmlns="" xmlns:m="http://schemas.openxmlformats.org/officeDocument/2006/math" xmlns:a14="http://schemas.microsoft.com/office/drawing/2010/main" xmlns:ma14="http://schemas.microsoft.com/office/mac/drawingml/2011/main" val="1"/>
+              <ma14:wrappingTextBoxFlag xmlns:ma14="http://schemas.microsoft.com/office/mac/drawingml/2011/main" xmlns:a14="http://schemas.microsoft.com/office/drawing/2010/main" xmlns:m="http://schemas.openxmlformats.org/officeDocument/2006/math" xmlns="" val="1"/>
             </a:ext>
           </a:extLst>
         </p:spPr>
@@ -35753,7 +35763,7 @@
           </a:ln>
           <a:extLst>
             <a:ext uri="{C572A759-6A51-4108-AA02-DFA0A04FC94B}">
-              <ma14:wrappingTextBoxFlag xmlns="" xmlns:m="http://schemas.openxmlformats.org/officeDocument/2006/math" xmlns:a14="http://schemas.microsoft.com/office/drawing/2010/main" xmlns:ma14="http://schemas.microsoft.com/office/mac/drawingml/2011/main" val="1"/>
+              <ma14:wrappingTextBoxFlag xmlns:ma14="http://schemas.microsoft.com/office/mac/drawingml/2011/main" xmlns:a14="http://schemas.microsoft.com/office/drawing/2010/main" xmlns:m="http://schemas.openxmlformats.org/officeDocument/2006/math" xmlns="" val="1"/>
             </a:ext>
           </a:extLst>
         </p:spPr>
@@ -35804,7 +35814,7 @@
           </a:ln>
           <a:extLst>
             <a:ext uri="{C572A759-6A51-4108-AA02-DFA0A04FC94B}">
-              <ma14:wrappingTextBoxFlag xmlns="" xmlns:m="http://schemas.openxmlformats.org/officeDocument/2006/math" xmlns:a14="http://schemas.microsoft.com/office/drawing/2010/main" xmlns:ma14="http://schemas.microsoft.com/office/mac/drawingml/2011/main" val="1"/>
+              <ma14:wrappingTextBoxFlag xmlns:ma14="http://schemas.microsoft.com/office/mac/drawingml/2011/main" xmlns:a14="http://schemas.microsoft.com/office/drawing/2010/main" xmlns:m="http://schemas.openxmlformats.org/officeDocument/2006/math" xmlns="" val="1"/>
             </a:ext>
           </a:extLst>
         </p:spPr>
@@ -35855,7 +35865,7 @@
           </a:ln>
           <a:extLst>
             <a:ext uri="{C572A759-6A51-4108-AA02-DFA0A04FC94B}">
-              <ma14:wrappingTextBoxFlag xmlns="" xmlns:m="http://schemas.openxmlformats.org/officeDocument/2006/math" xmlns:a14="http://schemas.microsoft.com/office/drawing/2010/main" xmlns:ma14="http://schemas.microsoft.com/office/mac/drawingml/2011/main" val="1"/>
+              <ma14:wrappingTextBoxFlag xmlns:ma14="http://schemas.microsoft.com/office/mac/drawingml/2011/main" xmlns:a14="http://schemas.microsoft.com/office/drawing/2010/main" xmlns:m="http://schemas.openxmlformats.org/officeDocument/2006/math" xmlns="" val="1"/>
             </a:ext>
           </a:extLst>
         </p:spPr>
@@ -35906,7 +35916,7 @@
           </a:ln>
           <a:extLst>
             <a:ext uri="{C572A759-6A51-4108-AA02-DFA0A04FC94B}">
-              <ma14:wrappingTextBoxFlag xmlns="" xmlns:m="http://schemas.openxmlformats.org/officeDocument/2006/math" xmlns:a14="http://schemas.microsoft.com/office/drawing/2010/main" xmlns:ma14="http://schemas.microsoft.com/office/mac/drawingml/2011/main" val="1"/>
+              <ma14:wrappingTextBoxFlag xmlns:ma14="http://schemas.microsoft.com/office/mac/drawingml/2011/main" xmlns:a14="http://schemas.microsoft.com/office/drawing/2010/main" xmlns:m="http://schemas.openxmlformats.org/officeDocument/2006/math" xmlns="" val="1"/>
             </a:ext>
           </a:extLst>
         </p:spPr>
@@ -35957,7 +35967,7 @@
           </a:ln>
           <a:extLst>
             <a:ext uri="{C572A759-6A51-4108-AA02-DFA0A04FC94B}">
-              <ma14:wrappingTextBoxFlag xmlns="" xmlns:m="http://schemas.openxmlformats.org/officeDocument/2006/math" xmlns:a14="http://schemas.microsoft.com/office/drawing/2010/main" xmlns:ma14="http://schemas.microsoft.com/office/mac/drawingml/2011/main" val="1"/>
+              <ma14:wrappingTextBoxFlag xmlns:ma14="http://schemas.microsoft.com/office/mac/drawingml/2011/main" xmlns:a14="http://schemas.microsoft.com/office/drawing/2010/main" xmlns:m="http://schemas.openxmlformats.org/officeDocument/2006/math" xmlns="" val="1"/>
             </a:ext>
           </a:extLst>
         </p:spPr>
@@ -36008,7 +36018,7 @@
           </a:ln>
           <a:extLst>
             <a:ext uri="{C572A759-6A51-4108-AA02-DFA0A04FC94B}">
-              <ma14:wrappingTextBoxFlag xmlns="" xmlns:m="http://schemas.openxmlformats.org/officeDocument/2006/math" xmlns:a14="http://schemas.microsoft.com/office/drawing/2010/main" xmlns:ma14="http://schemas.microsoft.com/office/mac/drawingml/2011/main" val="1"/>
+              <ma14:wrappingTextBoxFlag xmlns:ma14="http://schemas.microsoft.com/office/mac/drawingml/2011/main" xmlns:a14="http://schemas.microsoft.com/office/drawing/2010/main" xmlns:m="http://schemas.openxmlformats.org/officeDocument/2006/math" xmlns="" val="1"/>
             </a:ext>
           </a:extLst>
         </p:spPr>
@@ -36059,7 +36069,7 @@
           </a:ln>
           <a:extLst>
             <a:ext uri="{C572A759-6A51-4108-AA02-DFA0A04FC94B}">
-              <ma14:wrappingTextBoxFlag xmlns="" xmlns:m="http://schemas.openxmlformats.org/officeDocument/2006/math" xmlns:a14="http://schemas.microsoft.com/office/drawing/2010/main" xmlns:ma14="http://schemas.microsoft.com/office/mac/drawingml/2011/main" val="1"/>
+              <ma14:wrappingTextBoxFlag xmlns:ma14="http://schemas.microsoft.com/office/mac/drawingml/2011/main" xmlns:a14="http://schemas.microsoft.com/office/drawing/2010/main" xmlns:m="http://schemas.openxmlformats.org/officeDocument/2006/math" xmlns="" val="1"/>
             </a:ext>
           </a:extLst>
         </p:spPr>
@@ -36110,7 +36120,7 @@
           </a:ln>
           <a:extLst>
             <a:ext uri="{C572A759-6A51-4108-AA02-DFA0A04FC94B}">
-              <ma14:wrappingTextBoxFlag xmlns="" xmlns:m="http://schemas.openxmlformats.org/officeDocument/2006/math" xmlns:a14="http://schemas.microsoft.com/office/drawing/2010/main" xmlns:ma14="http://schemas.microsoft.com/office/mac/drawingml/2011/main" val="1"/>
+              <ma14:wrappingTextBoxFlag xmlns:ma14="http://schemas.microsoft.com/office/mac/drawingml/2011/main" xmlns:a14="http://schemas.microsoft.com/office/drawing/2010/main" xmlns:m="http://schemas.openxmlformats.org/officeDocument/2006/math" xmlns="" val="1"/>
             </a:ext>
           </a:extLst>
         </p:spPr>
@@ -36161,7 +36171,7 @@
           </a:ln>
           <a:extLst>
             <a:ext uri="{C572A759-6A51-4108-AA02-DFA0A04FC94B}">
-              <ma14:wrappingTextBoxFlag xmlns="" xmlns:m="http://schemas.openxmlformats.org/officeDocument/2006/math" xmlns:a14="http://schemas.microsoft.com/office/drawing/2010/main" xmlns:ma14="http://schemas.microsoft.com/office/mac/drawingml/2011/main" val="1"/>
+              <ma14:wrappingTextBoxFlag xmlns:ma14="http://schemas.microsoft.com/office/mac/drawingml/2011/main" xmlns:a14="http://schemas.microsoft.com/office/drawing/2010/main" xmlns:m="http://schemas.openxmlformats.org/officeDocument/2006/math" xmlns="" val="1"/>
             </a:ext>
           </a:extLst>
         </p:spPr>
@@ -36212,7 +36222,7 @@
           </a:ln>
           <a:extLst>
             <a:ext uri="{C572A759-6A51-4108-AA02-DFA0A04FC94B}">
-              <ma14:wrappingTextBoxFlag xmlns="" xmlns:m="http://schemas.openxmlformats.org/officeDocument/2006/math" xmlns:a14="http://schemas.microsoft.com/office/drawing/2010/main" xmlns:ma14="http://schemas.microsoft.com/office/mac/drawingml/2011/main" val="1"/>
+              <ma14:wrappingTextBoxFlag xmlns:ma14="http://schemas.microsoft.com/office/mac/drawingml/2011/main" xmlns:a14="http://schemas.microsoft.com/office/drawing/2010/main" xmlns:m="http://schemas.openxmlformats.org/officeDocument/2006/math" xmlns="" val="1"/>
             </a:ext>
           </a:extLst>
         </p:spPr>
@@ -36263,7 +36273,7 @@
           </a:ln>
           <a:extLst>
             <a:ext uri="{C572A759-6A51-4108-AA02-DFA0A04FC94B}">
-              <ma14:wrappingTextBoxFlag xmlns="" xmlns:m="http://schemas.openxmlformats.org/officeDocument/2006/math" xmlns:a14="http://schemas.microsoft.com/office/drawing/2010/main" xmlns:ma14="http://schemas.microsoft.com/office/mac/drawingml/2011/main" val="1"/>
+              <ma14:wrappingTextBoxFlag xmlns:ma14="http://schemas.microsoft.com/office/mac/drawingml/2011/main" xmlns:a14="http://schemas.microsoft.com/office/drawing/2010/main" xmlns:m="http://schemas.openxmlformats.org/officeDocument/2006/math" xmlns="" val="1"/>
             </a:ext>
           </a:extLst>
         </p:spPr>
@@ -36314,7 +36324,7 @@
           </a:ln>
           <a:extLst>
             <a:ext uri="{C572A759-6A51-4108-AA02-DFA0A04FC94B}">
-              <ma14:wrappingTextBoxFlag xmlns="" xmlns:m="http://schemas.openxmlformats.org/officeDocument/2006/math" xmlns:a14="http://schemas.microsoft.com/office/drawing/2010/main" xmlns:ma14="http://schemas.microsoft.com/office/mac/drawingml/2011/main" val="1"/>
+              <ma14:wrappingTextBoxFlag xmlns:ma14="http://schemas.microsoft.com/office/mac/drawingml/2011/main" xmlns:a14="http://schemas.microsoft.com/office/drawing/2010/main" xmlns:m="http://schemas.openxmlformats.org/officeDocument/2006/math" xmlns="" val="1"/>
             </a:ext>
           </a:extLst>
         </p:spPr>
@@ -36365,7 +36375,7 @@
           </a:ln>
           <a:extLst>
             <a:ext uri="{C572A759-6A51-4108-AA02-DFA0A04FC94B}">
-              <ma14:wrappingTextBoxFlag xmlns="" xmlns:m="http://schemas.openxmlformats.org/officeDocument/2006/math" xmlns:a14="http://schemas.microsoft.com/office/drawing/2010/main" xmlns:ma14="http://schemas.microsoft.com/office/mac/drawingml/2011/main" val="1"/>
+              <ma14:wrappingTextBoxFlag xmlns:ma14="http://schemas.microsoft.com/office/mac/drawingml/2011/main" xmlns:a14="http://schemas.microsoft.com/office/drawing/2010/main" xmlns:m="http://schemas.openxmlformats.org/officeDocument/2006/math" xmlns="" val="1"/>
             </a:ext>
           </a:extLst>
         </p:spPr>

--- a/Audits/WS2122_ChouliarasBurgdorfWolf_Audit2.pptx
+++ b/Audits/WS2122_ChouliarasBurgdorfWolf_Audit2.pptx
@@ -4544,7 +4544,7 @@
           </a:ln>
           <a:extLst>
             <a:ext uri="{C572A759-6A51-4108-AA02-DFA0A04FC94B}">
-              <ma14:wrappingTextBoxFlag xmlns:ma14="http://schemas.microsoft.com/office/mac/drawingml/2011/main" xmlns:a14="http://schemas.microsoft.com/office/drawing/2010/main" xmlns:m="http://schemas.openxmlformats.org/officeDocument/2006/math" xmlns="" val="1"/>
+              <ma14:wrappingTextBoxFlag xmlns="" xmlns:m="http://schemas.openxmlformats.org/officeDocument/2006/math" xmlns:a14="http://schemas.microsoft.com/office/drawing/2010/main" xmlns:ma14="http://schemas.microsoft.com/office/mac/drawingml/2011/main" val="1"/>
             </a:ext>
           </a:extLst>
         </p:spPr>
@@ -4595,7 +4595,7 @@
           </a:ln>
           <a:extLst>
             <a:ext uri="{C572A759-6A51-4108-AA02-DFA0A04FC94B}">
-              <ma14:wrappingTextBoxFlag xmlns:ma14="http://schemas.microsoft.com/office/mac/drawingml/2011/main" xmlns:a14="http://schemas.microsoft.com/office/drawing/2010/main" xmlns:m="http://schemas.openxmlformats.org/officeDocument/2006/math" xmlns="" val="1"/>
+              <ma14:wrappingTextBoxFlag xmlns="" xmlns:m="http://schemas.openxmlformats.org/officeDocument/2006/math" xmlns:a14="http://schemas.microsoft.com/office/drawing/2010/main" xmlns:ma14="http://schemas.microsoft.com/office/mac/drawingml/2011/main" val="1"/>
             </a:ext>
           </a:extLst>
         </p:spPr>
@@ -4646,7 +4646,7 @@
           </a:ln>
           <a:extLst>
             <a:ext uri="{C572A759-6A51-4108-AA02-DFA0A04FC94B}">
-              <ma14:wrappingTextBoxFlag xmlns:ma14="http://schemas.microsoft.com/office/mac/drawingml/2011/main" xmlns:a14="http://schemas.microsoft.com/office/drawing/2010/main" xmlns:m="http://schemas.openxmlformats.org/officeDocument/2006/math" xmlns="" val="1"/>
+              <ma14:wrappingTextBoxFlag xmlns="" xmlns:m="http://schemas.openxmlformats.org/officeDocument/2006/math" xmlns:a14="http://schemas.microsoft.com/office/drawing/2010/main" xmlns:ma14="http://schemas.microsoft.com/office/mac/drawingml/2011/main" val="1"/>
             </a:ext>
           </a:extLst>
         </p:spPr>
@@ -4697,7 +4697,7 @@
           </a:ln>
           <a:extLst>
             <a:ext uri="{C572A759-6A51-4108-AA02-DFA0A04FC94B}">
-              <ma14:wrappingTextBoxFlag xmlns:ma14="http://schemas.microsoft.com/office/mac/drawingml/2011/main" xmlns:a14="http://schemas.microsoft.com/office/drawing/2010/main" xmlns:m="http://schemas.openxmlformats.org/officeDocument/2006/math" xmlns="" val="1"/>
+              <ma14:wrappingTextBoxFlag xmlns="" xmlns:m="http://schemas.openxmlformats.org/officeDocument/2006/math" xmlns:a14="http://schemas.microsoft.com/office/drawing/2010/main" xmlns:ma14="http://schemas.microsoft.com/office/mac/drawingml/2011/main" val="1"/>
             </a:ext>
           </a:extLst>
         </p:spPr>
@@ -4748,7 +4748,7 @@
           </a:ln>
           <a:extLst>
             <a:ext uri="{C572A759-6A51-4108-AA02-DFA0A04FC94B}">
-              <ma14:wrappingTextBoxFlag xmlns:ma14="http://schemas.microsoft.com/office/mac/drawingml/2011/main" xmlns:a14="http://schemas.microsoft.com/office/drawing/2010/main" xmlns:m="http://schemas.openxmlformats.org/officeDocument/2006/math" xmlns="" val="1"/>
+              <ma14:wrappingTextBoxFlag xmlns="" xmlns:m="http://schemas.openxmlformats.org/officeDocument/2006/math" xmlns:a14="http://schemas.microsoft.com/office/drawing/2010/main" xmlns:ma14="http://schemas.microsoft.com/office/mac/drawingml/2011/main" val="1"/>
             </a:ext>
           </a:extLst>
         </p:spPr>
@@ -4799,7 +4799,7 @@
           </a:ln>
           <a:extLst>
             <a:ext uri="{C572A759-6A51-4108-AA02-DFA0A04FC94B}">
-              <ma14:wrappingTextBoxFlag xmlns:ma14="http://schemas.microsoft.com/office/mac/drawingml/2011/main" xmlns:a14="http://schemas.microsoft.com/office/drawing/2010/main" xmlns:m="http://schemas.openxmlformats.org/officeDocument/2006/math" xmlns="" val="1"/>
+              <ma14:wrappingTextBoxFlag xmlns="" xmlns:m="http://schemas.openxmlformats.org/officeDocument/2006/math" xmlns:a14="http://schemas.microsoft.com/office/drawing/2010/main" xmlns:ma14="http://schemas.microsoft.com/office/mac/drawingml/2011/main" val="1"/>
             </a:ext>
           </a:extLst>
         </p:spPr>
@@ -4850,7 +4850,7 @@
           </a:ln>
           <a:extLst>
             <a:ext uri="{C572A759-6A51-4108-AA02-DFA0A04FC94B}">
-              <ma14:wrappingTextBoxFlag xmlns:ma14="http://schemas.microsoft.com/office/mac/drawingml/2011/main" xmlns:a14="http://schemas.microsoft.com/office/drawing/2010/main" xmlns:m="http://schemas.openxmlformats.org/officeDocument/2006/math" xmlns="" val="1"/>
+              <ma14:wrappingTextBoxFlag xmlns="" xmlns:m="http://schemas.openxmlformats.org/officeDocument/2006/math" xmlns:a14="http://schemas.microsoft.com/office/drawing/2010/main" xmlns:ma14="http://schemas.microsoft.com/office/mac/drawingml/2011/main" val="1"/>
             </a:ext>
           </a:extLst>
         </p:spPr>
@@ -4901,7 +4901,7 @@
           </a:ln>
           <a:extLst>
             <a:ext uri="{C572A759-6A51-4108-AA02-DFA0A04FC94B}">
-              <ma14:wrappingTextBoxFlag xmlns:ma14="http://schemas.microsoft.com/office/mac/drawingml/2011/main" xmlns:a14="http://schemas.microsoft.com/office/drawing/2010/main" xmlns:m="http://schemas.openxmlformats.org/officeDocument/2006/math" xmlns="" val="1"/>
+              <ma14:wrappingTextBoxFlag xmlns="" xmlns:m="http://schemas.openxmlformats.org/officeDocument/2006/math" xmlns:a14="http://schemas.microsoft.com/office/drawing/2010/main" xmlns:ma14="http://schemas.microsoft.com/office/mac/drawingml/2011/main" val="1"/>
             </a:ext>
           </a:extLst>
         </p:spPr>
@@ -4952,7 +4952,7 @@
           </a:ln>
           <a:extLst>
             <a:ext uri="{C572A759-6A51-4108-AA02-DFA0A04FC94B}">
-              <ma14:wrappingTextBoxFlag xmlns:ma14="http://schemas.microsoft.com/office/mac/drawingml/2011/main" xmlns:a14="http://schemas.microsoft.com/office/drawing/2010/main" xmlns:m="http://schemas.openxmlformats.org/officeDocument/2006/math" xmlns="" val="1"/>
+              <ma14:wrappingTextBoxFlag xmlns="" xmlns:m="http://schemas.openxmlformats.org/officeDocument/2006/math" xmlns:a14="http://schemas.microsoft.com/office/drawing/2010/main" xmlns:ma14="http://schemas.microsoft.com/office/mac/drawingml/2011/main" val="1"/>
             </a:ext>
           </a:extLst>
         </p:spPr>
@@ -5003,7 +5003,7 @@
           </a:ln>
           <a:extLst>
             <a:ext uri="{C572A759-6A51-4108-AA02-DFA0A04FC94B}">
-              <ma14:wrappingTextBoxFlag xmlns:ma14="http://schemas.microsoft.com/office/mac/drawingml/2011/main" xmlns:a14="http://schemas.microsoft.com/office/drawing/2010/main" xmlns:m="http://schemas.openxmlformats.org/officeDocument/2006/math" xmlns="" val="1"/>
+              <ma14:wrappingTextBoxFlag xmlns="" xmlns:m="http://schemas.openxmlformats.org/officeDocument/2006/math" xmlns:a14="http://schemas.microsoft.com/office/drawing/2010/main" xmlns:ma14="http://schemas.microsoft.com/office/mac/drawingml/2011/main" val="1"/>
             </a:ext>
           </a:extLst>
         </p:spPr>
@@ -5054,7 +5054,7 @@
           </a:ln>
           <a:extLst>
             <a:ext uri="{C572A759-6A51-4108-AA02-DFA0A04FC94B}">
-              <ma14:wrappingTextBoxFlag xmlns:ma14="http://schemas.microsoft.com/office/mac/drawingml/2011/main" xmlns:a14="http://schemas.microsoft.com/office/drawing/2010/main" xmlns:m="http://schemas.openxmlformats.org/officeDocument/2006/math" xmlns="" val="1"/>
+              <ma14:wrappingTextBoxFlag xmlns="" xmlns:m="http://schemas.openxmlformats.org/officeDocument/2006/math" xmlns:a14="http://schemas.microsoft.com/office/drawing/2010/main" xmlns:ma14="http://schemas.microsoft.com/office/mac/drawingml/2011/main" val="1"/>
             </a:ext>
           </a:extLst>
         </p:spPr>
@@ -5105,7 +5105,7 @@
           </a:ln>
           <a:extLst>
             <a:ext uri="{C572A759-6A51-4108-AA02-DFA0A04FC94B}">
-              <ma14:wrappingTextBoxFlag xmlns:ma14="http://schemas.microsoft.com/office/mac/drawingml/2011/main" xmlns:a14="http://schemas.microsoft.com/office/drawing/2010/main" xmlns:m="http://schemas.openxmlformats.org/officeDocument/2006/math" xmlns="" val="1"/>
+              <ma14:wrappingTextBoxFlag xmlns="" xmlns:m="http://schemas.openxmlformats.org/officeDocument/2006/math" xmlns:a14="http://schemas.microsoft.com/office/drawing/2010/main" xmlns:ma14="http://schemas.microsoft.com/office/mac/drawingml/2011/main" val="1"/>
             </a:ext>
           </a:extLst>
         </p:spPr>
@@ -5156,7 +5156,7 @@
           </a:ln>
           <a:extLst>
             <a:ext uri="{C572A759-6A51-4108-AA02-DFA0A04FC94B}">
-              <ma14:wrappingTextBoxFlag xmlns:ma14="http://schemas.microsoft.com/office/mac/drawingml/2011/main" xmlns:a14="http://schemas.microsoft.com/office/drawing/2010/main" xmlns:m="http://schemas.openxmlformats.org/officeDocument/2006/math" xmlns="" val="1"/>
+              <ma14:wrappingTextBoxFlag xmlns="" xmlns:m="http://schemas.openxmlformats.org/officeDocument/2006/math" xmlns:a14="http://schemas.microsoft.com/office/drawing/2010/main" xmlns:ma14="http://schemas.microsoft.com/office/mac/drawingml/2011/main" val="1"/>
             </a:ext>
           </a:extLst>
         </p:spPr>
@@ -5207,7 +5207,7 @@
           </a:ln>
           <a:extLst>
             <a:ext uri="{C572A759-6A51-4108-AA02-DFA0A04FC94B}">
-              <ma14:wrappingTextBoxFlag xmlns:ma14="http://schemas.microsoft.com/office/mac/drawingml/2011/main" xmlns:a14="http://schemas.microsoft.com/office/drawing/2010/main" xmlns:m="http://schemas.openxmlformats.org/officeDocument/2006/math" xmlns="" val="1"/>
+              <ma14:wrappingTextBoxFlag xmlns="" xmlns:m="http://schemas.openxmlformats.org/officeDocument/2006/math" xmlns:a14="http://schemas.microsoft.com/office/drawing/2010/main" xmlns:ma14="http://schemas.microsoft.com/office/mac/drawingml/2011/main" val="1"/>
             </a:ext>
           </a:extLst>
         </p:spPr>
@@ -5258,7 +5258,7 @@
           </a:ln>
           <a:extLst>
             <a:ext uri="{C572A759-6A51-4108-AA02-DFA0A04FC94B}">
-              <ma14:wrappingTextBoxFlag xmlns:ma14="http://schemas.microsoft.com/office/mac/drawingml/2011/main" xmlns:a14="http://schemas.microsoft.com/office/drawing/2010/main" xmlns:m="http://schemas.openxmlformats.org/officeDocument/2006/math" xmlns="" val="1"/>
+              <ma14:wrappingTextBoxFlag xmlns="" xmlns:m="http://schemas.openxmlformats.org/officeDocument/2006/math" xmlns:a14="http://schemas.microsoft.com/office/drawing/2010/main" xmlns:ma14="http://schemas.microsoft.com/office/mac/drawingml/2011/main" val="1"/>
             </a:ext>
           </a:extLst>
         </p:spPr>
@@ -5309,7 +5309,7 @@
           </a:ln>
           <a:extLst>
             <a:ext uri="{C572A759-6A51-4108-AA02-DFA0A04FC94B}">
-              <ma14:wrappingTextBoxFlag xmlns:ma14="http://schemas.microsoft.com/office/mac/drawingml/2011/main" xmlns:a14="http://schemas.microsoft.com/office/drawing/2010/main" xmlns:m="http://schemas.openxmlformats.org/officeDocument/2006/math" xmlns="" val="1"/>
+              <ma14:wrappingTextBoxFlag xmlns="" xmlns:m="http://schemas.openxmlformats.org/officeDocument/2006/math" xmlns:a14="http://schemas.microsoft.com/office/drawing/2010/main" xmlns:ma14="http://schemas.microsoft.com/office/mac/drawingml/2011/main" val="1"/>
             </a:ext>
           </a:extLst>
         </p:spPr>
@@ -5360,7 +5360,7 @@
           </a:ln>
           <a:extLst>
             <a:ext uri="{C572A759-6A51-4108-AA02-DFA0A04FC94B}">
-              <ma14:wrappingTextBoxFlag xmlns:ma14="http://schemas.microsoft.com/office/mac/drawingml/2011/main" xmlns:a14="http://schemas.microsoft.com/office/drawing/2010/main" xmlns:m="http://schemas.openxmlformats.org/officeDocument/2006/math" xmlns="" val="1"/>
+              <ma14:wrappingTextBoxFlag xmlns="" xmlns:m="http://schemas.openxmlformats.org/officeDocument/2006/math" xmlns:a14="http://schemas.microsoft.com/office/drawing/2010/main" xmlns:ma14="http://schemas.microsoft.com/office/mac/drawingml/2011/main" val="1"/>
             </a:ext>
           </a:extLst>
         </p:spPr>
@@ -5411,7 +5411,7 @@
           </a:ln>
           <a:extLst>
             <a:ext uri="{C572A759-6A51-4108-AA02-DFA0A04FC94B}">
-              <ma14:wrappingTextBoxFlag xmlns:ma14="http://schemas.microsoft.com/office/mac/drawingml/2011/main" xmlns:a14="http://schemas.microsoft.com/office/drawing/2010/main" xmlns:m="http://schemas.openxmlformats.org/officeDocument/2006/math" xmlns="" val="1"/>
+              <ma14:wrappingTextBoxFlag xmlns="" xmlns:m="http://schemas.openxmlformats.org/officeDocument/2006/math" xmlns:a14="http://schemas.microsoft.com/office/drawing/2010/main" xmlns:ma14="http://schemas.microsoft.com/office/mac/drawingml/2011/main" val="1"/>
             </a:ext>
           </a:extLst>
         </p:spPr>
@@ -5462,7 +5462,7 @@
           </a:ln>
           <a:extLst>
             <a:ext uri="{C572A759-6A51-4108-AA02-DFA0A04FC94B}">
-              <ma14:wrappingTextBoxFlag xmlns:ma14="http://schemas.microsoft.com/office/mac/drawingml/2011/main" xmlns:a14="http://schemas.microsoft.com/office/drawing/2010/main" xmlns:m="http://schemas.openxmlformats.org/officeDocument/2006/math" xmlns="" val="1"/>
+              <ma14:wrappingTextBoxFlag xmlns="" xmlns:m="http://schemas.openxmlformats.org/officeDocument/2006/math" xmlns:a14="http://schemas.microsoft.com/office/drawing/2010/main" xmlns:ma14="http://schemas.microsoft.com/office/mac/drawingml/2011/main" val="1"/>
             </a:ext>
           </a:extLst>
         </p:spPr>
@@ -5513,7 +5513,7 @@
           </a:ln>
           <a:extLst>
             <a:ext uri="{C572A759-6A51-4108-AA02-DFA0A04FC94B}">
-              <ma14:wrappingTextBoxFlag xmlns:ma14="http://schemas.microsoft.com/office/mac/drawingml/2011/main" xmlns:a14="http://schemas.microsoft.com/office/drawing/2010/main" xmlns:m="http://schemas.openxmlformats.org/officeDocument/2006/math" xmlns="" val="1"/>
+              <ma14:wrappingTextBoxFlag xmlns="" xmlns:m="http://schemas.openxmlformats.org/officeDocument/2006/math" xmlns:a14="http://schemas.microsoft.com/office/drawing/2010/main" xmlns:ma14="http://schemas.microsoft.com/office/mac/drawingml/2011/main" val="1"/>
             </a:ext>
           </a:extLst>
         </p:spPr>
@@ -5564,7 +5564,7 @@
           </a:ln>
           <a:extLst>
             <a:ext uri="{C572A759-6A51-4108-AA02-DFA0A04FC94B}">
-              <ma14:wrappingTextBoxFlag xmlns:ma14="http://schemas.microsoft.com/office/mac/drawingml/2011/main" xmlns:a14="http://schemas.microsoft.com/office/drawing/2010/main" xmlns:m="http://schemas.openxmlformats.org/officeDocument/2006/math" xmlns="" val="1"/>
+              <ma14:wrappingTextBoxFlag xmlns="" xmlns:m="http://schemas.openxmlformats.org/officeDocument/2006/math" xmlns:a14="http://schemas.microsoft.com/office/drawing/2010/main" xmlns:ma14="http://schemas.microsoft.com/office/mac/drawingml/2011/main" val="1"/>
             </a:ext>
           </a:extLst>
         </p:spPr>
@@ -5615,7 +5615,7 @@
           </a:ln>
           <a:extLst>
             <a:ext uri="{C572A759-6A51-4108-AA02-DFA0A04FC94B}">
-              <ma14:wrappingTextBoxFlag xmlns:ma14="http://schemas.microsoft.com/office/mac/drawingml/2011/main" xmlns:a14="http://schemas.microsoft.com/office/drawing/2010/main" xmlns:m="http://schemas.openxmlformats.org/officeDocument/2006/math" xmlns="" val="1"/>
+              <ma14:wrappingTextBoxFlag xmlns="" xmlns:m="http://schemas.openxmlformats.org/officeDocument/2006/math" xmlns:a14="http://schemas.microsoft.com/office/drawing/2010/main" xmlns:ma14="http://schemas.microsoft.com/office/mac/drawingml/2011/main" val="1"/>
             </a:ext>
           </a:extLst>
         </p:spPr>
@@ -5666,7 +5666,7 @@
           </a:ln>
           <a:extLst>
             <a:ext uri="{C572A759-6A51-4108-AA02-DFA0A04FC94B}">
-              <ma14:wrappingTextBoxFlag xmlns:ma14="http://schemas.microsoft.com/office/mac/drawingml/2011/main" xmlns:a14="http://schemas.microsoft.com/office/drawing/2010/main" xmlns:m="http://schemas.openxmlformats.org/officeDocument/2006/math" xmlns="" val="1"/>
+              <ma14:wrappingTextBoxFlag xmlns="" xmlns:m="http://schemas.openxmlformats.org/officeDocument/2006/math" xmlns:a14="http://schemas.microsoft.com/office/drawing/2010/main" xmlns:ma14="http://schemas.microsoft.com/office/mac/drawingml/2011/main" val="1"/>
             </a:ext>
           </a:extLst>
         </p:spPr>
@@ -5717,7 +5717,7 @@
           </a:ln>
           <a:extLst>
             <a:ext uri="{C572A759-6A51-4108-AA02-DFA0A04FC94B}">
-              <ma14:wrappingTextBoxFlag xmlns:ma14="http://schemas.microsoft.com/office/mac/drawingml/2011/main" xmlns:a14="http://schemas.microsoft.com/office/drawing/2010/main" xmlns:m="http://schemas.openxmlformats.org/officeDocument/2006/math" xmlns="" val="1"/>
+              <ma14:wrappingTextBoxFlag xmlns="" xmlns:m="http://schemas.openxmlformats.org/officeDocument/2006/math" xmlns:a14="http://schemas.microsoft.com/office/drawing/2010/main" xmlns:ma14="http://schemas.microsoft.com/office/mac/drawingml/2011/main" val="1"/>
             </a:ext>
           </a:extLst>
         </p:spPr>
@@ -5768,7 +5768,7 @@
           </a:ln>
           <a:extLst>
             <a:ext uri="{C572A759-6A51-4108-AA02-DFA0A04FC94B}">
-              <ma14:wrappingTextBoxFlag xmlns:ma14="http://schemas.microsoft.com/office/mac/drawingml/2011/main" xmlns:a14="http://schemas.microsoft.com/office/drawing/2010/main" xmlns:m="http://schemas.openxmlformats.org/officeDocument/2006/math" xmlns="" val="1"/>
+              <ma14:wrappingTextBoxFlag xmlns="" xmlns:m="http://schemas.openxmlformats.org/officeDocument/2006/math" xmlns:a14="http://schemas.microsoft.com/office/drawing/2010/main" xmlns:ma14="http://schemas.microsoft.com/office/mac/drawingml/2011/main" val="1"/>
             </a:ext>
           </a:extLst>
         </p:spPr>
@@ -5819,7 +5819,7 @@
           </a:ln>
           <a:extLst>
             <a:ext uri="{C572A759-6A51-4108-AA02-DFA0A04FC94B}">
-              <ma14:wrappingTextBoxFlag xmlns:ma14="http://schemas.microsoft.com/office/mac/drawingml/2011/main" xmlns:a14="http://schemas.microsoft.com/office/drawing/2010/main" xmlns:m="http://schemas.openxmlformats.org/officeDocument/2006/math" xmlns="" val="1"/>
+              <ma14:wrappingTextBoxFlag xmlns="" xmlns:m="http://schemas.openxmlformats.org/officeDocument/2006/math" xmlns:a14="http://schemas.microsoft.com/office/drawing/2010/main" xmlns:ma14="http://schemas.microsoft.com/office/mac/drawingml/2011/main" val="1"/>
             </a:ext>
           </a:extLst>
         </p:spPr>
@@ -5870,7 +5870,7 @@
           </a:ln>
           <a:extLst>
             <a:ext uri="{C572A759-6A51-4108-AA02-DFA0A04FC94B}">
-              <ma14:wrappingTextBoxFlag xmlns:ma14="http://schemas.microsoft.com/office/mac/drawingml/2011/main" xmlns:a14="http://schemas.microsoft.com/office/drawing/2010/main" xmlns:m="http://schemas.openxmlformats.org/officeDocument/2006/math" xmlns="" val="1"/>
+              <ma14:wrappingTextBoxFlag xmlns="" xmlns:m="http://schemas.openxmlformats.org/officeDocument/2006/math" xmlns:a14="http://schemas.microsoft.com/office/drawing/2010/main" xmlns:ma14="http://schemas.microsoft.com/office/mac/drawingml/2011/main" val="1"/>
             </a:ext>
           </a:extLst>
         </p:spPr>
@@ -5921,7 +5921,7 @@
           </a:ln>
           <a:extLst>
             <a:ext uri="{C572A759-6A51-4108-AA02-DFA0A04FC94B}">
-              <ma14:wrappingTextBoxFlag xmlns:ma14="http://schemas.microsoft.com/office/mac/drawingml/2011/main" xmlns:a14="http://schemas.microsoft.com/office/drawing/2010/main" xmlns:m="http://schemas.openxmlformats.org/officeDocument/2006/math" xmlns="" val="1"/>
+              <ma14:wrappingTextBoxFlag xmlns="" xmlns:m="http://schemas.openxmlformats.org/officeDocument/2006/math" xmlns:a14="http://schemas.microsoft.com/office/drawing/2010/main" xmlns:ma14="http://schemas.microsoft.com/office/mac/drawingml/2011/main" val="1"/>
             </a:ext>
           </a:extLst>
         </p:spPr>
@@ -5972,7 +5972,7 @@
           </a:ln>
           <a:extLst>
             <a:ext uri="{C572A759-6A51-4108-AA02-DFA0A04FC94B}">
-              <ma14:wrappingTextBoxFlag xmlns:ma14="http://schemas.microsoft.com/office/mac/drawingml/2011/main" xmlns:a14="http://schemas.microsoft.com/office/drawing/2010/main" xmlns:m="http://schemas.openxmlformats.org/officeDocument/2006/math" xmlns="" val="1"/>
+              <ma14:wrappingTextBoxFlag xmlns="" xmlns:m="http://schemas.openxmlformats.org/officeDocument/2006/math" xmlns:a14="http://schemas.microsoft.com/office/drawing/2010/main" xmlns:ma14="http://schemas.microsoft.com/office/mac/drawingml/2011/main" val="1"/>
             </a:ext>
           </a:extLst>
         </p:spPr>
@@ -6319,7 +6319,7 @@
           </a:ln>
           <a:extLst>
             <a:ext uri="{C572A759-6A51-4108-AA02-DFA0A04FC94B}">
-              <ma14:wrappingTextBoxFlag xmlns:ma14="http://schemas.microsoft.com/office/mac/drawingml/2011/main" xmlns:a14="http://schemas.microsoft.com/office/drawing/2010/main" xmlns:m="http://schemas.openxmlformats.org/officeDocument/2006/math" xmlns="" val="1"/>
+              <ma14:wrappingTextBoxFlag xmlns="" xmlns:m="http://schemas.openxmlformats.org/officeDocument/2006/math" xmlns:a14="http://schemas.microsoft.com/office/drawing/2010/main" xmlns:ma14="http://schemas.microsoft.com/office/mac/drawingml/2011/main" val="1"/>
             </a:ext>
           </a:extLst>
         </p:spPr>
@@ -6383,7 +6383,7 @@
           </a:ln>
           <a:extLst>
             <a:ext uri="{C572A759-6A51-4108-AA02-DFA0A04FC94B}">
-              <ma14:wrappingTextBoxFlag xmlns:ma14="http://schemas.microsoft.com/office/mac/drawingml/2011/main" xmlns:a14="http://schemas.microsoft.com/office/drawing/2010/main" xmlns:m="http://schemas.openxmlformats.org/officeDocument/2006/math" xmlns="" val="1"/>
+              <ma14:wrappingTextBoxFlag xmlns="" xmlns:m="http://schemas.openxmlformats.org/officeDocument/2006/math" xmlns:a14="http://schemas.microsoft.com/office/drawing/2010/main" xmlns:ma14="http://schemas.microsoft.com/office/mac/drawingml/2011/main" val="1"/>
             </a:ext>
           </a:extLst>
         </p:spPr>
@@ -6468,7 +6468,7 @@
           </a:ln>
           <a:extLst>
             <a:ext uri="{C572A759-6A51-4108-AA02-DFA0A04FC94B}">
-              <ma14:wrappingTextBoxFlag xmlns:ma14="http://schemas.microsoft.com/office/mac/drawingml/2011/main" xmlns:a14="http://schemas.microsoft.com/office/drawing/2010/main" xmlns:m="http://schemas.openxmlformats.org/officeDocument/2006/math" xmlns="" val="1"/>
+              <ma14:wrappingTextBoxFlag xmlns="" xmlns:m="http://schemas.openxmlformats.org/officeDocument/2006/math" xmlns:a14="http://schemas.microsoft.com/office/drawing/2010/main" xmlns:ma14="http://schemas.microsoft.com/office/mac/drawingml/2011/main" val="1"/>
             </a:ext>
           </a:extLst>
         </p:spPr>
@@ -6519,7 +6519,7 @@
           </a:ln>
           <a:extLst>
             <a:ext uri="{C572A759-6A51-4108-AA02-DFA0A04FC94B}">
-              <ma14:wrappingTextBoxFlag xmlns:ma14="http://schemas.microsoft.com/office/mac/drawingml/2011/main" xmlns:a14="http://schemas.microsoft.com/office/drawing/2010/main" xmlns:m="http://schemas.openxmlformats.org/officeDocument/2006/math" xmlns="" val="1"/>
+              <ma14:wrappingTextBoxFlag xmlns="" xmlns:m="http://schemas.openxmlformats.org/officeDocument/2006/math" xmlns:a14="http://schemas.microsoft.com/office/drawing/2010/main" xmlns:ma14="http://schemas.microsoft.com/office/mac/drawingml/2011/main" val="1"/>
             </a:ext>
           </a:extLst>
         </p:spPr>
@@ -6570,7 +6570,7 @@
           </a:ln>
           <a:extLst>
             <a:ext uri="{C572A759-6A51-4108-AA02-DFA0A04FC94B}">
-              <ma14:wrappingTextBoxFlag xmlns:ma14="http://schemas.microsoft.com/office/mac/drawingml/2011/main" xmlns:a14="http://schemas.microsoft.com/office/drawing/2010/main" xmlns:m="http://schemas.openxmlformats.org/officeDocument/2006/math" xmlns="" val="1"/>
+              <ma14:wrappingTextBoxFlag xmlns="" xmlns:m="http://schemas.openxmlformats.org/officeDocument/2006/math" xmlns:a14="http://schemas.microsoft.com/office/drawing/2010/main" xmlns:ma14="http://schemas.microsoft.com/office/mac/drawingml/2011/main" val="1"/>
             </a:ext>
           </a:extLst>
         </p:spPr>
@@ -6621,7 +6621,7 @@
           </a:ln>
           <a:extLst>
             <a:ext uri="{C572A759-6A51-4108-AA02-DFA0A04FC94B}">
-              <ma14:wrappingTextBoxFlag xmlns:ma14="http://schemas.microsoft.com/office/mac/drawingml/2011/main" xmlns:a14="http://schemas.microsoft.com/office/drawing/2010/main" xmlns:m="http://schemas.openxmlformats.org/officeDocument/2006/math" xmlns="" val="1"/>
+              <ma14:wrappingTextBoxFlag xmlns="" xmlns:m="http://schemas.openxmlformats.org/officeDocument/2006/math" xmlns:a14="http://schemas.microsoft.com/office/drawing/2010/main" xmlns:ma14="http://schemas.microsoft.com/office/mac/drawingml/2011/main" val="1"/>
             </a:ext>
           </a:extLst>
         </p:spPr>
@@ -6672,7 +6672,7 @@
           </a:ln>
           <a:extLst>
             <a:ext uri="{C572A759-6A51-4108-AA02-DFA0A04FC94B}">
-              <ma14:wrappingTextBoxFlag xmlns:ma14="http://schemas.microsoft.com/office/mac/drawingml/2011/main" xmlns:a14="http://schemas.microsoft.com/office/drawing/2010/main" xmlns:m="http://schemas.openxmlformats.org/officeDocument/2006/math" xmlns="" val="1"/>
+              <ma14:wrappingTextBoxFlag xmlns="" xmlns:m="http://schemas.openxmlformats.org/officeDocument/2006/math" xmlns:a14="http://schemas.microsoft.com/office/drawing/2010/main" xmlns:ma14="http://schemas.microsoft.com/office/mac/drawingml/2011/main" val="1"/>
             </a:ext>
           </a:extLst>
         </p:spPr>
@@ -6723,7 +6723,7 @@
           </a:ln>
           <a:extLst>
             <a:ext uri="{C572A759-6A51-4108-AA02-DFA0A04FC94B}">
-              <ma14:wrappingTextBoxFlag xmlns:ma14="http://schemas.microsoft.com/office/mac/drawingml/2011/main" xmlns:a14="http://schemas.microsoft.com/office/drawing/2010/main" xmlns:m="http://schemas.openxmlformats.org/officeDocument/2006/math" xmlns="" val="1"/>
+              <ma14:wrappingTextBoxFlag xmlns="" xmlns:m="http://schemas.openxmlformats.org/officeDocument/2006/math" xmlns:a14="http://schemas.microsoft.com/office/drawing/2010/main" xmlns:ma14="http://schemas.microsoft.com/office/mac/drawingml/2011/main" val="1"/>
             </a:ext>
           </a:extLst>
         </p:spPr>
@@ -6774,7 +6774,7 @@
           </a:ln>
           <a:extLst>
             <a:ext uri="{C572A759-6A51-4108-AA02-DFA0A04FC94B}">
-              <ma14:wrappingTextBoxFlag xmlns:ma14="http://schemas.microsoft.com/office/mac/drawingml/2011/main" xmlns:a14="http://schemas.microsoft.com/office/drawing/2010/main" xmlns:m="http://schemas.openxmlformats.org/officeDocument/2006/math" xmlns="" val="1"/>
+              <ma14:wrappingTextBoxFlag xmlns="" xmlns:m="http://schemas.openxmlformats.org/officeDocument/2006/math" xmlns:a14="http://schemas.microsoft.com/office/drawing/2010/main" xmlns:ma14="http://schemas.microsoft.com/office/mac/drawingml/2011/main" val="1"/>
             </a:ext>
           </a:extLst>
         </p:spPr>
@@ -6825,7 +6825,7 @@
           </a:ln>
           <a:extLst>
             <a:ext uri="{C572A759-6A51-4108-AA02-DFA0A04FC94B}">
-              <ma14:wrappingTextBoxFlag xmlns:ma14="http://schemas.microsoft.com/office/mac/drawingml/2011/main" xmlns:a14="http://schemas.microsoft.com/office/drawing/2010/main" xmlns:m="http://schemas.openxmlformats.org/officeDocument/2006/math" xmlns="" val="1"/>
+              <ma14:wrappingTextBoxFlag xmlns="" xmlns:m="http://schemas.openxmlformats.org/officeDocument/2006/math" xmlns:a14="http://schemas.microsoft.com/office/drawing/2010/main" xmlns:ma14="http://schemas.microsoft.com/office/mac/drawingml/2011/main" val="1"/>
             </a:ext>
           </a:extLst>
         </p:spPr>
@@ -6876,7 +6876,7 @@
           </a:ln>
           <a:extLst>
             <a:ext uri="{C572A759-6A51-4108-AA02-DFA0A04FC94B}">
-              <ma14:wrappingTextBoxFlag xmlns:ma14="http://schemas.microsoft.com/office/mac/drawingml/2011/main" xmlns:a14="http://schemas.microsoft.com/office/drawing/2010/main" xmlns:m="http://schemas.openxmlformats.org/officeDocument/2006/math" xmlns="" val="1"/>
+              <ma14:wrappingTextBoxFlag xmlns="" xmlns:m="http://schemas.openxmlformats.org/officeDocument/2006/math" xmlns:a14="http://schemas.microsoft.com/office/drawing/2010/main" xmlns:ma14="http://schemas.microsoft.com/office/mac/drawingml/2011/main" val="1"/>
             </a:ext>
           </a:extLst>
         </p:spPr>
@@ -6927,7 +6927,7 @@
           </a:ln>
           <a:extLst>
             <a:ext uri="{C572A759-6A51-4108-AA02-DFA0A04FC94B}">
-              <ma14:wrappingTextBoxFlag xmlns:ma14="http://schemas.microsoft.com/office/mac/drawingml/2011/main" xmlns:a14="http://schemas.microsoft.com/office/drawing/2010/main" xmlns:m="http://schemas.openxmlformats.org/officeDocument/2006/math" xmlns="" val="1"/>
+              <ma14:wrappingTextBoxFlag xmlns="" xmlns:m="http://schemas.openxmlformats.org/officeDocument/2006/math" xmlns:a14="http://schemas.microsoft.com/office/drawing/2010/main" xmlns:ma14="http://schemas.microsoft.com/office/mac/drawingml/2011/main" val="1"/>
             </a:ext>
           </a:extLst>
         </p:spPr>
@@ -6978,7 +6978,7 @@
           </a:ln>
           <a:extLst>
             <a:ext uri="{C572A759-6A51-4108-AA02-DFA0A04FC94B}">
-              <ma14:wrappingTextBoxFlag xmlns:ma14="http://schemas.microsoft.com/office/mac/drawingml/2011/main" xmlns:a14="http://schemas.microsoft.com/office/drawing/2010/main" xmlns:m="http://schemas.openxmlformats.org/officeDocument/2006/math" xmlns="" val="1"/>
+              <ma14:wrappingTextBoxFlag xmlns="" xmlns:m="http://schemas.openxmlformats.org/officeDocument/2006/math" xmlns:a14="http://schemas.microsoft.com/office/drawing/2010/main" xmlns:ma14="http://schemas.microsoft.com/office/mac/drawingml/2011/main" val="1"/>
             </a:ext>
           </a:extLst>
         </p:spPr>
@@ -7029,7 +7029,7 @@
           </a:ln>
           <a:extLst>
             <a:ext uri="{C572A759-6A51-4108-AA02-DFA0A04FC94B}">
-              <ma14:wrappingTextBoxFlag xmlns:ma14="http://schemas.microsoft.com/office/mac/drawingml/2011/main" xmlns:a14="http://schemas.microsoft.com/office/drawing/2010/main" xmlns:m="http://schemas.openxmlformats.org/officeDocument/2006/math" xmlns="" val="1"/>
+              <ma14:wrappingTextBoxFlag xmlns="" xmlns:m="http://schemas.openxmlformats.org/officeDocument/2006/math" xmlns:a14="http://schemas.microsoft.com/office/drawing/2010/main" xmlns:ma14="http://schemas.microsoft.com/office/mac/drawingml/2011/main" val="1"/>
             </a:ext>
           </a:extLst>
         </p:spPr>
@@ -7080,7 +7080,7 @@
           </a:ln>
           <a:extLst>
             <a:ext uri="{C572A759-6A51-4108-AA02-DFA0A04FC94B}">
-              <ma14:wrappingTextBoxFlag xmlns:ma14="http://schemas.microsoft.com/office/mac/drawingml/2011/main" xmlns:a14="http://schemas.microsoft.com/office/drawing/2010/main" xmlns:m="http://schemas.openxmlformats.org/officeDocument/2006/math" xmlns="" val="1"/>
+              <ma14:wrappingTextBoxFlag xmlns="" xmlns:m="http://schemas.openxmlformats.org/officeDocument/2006/math" xmlns:a14="http://schemas.microsoft.com/office/drawing/2010/main" xmlns:ma14="http://schemas.microsoft.com/office/mac/drawingml/2011/main" val="1"/>
             </a:ext>
           </a:extLst>
         </p:spPr>
@@ -7131,7 +7131,7 @@
           </a:ln>
           <a:extLst>
             <a:ext uri="{C572A759-6A51-4108-AA02-DFA0A04FC94B}">
-              <ma14:wrappingTextBoxFlag xmlns:ma14="http://schemas.microsoft.com/office/mac/drawingml/2011/main" xmlns:a14="http://schemas.microsoft.com/office/drawing/2010/main" xmlns:m="http://schemas.openxmlformats.org/officeDocument/2006/math" xmlns="" val="1"/>
+              <ma14:wrappingTextBoxFlag xmlns="" xmlns:m="http://schemas.openxmlformats.org/officeDocument/2006/math" xmlns:a14="http://schemas.microsoft.com/office/drawing/2010/main" xmlns:ma14="http://schemas.microsoft.com/office/mac/drawingml/2011/main" val="1"/>
             </a:ext>
           </a:extLst>
         </p:spPr>
@@ -7182,7 +7182,7 @@
           </a:ln>
           <a:extLst>
             <a:ext uri="{C572A759-6A51-4108-AA02-DFA0A04FC94B}">
-              <ma14:wrappingTextBoxFlag xmlns:ma14="http://schemas.microsoft.com/office/mac/drawingml/2011/main" xmlns:a14="http://schemas.microsoft.com/office/drawing/2010/main" xmlns:m="http://schemas.openxmlformats.org/officeDocument/2006/math" xmlns="" val="1"/>
+              <ma14:wrappingTextBoxFlag xmlns="" xmlns:m="http://schemas.openxmlformats.org/officeDocument/2006/math" xmlns:a14="http://schemas.microsoft.com/office/drawing/2010/main" xmlns:ma14="http://schemas.microsoft.com/office/mac/drawingml/2011/main" val="1"/>
             </a:ext>
           </a:extLst>
         </p:spPr>
@@ -7233,7 +7233,7 @@
           </a:ln>
           <a:extLst>
             <a:ext uri="{C572A759-6A51-4108-AA02-DFA0A04FC94B}">
-              <ma14:wrappingTextBoxFlag xmlns:ma14="http://schemas.microsoft.com/office/mac/drawingml/2011/main" xmlns:a14="http://schemas.microsoft.com/office/drawing/2010/main" xmlns:m="http://schemas.openxmlformats.org/officeDocument/2006/math" xmlns="" val="1"/>
+              <ma14:wrappingTextBoxFlag xmlns="" xmlns:m="http://schemas.openxmlformats.org/officeDocument/2006/math" xmlns:a14="http://schemas.microsoft.com/office/drawing/2010/main" xmlns:ma14="http://schemas.microsoft.com/office/mac/drawingml/2011/main" val="1"/>
             </a:ext>
           </a:extLst>
         </p:spPr>
@@ -7284,7 +7284,7 @@
           </a:ln>
           <a:extLst>
             <a:ext uri="{C572A759-6A51-4108-AA02-DFA0A04FC94B}">
-              <ma14:wrappingTextBoxFlag xmlns:ma14="http://schemas.microsoft.com/office/mac/drawingml/2011/main" xmlns:a14="http://schemas.microsoft.com/office/drawing/2010/main" xmlns:m="http://schemas.openxmlformats.org/officeDocument/2006/math" xmlns="" val="1"/>
+              <ma14:wrappingTextBoxFlag xmlns="" xmlns:m="http://schemas.openxmlformats.org/officeDocument/2006/math" xmlns:a14="http://schemas.microsoft.com/office/drawing/2010/main" xmlns:ma14="http://schemas.microsoft.com/office/mac/drawingml/2011/main" val="1"/>
             </a:ext>
           </a:extLst>
         </p:spPr>
@@ -7335,7 +7335,7 @@
           </a:ln>
           <a:extLst>
             <a:ext uri="{C572A759-6A51-4108-AA02-DFA0A04FC94B}">
-              <ma14:wrappingTextBoxFlag xmlns:ma14="http://schemas.microsoft.com/office/mac/drawingml/2011/main" xmlns:a14="http://schemas.microsoft.com/office/drawing/2010/main" xmlns:m="http://schemas.openxmlformats.org/officeDocument/2006/math" xmlns="" val="1"/>
+              <ma14:wrappingTextBoxFlag xmlns="" xmlns:m="http://schemas.openxmlformats.org/officeDocument/2006/math" xmlns:a14="http://schemas.microsoft.com/office/drawing/2010/main" xmlns:ma14="http://schemas.microsoft.com/office/mac/drawingml/2011/main" val="1"/>
             </a:ext>
           </a:extLst>
         </p:spPr>
@@ -7386,7 +7386,7 @@
           </a:ln>
           <a:extLst>
             <a:ext uri="{C572A759-6A51-4108-AA02-DFA0A04FC94B}">
-              <ma14:wrappingTextBoxFlag xmlns:ma14="http://schemas.microsoft.com/office/mac/drawingml/2011/main" xmlns:a14="http://schemas.microsoft.com/office/drawing/2010/main" xmlns:m="http://schemas.openxmlformats.org/officeDocument/2006/math" xmlns="" val="1"/>
+              <ma14:wrappingTextBoxFlag xmlns="" xmlns:m="http://schemas.openxmlformats.org/officeDocument/2006/math" xmlns:a14="http://schemas.microsoft.com/office/drawing/2010/main" xmlns:ma14="http://schemas.microsoft.com/office/mac/drawingml/2011/main" val="1"/>
             </a:ext>
           </a:extLst>
         </p:spPr>
@@ -7437,7 +7437,7 @@
           </a:ln>
           <a:extLst>
             <a:ext uri="{C572A759-6A51-4108-AA02-DFA0A04FC94B}">
-              <ma14:wrappingTextBoxFlag xmlns:ma14="http://schemas.microsoft.com/office/mac/drawingml/2011/main" xmlns:a14="http://schemas.microsoft.com/office/drawing/2010/main" xmlns:m="http://schemas.openxmlformats.org/officeDocument/2006/math" xmlns="" val="1"/>
+              <ma14:wrappingTextBoxFlag xmlns="" xmlns:m="http://schemas.openxmlformats.org/officeDocument/2006/math" xmlns:a14="http://schemas.microsoft.com/office/drawing/2010/main" xmlns:ma14="http://schemas.microsoft.com/office/mac/drawingml/2011/main" val="1"/>
             </a:ext>
           </a:extLst>
         </p:spPr>
@@ -7488,7 +7488,7 @@
           </a:ln>
           <a:extLst>
             <a:ext uri="{C572A759-6A51-4108-AA02-DFA0A04FC94B}">
-              <ma14:wrappingTextBoxFlag xmlns:ma14="http://schemas.microsoft.com/office/mac/drawingml/2011/main" xmlns:a14="http://schemas.microsoft.com/office/drawing/2010/main" xmlns:m="http://schemas.openxmlformats.org/officeDocument/2006/math" xmlns="" val="1"/>
+              <ma14:wrappingTextBoxFlag xmlns="" xmlns:m="http://schemas.openxmlformats.org/officeDocument/2006/math" xmlns:a14="http://schemas.microsoft.com/office/drawing/2010/main" xmlns:ma14="http://schemas.microsoft.com/office/mac/drawingml/2011/main" val="1"/>
             </a:ext>
           </a:extLst>
         </p:spPr>
@@ -7539,7 +7539,7 @@
           </a:ln>
           <a:extLst>
             <a:ext uri="{C572A759-6A51-4108-AA02-DFA0A04FC94B}">
-              <ma14:wrappingTextBoxFlag xmlns:ma14="http://schemas.microsoft.com/office/mac/drawingml/2011/main" xmlns:a14="http://schemas.microsoft.com/office/drawing/2010/main" xmlns:m="http://schemas.openxmlformats.org/officeDocument/2006/math" xmlns="" val="1"/>
+              <ma14:wrappingTextBoxFlag xmlns="" xmlns:m="http://schemas.openxmlformats.org/officeDocument/2006/math" xmlns:a14="http://schemas.microsoft.com/office/drawing/2010/main" xmlns:ma14="http://schemas.microsoft.com/office/mac/drawingml/2011/main" val="1"/>
             </a:ext>
           </a:extLst>
         </p:spPr>
@@ -7590,7 +7590,7 @@
           </a:ln>
           <a:extLst>
             <a:ext uri="{C572A759-6A51-4108-AA02-DFA0A04FC94B}">
-              <ma14:wrappingTextBoxFlag xmlns:ma14="http://schemas.microsoft.com/office/mac/drawingml/2011/main" xmlns:a14="http://schemas.microsoft.com/office/drawing/2010/main" xmlns:m="http://schemas.openxmlformats.org/officeDocument/2006/math" xmlns="" val="1"/>
+              <ma14:wrappingTextBoxFlag xmlns="" xmlns:m="http://schemas.openxmlformats.org/officeDocument/2006/math" xmlns:a14="http://schemas.microsoft.com/office/drawing/2010/main" xmlns:ma14="http://schemas.microsoft.com/office/mac/drawingml/2011/main" val="1"/>
             </a:ext>
           </a:extLst>
         </p:spPr>
@@ -7641,7 +7641,7 @@
           </a:ln>
           <a:extLst>
             <a:ext uri="{C572A759-6A51-4108-AA02-DFA0A04FC94B}">
-              <ma14:wrappingTextBoxFlag xmlns:ma14="http://schemas.microsoft.com/office/mac/drawingml/2011/main" xmlns:a14="http://schemas.microsoft.com/office/drawing/2010/main" xmlns:m="http://schemas.openxmlformats.org/officeDocument/2006/math" xmlns="" val="1"/>
+              <ma14:wrappingTextBoxFlag xmlns="" xmlns:m="http://schemas.openxmlformats.org/officeDocument/2006/math" xmlns:a14="http://schemas.microsoft.com/office/drawing/2010/main" xmlns:ma14="http://schemas.microsoft.com/office/mac/drawingml/2011/main" val="1"/>
             </a:ext>
           </a:extLst>
         </p:spPr>
@@ -7692,7 +7692,7 @@
           </a:ln>
           <a:extLst>
             <a:ext uri="{C572A759-6A51-4108-AA02-DFA0A04FC94B}">
-              <ma14:wrappingTextBoxFlag xmlns:ma14="http://schemas.microsoft.com/office/mac/drawingml/2011/main" xmlns:a14="http://schemas.microsoft.com/office/drawing/2010/main" xmlns:m="http://schemas.openxmlformats.org/officeDocument/2006/math" xmlns="" val="1"/>
+              <ma14:wrappingTextBoxFlag xmlns="" xmlns:m="http://schemas.openxmlformats.org/officeDocument/2006/math" xmlns:a14="http://schemas.microsoft.com/office/drawing/2010/main" xmlns:ma14="http://schemas.microsoft.com/office/mac/drawingml/2011/main" val="1"/>
             </a:ext>
           </a:extLst>
         </p:spPr>
@@ -7743,7 +7743,7 @@
           </a:ln>
           <a:extLst>
             <a:ext uri="{C572A759-6A51-4108-AA02-DFA0A04FC94B}">
-              <ma14:wrappingTextBoxFlag xmlns:ma14="http://schemas.microsoft.com/office/mac/drawingml/2011/main" xmlns:a14="http://schemas.microsoft.com/office/drawing/2010/main" xmlns:m="http://schemas.openxmlformats.org/officeDocument/2006/math" xmlns="" val="1"/>
+              <ma14:wrappingTextBoxFlag xmlns="" xmlns:m="http://schemas.openxmlformats.org/officeDocument/2006/math" xmlns:a14="http://schemas.microsoft.com/office/drawing/2010/main" xmlns:ma14="http://schemas.microsoft.com/office/mac/drawingml/2011/main" val="1"/>
             </a:ext>
           </a:extLst>
         </p:spPr>
@@ -7794,7 +7794,7 @@
           </a:ln>
           <a:extLst>
             <a:ext uri="{C572A759-6A51-4108-AA02-DFA0A04FC94B}">
-              <ma14:wrappingTextBoxFlag xmlns:ma14="http://schemas.microsoft.com/office/mac/drawingml/2011/main" xmlns:a14="http://schemas.microsoft.com/office/drawing/2010/main" xmlns:m="http://schemas.openxmlformats.org/officeDocument/2006/math" xmlns="" val="1"/>
+              <ma14:wrappingTextBoxFlag xmlns="" xmlns:m="http://schemas.openxmlformats.org/officeDocument/2006/math" xmlns:a14="http://schemas.microsoft.com/office/drawing/2010/main" xmlns:ma14="http://schemas.microsoft.com/office/mac/drawingml/2011/main" val="1"/>
             </a:ext>
           </a:extLst>
         </p:spPr>
@@ -7845,7 +7845,7 @@
           </a:ln>
           <a:extLst>
             <a:ext uri="{C572A759-6A51-4108-AA02-DFA0A04FC94B}">
-              <ma14:wrappingTextBoxFlag xmlns:ma14="http://schemas.microsoft.com/office/mac/drawingml/2011/main" xmlns:a14="http://schemas.microsoft.com/office/drawing/2010/main" xmlns:m="http://schemas.openxmlformats.org/officeDocument/2006/math" xmlns="" val="1"/>
+              <ma14:wrappingTextBoxFlag xmlns="" xmlns:m="http://schemas.openxmlformats.org/officeDocument/2006/math" xmlns:a14="http://schemas.microsoft.com/office/drawing/2010/main" xmlns:ma14="http://schemas.microsoft.com/office/mac/drawingml/2011/main" val="1"/>
             </a:ext>
           </a:extLst>
         </p:spPr>
@@ -7896,7 +7896,7 @@
           </a:ln>
           <a:extLst>
             <a:ext uri="{C572A759-6A51-4108-AA02-DFA0A04FC94B}">
-              <ma14:wrappingTextBoxFlag xmlns:ma14="http://schemas.microsoft.com/office/mac/drawingml/2011/main" xmlns:a14="http://schemas.microsoft.com/office/drawing/2010/main" xmlns:m="http://schemas.openxmlformats.org/officeDocument/2006/math" xmlns="" val="1"/>
+              <ma14:wrappingTextBoxFlag xmlns="" xmlns:m="http://schemas.openxmlformats.org/officeDocument/2006/math" xmlns:a14="http://schemas.microsoft.com/office/drawing/2010/main" xmlns:ma14="http://schemas.microsoft.com/office/mac/drawingml/2011/main" val="1"/>
             </a:ext>
           </a:extLst>
         </p:spPr>
@@ -7947,7 +7947,7 @@
           </a:ln>
           <a:extLst>
             <a:ext uri="{C572A759-6A51-4108-AA02-DFA0A04FC94B}">
-              <ma14:wrappingTextBoxFlag xmlns:ma14="http://schemas.microsoft.com/office/mac/drawingml/2011/main" xmlns:a14="http://schemas.microsoft.com/office/drawing/2010/main" xmlns:m="http://schemas.openxmlformats.org/officeDocument/2006/math" xmlns="" val="1"/>
+              <ma14:wrappingTextBoxFlag xmlns="" xmlns:m="http://schemas.openxmlformats.org/officeDocument/2006/math" xmlns:a14="http://schemas.microsoft.com/office/drawing/2010/main" xmlns:ma14="http://schemas.microsoft.com/office/mac/drawingml/2011/main" val="1"/>
             </a:ext>
           </a:extLst>
         </p:spPr>
@@ -8629,7 +8629,7 @@
           </a:ln>
           <a:extLst>
             <a:ext uri="{C572A759-6A51-4108-AA02-DFA0A04FC94B}">
-              <ma14:wrappingTextBoxFlag xmlns="" xmlns:m="http://schemas.openxmlformats.org/officeDocument/2006/math" xmlns:a14="http://schemas.microsoft.com/office/drawing/2010/main" xmlns:ma14="http://schemas.microsoft.com/office/mac/drawingml/2011/main" val="1"/>
+              <ma14:wrappingTextBoxFlag xmlns:ma14="http://schemas.microsoft.com/office/mac/drawingml/2011/main" xmlns:a14="http://schemas.microsoft.com/office/drawing/2010/main" xmlns:m="http://schemas.openxmlformats.org/officeDocument/2006/math" xmlns="" val="1"/>
             </a:ext>
           </a:extLst>
         </p:spPr>
@@ -8680,7 +8680,7 @@
           </a:ln>
           <a:extLst>
             <a:ext uri="{C572A759-6A51-4108-AA02-DFA0A04FC94B}">
-              <ma14:wrappingTextBoxFlag xmlns="" xmlns:m="http://schemas.openxmlformats.org/officeDocument/2006/math" xmlns:a14="http://schemas.microsoft.com/office/drawing/2010/main" xmlns:ma14="http://schemas.microsoft.com/office/mac/drawingml/2011/main" val="1"/>
+              <ma14:wrappingTextBoxFlag xmlns:ma14="http://schemas.microsoft.com/office/mac/drawingml/2011/main" xmlns:a14="http://schemas.microsoft.com/office/drawing/2010/main" xmlns:m="http://schemas.openxmlformats.org/officeDocument/2006/math" xmlns="" val="1"/>
             </a:ext>
           </a:extLst>
         </p:spPr>
@@ -8731,7 +8731,7 @@
           </a:ln>
           <a:extLst>
             <a:ext uri="{C572A759-6A51-4108-AA02-DFA0A04FC94B}">
-              <ma14:wrappingTextBoxFlag xmlns="" xmlns:m="http://schemas.openxmlformats.org/officeDocument/2006/math" xmlns:a14="http://schemas.microsoft.com/office/drawing/2010/main" xmlns:ma14="http://schemas.microsoft.com/office/mac/drawingml/2011/main" val="1"/>
+              <ma14:wrappingTextBoxFlag xmlns:ma14="http://schemas.microsoft.com/office/mac/drawingml/2011/main" xmlns:a14="http://schemas.microsoft.com/office/drawing/2010/main" xmlns:m="http://schemas.openxmlformats.org/officeDocument/2006/math" xmlns="" val="1"/>
             </a:ext>
           </a:extLst>
         </p:spPr>
@@ -8782,7 +8782,7 @@
           </a:ln>
           <a:extLst>
             <a:ext uri="{C572A759-6A51-4108-AA02-DFA0A04FC94B}">
-              <ma14:wrappingTextBoxFlag xmlns="" xmlns:m="http://schemas.openxmlformats.org/officeDocument/2006/math" xmlns:a14="http://schemas.microsoft.com/office/drawing/2010/main" xmlns:ma14="http://schemas.microsoft.com/office/mac/drawingml/2011/main" val="1"/>
+              <ma14:wrappingTextBoxFlag xmlns:ma14="http://schemas.microsoft.com/office/mac/drawingml/2011/main" xmlns:a14="http://schemas.microsoft.com/office/drawing/2010/main" xmlns:m="http://schemas.openxmlformats.org/officeDocument/2006/math" xmlns="" val="1"/>
             </a:ext>
           </a:extLst>
         </p:spPr>
@@ -8833,7 +8833,7 @@
           </a:ln>
           <a:extLst>
             <a:ext uri="{C572A759-6A51-4108-AA02-DFA0A04FC94B}">
-              <ma14:wrappingTextBoxFlag xmlns="" xmlns:m="http://schemas.openxmlformats.org/officeDocument/2006/math" xmlns:a14="http://schemas.microsoft.com/office/drawing/2010/main" xmlns:ma14="http://schemas.microsoft.com/office/mac/drawingml/2011/main" val="1"/>
+              <ma14:wrappingTextBoxFlag xmlns:ma14="http://schemas.microsoft.com/office/mac/drawingml/2011/main" xmlns:a14="http://schemas.microsoft.com/office/drawing/2010/main" xmlns:m="http://schemas.openxmlformats.org/officeDocument/2006/math" xmlns="" val="1"/>
             </a:ext>
           </a:extLst>
         </p:spPr>
@@ -8884,7 +8884,7 @@
           </a:ln>
           <a:extLst>
             <a:ext uri="{C572A759-6A51-4108-AA02-DFA0A04FC94B}">
-              <ma14:wrappingTextBoxFlag xmlns="" xmlns:m="http://schemas.openxmlformats.org/officeDocument/2006/math" xmlns:a14="http://schemas.microsoft.com/office/drawing/2010/main" xmlns:ma14="http://schemas.microsoft.com/office/mac/drawingml/2011/main" val="1"/>
+              <ma14:wrappingTextBoxFlag xmlns:ma14="http://schemas.microsoft.com/office/mac/drawingml/2011/main" xmlns:a14="http://schemas.microsoft.com/office/drawing/2010/main" xmlns:m="http://schemas.openxmlformats.org/officeDocument/2006/math" xmlns="" val="1"/>
             </a:ext>
           </a:extLst>
         </p:spPr>
@@ -8935,7 +8935,7 @@
           </a:ln>
           <a:extLst>
             <a:ext uri="{C572A759-6A51-4108-AA02-DFA0A04FC94B}">
-              <ma14:wrappingTextBoxFlag xmlns="" xmlns:m="http://schemas.openxmlformats.org/officeDocument/2006/math" xmlns:a14="http://schemas.microsoft.com/office/drawing/2010/main" xmlns:ma14="http://schemas.microsoft.com/office/mac/drawingml/2011/main" val="1"/>
+              <ma14:wrappingTextBoxFlag xmlns:ma14="http://schemas.microsoft.com/office/mac/drawingml/2011/main" xmlns:a14="http://schemas.microsoft.com/office/drawing/2010/main" xmlns:m="http://schemas.openxmlformats.org/officeDocument/2006/math" xmlns="" val="1"/>
             </a:ext>
           </a:extLst>
         </p:spPr>
@@ -8986,7 +8986,7 @@
           </a:ln>
           <a:extLst>
             <a:ext uri="{C572A759-6A51-4108-AA02-DFA0A04FC94B}">
-              <ma14:wrappingTextBoxFlag xmlns="" xmlns:m="http://schemas.openxmlformats.org/officeDocument/2006/math" xmlns:a14="http://schemas.microsoft.com/office/drawing/2010/main" xmlns:ma14="http://schemas.microsoft.com/office/mac/drawingml/2011/main" val="1"/>
+              <ma14:wrappingTextBoxFlag xmlns:ma14="http://schemas.microsoft.com/office/mac/drawingml/2011/main" xmlns:a14="http://schemas.microsoft.com/office/drawing/2010/main" xmlns:m="http://schemas.openxmlformats.org/officeDocument/2006/math" xmlns="" val="1"/>
             </a:ext>
           </a:extLst>
         </p:spPr>
@@ -9037,7 +9037,7 @@
           </a:ln>
           <a:extLst>
             <a:ext uri="{C572A759-6A51-4108-AA02-DFA0A04FC94B}">
-              <ma14:wrappingTextBoxFlag xmlns="" xmlns:m="http://schemas.openxmlformats.org/officeDocument/2006/math" xmlns:a14="http://schemas.microsoft.com/office/drawing/2010/main" xmlns:ma14="http://schemas.microsoft.com/office/mac/drawingml/2011/main" val="1"/>
+              <ma14:wrappingTextBoxFlag xmlns:ma14="http://schemas.microsoft.com/office/mac/drawingml/2011/main" xmlns:a14="http://schemas.microsoft.com/office/drawing/2010/main" xmlns:m="http://schemas.openxmlformats.org/officeDocument/2006/math" xmlns="" val="1"/>
             </a:ext>
           </a:extLst>
         </p:spPr>
@@ -9088,7 +9088,7 @@
           </a:ln>
           <a:extLst>
             <a:ext uri="{C572A759-6A51-4108-AA02-DFA0A04FC94B}">
-              <ma14:wrappingTextBoxFlag xmlns="" xmlns:m="http://schemas.openxmlformats.org/officeDocument/2006/math" xmlns:a14="http://schemas.microsoft.com/office/drawing/2010/main" xmlns:ma14="http://schemas.microsoft.com/office/mac/drawingml/2011/main" val="1"/>
+              <ma14:wrappingTextBoxFlag xmlns:ma14="http://schemas.microsoft.com/office/mac/drawingml/2011/main" xmlns:a14="http://schemas.microsoft.com/office/drawing/2010/main" xmlns:m="http://schemas.openxmlformats.org/officeDocument/2006/math" xmlns="" val="1"/>
             </a:ext>
           </a:extLst>
         </p:spPr>
@@ -9139,7 +9139,7 @@
           </a:ln>
           <a:extLst>
             <a:ext uri="{C572A759-6A51-4108-AA02-DFA0A04FC94B}">
-              <ma14:wrappingTextBoxFlag xmlns="" xmlns:m="http://schemas.openxmlformats.org/officeDocument/2006/math" xmlns:a14="http://schemas.microsoft.com/office/drawing/2010/main" xmlns:ma14="http://schemas.microsoft.com/office/mac/drawingml/2011/main" val="1"/>
+              <ma14:wrappingTextBoxFlag xmlns:ma14="http://schemas.microsoft.com/office/mac/drawingml/2011/main" xmlns:a14="http://schemas.microsoft.com/office/drawing/2010/main" xmlns:m="http://schemas.openxmlformats.org/officeDocument/2006/math" xmlns="" val="1"/>
             </a:ext>
           </a:extLst>
         </p:spPr>
@@ -9190,7 +9190,7 @@
           </a:ln>
           <a:extLst>
             <a:ext uri="{C572A759-6A51-4108-AA02-DFA0A04FC94B}">
-              <ma14:wrappingTextBoxFlag xmlns="" xmlns:m="http://schemas.openxmlformats.org/officeDocument/2006/math" xmlns:a14="http://schemas.microsoft.com/office/drawing/2010/main" xmlns:ma14="http://schemas.microsoft.com/office/mac/drawingml/2011/main" val="1"/>
+              <ma14:wrappingTextBoxFlag xmlns:ma14="http://schemas.microsoft.com/office/mac/drawingml/2011/main" xmlns:a14="http://schemas.microsoft.com/office/drawing/2010/main" xmlns:m="http://schemas.openxmlformats.org/officeDocument/2006/math" xmlns="" val="1"/>
             </a:ext>
           </a:extLst>
         </p:spPr>
@@ -9241,7 +9241,7 @@
           </a:ln>
           <a:extLst>
             <a:ext uri="{C572A759-6A51-4108-AA02-DFA0A04FC94B}">
-              <ma14:wrappingTextBoxFlag xmlns="" xmlns:m="http://schemas.openxmlformats.org/officeDocument/2006/math" xmlns:a14="http://schemas.microsoft.com/office/drawing/2010/main" xmlns:ma14="http://schemas.microsoft.com/office/mac/drawingml/2011/main" val="1"/>
+              <ma14:wrappingTextBoxFlag xmlns:ma14="http://schemas.microsoft.com/office/mac/drawingml/2011/main" xmlns:a14="http://schemas.microsoft.com/office/drawing/2010/main" xmlns:m="http://schemas.openxmlformats.org/officeDocument/2006/math" xmlns="" val="1"/>
             </a:ext>
           </a:extLst>
         </p:spPr>
@@ -9292,7 +9292,7 @@
           </a:ln>
           <a:extLst>
             <a:ext uri="{C572A759-6A51-4108-AA02-DFA0A04FC94B}">
-              <ma14:wrappingTextBoxFlag xmlns="" xmlns:m="http://schemas.openxmlformats.org/officeDocument/2006/math" xmlns:a14="http://schemas.microsoft.com/office/drawing/2010/main" xmlns:ma14="http://schemas.microsoft.com/office/mac/drawingml/2011/main" val="1"/>
+              <ma14:wrappingTextBoxFlag xmlns:ma14="http://schemas.microsoft.com/office/mac/drawingml/2011/main" xmlns:a14="http://schemas.microsoft.com/office/drawing/2010/main" xmlns:m="http://schemas.openxmlformats.org/officeDocument/2006/math" xmlns="" val="1"/>
             </a:ext>
           </a:extLst>
         </p:spPr>
@@ -9343,7 +9343,7 @@
           </a:ln>
           <a:extLst>
             <a:ext uri="{C572A759-6A51-4108-AA02-DFA0A04FC94B}">
-              <ma14:wrappingTextBoxFlag xmlns="" xmlns:m="http://schemas.openxmlformats.org/officeDocument/2006/math" xmlns:a14="http://schemas.microsoft.com/office/drawing/2010/main" xmlns:ma14="http://schemas.microsoft.com/office/mac/drawingml/2011/main" val="1"/>
+              <ma14:wrappingTextBoxFlag xmlns:ma14="http://schemas.microsoft.com/office/mac/drawingml/2011/main" xmlns:a14="http://schemas.microsoft.com/office/drawing/2010/main" xmlns:m="http://schemas.openxmlformats.org/officeDocument/2006/math" xmlns="" val="1"/>
             </a:ext>
           </a:extLst>
         </p:spPr>
@@ -9394,7 +9394,7 @@
           </a:ln>
           <a:extLst>
             <a:ext uri="{C572A759-6A51-4108-AA02-DFA0A04FC94B}">
-              <ma14:wrappingTextBoxFlag xmlns="" xmlns:m="http://schemas.openxmlformats.org/officeDocument/2006/math" xmlns:a14="http://schemas.microsoft.com/office/drawing/2010/main" xmlns:ma14="http://schemas.microsoft.com/office/mac/drawingml/2011/main" val="1"/>
+              <ma14:wrappingTextBoxFlag xmlns:ma14="http://schemas.microsoft.com/office/mac/drawingml/2011/main" xmlns:a14="http://schemas.microsoft.com/office/drawing/2010/main" xmlns:m="http://schemas.openxmlformats.org/officeDocument/2006/math" xmlns="" val="1"/>
             </a:ext>
           </a:extLst>
         </p:spPr>
@@ -9445,7 +9445,7 @@
           </a:ln>
           <a:extLst>
             <a:ext uri="{C572A759-6A51-4108-AA02-DFA0A04FC94B}">
-              <ma14:wrappingTextBoxFlag xmlns="" xmlns:m="http://schemas.openxmlformats.org/officeDocument/2006/math" xmlns:a14="http://schemas.microsoft.com/office/drawing/2010/main" xmlns:ma14="http://schemas.microsoft.com/office/mac/drawingml/2011/main" val="1"/>
+              <ma14:wrappingTextBoxFlag xmlns:ma14="http://schemas.microsoft.com/office/mac/drawingml/2011/main" xmlns:a14="http://schemas.microsoft.com/office/drawing/2010/main" xmlns:m="http://schemas.openxmlformats.org/officeDocument/2006/math" xmlns="" val="1"/>
             </a:ext>
           </a:extLst>
         </p:spPr>
@@ -9496,7 +9496,7 @@
           </a:ln>
           <a:extLst>
             <a:ext uri="{C572A759-6A51-4108-AA02-DFA0A04FC94B}">
-              <ma14:wrappingTextBoxFlag xmlns="" xmlns:m="http://schemas.openxmlformats.org/officeDocument/2006/math" xmlns:a14="http://schemas.microsoft.com/office/drawing/2010/main" xmlns:ma14="http://schemas.microsoft.com/office/mac/drawingml/2011/main" val="1"/>
+              <ma14:wrappingTextBoxFlag xmlns:ma14="http://schemas.microsoft.com/office/mac/drawingml/2011/main" xmlns:a14="http://schemas.microsoft.com/office/drawing/2010/main" xmlns:m="http://schemas.openxmlformats.org/officeDocument/2006/math" xmlns="" val="1"/>
             </a:ext>
           </a:extLst>
         </p:spPr>
@@ -9547,7 +9547,7 @@
           </a:ln>
           <a:extLst>
             <a:ext uri="{C572A759-6A51-4108-AA02-DFA0A04FC94B}">
-              <ma14:wrappingTextBoxFlag xmlns="" xmlns:m="http://schemas.openxmlformats.org/officeDocument/2006/math" xmlns:a14="http://schemas.microsoft.com/office/drawing/2010/main" xmlns:ma14="http://schemas.microsoft.com/office/mac/drawingml/2011/main" val="1"/>
+              <ma14:wrappingTextBoxFlag xmlns:ma14="http://schemas.microsoft.com/office/mac/drawingml/2011/main" xmlns:a14="http://schemas.microsoft.com/office/drawing/2010/main" xmlns:m="http://schemas.openxmlformats.org/officeDocument/2006/math" xmlns="" val="1"/>
             </a:ext>
           </a:extLst>
         </p:spPr>
@@ -9598,7 +9598,7 @@
           </a:ln>
           <a:extLst>
             <a:ext uri="{C572A759-6A51-4108-AA02-DFA0A04FC94B}">
-              <ma14:wrappingTextBoxFlag xmlns="" xmlns:m="http://schemas.openxmlformats.org/officeDocument/2006/math" xmlns:a14="http://schemas.microsoft.com/office/drawing/2010/main" xmlns:ma14="http://schemas.microsoft.com/office/mac/drawingml/2011/main" val="1"/>
+              <ma14:wrappingTextBoxFlag xmlns:ma14="http://schemas.microsoft.com/office/mac/drawingml/2011/main" xmlns:a14="http://schemas.microsoft.com/office/drawing/2010/main" xmlns:m="http://schemas.openxmlformats.org/officeDocument/2006/math" xmlns="" val="1"/>
             </a:ext>
           </a:extLst>
         </p:spPr>
@@ -9649,7 +9649,7 @@
           </a:ln>
           <a:extLst>
             <a:ext uri="{C572A759-6A51-4108-AA02-DFA0A04FC94B}">
-              <ma14:wrappingTextBoxFlag xmlns="" xmlns:m="http://schemas.openxmlformats.org/officeDocument/2006/math" xmlns:a14="http://schemas.microsoft.com/office/drawing/2010/main" xmlns:ma14="http://schemas.microsoft.com/office/mac/drawingml/2011/main" val="1"/>
+              <ma14:wrappingTextBoxFlag xmlns:ma14="http://schemas.microsoft.com/office/mac/drawingml/2011/main" xmlns:a14="http://schemas.microsoft.com/office/drawing/2010/main" xmlns:m="http://schemas.openxmlformats.org/officeDocument/2006/math" xmlns="" val="1"/>
             </a:ext>
           </a:extLst>
         </p:spPr>
@@ -9700,7 +9700,7 @@
           </a:ln>
           <a:extLst>
             <a:ext uri="{C572A759-6A51-4108-AA02-DFA0A04FC94B}">
-              <ma14:wrappingTextBoxFlag xmlns="" xmlns:m="http://schemas.openxmlformats.org/officeDocument/2006/math" xmlns:a14="http://schemas.microsoft.com/office/drawing/2010/main" xmlns:ma14="http://schemas.microsoft.com/office/mac/drawingml/2011/main" val="1"/>
+              <ma14:wrappingTextBoxFlag xmlns:ma14="http://schemas.microsoft.com/office/mac/drawingml/2011/main" xmlns:a14="http://schemas.microsoft.com/office/drawing/2010/main" xmlns:m="http://schemas.openxmlformats.org/officeDocument/2006/math" xmlns="" val="1"/>
             </a:ext>
           </a:extLst>
         </p:spPr>
@@ -9751,7 +9751,7 @@
           </a:ln>
           <a:extLst>
             <a:ext uri="{C572A759-6A51-4108-AA02-DFA0A04FC94B}">
-              <ma14:wrappingTextBoxFlag xmlns="" xmlns:m="http://schemas.openxmlformats.org/officeDocument/2006/math" xmlns:a14="http://schemas.microsoft.com/office/drawing/2010/main" xmlns:ma14="http://schemas.microsoft.com/office/mac/drawingml/2011/main" val="1"/>
+              <ma14:wrappingTextBoxFlag xmlns:ma14="http://schemas.microsoft.com/office/mac/drawingml/2011/main" xmlns:a14="http://schemas.microsoft.com/office/drawing/2010/main" xmlns:m="http://schemas.openxmlformats.org/officeDocument/2006/math" xmlns="" val="1"/>
             </a:ext>
           </a:extLst>
         </p:spPr>
@@ -9802,7 +9802,7 @@
           </a:ln>
           <a:extLst>
             <a:ext uri="{C572A759-6A51-4108-AA02-DFA0A04FC94B}">
-              <ma14:wrappingTextBoxFlag xmlns="" xmlns:m="http://schemas.openxmlformats.org/officeDocument/2006/math" xmlns:a14="http://schemas.microsoft.com/office/drawing/2010/main" xmlns:ma14="http://schemas.microsoft.com/office/mac/drawingml/2011/main" val="1"/>
+              <ma14:wrappingTextBoxFlag xmlns:ma14="http://schemas.microsoft.com/office/mac/drawingml/2011/main" xmlns:a14="http://schemas.microsoft.com/office/drawing/2010/main" xmlns:m="http://schemas.openxmlformats.org/officeDocument/2006/math" xmlns="" val="1"/>
             </a:ext>
           </a:extLst>
         </p:spPr>
@@ -9853,7 +9853,7 @@
           </a:ln>
           <a:extLst>
             <a:ext uri="{C572A759-6A51-4108-AA02-DFA0A04FC94B}">
-              <ma14:wrappingTextBoxFlag xmlns="" xmlns:m="http://schemas.openxmlformats.org/officeDocument/2006/math" xmlns:a14="http://schemas.microsoft.com/office/drawing/2010/main" xmlns:ma14="http://schemas.microsoft.com/office/mac/drawingml/2011/main" val="1"/>
+              <ma14:wrappingTextBoxFlag xmlns:ma14="http://schemas.microsoft.com/office/mac/drawingml/2011/main" xmlns:a14="http://schemas.microsoft.com/office/drawing/2010/main" xmlns:m="http://schemas.openxmlformats.org/officeDocument/2006/math" xmlns="" val="1"/>
             </a:ext>
           </a:extLst>
         </p:spPr>
@@ -9904,7 +9904,7 @@
           </a:ln>
           <a:extLst>
             <a:ext uri="{C572A759-6A51-4108-AA02-DFA0A04FC94B}">
-              <ma14:wrappingTextBoxFlag xmlns="" xmlns:m="http://schemas.openxmlformats.org/officeDocument/2006/math" xmlns:a14="http://schemas.microsoft.com/office/drawing/2010/main" xmlns:ma14="http://schemas.microsoft.com/office/mac/drawingml/2011/main" val="1"/>
+              <ma14:wrappingTextBoxFlag xmlns:ma14="http://schemas.microsoft.com/office/mac/drawingml/2011/main" xmlns:a14="http://schemas.microsoft.com/office/drawing/2010/main" xmlns:m="http://schemas.openxmlformats.org/officeDocument/2006/math" xmlns="" val="1"/>
             </a:ext>
           </a:extLst>
         </p:spPr>
@@ -9955,7 +9955,7 @@
           </a:ln>
           <a:extLst>
             <a:ext uri="{C572A759-6A51-4108-AA02-DFA0A04FC94B}">
-              <ma14:wrappingTextBoxFlag xmlns="" xmlns:m="http://schemas.openxmlformats.org/officeDocument/2006/math" xmlns:a14="http://schemas.microsoft.com/office/drawing/2010/main" xmlns:ma14="http://schemas.microsoft.com/office/mac/drawingml/2011/main" val="1"/>
+              <ma14:wrappingTextBoxFlag xmlns:ma14="http://schemas.microsoft.com/office/mac/drawingml/2011/main" xmlns:a14="http://schemas.microsoft.com/office/drawing/2010/main" xmlns:m="http://schemas.openxmlformats.org/officeDocument/2006/math" xmlns="" val="1"/>
             </a:ext>
           </a:extLst>
         </p:spPr>
@@ -10006,7 +10006,7 @@
           </a:ln>
           <a:extLst>
             <a:ext uri="{C572A759-6A51-4108-AA02-DFA0A04FC94B}">
-              <ma14:wrappingTextBoxFlag xmlns="" xmlns:m="http://schemas.openxmlformats.org/officeDocument/2006/math" xmlns:a14="http://schemas.microsoft.com/office/drawing/2010/main" xmlns:ma14="http://schemas.microsoft.com/office/mac/drawingml/2011/main" val="1"/>
+              <ma14:wrappingTextBoxFlag xmlns:ma14="http://schemas.microsoft.com/office/mac/drawingml/2011/main" xmlns:a14="http://schemas.microsoft.com/office/drawing/2010/main" xmlns:m="http://schemas.openxmlformats.org/officeDocument/2006/math" xmlns="" val="1"/>
             </a:ext>
           </a:extLst>
         </p:spPr>
@@ -10057,7 +10057,7 @@
           </a:ln>
           <a:extLst>
             <a:ext uri="{C572A759-6A51-4108-AA02-DFA0A04FC94B}">
-              <ma14:wrappingTextBoxFlag xmlns="" xmlns:m="http://schemas.openxmlformats.org/officeDocument/2006/math" xmlns:a14="http://schemas.microsoft.com/office/drawing/2010/main" xmlns:ma14="http://schemas.microsoft.com/office/mac/drawingml/2011/main" val="1"/>
+              <ma14:wrappingTextBoxFlag xmlns:ma14="http://schemas.microsoft.com/office/mac/drawingml/2011/main" xmlns:a14="http://schemas.microsoft.com/office/drawing/2010/main" xmlns:m="http://schemas.openxmlformats.org/officeDocument/2006/math" xmlns="" val="1"/>
             </a:ext>
           </a:extLst>
         </p:spPr>
@@ -10108,7 +10108,7 @@
           </a:ln>
           <a:extLst>
             <a:ext uri="{C572A759-6A51-4108-AA02-DFA0A04FC94B}">
-              <ma14:wrappingTextBoxFlag xmlns="" xmlns:m="http://schemas.openxmlformats.org/officeDocument/2006/math" xmlns:a14="http://schemas.microsoft.com/office/drawing/2010/main" xmlns:ma14="http://schemas.microsoft.com/office/mac/drawingml/2011/main" val="1"/>
+              <ma14:wrappingTextBoxFlag xmlns:ma14="http://schemas.microsoft.com/office/mac/drawingml/2011/main" xmlns:a14="http://schemas.microsoft.com/office/drawing/2010/main" xmlns:m="http://schemas.openxmlformats.org/officeDocument/2006/math" xmlns="" val="1"/>
             </a:ext>
           </a:extLst>
         </p:spPr>
@@ -10704,7 +10704,7 @@
           </a:ln>
           <a:extLst>
             <a:ext uri="{C572A759-6A51-4108-AA02-DFA0A04FC94B}">
-              <ma14:wrappingTextBoxFlag xmlns:ma14="http://schemas.microsoft.com/office/mac/drawingml/2011/main" xmlns:a14="http://schemas.microsoft.com/office/drawing/2010/main" xmlns:m="http://schemas.openxmlformats.org/officeDocument/2006/math" xmlns="" val="1"/>
+              <ma14:wrappingTextBoxFlag xmlns="" xmlns:m="http://schemas.openxmlformats.org/officeDocument/2006/math" xmlns:a14="http://schemas.microsoft.com/office/drawing/2010/main" xmlns:ma14="http://schemas.microsoft.com/office/mac/drawingml/2011/main" val="1"/>
             </a:ext>
           </a:extLst>
         </p:spPr>
@@ -10755,7 +10755,7 @@
           </a:ln>
           <a:extLst>
             <a:ext uri="{C572A759-6A51-4108-AA02-DFA0A04FC94B}">
-              <ma14:wrappingTextBoxFlag xmlns:ma14="http://schemas.microsoft.com/office/mac/drawingml/2011/main" xmlns:a14="http://schemas.microsoft.com/office/drawing/2010/main" xmlns:m="http://schemas.openxmlformats.org/officeDocument/2006/math" xmlns="" val="1"/>
+              <ma14:wrappingTextBoxFlag xmlns="" xmlns:m="http://schemas.openxmlformats.org/officeDocument/2006/math" xmlns:a14="http://schemas.microsoft.com/office/drawing/2010/main" xmlns:ma14="http://schemas.microsoft.com/office/mac/drawingml/2011/main" val="1"/>
             </a:ext>
           </a:extLst>
         </p:spPr>
@@ -10806,7 +10806,7 @@
           </a:ln>
           <a:extLst>
             <a:ext uri="{C572A759-6A51-4108-AA02-DFA0A04FC94B}">
-              <ma14:wrappingTextBoxFlag xmlns:ma14="http://schemas.microsoft.com/office/mac/drawingml/2011/main" xmlns:a14="http://schemas.microsoft.com/office/drawing/2010/main" xmlns:m="http://schemas.openxmlformats.org/officeDocument/2006/math" xmlns="" val="1"/>
+              <ma14:wrappingTextBoxFlag xmlns="" xmlns:m="http://schemas.openxmlformats.org/officeDocument/2006/math" xmlns:a14="http://schemas.microsoft.com/office/drawing/2010/main" xmlns:ma14="http://schemas.microsoft.com/office/mac/drawingml/2011/main" val="1"/>
             </a:ext>
           </a:extLst>
         </p:spPr>
@@ -10857,7 +10857,7 @@
           </a:ln>
           <a:extLst>
             <a:ext uri="{C572A759-6A51-4108-AA02-DFA0A04FC94B}">
-              <ma14:wrappingTextBoxFlag xmlns:ma14="http://schemas.microsoft.com/office/mac/drawingml/2011/main" xmlns:a14="http://schemas.microsoft.com/office/drawing/2010/main" xmlns:m="http://schemas.openxmlformats.org/officeDocument/2006/math" xmlns="" val="1"/>
+              <ma14:wrappingTextBoxFlag xmlns="" xmlns:m="http://schemas.openxmlformats.org/officeDocument/2006/math" xmlns:a14="http://schemas.microsoft.com/office/drawing/2010/main" xmlns:ma14="http://schemas.microsoft.com/office/mac/drawingml/2011/main" val="1"/>
             </a:ext>
           </a:extLst>
         </p:spPr>
@@ -10908,7 +10908,7 @@
           </a:ln>
           <a:extLst>
             <a:ext uri="{C572A759-6A51-4108-AA02-DFA0A04FC94B}">
-              <ma14:wrappingTextBoxFlag xmlns:ma14="http://schemas.microsoft.com/office/mac/drawingml/2011/main" xmlns:a14="http://schemas.microsoft.com/office/drawing/2010/main" xmlns:m="http://schemas.openxmlformats.org/officeDocument/2006/math" xmlns="" val="1"/>
+              <ma14:wrappingTextBoxFlag xmlns="" xmlns:m="http://schemas.openxmlformats.org/officeDocument/2006/math" xmlns:a14="http://schemas.microsoft.com/office/drawing/2010/main" xmlns:ma14="http://schemas.microsoft.com/office/mac/drawingml/2011/main" val="1"/>
             </a:ext>
           </a:extLst>
         </p:spPr>
@@ -10959,7 +10959,7 @@
           </a:ln>
           <a:extLst>
             <a:ext uri="{C572A759-6A51-4108-AA02-DFA0A04FC94B}">
-              <ma14:wrappingTextBoxFlag xmlns:ma14="http://schemas.microsoft.com/office/mac/drawingml/2011/main" xmlns:a14="http://schemas.microsoft.com/office/drawing/2010/main" xmlns:m="http://schemas.openxmlformats.org/officeDocument/2006/math" xmlns="" val="1"/>
+              <ma14:wrappingTextBoxFlag xmlns="" xmlns:m="http://schemas.openxmlformats.org/officeDocument/2006/math" xmlns:a14="http://schemas.microsoft.com/office/drawing/2010/main" xmlns:ma14="http://schemas.microsoft.com/office/mac/drawingml/2011/main" val="1"/>
             </a:ext>
           </a:extLst>
         </p:spPr>
@@ -11010,7 +11010,7 @@
           </a:ln>
           <a:extLst>
             <a:ext uri="{C572A759-6A51-4108-AA02-DFA0A04FC94B}">
-              <ma14:wrappingTextBoxFlag xmlns:ma14="http://schemas.microsoft.com/office/mac/drawingml/2011/main" xmlns:a14="http://schemas.microsoft.com/office/drawing/2010/main" xmlns:m="http://schemas.openxmlformats.org/officeDocument/2006/math" xmlns="" val="1"/>
+              <ma14:wrappingTextBoxFlag xmlns="" xmlns:m="http://schemas.openxmlformats.org/officeDocument/2006/math" xmlns:a14="http://schemas.microsoft.com/office/drawing/2010/main" xmlns:ma14="http://schemas.microsoft.com/office/mac/drawingml/2011/main" val="1"/>
             </a:ext>
           </a:extLst>
         </p:spPr>
@@ -11061,7 +11061,7 @@
           </a:ln>
           <a:extLst>
             <a:ext uri="{C572A759-6A51-4108-AA02-DFA0A04FC94B}">
-              <ma14:wrappingTextBoxFlag xmlns:ma14="http://schemas.microsoft.com/office/mac/drawingml/2011/main" xmlns:a14="http://schemas.microsoft.com/office/drawing/2010/main" xmlns:m="http://schemas.openxmlformats.org/officeDocument/2006/math" xmlns="" val="1"/>
+              <ma14:wrappingTextBoxFlag xmlns="" xmlns:m="http://schemas.openxmlformats.org/officeDocument/2006/math" xmlns:a14="http://schemas.microsoft.com/office/drawing/2010/main" xmlns:ma14="http://schemas.microsoft.com/office/mac/drawingml/2011/main" val="1"/>
             </a:ext>
           </a:extLst>
         </p:spPr>
@@ -11112,7 +11112,7 @@
           </a:ln>
           <a:extLst>
             <a:ext uri="{C572A759-6A51-4108-AA02-DFA0A04FC94B}">
-              <ma14:wrappingTextBoxFlag xmlns:ma14="http://schemas.microsoft.com/office/mac/drawingml/2011/main" xmlns:a14="http://schemas.microsoft.com/office/drawing/2010/main" xmlns:m="http://schemas.openxmlformats.org/officeDocument/2006/math" xmlns="" val="1"/>
+              <ma14:wrappingTextBoxFlag xmlns="" xmlns:m="http://schemas.openxmlformats.org/officeDocument/2006/math" xmlns:a14="http://schemas.microsoft.com/office/drawing/2010/main" xmlns:ma14="http://schemas.microsoft.com/office/mac/drawingml/2011/main" val="1"/>
             </a:ext>
           </a:extLst>
         </p:spPr>
@@ -11163,7 +11163,7 @@
           </a:ln>
           <a:extLst>
             <a:ext uri="{C572A759-6A51-4108-AA02-DFA0A04FC94B}">
-              <ma14:wrappingTextBoxFlag xmlns:ma14="http://schemas.microsoft.com/office/mac/drawingml/2011/main" xmlns:a14="http://schemas.microsoft.com/office/drawing/2010/main" xmlns:m="http://schemas.openxmlformats.org/officeDocument/2006/math" xmlns="" val="1"/>
+              <ma14:wrappingTextBoxFlag xmlns="" xmlns:m="http://schemas.openxmlformats.org/officeDocument/2006/math" xmlns:a14="http://schemas.microsoft.com/office/drawing/2010/main" xmlns:ma14="http://schemas.microsoft.com/office/mac/drawingml/2011/main" val="1"/>
             </a:ext>
           </a:extLst>
         </p:spPr>
@@ -11214,7 +11214,7 @@
           </a:ln>
           <a:extLst>
             <a:ext uri="{C572A759-6A51-4108-AA02-DFA0A04FC94B}">
-              <ma14:wrappingTextBoxFlag xmlns:ma14="http://schemas.microsoft.com/office/mac/drawingml/2011/main" xmlns:a14="http://schemas.microsoft.com/office/drawing/2010/main" xmlns:m="http://schemas.openxmlformats.org/officeDocument/2006/math" xmlns="" val="1"/>
+              <ma14:wrappingTextBoxFlag xmlns="" xmlns:m="http://schemas.openxmlformats.org/officeDocument/2006/math" xmlns:a14="http://schemas.microsoft.com/office/drawing/2010/main" xmlns:ma14="http://schemas.microsoft.com/office/mac/drawingml/2011/main" val="1"/>
             </a:ext>
           </a:extLst>
         </p:spPr>
@@ -11265,7 +11265,7 @@
           </a:ln>
           <a:extLst>
             <a:ext uri="{C572A759-6A51-4108-AA02-DFA0A04FC94B}">
-              <ma14:wrappingTextBoxFlag xmlns:ma14="http://schemas.microsoft.com/office/mac/drawingml/2011/main" xmlns:a14="http://schemas.microsoft.com/office/drawing/2010/main" xmlns:m="http://schemas.openxmlformats.org/officeDocument/2006/math" xmlns="" val="1"/>
+              <ma14:wrappingTextBoxFlag xmlns="" xmlns:m="http://schemas.openxmlformats.org/officeDocument/2006/math" xmlns:a14="http://schemas.microsoft.com/office/drawing/2010/main" xmlns:ma14="http://schemas.microsoft.com/office/mac/drawingml/2011/main" val="1"/>
             </a:ext>
           </a:extLst>
         </p:spPr>
@@ -11316,7 +11316,7 @@
           </a:ln>
           <a:extLst>
             <a:ext uri="{C572A759-6A51-4108-AA02-DFA0A04FC94B}">
-              <ma14:wrappingTextBoxFlag xmlns:ma14="http://schemas.microsoft.com/office/mac/drawingml/2011/main" xmlns:a14="http://schemas.microsoft.com/office/drawing/2010/main" xmlns:m="http://schemas.openxmlformats.org/officeDocument/2006/math" xmlns="" val="1"/>
+              <ma14:wrappingTextBoxFlag xmlns="" xmlns:m="http://schemas.openxmlformats.org/officeDocument/2006/math" xmlns:a14="http://schemas.microsoft.com/office/drawing/2010/main" xmlns:ma14="http://schemas.microsoft.com/office/mac/drawingml/2011/main" val="1"/>
             </a:ext>
           </a:extLst>
         </p:spPr>
@@ -11367,7 +11367,7 @@
           </a:ln>
           <a:extLst>
             <a:ext uri="{C572A759-6A51-4108-AA02-DFA0A04FC94B}">
-              <ma14:wrappingTextBoxFlag xmlns:ma14="http://schemas.microsoft.com/office/mac/drawingml/2011/main" xmlns:a14="http://schemas.microsoft.com/office/drawing/2010/main" xmlns:m="http://schemas.openxmlformats.org/officeDocument/2006/math" xmlns="" val="1"/>
+              <ma14:wrappingTextBoxFlag xmlns="" xmlns:m="http://schemas.openxmlformats.org/officeDocument/2006/math" xmlns:a14="http://schemas.microsoft.com/office/drawing/2010/main" xmlns:ma14="http://schemas.microsoft.com/office/mac/drawingml/2011/main" val="1"/>
             </a:ext>
           </a:extLst>
         </p:spPr>
@@ -11418,7 +11418,7 @@
           </a:ln>
           <a:extLst>
             <a:ext uri="{C572A759-6A51-4108-AA02-DFA0A04FC94B}">
-              <ma14:wrappingTextBoxFlag xmlns:ma14="http://schemas.microsoft.com/office/mac/drawingml/2011/main" xmlns:a14="http://schemas.microsoft.com/office/drawing/2010/main" xmlns:m="http://schemas.openxmlformats.org/officeDocument/2006/math" xmlns="" val="1"/>
+              <ma14:wrappingTextBoxFlag xmlns="" xmlns:m="http://schemas.openxmlformats.org/officeDocument/2006/math" xmlns:a14="http://schemas.microsoft.com/office/drawing/2010/main" xmlns:ma14="http://schemas.microsoft.com/office/mac/drawingml/2011/main" val="1"/>
             </a:ext>
           </a:extLst>
         </p:spPr>
@@ -11469,7 +11469,7 @@
           </a:ln>
           <a:extLst>
             <a:ext uri="{C572A759-6A51-4108-AA02-DFA0A04FC94B}">
-              <ma14:wrappingTextBoxFlag xmlns:ma14="http://schemas.microsoft.com/office/mac/drawingml/2011/main" xmlns:a14="http://schemas.microsoft.com/office/drawing/2010/main" xmlns:m="http://schemas.openxmlformats.org/officeDocument/2006/math" xmlns="" val="1"/>
+              <ma14:wrappingTextBoxFlag xmlns="" xmlns:m="http://schemas.openxmlformats.org/officeDocument/2006/math" xmlns:a14="http://schemas.microsoft.com/office/drawing/2010/main" xmlns:ma14="http://schemas.microsoft.com/office/mac/drawingml/2011/main" val="1"/>
             </a:ext>
           </a:extLst>
         </p:spPr>
@@ -11520,7 +11520,7 @@
           </a:ln>
           <a:extLst>
             <a:ext uri="{C572A759-6A51-4108-AA02-DFA0A04FC94B}">
-              <ma14:wrappingTextBoxFlag xmlns:ma14="http://schemas.microsoft.com/office/mac/drawingml/2011/main" xmlns:a14="http://schemas.microsoft.com/office/drawing/2010/main" xmlns:m="http://schemas.openxmlformats.org/officeDocument/2006/math" xmlns="" val="1"/>
+              <ma14:wrappingTextBoxFlag xmlns="" xmlns:m="http://schemas.openxmlformats.org/officeDocument/2006/math" xmlns:a14="http://schemas.microsoft.com/office/drawing/2010/main" xmlns:ma14="http://schemas.microsoft.com/office/mac/drawingml/2011/main" val="1"/>
             </a:ext>
           </a:extLst>
         </p:spPr>
@@ -11571,7 +11571,7 @@
           </a:ln>
           <a:extLst>
             <a:ext uri="{C572A759-6A51-4108-AA02-DFA0A04FC94B}">
-              <ma14:wrappingTextBoxFlag xmlns:ma14="http://schemas.microsoft.com/office/mac/drawingml/2011/main" xmlns:a14="http://schemas.microsoft.com/office/drawing/2010/main" xmlns:m="http://schemas.openxmlformats.org/officeDocument/2006/math" xmlns="" val="1"/>
+              <ma14:wrappingTextBoxFlag xmlns="" xmlns:m="http://schemas.openxmlformats.org/officeDocument/2006/math" xmlns:a14="http://schemas.microsoft.com/office/drawing/2010/main" xmlns:ma14="http://schemas.microsoft.com/office/mac/drawingml/2011/main" val="1"/>
             </a:ext>
           </a:extLst>
         </p:spPr>
@@ -11622,7 +11622,7 @@
           </a:ln>
           <a:extLst>
             <a:ext uri="{C572A759-6A51-4108-AA02-DFA0A04FC94B}">
-              <ma14:wrappingTextBoxFlag xmlns:ma14="http://schemas.microsoft.com/office/mac/drawingml/2011/main" xmlns:a14="http://schemas.microsoft.com/office/drawing/2010/main" xmlns:m="http://schemas.openxmlformats.org/officeDocument/2006/math" xmlns="" val="1"/>
+              <ma14:wrappingTextBoxFlag xmlns="" xmlns:m="http://schemas.openxmlformats.org/officeDocument/2006/math" xmlns:a14="http://schemas.microsoft.com/office/drawing/2010/main" xmlns:ma14="http://schemas.microsoft.com/office/mac/drawingml/2011/main" val="1"/>
             </a:ext>
           </a:extLst>
         </p:spPr>
@@ -11673,7 +11673,7 @@
           </a:ln>
           <a:extLst>
             <a:ext uri="{C572A759-6A51-4108-AA02-DFA0A04FC94B}">
-              <ma14:wrappingTextBoxFlag xmlns:ma14="http://schemas.microsoft.com/office/mac/drawingml/2011/main" xmlns:a14="http://schemas.microsoft.com/office/drawing/2010/main" xmlns:m="http://schemas.openxmlformats.org/officeDocument/2006/math" xmlns="" val="1"/>
+              <ma14:wrappingTextBoxFlag xmlns="" xmlns:m="http://schemas.openxmlformats.org/officeDocument/2006/math" xmlns:a14="http://schemas.microsoft.com/office/drawing/2010/main" xmlns:ma14="http://schemas.microsoft.com/office/mac/drawingml/2011/main" val="1"/>
             </a:ext>
           </a:extLst>
         </p:spPr>
@@ -11724,7 +11724,7 @@
           </a:ln>
           <a:extLst>
             <a:ext uri="{C572A759-6A51-4108-AA02-DFA0A04FC94B}">
-              <ma14:wrappingTextBoxFlag xmlns:ma14="http://schemas.microsoft.com/office/mac/drawingml/2011/main" xmlns:a14="http://schemas.microsoft.com/office/drawing/2010/main" xmlns:m="http://schemas.openxmlformats.org/officeDocument/2006/math" xmlns="" val="1"/>
+              <ma14:wrappingTextBoxFlag xmlns="" xmlns:m="http://schemas.openxmlformats.org/officeDocument/2006/math" xmlns:a14="http://schemas.microsoft.com/office/drawing/2010/main" xmlns:ma14="http://schemas.microsoft.com/office/mac/drawingml/2011/main" val="1"/>
             </a:ext>
           </a:extLst>
         </p:spPr>
@@ -11775,7 +11775,7 @@
           </a:ln>
           <a:extLst>
             <a:ext uri="{C572A759-6A51-4108-AA02-DFA0A04FC94B}">
-              <ma14:wrappingTextBoxFlag xmlns:ma14="http://schemas.microsoft.com/office/mac/drawingml/2011/main" xmlns:a14="http://schemas.microsoft.com/office/drawing/2010/main" xmlns:m="http://schemas.openxmlformats.org/officeDocument/2006/math" xmlns="" val="1"/>
+              <ma14:wrappingTextBoxFlag xmlns="" xmlns:m="http://schemas.openxmlformats.org/officeDocument/2006/math" xmlns:a14="http://schemas.microsoft.com/office/drawing/2010/main" xmlns:ma14="http://schemas.microsoft.com/office/mac/drawingml/2011/main" val="1"/>
             </a:ext>
           </a:extLst>
         </p:spPr>
@@ -11826,7 +11826,7 @@
           </a:ln>
           <a:extLst>
             <a:ext uri="{C572A759-6A51-4108-AA02-DFA0A04FC94B}">
-              <ma14:wrappingTextBoxFlag xmlns:ma14="http://schemas.microsoft.com/office/mac/drawingml/2011/main" xmlns:a14="http://schemas.microsoft.com/office/drawing/2010/main" xmlns:m="http://schemas.openxmlformats.org/officeDocument/2006/math" xmlns="" val="1"/>
+              <ma14:wrappingTextBoxFlag xmlns="" xmlns:m="http://schemas.openxmlformats.org/officeDocument/2006/math" xmlns:a14="http://schemas.microsoft.com/office/drawing/2010/main" xmlns:ma14="http://schemas.microsoft.com/office/mac/drawingml/2011/main" val="1"/>
             </a:ext>
           </a:extLst>
         </p:spPr>
@@ -11877,7 +11877,7 @@
           </a:ln>
           <a:extLst>
             <a:ext uri="{C572A759-6A51-4108-AA02-DFA0A04FC94B}">
-              <ma14:wrappingTextBoxFlag xmlns:ma14="http://schemas.microsoft.com/office/mac/drawingml/2011/main" xmlns:a14="http://schemas.microsoft.com/office/drawing/2010/main" xmlns:m="http://schemas.openxmlformats.org/officeDocument/2006/math" xmlns="" val="1"/>
+              <ma14:wrappingTextBoxFlag xmlns="" xmlns:m="http://schemas.openxmlformats.org/officeDocument/2006/math" xmlns:a14="http://schemas.microsoft.com/office/drawing/2010/main" xmlns:ma14="http://schemas.microsoft.com/office/mac/drawingml/2011/main" val="1"/>
             </a:ext>
           </a:extLst>
         </p:spPr>
@@ -11928,7 +11928,7 @@
           </a:ln>
           <a:extLst>
             <a:ext uri="{C572A759-6A51-4108-AA02-DFA0A04FC94B}">
-              <ma14:wrappingTextBoxFlag xmlns:ma14="http://schemas.microsoft.com/office/mac/drawingml/2011/main" xmlns:a14="http://schemas.microsoft.com/office/drawing/2010/main" xmlns:m="http://schemas.openxmlformats.org/officeDocument/2006/math" xmlns="" val="1"/>
+              <ma14:wrappingTextBoxFlag xmlns="" xmlns:m="http://schemas.openxmlformats.org/officeDocument/2006/math" xmlns:a14="http://schemas.microsoft.com/office/drawing/2010/main" xmlns:ma14="http://schemas.microsoft.com/office/mac/drawingml/2011/main" val="1"/>
             </a:ext>
           </a:extLst>
         </p:spPr>
@@ -11979,7 +11979,7 @@
           </a:ln>
           <a:extLst>
             <a:ext uri="{C572A759-6A51-4108-AA02-DFA0A04FC94B}">
-              <ma14:wrappingTextBoxFlag xmlns:ma14="http://schemas.microsoft.com/office/mac/drawingml/2011/main" xmlns:a14="http://schemas.microsoft.com/office/drawing/2010/main" xmlns:m="http://schemas.openxmlformats.org/officeDocument/2006/math" xmlns="" val="1"/>
+              <ma14:wrappingTextBoxFlag xmlns="" xmlns:m="http://schemas.openxmlformats.org/officeDocument/2006/math" xmlns:a14="http://schemas.microsoft.com/office/drawing/2010/main" xmlns:ma14="http://schemas.microsoft.com/office/mac/drawingml/2011/main" val="1"/>
             </a:ext>
           </a:extLst>
         </p:spPr>
@@ -12030,7 +12030,7 @@
           </a:ln>
           <a:extLst>
             <a:ext uri="{C572A759-6A51-4108-AA02-DFA0A04FC94B}">
-              <ma14:wrappingTextBoxFlag xmlns:ma14="http://schemas.microsoft.com/office/mac/drawingml/2011/main" xmlns:a14="http://schemas.microsoft.com/office/drawing/2010/main" xmlns:m="http://schemas.openxmlformats.org/officeDocument/2006/math" xmlns="" val="1"/>
+              <ma14:wrappingTextBoxFlag xmlns="" xmlns:m="http://schemas.openxmlformats.org/officeDocument/2006/math" xmlns:a14="http://schemas.microsoft.com/office/drawing/2010/main" xmlns:ma14="http://schemas.microsoft.com/office/mac/drawingml/2011/main" val="1"/>
             </a:ext>
           </a:extLst>
         </p:spPr>
@@ -12081,7 +12081,7 @@
           </a:ln>
           <a:extLst>
             <a:ext uri="{C572A759-6A51-4108-AA02-DFA0A04FC94B}">
-              <ma14:wrappingTextBoxFlag xmlns:ma14="http://schemas.microsoft.com/office/mac/drawingml/2011/main" xmlns:a14="http://schemas.microsoft.com/office/drawing/2010/main" xmlns:m="http://schemas.openxmlformats.org/officeDocument/2006/math" xmlns="" val="1"/>
+              <ma14:wrappingTextBoxFlag xmlns="" xmlns:m="http://schemas.openxmlformats.org/officeDocument/2006/math" xmlns:a14="http://schemas.microsoft.com/office/drawing/2010/main" xmlns:ma14="http://schemas.microsoft.com/office/mac/drawingml/2011/main" val="1"/>
             </a:ext>
           </a:extLst>
         </p:spPr>
@@ -12132,7 +12132,7 @@
           </a:ln>
           <a:extLst>
             <a:ext uri="{C572A759-6A51-4108-AA02-DFA0A04FC94B}">
-              <ma14:wrappingTextBoxFlag xmlns:ma14="http://schemas.microsoft.com/office/mac/drawingml/2011/main" xmlns:a14="http://schemas.microsoft.com/office/drawing/2010/main" xmlns:m="http://schemas.openxmlformats.org/officeDocument/2006/math" xmlns="" val="1"/>
+              <ma14:wrappingTextBoxFlag xmlns="" xmlns:m="http://schemas.openxmlformats.org/officeDocument/2006/math" xmlns:a14="http://schemas.microsoft.com/office/drawing/2010/main" xmlns:ma14="http://schemas.microsoft.com/office/mac/drawingml/2011/main" val="1"/>
             </a:ext>
           </a:extLst>
         </p:spPr>
@@ -12183,7 +12183,7 @@
           </a:ln>
           <a:extLst>
             <a:ext uri="{C572A759-6A51-4108-AA02-DFA0A04FC94B}">
-              <ma14:wrappingTextBoxFlag xmlns:ma14="http://schemas.microsoft.com/office/mac/drawingml/2011/main" xmlns:a14="http://schemas.microsoft.com/office/drawing/2010/main" xmlns:m="http://schemas.openxmlformats.org/officeDocument/2006/math" xmlns="" val="1"/>
+              <ma14:wrappingTextBoxFlag xmlns="" xmlns:m="http://schemas.openxmlformats.org/officeDocument/2006/math" xmlns:a14="http://schemas.microsoft.com/office/drawing/2010/main" xmlns:ma14="http://schemas.microsoft.com/office/mac/drawingml/2011/main" val="1"/>
             </a:ext>
           </a:extLst>
         </p:spPr>
@@ -12849,7 +12849,7 @@
           </a:ln>
           <a:extLst>
             <a:ext uri="{C572A759-6A51-4108-AA02-DFA0A04FC94B}">
-              <ma14:wrappingTextBoxFlag xmlns="" xmlns:m="http://schemas.openxmlformats.org/officeDocument/2006/math" xmlns:a14="http://schemas.microsoft.com/office/drawing/2010/main" xmlns:ma14="http://schemas.microsoft.com/office/mac/drawingml/2011/main" val="1"/>
+              <ma14:wrappingTextBoxFlag xmlns:ma14="http://schemas.microsoft.com/office/mac/drawingml/2011/main" xmlns:a14="http://schemas.microsoft.com/office/drawing/2010/main" xmlns:m="http://schemas.openxmlformats.org/officeDocument/2006/math" xmlns="" val="1"/>
             </a:ext>
           </a:extLst>
         </p:spPr>
@@ -12900,7 +12900,7 @@
           </a:ln>
           <a:extLst>
             <a:ext uri="{C572A759-6A51-4108-AA02-DFA0A04FC94B}">
-              <ma14:wrappingTextBoxFlag xmlns="" xmlns:m="http://schemas.openxmlformats.org/officeDocument/2006/math" xmlns:a14="http://schemas.microsoft.com/office/drawing/2010/main" xmlns:ma14="http://schemas.microsoft.com/office/mac/drawingml/2011/main" val="1"/>
+              <ma14:wrappingTextBoxFlag xmlns:ma14="http://schemas.microsoft.com/office/mac/drawingml/2011/main" xmlns:a14="http://schemas.microsoft.com/office/drawing/2010/main" xmlns:m="http://schemas.openxmlformats.org/officeDocument/2006/math" xmlns="" val="1"/>
             </a:ext>
           </a:extLst>
         </p:spPr>
@@ -12951,7 +12951,7 @@
           </a:ln>
           <a:extLst>
             <a:ext uri="{C572A759-6A51-4108-AA02-DFA0A04FC94B}">
-              <ma14:wrappingTextBoxFlag xmlns="" xmlns:m="http://schemas.openxmlformats.org/officeDocument/2006/math" xmlns:a14="http://schemas.microsoft.com/office/drawing/2010/main" xmlns:ma14="http://schemas.microsoft.com/office/mac/drawingml/2011/main" val="1"/>
+              <ma14:wrappingTextBoxFlag xmlns:ma14="http://schemas.microsoft.com/office/mac/drawingml/2011/main" xmlns:a14="http://schemas.microsoft.com/office/drawing/2010/main" xmlns:m="http://schemas.openxmlformats.org/officeDocument/2006/math" xmlns="" val="1"/>
             </a:ext>
           </a:extLst>
         </p:spPr>
@@ -13002,7 +13002,7 @@
           </a:ln>
           <a:extLst>
             <a:ext uri="{C572A759-6A51-4108-AA02-DFA0A04FC94B}">
-              <ma14:wrappingTextBoxFlag xmlns="" xmlns:m="http://schemas.openxmlformats.org/officeDocument/2006/math" xmlns:a14="http://schemas.microsoft.com/office/drawing/2010/main" xmlns:ma14="http://schemas.microsoft.com/office/mac/drawingml/2011/main" val="1"/>
+              <ma14:wrappingTextBoxFlag xmlns:ma14="http://schemas.microsoft.com/office/mac/drawingml/2011/main" xmlns:a14="http://schemas.microsoft.com/office/drawing/2010/main" xmlns:m="http://schemas.openxmlformats.org/officeDocument/2006/math" xmlns="" val="1"/>
             </a:ext>
           </a:extLst>
         </p:spPr>
@@ -13053,7 +13053,7 @@
           </a:ln>
           <a:extLst>
             <a:ext uri="{C572A759-6A51-4108-AA02-DFA0A04FC94B}">
-              <ma14:wrappingTextBoxFlag xmlns="" xmlns:m="http://schemas.openxmlformats.org/officeDocument/2006/math" xmlns:a14="http://schemas.microsoft.com/office/drawing/2010/main" xmlns:ma14="http://schemas.microsoft.com/office/mac/drawingml/2011/main" val="1"/>
+              <ma14:wrappingTextBoxFlag xmlns:ma14="http://schemas.microsoft.com/office/mac/drawingml/2011/main" xmlns:a14="http://schemas.microsoft.com/office/drawing/2010/main" xmlns:m="http://schemas.openxmlformats.org/officeDocument/2006/math" xmlns="" val="1"/>
             </a:ext>
           </a:extLst>
         </p:spPr>
@@ -13104,7 +13104,7 @@
           </a:ln>
           <a:extLst>
             <a:ext uri="{C572A759-6A51-4108-AA02-DFA0A04FC94B}">
-              <ma14:wrappingTextBoxFlag xmlns="" xmlns:m="http://schemas.openxmlformats.org/officeDocument/2006/math" xmlns:a14="http://schemas.microsoft.com/office/drawing/2010/main" xmlns:ma14="http://schemas.microsoft.com/office/mac/drawingml/2011/main" val="1"/>
+              <ma14:wrappingTextBoxFlag xmlns:ma14="http://schemas.microsoft.com/office/mac/drawingml/2011/main" xmlns:a14="http://schemas.microsoft.com/office/drawing/2010/main" xmlns:m="http://schemas.openxmlformats.org/officeDocument/2006/math" xmlns="" val="1"/>
             </a:ext>
           </a:extLst>
         </p:spPr>
@@ -13155,7 +13155,7 @@
           </a:ln>
           <a:extLst>
             <a:ext uri="{C572A759-6A51-4108-AA02-DFA0A04FC94B}">
-              <ma14:wrappingTextBoxFlag xmlns="" xmlns:m="http://schemas.openxmlformats.org/officeDocument/2006/math" xmlns:a14="http://schemas.microsoft.com/office/drawing/2010/main" xmlns:ma14="http://schemas.microsoft.com/office/mac/drawingml/2011/main" val="1"/>
+              <ma14:wrappingTextBoxFlag xmlns:ma14="http://schemas.microsoft.com/office/mac/drawingml/2011/main" xmlns:a14="http://schemas.microsoft.com/office/drawing/2010/main" xmlns:m="http://schemas.openxmlformats.org/officeDocument/2006/math" xmlns="" val="1"/>
             </a:ext>
           </a:extLst>
         </p:spPr>
@@ -13206,7 +13206,7 @@
           </a:ln>
           <a:extLst>
             <a:ext uri="{C572A759-6A51-4108-AA02-DFA0A04FC94B}">
-              <ma14:wrappingTextBoxFlag xmlns="" xmlns:m="http://schemas.openxmlformats.org/officeDocument/2006/math" xmlns:a14="http://schemas.microsoft.com/office/drawing/2010/main" xmlns:ma14="http://schemas.microsoft.com/office/mac/drawingml/2011/main" val="1"/>
+              <ma14:wrappingTextBoxFlag xmlns:ma14="http://schemas.microsoft.com/office/mac/drawingml/2011/main" xmlns:a14="http://schemas.microsoft.com/office/drawing/2010/main" xmlns:m="http://schemas.openxmlformats.org/officeDocument/2006/math" xmlns="" val="1"/>
             </a:ext>
           </a:extLst>
         </p:spPr>
@@ -13257,7 +13257,7 @@
           </a:ln>
           <a:extLst>
             <a:ext uri="{C572A759-6A51-4108-AA02-DFA0A04FC94B}">
-              <ma14:wrappingTextBoxFlag xmlns="" xmlns:m="http://schemas.openxmlformats.org/officeDocument/2006/math" xmlns:a14="http://schemas.microsoft.com/office/drawing/2010/main" xmlns:ma14="http://schemas.microsoft.com/office/mac/drawingml/2011/main" val="1"/>
+              <ma14:wrappingTextBoxFlag xmlns:ma14="http://schemas.microsoft.com/office/mac/drawingml/2011/main" xmlns:a14="http://schemas.microsoft.com/office/drawing/2010/main" xmlns:m="http://schemas.openxmlformats.org/officeDocument/2006/math" xmlns="" val="1"/>
             </a:ext>
           </a:extLst>
         </p:spPr>
@@ -13308,7 +13308,7 @@
           </a:ln>
           <a:extLst>
             <a:ext uri="{C572A759-6A51-4108-AA02-DFA0A04FC94B}">
-              <ma14:wrappingTextBoxFlag xmlns="" xmlns:m="http://schemas.openxmlformats.org/officeDocument/2006/math" xmlns:a14="http://schemas.microsoft.com/office/drawing/2010/main" xmlns:ma14="http://schemas.microsoft.com/office/mac/drawingml/2011/main" val="1"/>
+              <ma14:wrappingTextBoxFlag xmlns:ma14="http://schemas.microsoft.com/office/mac/drawingml/2011/main" xmlns:a14="http://schemas.microsoft.com/office/drawing/2010/main" xmlns:m="http://schemas.openxmlformats.org/officeDocument/2006/math" xmlns="" val="1"/>
             </a:ext>
           </a:extLst>
         </p:spPr>
@@ -13359,7 +13359,7 @@
           </a:ln>
           <a:extLst>
             <a:ext uri="{C572A759-6A51-4108-AA02-DFA0A04FC94B}">
-              <ma14:wrappingTextBoxFlag xmlns="" xmlns:m="http://schemas.openxmlformats.org/officeDocument/2006/math" xmlns:a14="http://schemas.microsoft.com/office/drawing/2010/main" xmlns:ma14="http://schemas.microsoft.com/office/mac/drawingml/2011/main" val="1"/>
+              <ma14:wrappingTextBoxFlag xmlns:ma14="http://schemas.microsoft.com/office/mac/drawingml/2011/main" xmlns:a14="http://schemas.microsoft.com/office/drawing/2010/main" xmlns:m="http://schemas.openxmlformats.org/officeDocument/2006/math" xmlns="" val="1"/>
             </a:ext>
           </a:extLst>
         </p:spPr>
@@ -13410,7 +13410,7 @@
           </a:ln>
           <a:extLst>
             <a:ext uri="{C572A759-6A51-4108-AA02-DFA0A04FC94B}">
-              <ma14:wrappingTextBoxFlag xmlns="" xmlns:m="http://schemas.openxmlformats.org/officeDocument/2006/math" xmlns:a14="http://schemas.microsoft.com/office/drawing/2010/main" xmlns:ma14="http://schemas.microsoft.com/office/mac/drawingml/2011/main" val="1"/>
+              <ma14:wrappingTextBoxFlag xmlns:ma14="http://schemas.microsoft.com/office/mac/drawingml/2011/main" xmlns:a14="http://schemas.microsoft.com/office/drawing/2010/main" xmlns:m="http://schemas.openxmlformats.org/officeDocument/2006/math" xmlns="" val="1"/>
             </a:ext>
           </a:extLst>
         </p:spPr>
@@ -13461,7 +13461,7 @@
           </a:ln>
           <a:extLst>
             <a:ext uri="{C572A759-6A51-4108-AA02-DFA0A04FC94B}">
-              <ma14:wrappingTextBoxFlag xmlns="" xmlns:m="http://schemas.openxmlformats.org/officeDocument/2006/math" xmlns:a14="http://schemas.microsoft.com/office/drawing/2010/main" xmlns:ma14="http://schemas.microsoft.com/office/mac/drawingml/2011/main" val="1"/>
+              <ma14:wrappingTextBoxFlag xmlns:ma14="http://schemas.microsoft.com/office/mac/drawingml/2011/main" xmlns:a14="http://schemas.microsoft.com/office/drawing/2010/main" xmlns:m="http://schemas.openxmlformats.org/officeDocument/2006/math" xmlns="" val="1"/>
             </a:ext>
           </a:extLst>
         </p:spPr>
@@ -13512,7 +13512,7 @@
           </a:ln>
           <a:extLst>
             <a:ext uri="{C572A759-6A51-4108-AA02-DFA0A04FC94B}">
-              <ma14:wrappingTextBoxFlag xmlns="" xmlns:m="http://schemas.openxmlformats.org/officeDocument/2006/math" xmlns:a14="http://schemas.microsoft.com/office/drawing/2010/main" xmlns:ma14="http://schemas.microsoft.com/office/mac/drawingml/2011/main" val="1"/>
+              <ma14:wrappingTextBoxFlag xmlns:ma14="http://schemas.microsoft.com/office/mac/drawingml/2011/main" xmlns:a14="http://schemas.microsoft.com/office/drawing/2010/main" xmlns:m="http://schemas.openxmlformats.org/officeDocument/2006/math" xmlns="" val="1"/>
             </a:ext>
           </a:extLst>
         </p:spPr>
@@ -13563,7 +13563,7 @@
           </a:ln>
           <a:extLst>
             <a:ext uri="{C572A759-6A51-4108-AA02-DFA0A04FC94B}">
-              <ma14:wrappingTextBoxFlag xmlns="" xmlns:m="http://schemas.openxmlformats.org/officeDocument/2006/math" xmlns:a14="http://schemas.microsoft.com/office/drawing/2010/main" xmlns:ma14="http://schemas.microsoft.com/office/mac/drawingml/2011/main" val="1"/>
+              <ma14:wrappingTextBoxFlag xmlns:ma14="http://schemas.microsoft.com/office/mac/drawingml/2011/main" xmlns:a14="http://schemas.microsoft.com/office/drawing/2010/main" xmlns:m="http://schemas.openxmlformats.org/officeDocument/2006/math" xmlns="" val="1"/>
             </a:ext>
           </a:extLst>
         </p:spPr>
@@ -13614,7 +13614,7 @@
           </a:ln>
           <a:extLst>
             <a:ext uri="{C572A759-6A51-4108-AA02-DFA0A04FC94B}">
-              <ma14:wrappingTextBoxFlag xmlns="" xmlns:m="http://schemas.openxmlformats.org/officeDocument/2006/math" xmlns:a14="http://schemas.microsoft.com/office/drawing/2010/main" xmlns:ma14="http://schemas.microsoft.com/office/mac/drawingml/2011/main" val="1"/>
+              <ma14:wrappingTextBoxFlag xmlns:ma14="http://schemas.microsoft.com/office/mac/drawingml/2011/main" xmlns:a14="http://schemas.microsoft.com/office/drawing/2010/main" xmlns:m="http://schemas.openxmlformats.org/officeDocument/2006/math" xmlns="" val="1"/>
             </a:ext>
           </a:extLst>
         </p:spPr>
@@ -13665,7 +13665,7 @@
           </a:ln>
           <a:extLst>
             <a:ext uri="{C572A759-6A51-4108-AA02-DFA0A04FC94B}">
-              <ma14:wrappingTextBoxFlag xmlns="" xmlns:m="http://schemas.openxmlformats.org/officeDocument/2006/math" xmlns:a14="http://schemas.microsoft.com/office/drawing/2010/main" xmlns:ma14="http://schemas.microsoft.com/office/mac/drawingml/2011/main" val="1"/>
+              <ma14:wrappingTextBoxFlag xmlns:ma14="http://schemas.microsoft.com/office/mac/drawingml/2011/main" xmlns:a14="http://schemas.microsoft.com/office/drawing/2010/main" xmlns:m="http://schemas.openxmlformats.org/officeDocument/2006/math" xmlns="" val="1"/>
             </a:ext>
           </a:extLst>
         </p:spPr>
@@ -13716,7 +13716,7 @@
           </a:ln>
           <a:extLst>
             <a:ext uri="{C572A759-6A51-4108-AA02-DFA0A04FC94B}">
-              <ma14:wrappingTextBoxFlag xmlns="" xmlns:m="http://schemas.openxmlformats.org/officeDocument/2006/math" xmlns:a14="http://schemas.microsoft.com/office/drawing/2010/main" xmlns:ma14="http://schemas.microsoft.com/office/mac/drawingml/2011/main" val="1"/>
+              <ma14:wrappingTextBoxFlag xmlns:ma14="http://schemas.microsoft.com/office/mac/drawingml/2011/main" xmlns:a14="http://schemas.microsoft.com/office/drawing/2010/main" xmlns:m="http://schemas.openxmlformats.org/officeDocument/2006/math" xmlns="" val="1"/>
             </a:ext>
           </a:extLst>
         </p:spPr>
@@ -13767,7 +13767,7 @@
           </a:ln>
           <a:extLst>
             <a:ext uri="{C572A759-6A51-4108-AA02-DFA0A04FC94B}">
-              <ma14:wrappingTextBoxFlag xmlns="" xmlns:m="http://schemas.openxmlformats.org/officeDocument/2006/math" xmlns:a14="http://schemas.microsoft.com/office/drawing/2010/main" xmlns:ma14="http://schemas.microsoft.com/office/mac/drawingml/2011/main" val="1"/>
+              <ma14:wrappingTextBoxFlag xmlns:ma14="http://schemas.microsoft.com/office/mac/drawingml/2011/main" xmlns:a14="http://schemas.microsoft.com/office/drawing/2010/main" xmlns:m="http://schemas.openxmlformats.org/officeDocument/2006/math" xmlns="" val="1"/>
             </a:ext>
           </a:extLst>
         </p:spPr>
@@ -13818,7 +13818,7 @@
           </a:ln>
           <a:extLst>
             <a:ext uri="{C572A759-6A51-4108-AA02-DFA0A04FC94B}">
-              <ma14:wrappingTextBoxFlag xmlns="" xmlns:m="http://schemas.openxmlformats.org/officeDocument/2006/math" xmlns:a14="http://schemas.microsoft.com/office/drawing/2010/main" xmlns:ma14="http://schemas.microsoft.com/office/mac/drawingml/2011/main" val="1"/>
+              <ma14:wrappingTextBoxFlag xmlns:ma14="http://schemas.microsoft.com/office/mac/drawingml/2011/main" xmlns:a14="http://schemas.microsoft.com/office/drawing/2010/main" xmlns:m="http://schemas.openxmlformats.org/officeDocument/2006/math" xmlns="" val="1"/>
             </a:ext>
           </a:extLst>
         </p:spPr>
@@ -13869,7 +13869,7 @@
           </a:ln>
           <a:extLst>
             <a:ext uri="{C572A759-6A51-4108-AA02-DFA0A04FC94B}">
-              <ma14:wrappingTextBoxFlag xmlns="" xmlns:m="http://schemas.openxmlformats.org/officeDocument/2006/math" xmlns:a14="http://schemas.microsoft.com/office/drawing/2010/main" xmlns:ma14="http://schemas.microsoft.com/office/mac/drawingml/2011/main" val="1"/>
+              <ma14:wrappingTextBoxFlag xmlns:ma14="http://schemas.microsoft.com/office/mac/drawingml/2011/main" xmlns:a14="http://schemas.microsoft.com/office/drawing/2010/main" xmlns:m="http://schemas.openxmlformats.org/officeDocument/2006/math" xmlns="" val="1"/>
             </a:ext>
           </a:extLst>
         </p:spPr>
@@ -13920,7 +13920,7 @@
           </a:ln>
           <a:extLst>
             <a:ext uri="{C572A759-6A51-4108-AA02-DFA0A04FC94B}">
-              <ma14:wrappingTextBoxFlag xmlns="" xmlns:m="http://schemas.openxmlformats.org/officeDocument/2006/math" xmlns:a14="http://schemas.microsoft.com/office/drawing/2010/main" xmlns:ma14="http://schemas.microsoft.com/office/mac/drawingml/2011/main" val="1"/>
+              <ma14:wrappingTextBoxFlag xmlns:ma14="http://schemas.microsoft.com/office/mac/drawingml/2011/main" xmlns:a14="http://schemas.microsoft.com/office/drawing/2010/main" xmlns:m="http://schemas.openxmlformats.org/officeDocument/2006/math" xmlns="" val="1"/>
             </a:ext>
           </a:extLst>
         </p:spPr>
@@ -13971,7 +13971,7 @@
           </a:ln>
           <a:extLst>
             <a:ext uri="{C572A759-6A51-4108-AA02-DFA0A04FC94B}">
-              <ma14:wrappingTextBoxFlag xmlns="" xmlns:m="http://schemas.openxmlformats.org/officeDocument/2006/math" xmlns:a14="http://schemas.microsoft.com/office/drawing/2010/main" xmlns:ma14="http://schemas.microsoft.com/office/mac/drawingml/2011/main" val="1"/>
+              <ma14:wrappingTextBoxFlag xmlns:ma14="http://schemas.microsoft.com/office/mac/drawingml/2011/main" xmlns:a14="http://schemas.microsoft.com/office/drawing/2010/main" xmlns:m="http://schemas.openxmlformats.org/officeDocument/2006/math" xmlns="" val="1"/>
             </a:ext>
           </a:extLst>
         </p:spPr>
@@ -14022,7 +14022,7 @@
           </a:ln>
           <a:extLst>
             <a:ext uri="{C572A759-6A51-4108-AA02-DFA0A04FC94B}">
-              <ma14:wrappingTextBoxFlag xmlns="" xmlns:m="http://schemas.openxmlformats.org/officeDocument/2006/math" xmlns:a14="http://schemas.microsoft.com/office/drawing/2010/main" xmlns:ma14="http://schemas.microsoft.com/office/mac/drawingml/2011/main" val="1"/>
+              <ma14:wrappingTextBoxFlag xmlns:ma14="http://schemas.microsoft.com/office/mac/drawingml/2011/main" xmlns:a14="http://schemas.microsoft.com/office/drawing/2010/main" xmlns:m="http://schemas.openxmlformats.org/officeDocument/2006/math" xmlns="" val="1"/>
             </a:ext>
           </a:extLst>
         </p:spPr>
@@ -14073,7 +14073,7 @@
           </a:ln>
           <a:extLst>
             <a:ext uri="{C572A759-6A51-4108-AA02-DFA0A04FC94B}">
-              <ma14:wrappingTextBoxFlag xmlns="" xmlns:m="http://schemas.openxmlformats.org/officeDocument/2006/math" xmlns:a14="http://schemas.microsoft.com/office/drawing/2010/main" xmlns:ma14="http://schemas.microsoft.com/office/mac/drawingml/2011/main" val="1"/>
+              <ma14:wrappingTextBoxFlag xmlns:ma14="http://schemas.microsoft.com/office/mac/drawingml/2011/main" xmlns:a14="http://schemas.microsoft.com/office/drawing/2010/main" xmlns:m="http://schemas.openxmlformats.org/officeDocument/2006/math" xmlns="" val="1"/>
             </a:ext>
           </a:extLst>
         </p:spPr>
@@ -14124,7 +14124,7 @@
           </a:ln>
           <a:extLst>
             <a:ext uri="{C572A759-6A51-4108-AA02-DFA0A04FC94B}">
-              <ma14:wrappingTextBoxFlag xmlns="" xmlns:m="http://schemas.openxmlformats.org/officeDocument/2006/math" xmlns:a14="http://schemas.microsoft.com/office/drawing/2010/main" xmlns:ma14="http://schemas.microsoft.com/office/mac/drawingml/2011/main" val="1"/>
+              <ma14:wrappingTextBoxFlag xmlns:ma14="http://schemas.microsoft.com/office/mac/drawingml/2011/main" xmlns:a14="http://schemas.microsoft.com/office/drawing/2010/main" xmlns:m="http://schemas.openxmlformats.org/officeDocument/2006/math" xmlns="" val="1"/>
             </a:ext>
           </a:extLst>
         </p:spPr>
@@ -14175,7 +14175,7 @@
           </a:ln>
           <a:extLst>
             <a:ext uri="{C572A759-6A51-4108-AA02-DFA0A04FC94B}">
-              <ma14:wrappingTextBoxFlag xmlns="" xmlns:m="http://schemas.openxmlformats.org/officeDocument/2006/math" xmlns:a14="http://schemas.microsoft.com/office/drawing/2010/main" xmlns:ma14="http://schemas.microsoft.com/office/mac/drawingml/2011/main" val="1"/>
+              <ma14:wrappingTextBoxFlag xmlns:ma14="http://schemas.microsoft.com/office/mac/drawingml/2011/main" xmlns:a14="http://schemas.microsoft.com/office/drawing/2010/main" xmlns:m="http://schemas.openxmlformats.org/officeDocument/2006/math" xmlns="" val="1"/>
             </a:ext>
           </a:extLst>
         </p:spPr>
@@ -14226,7 +14226,7 @@
           </a:ln>
           <a:extLst>
             <a:ext uri="{C572A759-6A51-4108-AA02-DFA0A04FC94B}">
-              <ma14:wrappingTextBoxFlag xmlns="" xmlns:m="http://schemas.openxmlformats.org/officeDocument/2006/math" xmlns:a14="http://schemas.microsoft.com/office/drawing/2010/main" xmlns:ma14="http://schemas.microsoft.com/office/mac/drawingml/2011/main" val="1"/>
+              <ma14:wrappingTextBoxFlag xmlns:ma14="http://schemas.microsoft.com/office/mac/drawingml/2011/main" xmlns:a14="http://schemas.microsoft.com/office/drawing/2010/main" xmlns:m="http://schemas.openxmlformats.org/officeDocument/2006/math" xmlns="" val="1"/>
             </a:ext>
           </a:extLst>
         </p:spPr>
@@ -14277,7 +14277,7 @@
           </a:ln>
           <a:extLst>
             <a:ext uri="{C572A759-6A51-4108-AA02-DFA0A04FC94B}">
-              <ma14:wrappingTextBoxFlag xmlns="" xmlns:m="http://schemas.openxmlformats.org/officeDocument/2006/math" xmlns:a14="http://schemas.microsoft.com/office/drawing/2010/main" xmlns:ma14="http://schemas.microsoft.com/office/mac/drawingml/2011/main" val="1"/>
+              <ma14:wrappingTextBoxFlag xmlns:ma14="http://schemas.microsoft.com/office/mac/drawingml/2011/main" xmlns:a14="http://schemas.microsoft.com/office/drawing/2010/main" xmlns:m="http://schemas.openxmlformats.org/officeDocument/2006/math" xmlns="" val="1"/>
             </a:ext>
           </a:extLst>
         </p:spPr>
@@ -14328,7 +14328,7 @@
           </a:ln>
           <a:extLst>
             <a:ext uri="{C572A759-6A51-4108-AA02-DFA0A04FC94B}">
-              <ma14:wrappingTextBoxFlag xmlns="" xmlns:m="http://schemas.openxmlformats.org/officeDocument/2006/math" xmlns:a14="http://schemas.microsoft.com/office/drawing/2010/main" xmlns:ma14="http://schemas.microsoft.com/office/mac/drawingml/2011/main" val="1"/>
+              <ma14:wrappingTextBoxFlag xmlns:ma14="http://schemas.microsoft.com/office/mac/drawingml/2011/main" xmlns:a14="http://schemas.microsoft.com/office/drawing/2010/main" xmlns:m="http://schemas.openxmlformats.org/officeDocument/2006/math" xmlns="" val="1"/>
             </a:ext>
           </a:extLst>
         </p:spPr>
@@ -14902,7 +14902,7 @@
           </a:ln>
           <a:extLst>
             <a:ext uri="{C572A759-6A51-4108-AA02-DFA0A04FC94B}">
-              <ma14:wrappingTextBoxFlag xmlns="" xmlns:m="http://schemas.openxmlformats.org/officeDocument/2006/math" xmlns:a14="http://schemas.microsoft.com/office/drawing/2010/main" xmlns:ma14="http://schemas.microsoft.com/office/mac/drawingml/2011/main" val="1"/>
+              <ma14:wrappingTextBoxFlag xmlns:ma14="http://schemas.microsoft.com/office/mac/drawingml/2011/main" xmlns:a14="http://schemas.microsoft.com/office/drawing/2010/main" xmlns:m="http://schemas.openxmlformats.org/officeDocument/2006/math" xmlns="" val="1"/>
             </a:ext>
           </a:extLst>
         </p:spPr>
@@ -14953,7 +14953,7 @@
           </a:ln>
           <a:extLst>
             <a:ext uri="{C572A759-6A51-4108-AA02-DFA0A04FC94B}">
-              <ma14:wrappingTextBoxFlag xmlns="" xmlns:m="http://schemas.openxmlformats.org/officeDocument/2006/math" xmlns:a14="http://schemas.microsoft.com/office/drawing/2010/main" xmlns:ma14="http://schemas.microsoft.com/office/mac/drawingml/2011/main" val="1"/>
+              <ma14:wrappingTextBoxFlag xmlns:ma14="http://schemas.microsoft.com/office/mac/drawingml/2011/main" xmlns:a14="http://schemas.microsoft.com/office/drawing/2010/main" xmlns:m="http://schemas.openxmlformats.org/officeDocument/2006/math" xmlns="" val="1"/>
             </a:ext>
           </a:extLst>
         </p:spPr>
@@ -15004,7 +15004,7 @@
           </a:ln>
           <a:extLst>
             <a:ext uri="{C572A759-6A51-4108-AA02-DFA0A04FC94B}">
-              <ma14:wrappingTextBoxFlag xmlns="" xmlns:m="http://schemas.openxmlformats.org/officeDocument/2006/math" xmlns:a14="http://schemas.microsoft.com/office/drawing/2010/main" xmlns:ma14="http://schemas.microsoft.com/office/mac/drawingml/2011/main" val="1"/>
+              <ma14:wrappingTextBoxFlag xmlns:ma14="http://schemas.microsoft.com/office/mac/drawingml/2011/main" xmlns:a14="http://schemas.microsoft.com/office/drawing/2010/main" xmlns:m="http://schemas.openxmlformats.org/officeDocument/2006/math" xmlns="" val="1"/>
             </a:ext>
           </a:extLst>
         </p:spPr>
@@ -15055,7 +15055,7 @@
           </a:ln>
           <a:extLst>
             <a:ext uri="{C572A759-6A51-4108-AA02-DFA0A04FC94B}">
-              <ma14:wrappingTextBoxFlag xmlns="" xmlns:m="http://schemas.openxmlformats.org/officeDocument/2006/math" xmlns:a14="http://schemas.microsoft.com/office/drawing/2010/main" xmlns:ma14="http://schemas.microsoft.com/office/mac/drawingml/2011/main" val="1"/>
+              <ma14:wrappingTextBoxFlag xmlns:ma14="http://schemas.microsoft.com/office/mac/drawingml/2011/main" xmlns:a14="http://schemas.microsoft.com/office/drawing/2010/main" xmlns:m="http://schemas.openxmlformats.org/officeDocument/2006/math" xmlns="" val="1"/>
             </a:ext>
           </a:extLst>
         </p:spPr>
@@ -15106,7 +15106,7 @@
           </a:ln>
           <a:extLst>
             <a:ext uri="{C572A759-6A51-4108-AA02-DFA0A04FC94B}">
-              <ma14:wrappingTextBoxFlag xmlns="" xmlns:m="http://schemas.openxmlformats.org/officeDocument/2006/math" xmlns:a14="http://schemas.microsoft.com/office/drawing/2010/main" xmlns:ma14="http://schemas.microsoft.com/office/mac/drawingml/2011/main" val="1"/>
+              <ma14:wrappingTextBoxFlag xmlns:ma14="http://schemas.microsoft.com/office/mac/drawingml/2011/main" xmlns:a14="http://schemas.microsoft.com/office/drawing/2010/main" xmlns:m="http://schemas.openxmlformats.org/officeDocument/2006/math" xmlns="" val="1"/>
             </a:ext>
           </a:extLst>
         </p:spPr>
@@ -15157,7 +15157,7 @@
           </a:ln>
           <a:extLst>
             <a:ext uri="{C572A759-6A51-4108-AA02-DFA0A04FC94B}">
-              <ma14:wrappingTextBoxFlag xmlns="" xmlns:m="http://schemas.openxmlformats.org/officeDocument/2006/math" xmlns:a14="http://schemas.microsoft.com/office/drawing/2010/main" xmlns:ma14="http://schemas.microsoft.com/office/mac/drawingml/2011/main" val="1"/>
+              <ma14:wrappingTextBoxFlag xmlns:ma14="http://schemas.microsoft.com/office/mac/drawingml/2011/main" xmlns:a14="http://schemas.microsoft.com/office/drawing/2010/main" xmlns:m="http://schemas.openxmlformats.org/officeDocument/2006/math" xmlns="" val="1"/>
             </a:ext>
           </a:extLst>
         </p:spPr>
@@ -15208,7 +15208,7 @@
           </a:ln>
           <a:extLst>
             <a:ext uri="{C572A759-6A51-4108-AA02-DFA0A04FC94B}">
-              <ma14:wrappingTextBoxFlag xmlns="" xmlns:m="http://schemas.openxmlformats.org/officeDocument/2006/math" xmlns:a14="http://schemas.microsoft.com/office/drawing/2010/main" xmlns:ma14="http://schemas.microsoft.com/office/mac/drawingml/2011/main" val="1"/>
+              <ma14:wrappingTextBoxFlag xmlns:ma14="http://schemas.microsoft.com/office/mac/drawingml/2011/main" xmlns:a14="http://schemas.microsoft.com/office/drawing/2010/main" xmlns:m="http://schemas.openxmlformats.org/officeDocument/2006/math" xmlns="" val="1"/>
             </a:ext>
           </a:extLst>
         </p:spPr>
@@ -15259,7 +15259,7 @@
           </a:ln>
           <a:extLst>
             <a:ext uri="{C572A759-6A51-4108-AA02-DFA0A04FC94B}">
-              <ma14:wrappingTextBoxFlag xmlns="" xmlns:m="http://schemas.openxmlformats.org/officeDocument/2006/math" xmlns:a14="http://schemas.microsoft.com/office/drawing/2010/main" xmlns:ma14="http://schemas.microsoft.com/office/mac/drawingml/2011/main" val="1"/>
+              <ma14:wrappingTextBoxFlag xmlns:ma14="http://schemas.microsoft.com/office/mac/drawingml/2011/main" xmlns:a14="http://schemas.microsoft.com/office/drawing/2010/main" xmlns:m="http://schemas.openxmlformats.org/officeDocument/2006/math" xmlns="" val="1"/>
             </a:ext>
           </a:extLst>
         </p:spPr>
@@ -15310,7 +15310,7 @@
           </a:ln>
           <a:extLst>
             <a:ext uri="{C572A759-6A51-4108-AA02-DFA0A04FC94B}">
-              <ma14:wrappingTextBoxFlag xmlns="" xmlns:m="http://schemas.openxmlformats.org/officeDocument/2006/math" xmlns:a14="http://schemas.microsoft.com/office/drawing/2010/main" xmlns:ma14="http://schemas.microsoft.com/office/mac/drawingml/2011/main" val="1"/>
+              <ma14:wrappingTextBoxFlag xmlns:ma14="http://schemas.microsoft.com/office/mac/drawingml/2011/main" xmlns:a14="http://schemas.microsoft.com/office/drawing/2010/main" xmlns:m="http://schemas.openxmlformats.org/officeDocument/2006/math" xmlns="" val="1"/>
             </a:ext>
           </a:extLst>
         </p:spPr>
@@ -15361,7 +15361,7 @@
           </a:ln>
           <a:extLst>
             <a:ext uri="{C572A759-6A51-4108-AA02-DFA0A04FC94B}">
-              <ma14:wrappingTextBoxFlag xmlns="" xmlns:m="http://schemas.openxmlformats.org/officeDocument/2006/math" xmlns:a14="http://schemas.microsoft.com/office/drawing/2010/main" xmlns:ma14="http://schemas.microsoft.com/office/mac/drawingml/2011/main" val="1"/>
+              <ma14:wrappingTextBoxFlag xmlns:ma14="http://schemas.microsoft.com/office/mac/drawingml/2011/main" xmlns:a14="http://schemas.microsoft.com/office/drawing/2010/main" xmlns:m="http://schemas.openxmlformats.org/officeDocument/2006/math" xmlns="" val="1"/>
             </a:ext>
           </a:extLst>
         </p:spPr>
@@ -15412,7 +15412,7 @@
           </a:ln>
           <a:extLst>
             <a:ext uri="{C572A759-6A51-4108-AA02-DFA0A04FC94B}">
-              <ma14:wrappingTextBoxFlag xmlns="" xmlns:m="http://schemas.openxmlformats.org/officeDocument/2006/math" xmlns:a14="http://schemas.microsoft.com/office/drawing/2010/main" xmlns:ma14="http://schemas.microsoft.com/office/mac/drawingml/2011/main" val="1"/>
+              <ma14:wrappingTextBoxFlag xmlns:ma14="http://schemas.microsoft.com/office/mac/drawingml/2011/main" xmlns:a14="http://schemas.microsoft.com/office/drawing/2010/main" xmlns:m="http://schemas.openxmlformats.org/officeDocument/2006/math" xmlns="" val="1"/>
             </a:ext>
           </a:extLst>
         </p:spPr>
@@ -15463,7 +15463,7 @@
           </a:ln>
           <a:extLst>
             <a:ext uri="{C572A759-6A51-4108-AA02-DFA0A04FC94B}">
-              <ma14:wrappingTextBoxFlag xmlns="" xmlns:m="http://schemas.openxmlformats.org/officeDocument/2006/math" xmlns:a14="http://schemas.microsoft.com/office/drawing/2010/main" xmlns:ma14="http://schemas.microsoft.com/office/mac/drawingml/2011/main" val="1"/>
+              <ma14:wrappingTextBoxFlag xmlns:ma14="http://schemas.microsoft.com/office/mac/drawingml/2011/main" xmlns:a14="http://schemas.microsoft.com/office/drawing/2010/main" xmlns:m="http://schemas.openxmlformats.org/officeDocument/2006/math" xmlns="" val="1"/>
             </a:ext>
           </a:extLst>
         </p:spPr>
@@ -15514,7 +15514,7 @@
           </a:ln>
           <a:extLst>
             <a:ext uri="{C572A759-6A51-4108-AA02-DFA0A04FC94B}">
-              <ma14:wrappingTextBoxFlag xmlns="" xmlns:m="http://schemas.openxmlformats.org/officeDocument/2006/math" xmlns:a14="http://schemas.microsoft.com/office/drawing/2010/main" xmlns:ma14="http://schemas.microsoft.com/office/mac/drawingml/2011/main" val="1"/>
+              <ma14:wrappingTextBoxFlag xmlns:ma14="http://schemas.microsoft.com/office/mac/drawingml/2011/main" xmlns:a14="http://schemas.microsoft.com/office/drawing/2010/main" xmlns:m="http://schemas.openxmlformats.org/officeDocument/2006/math" xmlns="" val="1"/>
             </a:ext>
           </a:extLst>
         </p:spPr>
@@ -15565,7 +15565,7 @@
           </a:ln>
           <a:extLst>
             <a:ext uri="{C572A759-6A51-4108-AA02-DFA0A04FC94B}">
-              <ma14:wrappingTextBoxFlag xmlns="" xmlns:m="http://schemas.openxmlformats.org/officeDocument/2006/math" xmlns:a14="http://schemas.microsoft.com/office/drawing/2010/main" xmlns:ma14="http://schemas.microsoft.com/office/mac/drawingml/2011/main" val="1"/>
+              <ma14:wrappingTextBoxFlag xmlns:ma14="http://schemas.microsoft.com/office/mac/drawingml/2011/main" xmlns:a14="http://schemas.microsoft.com/office/drawing/2010/main" xmlns:m="http://schemas.openxmlformats.org/officeDocument/2006/math" xmlns="" val="1"/>
             </a:ext>
           </a:extLst>
         </p:spPr>
@@ -15616,7 +15616,7 @@
           </a:ln>
           <a:extLst>
             <a:ext uri="{C572A759-6A51-4108-AA02-DFA0A04FC94B}">
-              <ma14:wrappingTextBoxFlag xmlns="" xmlns:m="http://schemas.openxmlformats.org/officeDocument/2006/math" xmlns:a14="http://schemas.microsoft.com/office/drawing/2010/main" xmlns:ma14="http://schemas.microsoft.com/office/mac/drawingml/2011/main" val="1"/>
+              <ma14:wrappingTextBoxFlag xmlns:ma14="http://schemas.microsoft.com/office/mac/drawingml/2011/main" xmlns:a14="http://schemas.microsoft.com/office/drawing/2010/main" xmlns:m="http://schemas.openxmlformats.org/officeDocument/2006/math" xmlns="" val="1"/>
             </a:ext>
           </a:extLst>
         </p:spPr>
@@ -15667,7 +15667,7 @@
           </a:ln>
           <a:extLst>
             <a:ext uri="{C572A759-6A51-4108-AA02-DFA0A04FC94B}">
-              <ma14:wrappingTextBoxFlag xmlns="" xmlns:m="http://schemas.openxmlformats.org/officeDocument/2006/math" xmlns:a14="http://schemas.microsoft.com/office/drawing/2010/main" xmlns:ma14="http://schemas.microsoft.com/office/mac/drawingml/2011/main" val="1"/>
+              <ma14:wrappingTextBoxFlag xmlns:ma14="http://schemas.microsoft.com/office/mac/drawingml/2011/main" xmlns:a14="http://schemas.microsoft.com/office/drawing/2010/main" xmlns:m="http://schemas.openxmlformats.org/officeDocument/2006/math" xmlns="" val="1"/>
             </a:ext>
           </a:extLst>
         </p:spPr>
@@ -15718,7 +15718,7 @@
           </a:ln>
           <a:extLst>
             <a:ext uri="{C572A759-6A51-4108-AA02-DFA0A04FC94B}">
-              <ma14:wrappingTextBoxFlag xmlns="" xmlns:m="http://schemas.openxmlformats.org/officeDocument/2006/math" xmlns:a14="http://schemas.microsoft.com/office/drawing/2010/main" xmlns:ma14="http://schemas.microsoft.com/office/mac/drawingml/2011/main" val="1"/>
+              <ma14:wrappingTextBoxFlag xmlns:ma14="http://schemas.microsoft.com/office/mac/drawingml/2011/main" xmlns:a14="http://schemas.microsoft.com/office/drawing/2010/main" xmlns:m="http://schemas.openxmlformats.org/officeDocument/2006/math" xmlns="" val="1"/>
             </a:ext>
           </a:extLst>
         </p:spPr>
@@ -15769,7 +15769,7 @@
           </a:ln>
           <a:extLst>
             <a:ext uri="{C572A759-6A51-4108-AA02-DFA0A04FC94B}">
-              <ma14:wrappingTextBoxFlag xmlns="" xmlns:m="http://schemas.openxmlformats.org/officeDocument/2006/math" xmlns:a14="http://schemas.microsoft.com/office/drawing/2010/main" xmlns:ma14="http://schemas.microsoft.com/office/mac/drawingml/2011/main" val="1"/>
+              <ma14:wrappingTextBoxFlag xmlns:ma14="http://schemas.microsoft.com/office/mac/drawingml/2011/main" xmlns:a14="http://schemas.microsoft.com/office/drawing/2010/main" xmlns:m="http://schemas.openxmlformats.org/officeDocument/2006/math" xmlns="" val="1"/>
             </a:ext>
           </a:extLst>
         </p:spPr>
@@ -15820,7 +15820,7 @@
           </a:ln>
           <a:extLst>
             <a:ext uri="{C572A759-6A51-4108-AA02-DFA0A04FC94B}">
-              <ma14:wrappingTextBoxFlag xmlns="" xmlns:m="http://schemas.openxmlformats.org/officeDocument/2006/math" xmlns:a14="http://schemas.microsoft.com/office/drawing/2010/main" xmlns:ma14="http://schemas.microsoft.com/office/mac/drawingml/2011/main" val="1"/>
+              <ma14:wrappingTextBoxFlag xmlns:ma14="http://schemas.microsoft.com/office/mac/drawingml/2011/main" xmlns:a14="http://schemas.microsoft.com/office/drawing/2010/main" xmlns:m="http://schemas.openxmlformats.org/officeDocument/2006/math" xmlns="" val="1"/>
             </a:ext>
           </a:extLst>
         </p:spPr>
@@ -15871,7 +15871,7 @@
           </a:ln>
           <a:extLst>
             <a:ext uri="{C572A759-6A51-4108-AA02-DFA0A04FC94B}">
-              <ma14:wrappingTextBoxFlag xmlns="" xmlns:m="http://schemas.openxmlformats.org/officeDocument/2006/math" xmlns:a14="http://schemas.microsoft.com/office/drawing/2010/main" xmlns:ma14="http://schemas.microsoft.com/office/mac/drawingml/2011/main" val="1"/>
+              <ma14:wrappingTextBoxFlag xmlns:ma14="http://schemas.microsoft.com/office/mac/drawingml/2011/main" xmlns:a14="http://schemas.microsoft.com/office/drawing/2010/main" xmlns:m="http://schemas.openxmlformats.org/officeDocument/2006/math" xmlns="" val="1"/>
             </a:ext>
           </a:extLst>
         </p:spPr>
@@ -15922,7 +15922,7 @@
           </a:ln>
           <a:extLst>
             <a:ext uri="{C572A759-6A51-4108-AA02-DFA0A04FC94B}">
-              <ma14:wrappingTextBoxFlag xmlns="" xmlns:m="http://schemas.openxmlformats.org/officeDocument/2006/math" xmlns:a14="http://schemas.microsoft.com/office/drawing/2010/main" xmlns:ma14="http://schemas.microsoft.com/office/mac/drawingml/2011/main" val="1"/>
+              <ma14:wrappingTextBoxFlag xmlns:ma14="http://schemas.microsoft.com/office/mac/drawingml/2011/main" xmlns:a14="http://schemas.microsoft.com/office/drawing/2010/main" xmlns:m="http://schemas.openxmlformats.org/officeDocument/2006/math" xmlns="" val="1"/>
             </a:ext>
           </a:extLst>
         </p:spPr>
@@ -15973,7 +15973,7 @@
           </a:ln>
           <a:extLst>
             <a:ext uri="{C572A759-6A51-4108-AA02-DFA0A04FC94B}">
-              <ma14:wrappingTextBoxFlag xmlns="" xmlns:m="http://schemas.openxmlformats.org/officeDocument/2006/math" xmlns:a14="http://schemas.microsoft.com/office/drawing/2010/main" xmlns:ma14="http://schemas.microsoft.com/office/mac/drawingml/2011/main" val="1"/>
+              <ma14:wrappingTextBoxFlag xmlns:ma14="http://schemas.microsoft.com/office/mac/drawingml/2011/main" xmlns:a14="http://schemas.microsoft.com/office/drawing/2010/main" xmlns:m="http://schemas.openxmlformats.org/officeDocument/2006/math" xmlns="" val="1"/>
             </a:ext>
           </a:extLst>
         </p:spPr>
@@ -16024,7 +16024,7 @@
           </a:ln>
           <a:extLst>
             <a:ext uri="{C572A759-6A51-4108-AA02-DFA0A04FC94B}">
-              <ma14:wrappingTextBoxFlag xmlns="" xmlns:m="http://schemas.openxmlformats.org/officeDocument/2006/math" xmlns:a14="http://schemas.microsoft.com/office/drawing/2010/main" xmlns:ma14="http://schemas.microsoft.com/office/mac/drawingml/2011/main" val="1"/>
+              <ma14:wrappingTextBoxFlag xmlns:ma14="http://schemas.microsoft.com/office/mac/drawingml/2011/main" xmlns:a14="http://schemas.microsoft.com/office/drawing/2010/main" xmlns:m="http://schemas.openxmlformats.org/officeDocument/2006/math" xmlns="" val="1"/>
             </a:ext>
           </a:extLst>
         </p:spPr>
@@ -16075,7 +16075,7 @@
           </a:ln>
           <a:extLst>
             <a:ext uri="{C572A759-6A51-4108-AA02-DFA0A04FC94B}">
-              <ma14:wrappingTextBoxFlag xmlns="" xmlns:m="http://schemas.openxmlformats.org/officeDocument/2006/math" xmlns:a14="http://schemas.microsoft.com/office/drawing/2010/main" xmlns:ma14="http://schemas.microsoft.com/office/mac/drawingml/2011/main" val="1"/>
+              <ma14:wrappingTextBoxFlag xmlns:ma14="http://schemas.microsoft.com/office/mac/drawingml/2011/main" xmlns:a14="http://schemas.microsoft.com/office/drawing/2010/main" xmlns:m="http://schemas.openxmlformats.org/officeDocument/2006/math" xmlns="" val="1"/>
             </a:ext>
           </a:extLst>
         </p:spPr>
@@ -16126,7 +16126,7 @@
           </a:ln>
           <a:extLst>
             <a:ext uri="{C572A759-6A51-4108-AA02-DFA0A04FC94B}">
-              <ma14:wrappingTextBoxFlag xmlns="" xmlns:m="http://schemas.openxmlformats.org/officeDocument/2006/math" xmlns:a14="http://schemas.microsoft.com/office/drawing/2010/main" xmlns:ma14="http://schemas.microsoft.com/office/mac/drawingml/2011/main" val="1"/>
+              <ma14:wrappingTextBoxFlag xmlns:ma14="http://schemas.microsoft.com/office/mac/drawingml/2011/main" xmlns:a14="http://schemas.microsoft.com/office/drawing/2010/main" xmlns:m="http://schemas.openxmlformats.org/officeDocument/2006/math" xmlns="" val="1"/>
             </a:ext>
           </a:extLst>
         </p:spPr>
@@ -16177,7 +16177,7 @@
           </a:ln>
           <a:extLst>
             <a:ext uri="{C572A759-6A51-4108-AA02-DFA0A04FC94B}">
-              <ma14:wrappingTextBoxFlag xmlns="" xmlns:m="http://schemas.openxmlformats.org/officeDocument/2006/math" xmlns:a14="http://schemas.microsoft.com/office/drawing/2010/main" xmlns:ma14="http://schemas.microsoft.com/office/mac/drawingml/2011/main" val="1"/>
+              <ma14:wrappingTextBoxFlag xmlns:ma14="http://schemas.microsoft.com/office/mac/drawingml/2011/main" xmlns:a14="http://schemas.microsoft.com/office/drawing/2010/main" xmlns:m="http://schemas.openxmlformats.org/officeDocument/2006/math" xmlns="" val="1"/>
             </a:ext>
           </a:extLst>
         </p:spPr>
@@ -16228,7 +16228,7 @@
           </a:ln>
           <a:extLst>
             <a:ext uri="{C572A759-6A51-4108-AA02-DFA0A04FC94B}">
-              <ma14:wrappingTextBoxFlag xmlns="" xmlns:m="http://schemas.openxmlformats.org/officeDocument/2006/math" xmlns:a14="http://schemas.microsoft.com/office/drawing/2010/main" xmlns:ma14="http://schemas.microsoft.com/office/mac/drawingml/2011/main" val="1"/>
+              <ma14:wrappingTextBoxFlag xmlns:ma14="http://schemas.microsoft.com/office/mac/drawingml/2011/main" xmlns:a14="http://schemas.microsoft.com/office/drawing/2010/main" xmlns:m="http://schemas.openxmlformats.org/officeDocument/2006/math" xmlns="" val="1"/>
             </a:ext>
           </a:extLst>
         </p:spPr>
@@ -16279,7 +16279,7 @@
           </a:ln>
           <a:extLst>
             <a:ext uri="{C572A759-6A51-4108-AA02-DFA0A04FC94B}">
-              <ma14:wrappingTextBoxFlag xmlns="" xmlns:m="http://schemas.openxmlformats.org/officeDocument/2006/math" xmlns:a14="http://schemas.microsoft.com/office/drawing/2010/main" xmlns:ma14="http://schemas.microsoft.com/office/mac/drawingml/2011/main" val="1"/>
+              <ma14:wrappingTextBoxFlag xmlns:ma14="http://schemas.microsoft.com/office/mac/drawingml/2011/main" xmlns:a14="http://schemas.microsoft.com/office/drawing/2010/main" xmlns:m="http://schemas.openxmlformats.org/officeDocument/2006/math" xmlns="" val="1"/>
             </a:ext>
           </a:extLst>
         </p:spPr>
@@ -16330,7 +16330,7 @@
           </a:ln>
           <a:extLst>
             <a:ext uri="{C572A759-6A51-4108-AA02-DFA0A04FC94B}">
-              <ma14:wrappingTextBoxFlag xmlns="" xmlns:m="http://schemas.openxmlformats.org/officeDocument/2006/math" xmlns:a14="http://schemas.microsoft.com/office/drawing/2010/main" xmlns:ma14="http://schemas.microsoft.com/office/mac/drawingml/2011/main" val="1"/>
+              <ma14:wrappingTextBoxFlag xmlns:ma14="http://schemas.microsoft.com/office/mac/drawingml/2011/main" xmlns:a14="http://schemas.microsoft.com/office/drawing/2010/main" xmlns:m="http://schemas.openxmlformats.org/officeDocument/2006/math" xmlns="" val="1"/>
             </a:ext>
           </a:extLst>
         </p:spPr>
@@ -16381,7 +16381,7 @@
           </a:ln>
           <a:extLst>
             <a:ext uri="{C572A759-6A51-4108-AA02-DFA0A04FC94B}">
-              <ma14:wrappingTextBoxFlag xmlns="" xmlns:m="http://schemas.openxmlformats.org/officeDocument/2006/math" xmlns:a14="http://schemas.microsoft.com/office/drawing/2010/main" xmlns:ma14="http://schemas.microsoft.com/office/mac/drawingml/2011/main" val="1"/>
+              <ma14:wrappingTextBoxFlag xmlns:ma14="http://schemas.microsoft.com/office/mac/drawingml/2011/main" xmlns:a14="http://schemas.microsoft.com/office/drawing/2010/main" xmlns:m="http://schemas.openxmlformats.org/officeDocument/2006/math" xmlns="" val="1"/>
             </a:ext>
           </a:extLst>
         </p:spPr>
@@ -16709,6 +16709,35 @@
           </a:p>
         </p:txBody>
       </p:sp>
+      <p:pic>
+        <p:nvPicPr>
+          <p:cNvPr id="3" name="Grafik 2">
+            <a:extLst>
+              <a:ext uri="{FF2B5EF4-FFF2-40B4-BE49-F238E27FC236}">
+                <a16:creationId xmlns:a16="http://schemas.microsoft.com/office/drawing/2014/main" id="{5AE5044A-918F-A802-034D-3C8D023AEDA5}"/>
+              </a:ext>
+            </a:extLst>
+          </p:cNvPr>
+          <p:cNvPicPr>
+            <a:picLocks noChangeAspect="1"/>
+          </p:cNvPicPr>
+          <p:nvPr/>
+        </p:nvPicPr>
+        <p:blipFill rotWithShape="1">
+          <a:blip r:embed="rId2"/>
+          <a:srcRect l="36" t="132" r="-4" b="290"/>
+          <a:stretch/>
+        </p:blipFill>
+        <p:spPr>
+          <a:xfrm>
+            <a:off x="3299396" y="1292129"/>
+            <a:ext cx="5593207" cy="4836311"/>
+          </a:xfrm>
+          <a:prstGeom prst="rect">
+            <a:avLst/>
+          </a:prstGeom>
+        </p:spPr>
+      </p:pic>
     </p:spTree>
     <p:extLst>
       <p:ext uri="{BB962C8B-B14F-4D97-AF65-F5344CB8AC3E}">
@@ -16758,7 +16787,7 @@
           </a:ln>
           <a:extLst>
             <a:ext uri="{C572A759-6A51-4108-AA02-DFA0A04FC94B}">
-              <ma14:wrappingTextBoxFlag xmlns:ma14="http://schemas.microsoft.com/office/mac/drawingml/2011/main" xmlns:a14="http://schemas.microsoft.com/office/drawing/2010/main" xmlns:m="http://schemas.openxmlformats.org/officeDocument/2006/math" xmlns="" val="1"/>
+              <ma14:wrappingTextBoxFlag xmlns="" xmlns:m="http://schemas.openxmlformats.org/officeDocument/2006/math" xmlns:a14="http://schemas.microsoft.com/office/drawing/2010/main" xmlns:ma14="http://schemas.microsoft.com/office/mac/drawingml/2011/main" val="1"/>
             </a:ext>
           </a:extLst>
         </p:spPr>
@@ -16809,7 +16838,7 @@
           </a:ln>
           <a:extLst>
             <a:ext uri="{C572A759-6A51-4108-AA02-DFA0A04FC94B}">
-              <ma14:wrappingTextBoxFlag xmlns:ma14="http://schemas.microsoft.com/office/mac/drawingml/2011/main" xmlns:a14="http://schemas.microsoft.com/office/drawing/2010/main" xmlns:m="http://schemas.openxmlformats.org/officeDocument/2006/math" xmlns="" val="1"/>
+              <ma14:wrappingTextBoxFlag xmlns="" xmlns:m="http://schemas.openxmlformats.org/officeDocument/2006/math" xmlns:a14="http://schemas.microsoft.com/office/drawing/2010/main" xmlns:ma14="http://schemas.microsoft.com/office/mac/drawingml/2011/main" val="1"/>
             </a:ext>
           </a:extLst>
         </p:spPr>
@@ -16860,7 +16889,7 @@
           </a:ln>
           <a:extLst>
             <a:ext uri="{C572A759-6A51-4108-AA02-DFA0A04FC94B}">
-              <ma14:wrappingTextBoxFlag xmlns:ma14="http://schemas.microsoft.com/office/mac/drawingml/2011/main" xmlns:a14="http://schemas.microsoft.com/office/drawing/2010/main" xmlns:m="http://schemas.openxmlformats.org/officeDocument/2006/math" xmlns="" val="1"/>
+              <ma14:wrappingTextBoxFlag xmlns="" xmlns:m="http://schemas.openxmlformats.org/officeDocument/2006/math" xmlns:a14="http://schemas.microsoft.com/office/drawing/2010/main" xmlns:ma14="http://schemas.microsoft.com/office/mac/drawingml/2011/main" val="1"/>
             </a:ext>
           </a:extLst>
         </p:spPr>
@@ -16911,7 +16940,7 @@
           </a:ln>
           <a:extLst>
             <a:ext uri="{C572A759-6A51-4108-AA02-DFA0A04FC94B}">
-              <ma14:wrappingTextBoxFlag xmlns:ma14="http://schemas.microsoft.com/office/mac/drawingml/2011/main" xmlns:a14="http://schemas.microsoft.com/office/drawing/2010/main" xmlns:m="http://schemas.openxmlformats.org/officeDocument/2006/math" xmlns="" val="1"/>
+              <ma14:wrappingTextBoxFlag xmlns="" xmlns:m="http://schemas.openxmlformats.org/officeDocument/2006/math" xmlns:a14="http://schemas.microsoft.com/office/drawing/2010/main" xmlns:ma14="http://schemas.microsoft.com/office/mac/drawingml/2011/main" val="1"/>
             </a:ext>
           </a:extLst>
         </p:spPr>
@@ -16962,7 +16991,7 @@
           </a:ln>
           <a:extLst>
             <a:ext uri="{C572A759-6A51-4108-AA02-DFA0A04FC94B}">
-              <ma14:wrappingTextBoxFlag xmlns:ma14="http://schemas.microsoft.com/office/mac/drawingml/2011/main" xmlns:a14="http://schemas.microsoft.com/office/drawing/2010/main" xmlns:m="http://schemas.openxmlformats.org/officeDocument/2006/math" xmlns="" val="1"/>
+              <ma14:wrappingTextBoxFlag xmlns="" xmlns:m="http://schemas.openxmlformats.org/officeDocument/2006/math" xmlns:a14="http://schemas.microsoft.com/office/drawing/2010/main" xmlns:ma14="http://schemas.microsoft.com/office/mac/drawingml/2011/main" val="1"/>
             </a:ext>
           </a:extLst>
         </p:spPr>
@@ -17013,7 +17042,7 @@
           </a:ln>
           <a:extLst>
             <a:ext uri="{C572A759-6A51-4108-AA02-DFA0A04FC94B}">
-              <ma14:wrappingTextBoxFlag xmlns:ma14="http://schemas.microsoft.com/office/mac/drawingml/2011/main" xmlns:a14="http://schemas.microsoft.com/office/drawing/2010/main" xmlns:m="http://schemas.openxmlformats.org/officeDocument/2006/math" xmlns="" val="1"/>
+              <ma14:wrappingTextBoxFlag xmlns="" xmlns:m="http://schemas.openxmlformats.org/officeDocument/2006/math" xmlns:a14="http://schemas.microsoft.com/office/drawing/2010/main" xmlns:ma14="http://schemas.microsoft.com/office/mac/drawingml/2011/main" val="1"/>
             </a:ext>
           </a:extLst>
         </p:spPr>
@@ -17064,7 +17093,7 @@
           </a:ln>
           <a:extLst>
             <a:ext uri="{C572A759-6A51-4108-AA02-DFA0A04FC94B}">
-              <ma14:wrappingTextBoxFlag xmlns:ma14="http://schemas.microsoft.com/office/mac/drawingml/2011/main" xmlns:a14="http://schemas.microsoft.com/office/drawing/2010/main" xmlns:m="http://schemas.openxmlformats.org/officeDocument/2006/math" xmlns="" val="1"/>
+              <ma14:wrappingTextBoxFlag xmlns="" xmlns:m="http://schemas.openxmlformats.org/officeDocument/2006/math" xmlns:a14="http://schemas.microsoft.com/office/drawing/2010/main" xmlns:ma14="http://schemas.microsoft.com/office/mac/drawingml/2011/main" val="1"/>
             </a:ext>
           </a:extLst>
         </p:spPr>
@@ -17115,7 +17144,7 @@
           </a:ln>
           <a:extLst>
             <a:ext uri="{C572A759-6A51-4108-AA02-DFA0A04FC94B}">
-              <ma14:wrappingTextBoxFlag xmlns:ma14="http://schemas.microsoft.com/office/mac/drawingml/2011/main" xmlns:a14="http://schemas.microsoft.com/office/drawing/2010/main" xmlns:m="http://schemas.openxmlformats.org/officeDocument/2006/math" xmlns="" val="1"/>
+              <ma14:wrappingTextBoxFlag xmlns="" xmlns:m="http://schemas.openxmlformats.org/officeDocument/2006/math" xmlns:a14="http://schemas.microsoft.com/office/drawing/2010/main" xmlns:ma14="http://schemas.microsoft.com/office/mac/drawingml/2011/main" val="1"/>
             </a:ext>
           </a:extLst>
         </p:spPr>
@@ -17166,7 +17195,7 @@
           </a:ln>
           <a:extLst>
             <a:ext uri="{C572A759-6A51-4108-AA02-DFA0A04FC94B}">
-              <ma14:wrappingTextBoxFlag xmlns:ma14="http://schemas.microsoft.com/office/mac/drawingml/2011/main" xmlns:a14="http://schemas.microsoft.com/office/drawing/2010/main" xmlns:m="http://schemas.openxmlformats.org/officeDocument/2006/math" xmlns="" val="1"/>
+              <ma14:wrappingTextBoxFlag xmlns="" xmlns:m="http://schemas.openxmlformats.org/officeDocument/2006/math" xmlns:a14="http://schemas.microsoft.com/office/drawing/2010/main" xmlns:ma14="http://schemas.microsoft.com/office/mac/drawingml/2011/main" val="1"/>
             </a:ext>
           </a:extLst>
         </p:spPr>
@@ -17217,7 +17246,7 @@
           </a:ln>
           <a:extLst>
             <a:ext uri="{C572A759-6A51-4108-AA02-DFA0A04FC94B}">
-              <ma14:wrappingTextBoxFlag xmlns:ma14="http://schemas.microsoft.com/office/mac/drawingml/2011/main" xmlns:a14="http://schemas.microsoft.com/office/drawing/2010/main" xmlns:m="http://schemas.openxmlformats.org/officeDocument/2006/math" xmlns="" val="1"/>
+              <ma14:wrappingTextBoxFlag xmlns="" xmlns:m="http://schemas.openxmlformats.org/officeDocument/2006/math" xmlns:a14="http://schemas.microsoft.com/office/drawing/2010/main" xmlns:ma14="http://schemas.microsoft.com/office/mac/drawingml/2011/main" val="1"/>
             </a:ext>
           </a:extLst>
         </p:spPr>
@@ -17268,7 +17297,7 @@
           </a:ln>
           <a:extLst>
             <a:ext uri="{C572A759-6A51-4108-AA02-DFA0A04FC94B}">
-              <ma14:wrappingTextBoxFlag xmlns:ma14="http://schemas.microsoft.com/office/mac/drawingml/2011/main" xmlns:a14="http://schemas.microsoft.com/office/drawing/2010/main" xmlns:m="http://schemas.openxmlformats.org/officeDocument/2006/math" xmlns="" val="1"/>
+              <ma14:wrappingTextBoxFlag xmlns="" xmlns:m="http://schemas.openxmlformats.org/officeDocument/2006/math" xmlns:a14="http://schemas.microsoft.com/office/drawing/2010/main" xmlns:ma14="http://schemas.microsoft.com/office/mac/drawingml/2011/main" val="1"/>
             </a:ext>
           </a:extLst>
         </p:spPr>
@@ -17319,7 +17348,7 @@
           </a:ln>
           <a:extLst>
             <a:ext uri="{C572A759-6A51-4108-AA02-DFA0A04FC94B}">
-              <ma14:wrappingTextBoxFlag xmlns:ma14="http://schemas.microsoft.com/office/mac/drawingml/2011/main" xmlns:a14="http://schemas.microsoft.com/office/drawing/2010/main" xmlns:m="http://schemas.openxmlformats.org/officeDocument/2006/math" xmlns="" val="1"/>
+              <ma14:wrappingTextBoxFlag xmlns="" xmlns:m="http://schemas.openxmlformats.org/officeDocument/2006/math" xmlns:a14="http://schemas.microsoft.com/office/drawing/2010/main" xmlns:ma14="http://schemas.microsoft.com/office/mac/drawingml/2011/main" val="1"/>
             </a:ext>
           </a:extLst>
         </p:spPr>
@@ -17370,7 +17399,7 @@
           </a:ln>
           <a:extLst>
             <a:ext uri="{C572A759-6A51-4108-AA02-DFA0A04FC94B}">
-              <ma14:wrappingTextBoxFlag xmlns:ma14="http://schemas.microsoft.com/office/mac/drawingml/2011/main" xmlns:a14="http://schemas.microsoft.com/office/drawing/2010/main" xmlns:m="http://schemas.openxmlformats.org/officeDocument/2006/math" xmlns="" val="1"/>
+              <ma14:wrappingTextBoxFlag xmlns="" xmlns:m="http://schemas.openxmlformats.org/officeDocument/2006/math" xmlns:a14="http://schemas.microsoft.com/office/drawing/2010/main" xmlns:ma14="http://schemas.microsoft.com/office/mac/drawingml/2011/main" val="1"/>
             </a:ext>
           </a:extLst>
         </p:spPr>
@@ -17421,7 +17450,7 @@
           </a:ln>
           <a:extLst>
             <a:ext uri="{C572A759-6A51-4108-AA02-DFA0A04FC94B}">
-              <ma14:wrappingTextBoxFlag xmlns:ma14="http://schemas.microsoft.com/office/mac/drawingml/2011/main" xmlns:a14="http://schemas.microsoft.com/office/drawing/2010/main" xmlns:m="http://schemas.openxmlformats.org/officeDocument/2006/math" xmlns="" val="1"/>
+              <ma14:wrappingTextBoxFlag xmlns="" xmlns:m="http://schemas.openxmlformats.org/officeDocument/2006/math" xmlns:a14="http://schemas.microsoft.com/office/drawing/2010/main" xmlns:ma14="http://schemas.microsoft.com/office/mac/drawingml/2011/main" val="1"/>
             </a:ext>
           </a:extLst>
         </p:spPr>
@@ -17472,7 +17501,7 @@
           </a:ln>
           <a:extLst>
             <a:ext uri="{C572A759-6A51-4108-AA02-DFA0A04FC94B}">
-              <ma14:wrappingTextBoxFlag xmlns:ma14="http://schemas.microsoft.com/office/mac/drawingml/2011/main" xmlns:a14="http://schemas.microsoft.com/office/drawing/2010/main" xmlns:m="http://schemas.openxmlformats.org/officeDocument/2006/math" xmlns="" val="1"/>
+              <ma14:wrappingTextBoxFlag xmlns="" xmlns:m="http://schemas.openxmlformats.org/officeDocument/2006/math" xmlns:a14="http://schemas.microsoft.com/office/drawing/2010/main" xmlns:ma14="http://schemas.microsoft.com/office/mac/drawingml/2011/main" val="1"/>
             </a:ext>
           </a:extLst>
         </p:spPr>
@@ -17523,7 +17552,7 @@
           </a:ln>
           <a:extLst>
             <a:ext uri="{C572A759-6A51-4108-AA02-DFA0A04FC94B}">
-              <ma14:wrappingTextBoxFlag xmlns:ma14="http://schemas.microsoft.com/office/mac/drawingml/2011/main" xmlns:a14="http://schemas.microsoft.com/office/drawing/2010/main" xmlns:m="http://schemas.openxmlformats.org/officeDocument/2006/math" xmlns="" val="1"/>
+              <ma14:wrappingTextBoxFlag xmlns="" xmlns:m="http://schemas.openxmlformats.org/officeDocument/2006/math" xmlns:a14="http://schemas.microsoft.com/office/drawing/2010/main" xmlns:ma14="http://schemas.microsoft.com/office/mac/drawingml/2011/main" val="1"/>
             </a:ext>
           </a:extLst>
         </p:spPr>
@@ -17574,7 +17603,7 @@
           </a:ln>
           <a:extLst>
             <a:ext uri="{C572A759-6A51-4108-AA02-DFA0A04FC94B}">
-              <ma14:wrappingTextBoxFlag xmlns:ma14="http://schemas.microsoft.com/office/mac/drawingml/2011/main" xmlns:a14="http://schemas.microsoft.com/office/drawing/2010/main" xmlns:m="http://schemas.openxmlformats.org/officeDocument/2006/math" xmlns="" val="1"/>
+              <ma14:wrappingTextBoxFlag xmlns="" xmlns:m="http://schemas.openxmlformats.org/officeDocument/2006/math" xmlns:a14="http://schemas.microsoft.com/office/drawing/2010/main" xmlns:ma14="http://schemas.microsoft.com/office/mac/drawingml/2011/main" val="1"/>
             </a:ext>
           </a:extLst>
         </p:spPr>
@@ -17625,7 +17654,7 @@
           </a:ln>
           <a:extLst>
             <a:ext uri="{C572A759-6A51-4108-AA02-DFA0A04FC94B}">
-              <ma14:wrappingTextBoxFlag xmlns:ma14="http://schemas.microsoft.com/office/mac/drawingml/2011/main" xmlns:a14="http://schemas.microsoft.com/office/drawing/2010/main" xmlns:m="http://schemas.openxmlformats.org/officeDocument/2006/math" xmlns="" val="1"/>
+              <ma14:wrappingTextBoxFlag xmlns="" xmlns:m="http://schemas.openxmlformats.org/officeDocument/2006/math" xmlns:a14="http://schemas.microsoft.com/office/drawing/2010/main" xmlns:ma14="http://schemas.microsoft.com/office/mac/drawingml/2011/main" val="1"/>
             </a:ext>
           </a:extLst>
         </p:spPr>
@@ -17676,7 +17705,7 @@
           </a:ln>
           <a:extLst>
             <a:ext uri="{C572A759-6A51-4108-AA02-DFA0A04FC94B}">
-              <ma14:wrappingTextBoxFlag xmlns:ma14="http://schemas.microsoft.com/office/mac/drawingml/2011/main" xmlns:a14="http://schemas.microsoft.com/office/drawing/2010/main" xmlns:m="http://schemas.openxmlformats.org/officeDocument/2006/math" xmlns="" val="1"/>
+              <ma14:wrappingTextBoxFlag xmlns="" xmlns:m="http://schemas.openxmlformats.org/officeDocument/2006/math" xmlns:a14="http://schemas.microsoft.com/office/drawing/2010/main" xmlns:ma14="http://schemas.microsoft.com/office/mac/drawingml/2011/main" val="1"/>
             </a:ext>
           </a:extLst>
         </p:spPr>
@@ -17727,7 +17756,7 @@
           </a:ln>
           <a:extLst>
             <a:ext uri="{C572A759-6A51-4108-AA02-DFA0A04FC94B}">
-              <ma14:wrappingTextBoxFlag xmlns:ma14="http://schemas.microsoft.com/office/mac/drawingml/2011/main" xmlns:a14="http://schemas.microsoft.com/office/drawing/2010/main" xmlns:m="http://schemas.openxmlformats.org/officeDocument/2006/math" xmlns="" val="1"/>
+              <ma14:wrappingTextBoxFlag xmlns="" xmlns:m="http://schemas.openxmlformats.org/officeDocument/2006/math" xmlns:a14="http://schemas.microsoft.com/office/drawing/2010/main" xmlns:ma14="http://schemas.microsoft.com/office/mac/drawingml/2011/main" val="1"/>
             </a:ext>
           </a:extLst>
         </p:spPr>
@@ -17778,7 +17807,7 @@
           </a:ln>
           <a:extLst>
             <a:ext uri="{C572A759-6A51-4108-AA02-DFA0A04FC94B}">
-              <ma14:wrappingTextBoxFlag xmlns:ma14="http://schemas.microsoft.com/office/mac/drawingml/2011/main" xmlns:a14="http://schemas.microsoft.com/office/drawing/2010/main" xmlns:m="http://schemas.openxmlformats.org/officeDocument/2006/math" xmlns="" val="1"/>
+              <ma14:wrappingTextBoxFlag xmlns="" xmlns:m="http://schemas.openxmlformats.org/officeDocument/2006/math" xmlns:a14="http://schemas.microsoft.com/office/drawing/2010/main" xmlns:ma14="http://schemas.microsoft.com/office/mac/drawingml/2011/main" val="1"/>
             </a:ext>
           </a:extLst>
         </p:spPr>
@@ -17829,7 +17858,7 @@
           </a:ln>
           <a:extLst>
             <a:ext uri="{C572A759-6A51-4108-AA02-DFA0A04FC94B}">
-              <ma14:wrappingTextBoxFlag xmlns:ma14="http://schemas.microsoft.com/office/mac/drawingml/2011/main" xmlns:a14="http://schemas.microsoft.com/office/drawing/2010/main" xmlns:m="http://schemas.openxmlformats.org/officeDocument/2006/math" xmlns="" val="1"/>
+              <ma14:wrappingTextBoxFlag xmlns="" xmlns:m="http://schemas.openxmlformats.org/officeDocument/2006/math" xmlns:a14="http://schemas.microsoft.com/office/drawing/2010/main" xmlns:ma14="http://schemas.microsoft.com/office/mac/drawingml/2011/main" val="1"/>
             </a:ext>
           </a:extLst>
         </p:spPr>
@@ -17880,7 +17909,7 @@
           </a:ln>
           <a:extLst>
             <a:ext uri="{C572A759-6A51-4108-AA02-DFA0A04FC94B}">
-              <ma14:wrappingTextBoxFlag xmlns:ma14="http://schemas.microsoft.com/office/mac/drawingml/2011/main" xmlns:a14="http://schemas.microsoft.com/office/drawing/2010/main" xmlns:m="http://schemas.openxmlformats.org/officeDocument/2006/math" xmlns="" val="1"/>
+              <ma14:wrappingTextBoxFlag xmlns="" xmlns:m="http://schemas.openxmlformats.org/officeDocument/2006/math" xmlns:a14="http://schemas.microsoft.com/office/drawing/2010/main" xmlns:ma14="http://schemas.microsoft.com/office/mac/drawingml/2011/main" val="1"/>
             </a:ext>
           </a:extLst>
         </p:spPr>
@@ -17931,7 +17960,7 @@
           </a:ln>
           <a:extLst>
             <a:ext uri="{C572A759-6A51-4108-AA02-DFA0A04FC94B}">
-              <ma14:wrappingTextBoxFlag xmlns:ma14="http://schemas.microsoft.com/office/mac/drawingml/2011/main" xmlns:a14="http://schemas.microsoft.com/office/drawing/2010/main" xmlns:m="http://schemas.openxmlformats.org/officeDocument/2006/math" xmlns="" val="1"/>
+              <ma14:wrappingTextBoxFlag xmlns="" xmlns:m="http://schemas.openxmlformats.org/officeDocument/2006/math" xmlns:a14="http://schemas.microsoft.com/office/drawing/2010/main" xmlns:ma14="http://schemas.microsoft.com/office/mac/drawingml/2011/main" val="1"/>
             </a:ext>
           </a:extLst>
         </p:spPr>
@@ -17982,7 +18011,7 @@
           </a:ln>
           <a:extLst>
             <a:ext uri="{C572A759-6A51-4108-AA02-DFA0A04FC94B}">
-              <ma14:wrappingTextBoxFlag xmlns:ma14="http://schemas.microsoft.com/office/mac/drawingml/2011/main" xmlns:a14="http://schemas.microsoft.com/office/drawing/2010/main" xmlns:m="http://schemas.openxmlformats.org/officeDocument/2006/math" xmlns="" val="1"/>
+              <ma14:wrappingTextBoxFlag xmlns="" xmlns:m="http://schemas.openxmlformats.org/officeDocument/2006/math" xmlns:a14="http://schemas.microsoft.com/office/drawing/2010/main" xmlns:ma14="http://schemas.microsoft.com/office/mac/drawingml/2011/main" val="1"/>
             </a:ext>
           </a:extLst>
         </p:spPr>
@@ -18033,7 +18062,7 @@
           </a:ln>
           <a:extLst>
             <a:ext uri="{C572A759-6A51-4108-AA02-DFA0A04FC94B}">
-              <ma14:wrappingTextBoxFlag xmlns:ma14="http://schemas.microsoft.com/office/mac/drawingml/2011/main" xmlns:a14="http://schemas.microsoft.com/office/drawing/2010/main" xmlns:m="http://schemas.openxmlformats.org/officeDocument/2006/math" xmlns="" val="1"/>
+              <ma14:wrappingTextBoxFlag xmlns="" xmlns:m="http://schemas.openxmlformats.org/officeDocument/2006/math" xmlns:a14="http://schemas.microsoft.com/office/drawing/2010/main" xmlns:ma14="http://schemas.microsoft.com/office/mac/drawingml/2011/main" val="1"/>
             </a:ext>
           </a:extLst>
         </p:spPr>
@@ -18084,7 +18113,7 @@
           </a:ln>
           <a:extLst>
             <a:ext uri="{C572A759-6A51-4108-AA02-DFA0A04FC94B}">
-              <ma14:wrappingTextBoxFlag xmlns:ma14="http://schemas.microsoft.com/office/mac/drawingml/2011/main" xmlns:a14="http://schemas.microsoft.com/office/drawing/2010/main" xmlns:m="http://schemas.openxmlformats.org/officeDocument/2006/math" xmlns="" val="1"/>
+              <ma14:wrappingTextBoxFlag xmlns="" xmlns:m="http://schemas.openxmlformats.org/officeDocument/2006/math" xmlns:a14="http://schemas.microsoft.com/office/drawing/2010/main" xmlns:ma14="http://schemas.microsoft.com/office/mac/drawingml/2011/main" val="1"/>
             </a:ext>
           </a:extLst>
         </p:spPr>
@@ -18135,7 +18164,7 @@
           </a:ln>
           <a:extLst>
             <a:ext uri="{C572A759-6A51-4108-AA02-DFA0A04FC94B}">
-              <ma14:wrappingTextBoxFlag xmlns:ma14="http://schemas.microsoft.com/office/mac/drawingml/2011/main" xmlns:a14="http://schemas.microsoft.com/office/drawing/2010/main" xmlns:m="http://schemas.openxmlformats.org/officeDocument/2006/math" xmlns="" val="1"/>
+              <ma14:wrappingTextBoxFlag xmlns="" xmlns:m="http://schemas.openxmlformats.org/officeDocument/2006/math" xmlns:a14="http://schemas.microsoft.com/office/drawing/2010/main" xmlns:ma14="http://schemas.microsoft.com/office/mac/drawingml/2011/main" val="1"/>
             </a:ext>
           </a:extLst>
         </p:spPr>
@@ -18186,7 +18215,7 @@
           </a:ln>
           <a:extLst>
             <a:ext uri="{C572A759-6A51-4108-AA02-DFA0A04FC94B}">
-              <ma14:wrappingTextBoxFlag xmlns:ma14="http://schemas.microsoft.com/office/mac/drawingml/2011/main" xmlns:a14="http://schemas.microsoft.com/office/drawing/2010/main" xmlns:m="http://schemas.openxmlformats.org/officeDocument/2006/math" xmlns="" val="1"/>
+              <ma14:wrappingTextBoxFlag xmlns="" xmlns:m="http://schemas.openxmlformats.org/officeDocument/2006/math" xmlns:a14="http://schemas.microsoft.com/office/drawing/2010/main" xmlns:ma14="http://schemas.microsoft.com/office/mac/drawingml/2011/main" val="1"/>
             </a:ext>
           </a:extLst>
         </p:spPr>
@@ -18237,7 +18266,7 @@
           </a:ln>
           <a:extLst>
             <a:ext uri="{C572A759-6A51-4108-AA02-DFA0A04FC94B}">
-              <ma14:wrappingTextBoxFlag xmlns:ma14="http://schemas.microsoft.com/office/mac/drawingml/2011/main" xmlns:a14="http://schemas.microsoft.com/office/drawing/2010/main" xmlns:m="http://schemas.openxmlformats.org/officeDocument/2006/math" xmlns="" val="1"/>
+              <ma14:wrappingTextBoxFlag xmlns="" xmlns:m="http://schemas.openxmlformats.org/officeDocument/2006/math" xmlns:a14="http://schemas.microsoft.com/office/drawing/2010/main" xmlns:ma14="http://schemas.microsoft.com/office/mac/drawingml/2011/main" val="1"/>
             </a:ext>
           </a:extLst>
         </p:spPr>
@@ -18644,7 +18673,7 @@
           </a:ln>
           <a:extLst>
             <a:ext uri="{C572A759-6A51-4108-AA02-DFA0A04FC94B}">
-              <ma14:wrappingTextBoxFlag xmlns="" xmlns:m="http://schemas.openxmlformats.org/officeDocument/2006/math" xmlns:a14="http://schemas.microsoft.com/office/drawing/2010/main" xmlns:ma14="http://schemas.microsoft.com/office/mac/drawingml/2011/main" val="1"/>
+              <ma14:wrappingTextBoxFlag xmlns:ma14="http://schemas.microsoft.com/office/mac/drawingml/2011/main" xmlns:a14="http://schemas.microsoft.com/office/drawing/2010/main" xmlns:m="http://schemas.openxmlformats.org/officeDocument/2006/math" xmlns="" val="1"/>
             </a:ext>
           </a:extLst>
         </p:spPr>
@@ -18695,7 +18724,7 @@
           </a:ln>
           <a:extLst>
             <a:ext uri="{C572A759-6A51-4108-AA02-DFA0A04FC94B}">
-              <ma14:wrappingTextBoxFlag xmlns="" xmlns:m="http://schemas.openxmlformats.org/officeDocument/2006/math" xmlns:a14="http://schemas.microsoft.com/office/drawing/2010/main" xmlns:ma14="http://schemas.microsoft.com/office/mac/drawingml/2011/main" val="1"/>
+              <ma14:wrappingTextBoxFlag xmlns:ma14="http://schemas.microsoft.com/office/mac/drawingml/2011/main" xmlns:a14="http://schemas.microsoft.com/office/drawing/2010/main" xmlns:m="http://schemas.openxmlformats.org/officeDocument/2006/math" xmlns="" val="1"/>
             </a:ext>
           </a:extLst>
         </p:spPr>
@@ -18746,7 +18775,7 @@
           </a:ln>
           <a:extLst>
             <a:ext uri="{C572A759-6A51-4108-AA02-DFA0A04FC94B}">
-              <ma14:wrappingTextBoxFlag xmlns="" xmlns:m="http://schemas.openxmlformats.org/officeDocument/2006/math" xmlns:a14="http://schemas.microsoft.com/office/drawing/2010/main" xmlns:ma14="http://schemas.microsoft.com/office/mac/drawingml/2011/main" val="1"/>
+              <ma14:wrappingTextBoxFlag xmlns:ma14="http://schemas.microsoft.com/office/mac/drawingml/2011/main" xmlns:a14="http://schemas.microsoft.com/office/drawing/2010/main" xmlns:m="http://schemas.openxmlformats.org/officeDocument/2006/math" xmlns="" val="1"/>
             </a:ext>
           </a:extLst>
         </p:spPr>
@@ -18797,7 +18826,7 @@
           </a:ln>
           <a:extLst>
             <a:ext uri="{C572A759-6A51-4108-AA02-DFA0A04FC94B}">
-              <ma14:wrappingTextBoxFlag xmlns="" xmlns:m="http://schemas.openxmlformats.org/officeDocument/2006/math" xmlns:a14="http://schemas.microsoft.com/office/drawing/2010/main" xmlns:ma14="http://schemas.microsoft.com/office/mac/drawingml/2011/main" val="1"/>
+              <ma14:wrappingTextBoxFlag xmlns:ma14="http://schemas.microsoft.com/office/mac/drawingml/2011/main" xmlns:a14="http://schemas.microsoft.com/office/drawing/2010/main" xmlns:m="http://schemas.openxmlformats.org/officeDocument/2006/math" xmlns="" val="1"/>
             </a:ext>
           </a:extLst>
         </p:spPr>
@@ -18848,7 +18877,7 @@
           </a:ln>
           <a:extLst>
             <a:ext uri="{C572A759-6A51-4108-AA02-DFA0A04FC94B}">
-              <ma14:wrappingTextBoxFlag xmlns="" xmlns:m="http://schemas.openxmlformats.org/officeDocument/2006/math" xmlns:a14="http://schemas.microsoft.com/office/drawing/2010/main" xmlns:ma14="http://schemas.microsoft.com/office/mac/drawingml/2011/main" val="1"/>
+              <ma14:wrappingTextBoxFlag xmlns:ma14="http://schemas.microsoft.com/office/mac/drawingml/2011/main" xmlns:a14="http://schemas.microsoft.com/office/drawing/2010/main" xmlns:m="http://schemas.openxmlformats.org/officeDocument/2006/math" xmlns="" val="1"/>
             </a:ext>
           </a:extLst>
         </p:spPr>
@@ -18899,7 +18928,7 @@
           </a:ln>
           <a:extLst>
             <a:ext uri="{C572A759-6A51-4108-AA02-DFA0A04FC94B}">
-              <ma14:wrappingTextBoxFlag xmlns="" xmlns:m="http://schemas.openxmlformats.org/officeDocument/2006/math" xmlns:a14="http://schemas.microsoft.com/office/drawing/2010/main" xmlns:ma14="http://schemas.microsoft.com/office/mac/drawingml/2011/main" val="1"/>
+              <ma14:wrappingTextBoxFlag xmlns:ma14="http://schemas.microsoft.com/office/mac/drawingml/2011/main" xmlns:a14="http://schemas.microsoft.com/office/drawing/2010/main" xmlns:m="http://schemas.openxmlformats.org/officeDocument/2006/math" xmlns="" val="1"/>
             </a:ext>
           </a:extLst>
         </p:spPr>
@@ -18950,7 +18979,7 @@
           </a:ln>
           <a:extLst>
             <a:ext uri="{C572A759-6A51-4108-AA02-DFA0A04FC94B}">
-              <ma14:wrappingTextBoxFlag xmlns="" xmlns:m="http://schemas.openxmlformats.org/officeDocument/2006/math" xmlns:a14="http://schemas.microsoft.com/office/drawing/2010/main" xmlns:ma14="http://schemas.microsoft.com/office/mac/drawingml/2011/main" val="1"/>
+              <ma14:wrappingTextBoxFlag xmlns:ma14="http://schemas.microsoft.com/office/mac/drawingml/2011/main" xmlns:a14="http://schemas.microsoft.com/office/drawing/2010/main" xmlns:m="http://schemas.openxmlformats.org/officeDocument/2006/math" xmlns="" val="1"/>
             </a:ext>
           </a:extLst>
         </p:spPr>
@@ -19001,7 +19030,7 @@
           </a:ln>
           <a:extLst>
             <a:ext uri="{C572A759-6A51-4108-AA02-DFA0A04FC94B}">
-              <ma14:wrappingTextBoxFlag xmlns="" xmlns:m="http://schemas.openxmlformats.org/officeDocument/2006/math" xmlns:a14="http://schemas.microsoft.com/office/drawing/2010/main" xmlns:ma14="http://schemas.microsoft.com/office/mac/drawingml/2011/main" val="1"/>
+              <ma14:wrappingTextBoxFlag xmlns:ma14="http://schemas.microsoft.com/office/mac/drawingml/2011/main" xmlns:a14="http://schemas.microsoft.com/office/drawing/2010/main" xmlns:m="http://schemas.openxmlformats.org/officeDocument/2006/math" xmlns="" val="1"/>
             </a:ext>
           </a:extLst>
         </p:spPr>
@@ -19052,7 +19081,7 @@
           </a:ln>
           <a:extLst>
             <a:ext uri="{C572A759-6A51-4108-AA02-DFA0A04FC94B}">
-              <ma14:wrappingTextBoxFlag xmlns="" xmlns:m="http://schemas.openxmlformats.org/officeDocument/2006/math" xmlns:a14="http://schemas.microsoft.com/office/drawing/2010/main" xmlns:ma14="http://schemas.microsoft.com/office/mac/drawingml/2011/main" val="1"/>
+              <ma14:wrappingTextBoxFlag xmlns:ma14="http://schemas.microsoft.com/office/mac/drawingml/2011/main" xmlns:a14="http://schemas.microsoft.com/office/drawing/2010/main" xmlns:m="http://schemas.openxmlformats.org/officeDocument/2006/math" xmlns="" val="1"/>
             </a:ext>
           </a:extLst>
         </p:spPr>
@@ -19103,7 +19132,7 @@
           </a:ln>
           <a:extLst>
             <a:ext uri="{C572A759-6A51-4108-AA02-DFA0A04FC94B}">
-              <ma14:wrappingTextBoxFlag xmlns="" xmlns:m="http://schemas.openxmlformats.org/officeDocument/2006/math" xmlns:a14="http://schemas.microsoft.com/office/drawing/2010/main" xmlns:ma14="http://schemas.microsoft.com/office/mac/drawingml/2011/main" val="1"/>
+              <ma14:wrappingTextBoxFlag xmlns:ma14="http://schemas.microsoft.com/office/mac/drawingml/2011/main" xmlns:a14="http://schemas.microsoft.com/office/drawing/2010/main" xmlns:m="http://schemas.openxmlformats.org/officeDocument/2006/math" xmlns="" val="1"/>
             </a:ext>
           </a:extLst>
         </p:spPr>
@@ -19154,7 +19183,7 @@
           </a:ln>
           <a:extLst>
             <a:ext uri="{C572A759-6A51-4108-AA02-DFA0A04FC94B}">
-              <ma14:wrappingTextBoxFlag xmlns="" xmlns:m="http://schemas.openxmlformats.org/officeDocument/2006/math" xmlns:a14="http://schemas.microsoft.com/office/drawing/2010/main" xmlns:ma14="http://schemas.microsoft.com/office/mac/drawingml/2011/main" val="1"/>
+              <ma14:wrappingTextBoxFlag xmlns:ma14="http://schemas.microsoft.com/office/mac/drawingml/2011/main" xmlns:a14="http://schemas.microsoft.com/office/drawing/2010/main" xmlns:m="http://schemas.openxmlformats.org/officeDocument/2006/math" xmlns="" val="1"/>
             </a:ext>
           </a:extLst>
         </p:spPr>
@@ -19205,7 +19234,7 @@
           </a:ln>
           <a:extLst>
             <a:ext uri="{C572A759-6A51-4108-AA02-DFA0A04FC94B}">
-              <ma14:wrappingTextBoxFlag xmlns="" xmlns:m="http://schemas.openxmlformats.org/officeDocument/2006/math" xmlns:a14="http://schemas.microsoft.com/office/drawing/2010/main" xmlns:ma14="http://schemas.microsoft.com/office/mac/drawingml/2011/main" val="1"/>
+              <ma14:wrappingTextBoxFlag xmlns:ma14="http://schemas.microsoft.com/office/mac/drawingml/2011/main" xmlns:a14="http://schemas.microsoft.com/office/drawing/2010/main" xmlns:m="http://schemas.openxmlformats.org/officeDocument/2006/math" xmlns="" val="1"/>
             </a:ext>
           </a:extLst>
         </p:spPr>
@@ -19256,7 +19285,7 @@
           </a:ln>
           <a:extLst>
             <a:ext uri="{C572A759-6A51-4108-AA02-DFA0A04FC94B}">
-              <ma14:wrappingTextBoxFlag xmlns="" xmlns:m="http://schemas.openxmlformats.org/officeDocument/2006/math" xmlns:a14="http://schemas.microsoft.com/office/drawing/2010/main" xmlns:ma14="http://schemas.microsoft.com/office/mac/drawingml/2011/main" val="1"/>
+              <ma14:wrappingTextBoxFlag xmlns:ma14="http://schemas.microsoft.com/office/mac/drawingml/2011/main" xmlns:a14="http://schemas.microsoft.com/office/drawing/2010/main" xmlns:m="http://schemas.openxmlformats.org/officeDocument/2006/math" xmlns="" val="1"/>
             </a:ext>
           </a:extLst>
         </p:spPr>
@@ -19307,7 +19336,7 @@
           </a:ln>
           <a:extLst>
             <a:ext uri="{C572A759-6A51-4108-AA02-DFA0A04FC94B}">
-              <ma14:wrappingTextBoxFlag xmlns="" xmlns:m="http://schemas.openxmlformats.org/officeDocument/2006/math" xmlns:a14="http://schemas.microsoft.com/office/drawing/2010/main" xmlns:ma14="http://schemas.microsoft.com/office/mac/drawingml/2011/main" val="1"/>
+              <ma14:wrappingTextBoxFlag xmlns:ma14="http://schemas.microsoft.com/office/mac/drawingml/2011/main" xmlns:a14="http://schemas.microsoft.com/office/drawing/2010/main" xmlns:m="http://schemas.openxmlformats.org/officeDocument/2006/math" xmlns="" val="1"/>
             </a:ext>
           </a:extLst>
         </p:spPr>
@@ -19358,7 +19387,7 @@
           </a:ln>
           <a:extLst>
             <a:ext uri="{C572A759-6A51-4108-AA02-DFA0A04FC94B}">
-              <ma14:wrappingTextBoxFlag xmlns="" xmlns:m="http://schemas.openxmlformats.org/officeDocument/2006/math" xmlns:a14="http://schemas.microsoft.com/office/drawing/2010/main" xmlns:ma14="http://schemas.microsoft.com/office/mac/drawingml/2011/main" val="1"/>
+              <ma14:wrappingTextBoxFlag xmlns:ma14="http://schemas.microsoft.com/office/mac/drawingml/2011/main" xmlns:a14="http://schemas.microsoft.com/office/drawing/2010/main" xmlns:m="http://schemas.openxmlformats.org/officeDocument/2006/math" xmlns="" val="1"/>
             </a:ext>
           </a:extLst>
         </p:spPr>
@@ -19409,7 +19438,7 @@
           </a:ln>
           <a:extLst>
             <a:ext uri="{C572A759-6A51-4108-AA02-DFA0A04FC94B}">
-              <ma14:wrappingTextBoxFlag xmlns="" xmlns:m="http://schemas.openxmlformats.org/officeDocument/2006/math" xmlns:a14="http://schemas.microsoft.com/office/drawing/2010/main" xmlns:ma14="http://schemas.microsoft.com/office/mac/drawingml/2011/main" val="1"/>
+              <ma14:wrappingTextBoxFlag xmlns:ma14="http://schemas.microsoft.com/office/mac/drawingml/2011/main" xmlns:a14="http://schemas.microsoft.com/office/drawing/2010/main" xmlns:m="http://schemas.openxmlformats.org/officeDocument/2006/math" xmlns="" val="1"/>
             </a:ext>
           </a:extLst>
         </p:spPr>
@@ -19460,7 +19489,7 @@
           </a:ln>
           <a:extLst>
             <a:ext uri="{C572A759-6A51-4108-AA02-DFA0A04FC94B}">
-              <ma14:wrappingTextBoxFlag xmlns="" xmlns:m="http://schemas.openxmlformats.org/officeDocument/2006/math" xmlns:a14="http://schemas.microsoft.com/office/drawing/2010/main" xmlns:ma14="http://schemas.microsoft.com/office/mac/drawingml/2011/main" val="1"/>
+              <ma14:wrappingTextBoxFlag xmlns:ma14="http://schemas.microsoft.com/office/mac/drawingml/2011/main" xmlns:a14="http://schemas.microsoft.com/office/drawing/2010/main" xmlns:m="http://schemas.openxmlformats.org/officeDocument/2006/math" xmlns="" val="1"/>
             </a:ext>
           </a:extLst>
         </p:spPr>
@@ -19511,7 +19540,7 @@
           </a:ln>
           <a:extLst>
             <a:ext uri="{C572A759-6A51-4108-AA02-DFA0A04FC94B}">
-              <ma14:wrappingTextBoxFlag xmlns="" xmlns:m="http://schemas.openxmlformats.org/officeDocument/2006/math" xmlns:a14="http://schemas.microsoft.com/office/drawing/2010/main" xmlns:ma14="http://schemas.microsoft.com/office/mac/drawingml/2011/main" val="1"/>
+              <ma14:wrappingTextBoxFlag xmlns:ma14="http://schemas.microsoft.com/office/mac/drawingml/2011/main" xmlns:a14="http://schemas.microsoft.com/office/drawing/2010/main" xmlns:m="http://schemas.openxmlformats.org/officeDocument/2006/math" xmlns="" val="1"/>
             </a:ext>
           </a:extLst>
         </p:spPr>
@@ -19562,7 +19591,7 @@
           </a:ln>
           <a:extLst>
             <a:ext uri="{C572A759-6A51-4108-AA02-DFA0A04FC94B}">
-              <ma14:wrappingTextBoxFlag xmlns="" xmlns:m="http://schemas.openxmlformats.org/officeDocument/2006/math" xmlns:a14="http://schemas.microsoft.com/office/drawing/2010/main" xmlns:ma14="http://schemas.microsoft.com/office/mac/drawingml/2011/main" val="1"/>
+              <ma14:wrappingTextBoxFlag xmlns:ma14="http://schemas.microsoft.com/office/mac/drawingml/2011/main" xmlns:a14="http://schemas.microsoft.com/office/drawing/2010/main" xmlns:m="http://schemas.openxmlformats.org/officeDocument/2006/math" xmlns="" val="1"/>
             </a:ext>
           </a:extLst>
         </p:spPr>
@@ -19613,7 +19642,7 @@
           </a:ln>
           <a:extLst>
             <a:ext uri="{C572A759-6A51-4108-AA02-DFA0A04FC94B}">
-              <ma14:wrappingTextBoxFlag xmlns="" xmlns:m="http://schemas.openxmlformats.org/officeDocument/2006/math" xmlns:a14="http://schemas.microsoft.com/office/drawing/2010/main" xmlns:ma14="http://schemas.microsoft.com/office/mac/drawingml/2011/main" val="1"/>
+              <ma14:wrappingTextBoxFlag xmlns:ma14="http://schemas.microsoft.com/office/mac/drawingml/2011/main" xmlns:a14="http://schemas.microsoft.com/office/drawing/2010/main" xmlns:m="http://schemas.openxmlformats.org/officeDocument/2006/math" xmlns="" val="1"/>
             </a:ext>
           </a:extLst>
         </p:spPr>
@@ -19664,7 +19693,7 @@
           </a:ln>
           <a:extLst>
             <a:ext uri="{C572A759-6A51-4108-AA02-DFA0A04FC94B}">
-              <ma14:wrappingTextBoxFlag xmlns="" xmlns:m="http://schemas.openxmlformats.org/officeDocument/2006/math" xmlns:a14="http://schemas.microsoft.com/office/drawing/2010/main" xmlns:ma14="http://schemas.microsoft.com/office/mac/drawingml/2011/main" val="1"/>
+              <ma14:wrappingTextBoxFlag xmlns:ma14="http://schemas.microsoft.com/office/mac/drawingml/2011/main" xmlns:a14="http://schemas.microsoft.com/office/drawing/2010/main" xmlns:m="http://schemas.openxmlformats.org/officeDocument/2006/math" xmlns="" val="1"/>
             </a:ext>
           </a:extLst>
         </p:spPr>
@@ -19715,7 +19744,7 @@
           </a:ln>
           <a:extLst>
             <a:ext uri="{C572A759-6A51-4108-AA02-DFA0A04FC94B}">
-              <ma14:wrappingTextBoxFlag xmlns="" xmlns:m="http://schemas.openxmlformats.org/officeDocument/2006/math" xmlns:a14="http://schemas.microsoft.com/office/drawing/2010/main" xmlns:ma14="http://schemas.microsoft.com/office/mac/drawingml/2011/main" val="1"/>
+              <ma14:wrappingTextBoxFlag xmlns:ma14="http://schemas.microsoft.com/office/mac/drawingml/2011/main" xmlns:a14="http://schemas.microsoft.com/office/drawing/2010/main" xmlns:m="http://schemas.openxmlformats.org/officeDocument/2006/math" xmlns="" val="1"/>
             </a:ext>
           </a:extLst>
         </p:spPr>
@@ -19766,7 +19795,7 @@
           </a:ln>
           <a:extLst>
             <a:ext uri="{C572A759-6A51-4108-AA02-DFA0A04FC94B}">
-              <ma14:wrappingTextBoxFlag xmlns="" xmlns:m="http://schemas.openxmlformats.org/officeDocument/2006/math" xmlns:a14="http://schemas.microsoft.com/office/drawing/2010/main" xmlns:ma14="http://schemas.microsoft.com/office/mac/drawingml/2011/main" val="1"/>
+              <ma14:wrappingTextBoxFlag xmlns:ma14="http://schemas.microsoft.com/office/mac/drawingml/2011/main" xmlns:a14="http://schemas.microsoft.com/office/drawing/2010/main" xmlns:m="http://schemas.openxmlformats.org/officeDocument/2006/math" xmlns="" val="1"/>
             </a:ext>
           </a:extLst>
         </p:spPr>
@@ -19817,7 +19846,7 @@
           </a:ln>
           <a:extLst>
             <a:ext uri="{C572A759-6A51-4108-AA02-DFA0A04FC94B}">
-              <ma14:wrappingTextBoxFlag xmlns="" xmlns:m="http://schemas.openxmlformats.org/officeDocument/2006/math" xmlns:a14="http://schemas.microsoft.com/office/drawing/2010/main" xmlns:ma14="http://schemas.microsoft.com/office/mac/drawingml/2011/main" val="1"/>
+              <ma14:wrappingTextBoxFlag xmlns:ma14="http://schemas.microsoft.com/office/mac/drawingml/2011/main" xmlns:a14="http://schemas.microsoft.com/office/drawing/2010/main" xmlns:m="http://schemas.openxmlformats.org/officeDocument/2006/math" xmlns="" val="1"/>
             </a:ext>
           </a:extLst>
         </p:spPr>
@@ -19868,7 +19897,7 @@
           </a:ln>
           <a:extLst>
             <a:ext uri="{C572A759-6A51-4108-AA02-DFA0A04FC94B}">
-              <ma14:wrappingTextBoxFlag xmlns="" xmlns:m="http://schemas.openxmlformats.org/officeDocument/2006/math" xmlns:a14="http://schemas.microsoft.com/office/drawing/2010/main" xmlns:ma14="http://schemas.microsoft.com/office/mac/drawingml/2011/main" val="1"/>
+              <ma14:wrappingTextBoxFlag xmlns:ma14="http://schemas.microsoft.com/office/mac/drawingml/2011/main" xmlns:a14="http://schemas.microsoft.com/office/drawing/2010/main" xmlns:m="http://schemas.openxmlformats.org/officeDocument/2006/math" xmlns="" val="1"/>
             </a:ext>
           </a:extLst>
         </p:spPr>
@@ -19919,7 +19948,7 @@
           </a:ln>
           <a:extLst>
             <a:ext uri="{C572A759-6A51-4108-AA02-DFA0A04FC94B}">
-              <ma14:wrappingTextBoxFlag xmlns="" xmlns:m="http://schemas.openxmlformats.org/officeDocument/2006/math" xmlns:a14="http://schemas.microsoft.com/office/drawing/2010/main" xmlns:ma14="http://schemas.microsoft.com/office/mac/drawingml/2011/main" val="1"/>
+              <ma14:wrappingTextBoxFlag xmlns:ma14="http://schemas.microsoft.com/office/mac/drawingml/2011/main" xmlns:a14="http://schemas.microsoft.com/office/drawing/2010/main" xmlns:m="http://schemas.openxmlformats.org/officeDocument/2006/math" xmlns="" val="1"/>
             </a:ext>
           </a:extLst>
         </p:spPr>
@@ -19970,7 +19999,7 @@
           </a:ln>
           <a:extLst>
             <a:ext uri="{C572A759-6A51-4108-AA02-DFA0A04FC94B}">
-              <ma14:wrappingTextBoxFlag xmlns="" xmlns:m="http://schemas.openxmlformats.org/officeDocument/2006/math" xmlns:a14="http://schemas.microsoft.com/office/drawing/2010/main" xmlns:ma14="http://schemas.microsoft.com/office/mac/drawingml/2011/main" val="1"/>
+              <ma14:wrappingTextBoxFlag xmlns:ma14="http://schemas.microsoft.com/office/mac/drawingml/2011/main" xmlns:a14="http://schemas.microsoft.com/office/drawing/2010/main" xmlns:m="http://schemas.openxmlformats.org/officeDocument/2006/math" xmlns="" val="1"/>
             </a:ext>
           </a:extLst>
         </p:spPr>
@@ -20021,7 +20050,7 @@
           </a:ln>
           <a:extLst>
             <a:ext uri="{C572A759-6A51-4108-AA02-DFA0A04FC94B}">
-              <ma14:wrappingTextBoxFlag xmlns="" xmlns:m="http://schemas.openxmlformats.org/officeDocument/2006/math" xmlns:a14="http://schemas.microsoft.com/office/drawing/2010/main" xmlns:ma14="http://schemas.microsoft.com/office/mac/drawingml/2011/main" val="1"/>
+              <ma14:wrappingTextBoxFlag xmlns:ma14="http://schemas.microsoft.com/office/mac/drawingml/2011/main" xmlns:a14="http://schemas.microsoft.com/office/drawing/2010/main" xmlns:m="http://schemas.openxmlformats.org/officeDocument/2006/math" xmlns="" val="1"/>
             </a:ext>
           </a:extLst>
         </p:spPr>
@@ -20072,7 +20101,7 @@
           </a:ln>
           <a:extLst>
             <a:ext uri="{C572A759-6A51-4108-AA02-DFA0A04FC94B}">
-              <ma14:wrappingTextBoxFlag xmlns="" xmlns:m="http://schemas.openxmlformats.org/officeDocument/2006/math" xmlns:a14="http://schemas.microsoft.com/office/drawing/2010/main" xmlns:ma14="http://schemas.microsoft.com/office/mac/drawingml/2011/main" val="1"/>
+              <ma14:wrappingTextBoxFlag xmlns:ma14="http://schemas.microsoft.com/office/mac/drawingml/2011/main" xmlns:a14="http://schemas.microsoft.com/office/drawing/2010/main" xmlns:m="http://schemas.openxmlformats.org/officeDocument/2006/math" xmlns="" val="1"/>
             </a:ext>
           </a:extLst>
         </p:spPr>
@@ -20123,7 +20152,7 @@
           </a:ln>
           <a:extLst>
             <a:ext uri="{C572A759-6A51-4108-AA02-DFA0A04FC94B}">
-              <ma14:wrappingTextBoxFlag xmlns="" xmlns:m="http://schemas.openxmlformats.org/officeDocument/2006/math" xmlns:a14="http://schemas.microsoft.com/office/drawing/2010/main" xmlns:ma14="http://schemas.microsoft.com/office/mac/drawingml/2011/main" val="1"/>
+              <ma14:wrappingTextBoxFlag xmlns:ma14="http://schemas.microsoft.com/office/mac/drawingml/2011/main" xmlns:a14="http://schemas.microsoft.com/office/drawing/2010/main" xmlns:m="http://schemas.openxmlformats.org/officeDocument/2006/math" xmlns="" val="1"/>
             </a:ext>
           </a:extLst>
         </p:spPr>
@@ -20597,7 +20626,7 @@
           </a:ln>
           <a:extLst>
             <a:ext uri="{C572A759-6A51-4108-AA02-DFA0A04FC94B}">
-              <ma14:wrappingTextBoxFlag xmlns:ma14="http://schemas.microsoft.com/office/mac/drawingml/2011/main" xmlns:a14="http://schemas.microsoft.com/office/drawing/2010/main" xmlns:m="http://schemas.openxmlformats.org/officeDocument/2006/math" xmlns="" val="1"/>
+              <ma14:wrappingTextBoxFlag xmlns="" xmlns:m="http://schemas.openxmlformats.org/officeDocument/2006/math" xmlns:a14="http://schemas.microsoft.com/office/drawing/2010/main" xmlns:ma14="http://schemas.microsoft.com/office/mac/drawingml/2011/main" val="1"/>
             </a:ext>
           </a:extLst>
         </p:spPr>
@@ -20648,7 +20677,7 @@
           </a:ln>
           <a:extLst>
             <a:ext uri="{C572A759-6A51-4108-AA02-DFA0A04FC94B}">
-              <ma14:wrappingTextBoxFlag xmlns:ma14="http://schemas.microsoft.com/office/mac/drawingml/2011/main" xmlns:a14="http://schemas.microsoft.com/office/drawing/2010/main" xmlns:m="http://schemas.openxmlformats.org/officeDocument/2006/math" xmlns="" val="1"/>
+              <ma14:wrappingTextBoxFlag xmlns="" xmlns:m="http://schemas.openxmlformats.org/officeDocument/2006/math" xmlns:a14="http://schemas.microsoft.com/office/drawing/2010/main" xmlns:ma14="http://schemas.microsoft.com/office/mac/drawingml/2011/main" val="1"/>
             </a:ext>
           </a:extLst>
         </p:spPr>
@@ -20699,7 +20728,7 @@
           </a:ln>
           <a:extLst>
             <a:ext uri="{C572A759-6A51-4108-AA02-DFA0A04FC94B}">
-              <ma14:wrappingTextBoxFlag xmlns:ma14="http://schemas.microsoft.com/office/mac/drawingml/2011/main" xmlns:a14="http://schemas.microsoft.com/office/drawing/2010/main" xmlns:m="http://schemas.openxmlformats.org/officeDocument/2006/math" xmlns="" val="1"/>
+              <ma14:wrappingTextBoxFlag xmlns="" xmlns:m="http://schemas.openxmlformats.org/officeDocument/2006/math" xmlns:a14="http://schemas.microsoft.com/office/drawing/2010/main" xmlns:ma14="http://schemas.microsoft.com/office/mac/drawingml/2011/main" val="1"/>
             </a:ext>
           </a:extLst>
         </p:spPr>
@@ -20750,7 +20779,7 @@
           </a:ln>
           <a:extLst>
             <a:ext uri="{C572A759-6A51-4108-AA02-DFA0A04FC94B}">
-              <ma14:wrappingTextBoxFlag xmlns:ma14="http://schemas.microsoft.com/office/mac/drawingml/2011/main" xmlns:a14="http://schemas.microsoft.com/office/drawing/2010/main" xmlns:m="http://schemas.openxmlformats.org/officeDocument/2006/math" xmlns="" val="1"/>
+              <ma14:wrappingTextBoxFlag xmlns="" xmlns:m="http://schemas.openxmlformats.org/officeDocument/2006/math" xmlns:a14="http://schemas.microsoft.com/office/drawing/2010/main" xmlns:ma14="http://schemas.microsoft.com/office/mac/drawingml/2011/main" val="1"/>
             </a:ext>
           </a:extLst>
         </p:spPr>
@@ -20801,7 +20830,7 @@
           </a:ln>
           <a:extLst>
             <a:ext uri="{C572A759-6A51-4108-AA02-DFA0A04FC94B}">
-              <ma14:wrappingTextBoxFlag xmlns:ma14="http://schemas.microsoft.com/office/mac/drawingml/2011/main" xmlns:a14="http://schemas.microsoft.com/office/drawing/2010/main" xmlns:m="http://schemas.openxmlformats.org/officeDocument/2006/math" xmlns="" val="1"/>
+              <ma14:wrappingTextBoxFlag xmlns="" xmlns:m="http://schemas.openxmlformats.org/officeDocument/2006/math" xmlns:a14="http://schemas.microsoft.com/office/drawing/2010/main" xmlns:ma14="http://schemas.microsoft.com/office/mac/drawingml/2011/main" val="1"/>
             </a:ext>
           </a:extLst>
         </p:spPr>
@@ -20852,7 +20881,7 @@
           </a:ln>
           <a:extLst>
             <a:ext uri="{C572A759-6A51-4108-AA02-DFA0A04FC94B}">
-              <ma14:wrappingTextBoxFlag xmlns:ma14="http://schemas.microsoft.com/office/mac/drawingml/2011/main" xmlns:a14="http://schemas.microsoft.com/office/drawing/2010/main" xmlns:m="http://schemas.openxmlformats.org/officeDocument/2006/math" xmlns="" val="1"/>
+              <ma14:wrappingTextBoxFlag xmlns="" xmlns:m="http://schemas.openxmlformats.org/officeDocument/2006/math" xmlns:a14="http://schemas.microsoft.com/office/drawing/2010/main" xmlns:ma14="http://schemas.microsoft.com/office/mac/drawingml/2011/main" val="1"/>
             </a:ext>
           </a:extLst>
         </p:spPr>
@@ -20903,7 +20932,7 @@
           </a:ln>
           <a:extLst>
             <a:ext uri="{C572A759-6A51-4108-AA02-DFA0A04FC94B}">
-              <ma14:wrappingTextBoxFlag xmlns:ma14="http://schemas.microsoft.com/office/mac/drawingml/2011/main" xmlns:a14="http://schemas.microsoft.com/office/drawing/2010/main" xmlns:m="http://schemas.openxmlformats.org/officeDocument/2006/math" xmlns="" val="1"/>
+              <ma14:wrappingTextBoxFlag xmlns="" xmlns:m="http://schemas.openxmlformats.org/officeDocument/2006/math" xmlns:a14="http://schemas.microsoft.com/office/drawing/2010/main" xmlns:ma14="http://schemas.microsoft.com/office/mac/drawingml/2011/main" val="1"/>
             </a:ext>
           </a:extLst>
         </p:spPr>
@@ -20954,7 +20983,7 @@
           </a:ln>
           <a:extLst>
             <a:ext uri="{C572A759-6A51-4108-AA02-DFA0A04FC94B}">
-              <ma14:wrappingTextBoxFlag xmlns:ma14="http://schemas.microsoft.com/office/mac/drawingml/2011/main" xmlns:a14="http://schemas.microsoft.com/office/drawing/2010/main" xmlns:m="http://schemas.openxmlformats.org/officeDocument/2006/math" xmlns="" val="1"/>
+              <ma14:wrappingTextBoxFlag xmlns="" xmlns:m="http://schemas.openxmlformats.org/officeDocument/2006/math" xmlns:a14="http://schemas.microsoft.com/office/drawing/2010/main" xmlns:ma14="http://schemas.microsoft.com/office/mac/drawingml/2011/main" val="1"/>
             </a:ext>
           </a:extLst>
         </p:spPr>
@@ -21005,7 +21034,7 @@
           </a:ln>
           <a:extLst>
             <a:ext uri="{C572A759-6A51-4108-AA02-DFA0A04FC94B}">
-              <ma14:wrappingTextBoxFlag xmlns:ma14="http://schemas.microsoft.com/office/mac/drawingml/2011/main" xmlns:a14="http://schemas.microsoft.com/office/drawing/2010/main" xmlns:m="http://schemas.openxmlformats.org/officeDocument/2006/math" xmlns="" val="1"/>
+              <ma14:wrappingTextBoxFlag xmlns="" xmlns:m="http://schemas.openxmlformats.org/officeDocument/2006/math" xmlns:a14="http://schemas.microsoft.com/office/drawing/2010/main" xmlns:ma14="http://schemas.microsoft.com/office/mac/drawingml/2011/main" val="1"/>
             </a:ext>
           </a:extLst>
         </p:spPr>
@@ -21056,7 +21085,7 @@
           </a:ln>
           <a:extLst>
             <a:ext uri="{C572A759-6A51-4108-AA02-DFA0A04FC94B}">
-              <ma14:wrappingTextBoxFlag xmlns:ma14="http://schemas.microsoft.com/office/mac/drawingml/2011/main" xmlns:a14="http://schemas.microsoft.com/office/drawing/2010/main" xmlns:m="http://schemas.openxmlformats.org/officeDocument/2006/math" xmlns="" val="1"/>
+              <ma14:wrappingTextBoxFlag xmlns="" xmlns:m="http://schemas.openxmlformats.org/officeDocument/2006/math" xmlns:a14="http://schemas.microsoft.com/office/drawing/2010/main" xmlns:ma14="http://schemas.microsoft.com/office/mac/drawingml/2011/main" val="1"/>
             </a:ext>
           </a:extLst>
         </p:spPr>
@@ -21107,7 +21136,7 @@
           </a:ln>
           <a:extLst>
             <a:ext uri="{C572A759-6A51-4108-AA02-DFA0A04FC94B}">
-              <ma14:wrappingTextBoxFlag xmlns:ma14="http://schemas.microsoft.com/office/mac/drawingml/2011/main" xmlns:a14="http://schemas.microsoft.com/office/drawing/2010/main" xmlns:m="http://schemas.openxmlformats.org/officeDocument/2006/math" xmlns="" val="1"/>
+              <ma14:wrappingTextBoxFlag xmlns="" xmlns:m="http://schemas.openxmlformats.org/officeDocument/2006/math" xmlns:a14="http://schemas.microsoft.com/office/drawing/2010/main" xmlns:ma14="http://schemas.microsoft.com/office/mac/drawingml/2011/main" val="1"/>
             </a:ext>
           </a:extLst>
         </p:spPr>
@@ -21158,7 +21187,7 @@
           </a:ln>
           <a:extLst>
             <a:ext uri="{C572A759-6A51-4108-AA02-DFA0A04FC94B}">
-              <ma14:wrappingTextBoxFlag xmlns:ma14="http://schemas.microsoft.com/office/mac/drawingml/2011/main" xmlns:a14="http://schemas.microsoft.com/office/drawing/2010/main" xmlns:m="http://schemas.openxmlformats.org/officeDocument/2006/math" xmlns="" val="1"/>
+              <ma14:wrappingTextBoxFlag xmlns="" xmlns:m="http://schemas.openxmlformats.org/officeDocument/2006/math" xmlns:a14="http://schemas.microsoft.com/office/drawing/2010/main" xmlns:ma14="http://schemas.microsoft.com/office/mac/drawingml/2011/main" val="1"/>
             </a:ext>
           </a:extLst>
         </p:spPr>
@@ -21209,7 +21238,7 @@
           </a:ln>
           <a:extLst>
             <a:ext uri="{C572A759-6A51-4108-AA02-DFA0A04FC94B}">
-              <ma14:wrappingTextBoxFlag xmlns:ma14="http://schemas.microsoft.com/office/mac/drawingml/2011/main" xmlns:a14="http://schemas.microsoft.com/office/drawing/2010/main" xmlns:m="http://schemas.openxmlformats.org/officeDocument/2006/math" xmlns="" val="1"/>
+              <ma14:wrappingTextBoxFlag xmlns="" xmlns:m="http://schemas.openxmlformats.org/officeDocument/2006/math" xmlns:a14="http://schemas.microsoft.com/office/drawing/2010/main" xmlns:ma14="http://schemas.microsoft.com/office/mac/drawingml/2011/main" val="1"/>
             </a:ext>
           </a:extLst>
         </p:spPr>
@@ -21260,7 +21289,7 @@
           </a:ln>
           <a:extLst>
             <a:ext uri="{C572A759-6A51-4108-AA02-DFA0A04FC94B}">
-              <ma14:wrappingTextBoxFlag xmlns:ma14="http://schemas.microsoft.com/office/mac/drawingml/2011/main" xmlns:a14="http://schemas.microsoft.com/office/drawing/2010/main" xmlns:m="http://schemas.openxmlformats.org/officeDocument/2006/math" xmlns="" val="1"/>
+              <ma14:wrappingTextBoxFlag xmlns="" xmlns:m="http://schemas.openxmlformats.org/officeDocument/2006/math" xmlns:a14="http://schemas.microsoft.com/office/drawing/2010/main" xmlns:ma14="http://schemas.microsoft.com/office/mac/drawingml/2011/main" val="1"/>
             </a:ext>
           </a:extLst>
         </p:spPr>
@@ -21311,7 +21340,7 @@
           </a:ln>
           <a:extLst>
             <a:ext uri="{C572A759-6A51-4108-AA02-DFA0A04FC94B}">
-              <ma14:wrappingTextBoxFlag xmlns:ma14="http://schemas.microsoft.com/office/mac/drawingml/2011/main" xmlns:a14="http://schemas.microsoft.com/office/drawing/2010/main" xmlns:m="http://schemas.openxmlformats.org/officeDocument/2006/math" xmlns="" val="1"/>
+              <ma14:wrappingTextBoxFlag xmlns="" xmlns:m="http://schemas.openxmlformats.org/officeDocument/2006/math" xmlns:a14="http://schemas.microsoft.com/office/drawing/2010/main" xmlns:ma14="http://schemas.microsoft.com/office/mac/drawingml/2011/main" val="1"/>
             </a:ext>
           </a:extLst>
         </p:spPr>
@@ -21362,7 +21391,7 @@
           </a:ln>
           <a:extLst>
             <a:ext uri="{C572A759-6A51-4108-AA02-DFA0A04FC94B}">
-              <ma14:wrappingTextBoxFlag xmlns:ma14="http://schemas.microsoft.com/office/mac/drawingml/2011/main" xmlns:a14="http://schemas.microsoft.com/office/drawing/2010/main" xmlns:m="http://schemas.openxmlformats.org/officeDocument/2006/math" xmlns="" val="1"/>
+              <ma14:wrappingTextBoxFlag xmlns="" xmlns:m="http://schemas.openxmlformats.org/officeDocument/2006/math" xmlns:a14="http://schemas.microsoft.com/office/drawing/2010/main" xmlns:ma14="http://schemas.microsoft.com/office/mac/drawingml/2011/main" val="1"/>
             </a:ext>
           </a:extLst>
         </p:spPr>
@@ -21413,7 +21442,7 @@
           </a:ln>
           <a:extLst>
             <a:ext uri="{C572A759-6A51-4108-AA02-DFA0A04FC94B}">
-              <ma14:wrappingTextBoxFlag xmlns:ma14="http://schemas.microsoft.com/office/mac/drawingml/2011/main" xmlns:a14="http://schemas.microsoft.com/office/drawing/2010/main" xmlns:m="http://schemas.openxmlformats.org/officeDocument/2006/math" xmlns="" val="1"/>
+              <ma14:wrappingTextBoxFlag xmlns="" xmlns:m="http://schemas.openxmlformats.org/officeDocument/2006/math" xmlns:a14="http://schemas.microsoft.com/office/drawing/2010/main" xmlns:ma14="http://schemas.microsoft.com/office/mac/drawingml/2011/main" val="1"/>
             </a:ext>
           </a:extLst>
         </p:spPr>
@@ -21464,7 +21493,7 @@
           </a:ln>
           <a:extLst>
             <a:ext uri="{C572A759-6A51-4108-AA02-DFA0A04FC94B}">
-              <ma14:wrappingTextBoxFlag xmlns:ma14="http://schemas.microsoft.com/office/mac/drawingml/2011/main" xmlns:a14="http://schemas.microsoft.com/office/drawing/2010/main" xmlns:m="http://schemas.openxmlformats.org/officeDocument/2006/math" xmlns="" val="1"/>
+              <ma14:wrappingTextBoxFlag xmlns="" xmlns:m="http://schemas.openxmlformats.org/officeDocument/2006/math" xmlns:a14="http://schemas.microsoft.com/office/drawing/2010/main" xmlns:ma14="http://schemas.microsoft.com/office/mac/drawingml/2011/main" val="1"/>
             </a:ext>
           </a:extLst>
         </p:spPr>
@@ -21515,7 +21544,7 @@
           </a:ln>
           <a:extLst>
             <a:ext uri="{C572A759-6A51-4108-AA02-DFA0A04FC94B}">
-              <ma14:wrappingTextBoxFlag xmlns:ma14="http://schemas.microsoft.com/office/mac/drawingml/2011/main" xmlns:a14="http://schemas.microsoft.com/office/drawing/2010/main" xmlns:m="http://schemas.openxmlformats.org/officeDocument/2006/math" xmlns="" val="1"/>
+              <ma14:wrappingTextBoxFlag xmlns="" xmlns:m="http://schemas.openxmlformats.org/officeDocument/2006/math" xmlns:a14="http://schemas.microsoft.com/office/drawing/2010/main" xmlns:ma14="http://schemas.microsoft.com/office/mac/drawingml/2011/main" val="1"/>
             </a:ext>
           </a:extLst>
         </p:spPr>
@@ -21566,7 +21595,7 @@
           </a:ln>
           <a:extLst>
             <a:ext uri="{C572A759-6A51-4108-AA02-DFA0A04FC94B}">
-              <ma14:wrappingTextBoxFlag xmlns:ma14="http://schemas.microsoft.com/office/mac/drawingml/2011/main" xmlns:a14="http://schemas.microsoft.com/office/drawing/2010/main" xmlns:m="http://schemas.openxmlformats.org/officeDocument/2006/math" xmlns="" val="1"/>
+              <ma14:wrappingTextBoxFlag xmlns="" xmlns:m="http://schemas.openxmlformats.org/officeDocument/2006/math" xmlns:a14="http://schemas.microsoft.com/office/drawing/2010/main" xmlns:ma14="http://schemas.microsoft.com/office/mac/drawingml/2011/main" val="1"/>
             </a:ext>
           </a:extLst>
         </p:spPr>
@@ -21617,7 +21646,7 @@
           </a:ln>
           <a:extLst>
             <a:ext uri="{C572A759-6A51-4108-AA02-DFA0A04FC94B}">
-              <ma14:wrappingTextBoxFlag xmlns:ma14="http://schemas.microsoft.com/office/mac/drawingml/2011/main" xmlns:a14="http://schemas.microsoft.com/office/drawing/2010/main" xmlns:m="http://schemas.openxmlformats.org/officeDocument/2006/math" xmlns="" val="1"/>
+              <ma14:wrappingTextBoxFlag xmlns="" xmlns:m="http://schemas.openxmlformats.org/officeDocument/2006/math" xmlns:a14="http://schemas.microsoft.com/office/drawing/2010/main" xmlns:ma14="http://schemas.microsoft.com/office/mac/drawingml/2011/main" val="1"/>
             </a:ext>
           </a:extLst>
         </p:spPr>
@@ -21668,7 +21697,7 @@
           </a:ln>
           <a:extLst>
             <a:ext uri="{C572A759-6A51-4108-AA02-DFA0A04FC94B}">
-              <ma14:wrappingTextBoxFlag xmlns:ma14="http://schemas.microsoft.com/office/mac/drawingml/2011/main" xmlns:a14="http://schemas.microsoft.com/office/drawing/2010/main" xmlns:m="http://schemas.openxmlformats.org/officeDocument/2006/math" xmlns="" val="1"/>
+              <ma14:wrappingTextBoxFlag xmlns="" xmlns:m="http://schemas.openxmlformats.org/officeDocument/2006/math" xmlns:a14="http://schemas.microsoft.com/office/drawing/2010/main" xmlns:ma14="http://schemas.microsoft.com/office/mac/drawingml/2011/main" val="1"/>
             </a:ext>
           </a:extLst>
         </p:spPr>
@@ -21719,7 +21748,7 @@
           </a:ln>
           <a:extLst>
             <a:ext uri="{C572A759-6A51-4108-AA02-DFA0A04FC94B}">
-              <ma14:wrappingTextBoxFlag xmlns:ma14="http://schemas.microsoft.com/office/mac/drawingml/2011/main" xmlns:a14="http://schemas.microsoft.com/office/drawing/2010/main" xmlns:m="http://schemas.openxmlformats.org/officeDocument/2006/math" xmlns="" val="1"/>
+              <ma14:wrappingTextBoxFlag xmlns="" xmlns:m="http://schemas.openxmlformats.org/officeDocument/2006/math" xmlns:a14="http://schemas.microsoft.com/office/drawing/2010/main" xmlns:ma14="http://schemas.microsoft.com/office/mac/drawingml/2011/main" val="1"/>
             </a:ext>
           </a:extLst>
         </p:spPr>
@@ -21770,7 +21799,7 @@
           </a:ln>
           <a:extLst>
             <a:ext uri="{C572A759-6A51-4108-AA02-DFA0A04FC94B}">
-              <ma14:wrappingTextBoxFlag xmlns:ma14="http://schemas.microsoft.com/office/mac/drawingml/2011/main" xmlns:a14="http://schemas.microsoft.com/office/drawing/2010/main" xmlns:m="http://schemas.openxmlformats.org/officeDocument/2006/math" xmlns="" val="1"/>
+              <ma14:wrappingTextBoxFlag xmlns="" xmlns:m="http://schemas.openxmlformats.org/officeDocument/2006/math" xmlns:a14="http://schemas.microsoft.com/office/drawing/2010/main" xmlns:ma14="http://schemas.microsoft.com/office/mac/drawingml/2011/main" val="1"/>
             </a:ext>
           </a:extLst>
         </p:spPr>
@@ -21821,7 +21850,7 @@
           </a:ln>
           <a:extLst>
             <a:ext uri="{C572A759-6A51-4108-AA02-DFA0A04FC94B}">
-              <ma14:wrappingTextBoxFlag xmlns:ma14="http://schemas.microsoft.com/office/mac/drawingml/2011/main" xmlns:a14="http://schemas.microsoft.com/office/drawing/2010/main" xmlns:m="http://schemas.openxmlformats.org/officeDocument/2006/math" xmlns="" val="1"/>
+              <ma14:wrappingTextBoxFlag xmlns="" xmlns:m="http://schemas.openxmlformats.org/officeDocument/2006/math" xmlns:a14="http://schemas.microsoft.com/office/drawing/2010/main" xmlns:ma14="http://schemas.microsoft.com/office/mac/drawingml/2011/main" val="1"/>
             </a:ext>
           </a:extLst>
         </p:spPr>
@@ -21872,7 +21901,7 @@
           </a:ln>
           <a:extLst>
             <a:ext uri="{C572A759-6A51-4108-AA02-DFA0A04FC94B}">
-              <ma14:wrappingTextBoxFlag xmlns:ma14="http://schemas.microsoft.com/office/mac/drawingml/2011/main" xmlns:a14="http://schemas.microsoft.com/office/drawing/2010/main" xmlns:m="http://schemas.openxmlformats.org/officeDocument/2006/math" xmlns="" val="1"/>
+              <ma14:wrappingTextBoxFlag xmlns="" xmlns:m="http://schemas.openxmlformats.org/officeDocument/2006/math" xmlns:a14="http://schemas.microsoft.com/office/drawing/2010/main" xmlns:ma14="http://schemas.microsoft.com/office/mac/drawingml/2011/main" val="1"/>
             </a:ext>
           </a:extLst>
         </p:spPr>
@@ -21923,7 +21952,7 @@
           </a:ln>
           <a:extLst>
             <a:ext uri="{C572A759-6A51-4108-AA02-DFA0A04FC94B}">
-              <ma14:wrappingTextBoxFlag xmlns:ma14="http://schemas.microsoft.com/office/mac/drawingml/2011/main" xmlns:a14="http://schemas.microsoft.com/office/drawing/2010/main" xmlns:m="http://schemas.openxmlformats.org/officeDocument/2006/math" xmlns="" val="1"/>
+              <ma14:wrappingTextBoxFlag xmlns="" xmlns:m="http://schemas.openxmlformats.org/officeDocument/2006/math" xmlns:a14="http://schemas.microsoft.com/office/drawing/2010/main" xmlns:ma14="http://schemas.microsoft.com/office/mac/drawingml/2011/main" val="1"/>
             </a:ext>
           </a:extLst>
         </p:spPr>
@@ -21974,7 +22003,7 @@
           </a:ln>
           <a:extLst>
             <a:ext uri="{C572A759-6A51-4108-AA02-DFA0A04FC94B}">
-              <ma14:wrappingTextBoxFlag xmlns:ma14="http://schemas.microsoft.com/office/mac/drawingml/2011/main" xmlns:a14="http://schemas.microsoft.com/office/drawing/2010/main" xmlns:m="http://schemas.openxmlformats.org/officeDocument/2006/math" xmlns="" val="1"/>
+              <ma14:wrappingTextBoxFlag xmlns="" xmlns:m="http://schemas.openxmlformats.org/officeDocument/2006/math" xmlns:a14="http://schemas.microsoft.com/office/drawing/2010/main" xmlns:ma14="http://schemas.microsoft.com/office/mac/drawingml/2011/main" val="1"/>
             </a:ext>
           </a:extLst>
         </p:spPr>
@@ -22025,7 +22054,7 @@
           </a:ln>
           <a:extLst>
             <a:ext uri="{C572A759-6A51-4108-AA02-DFA0A04FC94B}">
-              <ma14:wrappingTextBoxFlag xmlns:ma14="http://schemas.microsoft.com/office/mac/drawingml/2011/main" xmlns:a14="http://schemas.microsoft.com/office/drawing/2010/main" xmlns:m="http://schemas.openxmlformats.org/officeDocument/2006/math" xmlns="" val="1"/>
+              <ma14:wrappingTextBoxFlag xmlns="" xmlns:m="http://schemas.openxmlformats.org/officeDocument/2006/math" xmlns:a14="http://schemas.microsoft.com/office/drawing/2010/main" xmlns:ma14="http://schemas.microsoft.com/office/mac/drawingml/2011/main" val="1"/>
             </a:ext>
           </a:extLst>
         </p:spPr>
@@ -22076,7 +22105,7 @@
           </a:ln>
           <a:extLst>
             <a:ext uri="{C572A759-6A51-4108-AA02-DFA0A04FC94B}">
-              <ma14:wrappingTextBoxFlag xmlns:ma14="http://schemas.microsoft.com/office/mac/drawingml/2011/main" xmlns:a14="http://schemas.microsoft.com/office/drawing/2010/main" xmlns:m="http://schemas.openxmlformats.org/officeDocument/2006/math" xmlns="" val="1"/>
+              <ma14:wrappingTextBoxFlag xmlns="" xmlns:m="http://schemas.openxmlformats.org/officeDocument/2006/math" xmlns:a14="http://schemas.microsoft.com/office/drawing/2010/main" xmlns:ma14="http://schemas.microsoft.com/office/mac/drawingml/2011/main" val="1"/>
             </a:ext>
           </a:extLst>
         </p:spPr>
@@ -22512,7 +22541,7 @@
           </a:ln>
           <a:extLst>
             <a:ext uri="{C572A759-6A51-4108-AA02-DFA0A04FC94B}">
-              <ma14:wrappingTextBoxFlag xmlns:ma14="http://schemas.microsoft.com/office/mac/drawingml/2011/main" xmlns:a14="http://schemas.microsoft.com/office/drawing/2010/main" xmlns:m="http://schemas.openxmlformats.org/officeDocument/2006/math" xmlns="" val="1"/>
+              <ma14:wrappingTextBoxFlag xmlns="" xmlns:m="http://schemas.openxmlformats.org/officeDocument/2006/math" xmlns:a14="http://schemas.microsoft.com/office/drawing/2010/main" xmlns:ma14="http://schemas.microsoft.com/office/mac/drawingml/2011/main" val="1"/>
             </a:ext>
           </a:extLst>
         </p:spPr>
@@ -22563,7 +22592,7 @@
           </a:ln>
           <a:extLst>
             <a:ext uri="{C572A759-6A51-4108-AA02-DFA0A04FC94B}">
-              <ma14:wrappingTextBoxFlag xmlns:ma14="http://schemas.microsoft.com/office/mac/drawingml/2011/main" xmlns:a14="http://schemas.microsoft.com/office/drawing/2010/main" xmlns:m="http://schemas.openxmlformats.org/officeDocument/2006/math" xmlns="" val="1"/>
+              <ma14:wrappingTextBoxFlag xmlns="" xmlns:m="http://schemas.openxmlformats.org/officeDocument/2006/math" xmlns:a14="http://schemas.microsoft.com/office/drawing/2010/main" xmlns:ma14="http://schemas.microsoft.com/office/mac/drawingml/2011/main" val="1"/>
             </a:ext>
           </a:extLst>
         </p:spPr>
@@ -22614,7 +22643,7 @@
           </a:ln>
           <a:extLst>
             <a:ext uri="{C572A759-6A51-4108-AA02-DFA0A04FC94B}">
-              <ma14:wrappingTextBoxFlag xmlns:ma14="http://schemas.microsoft.com/office/mac/drawingml/2011/main" xmlns:a14="http://schemas.microsoft.com/office/drawing/2010/main" xmlns:m="http://schemas.openxmlformats.org/officeDocument/2006/math" xmlns="" val="1"/>
+              <ma14:wrappingTextBoxFlag xmlns="" xmlns:m="http://schemas.openxmlformats.org/officeDocument/2006/math" xmlns:a14="http://schemas.microsoft.com/office/drawing/2010/main" xmlns:ma14="http://schemas.microsoft.com/office/mac/drawingml/2011/main" val="1"/>
             </a:ext>
           </a:extLst>
         </p:spPr>
@@ -22665,7 +22694,7 @@
           </a:ln>
           <a:extLst>
             <a:ext uri="{C572A759-6A51-4108-AA02-DFA0A04FC94B}">
-              <ma14:wrappingTextBoxFlag xmlns:ma14="http://schemas.microsoft.com/office/mac/drawingml/2011/main" xmlns:a14="http://schemas.microsoft.com/office/drawing/2010/main" xmlns:m="http://schemas.openxmlformats.org/officeDocument/2006/math" xmlns="" val="1"/>
+              <ma14:wrappingTextBoxFlag xmlns="" xmlns:m="http://schemas.openxmlformats.org/officeDocument/2006/math" xmlns:a14="http://schemas.microsoft.com/office/drawing/2010/main" xmlns:ma14="http://schemas.microsoft.com/office/mac/drawingml/2011/main" val="1"/>
             </a:ext>
           </a:extLst>
         </p:spPr>
@@ -22716,7 +22745,7 @@
           </a:ln>
           <a:extLst>
             <a:ext uri="{C572A759-6A51-4108-AA02-DFA0A04FC94B}">
-              <ma14:wrappingTextBoxFlag xmlns:ma14="http://schemas.microsoft.com/office/mac/drawingml/2011/main" xmlns:a14="http://schemas.microsoft.com/office/drawing/2010/main" xmlns:m="http://schemas.openxmlformats.org/officeDocument/2006/math" xmlns="" val="1"/>
+              <ma14:wrappingTextBoxFlag xmlns="" xmlns:m="http://schemas.openxmlformats.org/officeDocument/2006/math" xmlns:a14="http://schemas.microsoft.com/office/drawing/2010/main" xmlns:ma14="http://schemas.microsoft.com/office/mac/drawingml/2011/main" val="1"/>
             </a:ext>
           </a:extLst>
         </p:spPr>
@@ -22767,7 +22796,7 @@
           </a:ln>
           <a:extLst>
             <a:ext uri="{C572A759-6A51-4108-AA02-DFA0A04FC94B}">
-              <ma14:wrappingTextBoxFlag xmlns:ma14="http://schemas.microsoft.com/office/mac/drawingml/2011/main" xmlns:a14="http://schemas.microsoft.com/office/drawing/2010/main" xmlns:m="http://schemas.openxmlformats.org/officeDocument/2006/math" xmlns="" val="1"/>
+              <ma14:wrappingTextBoxFlag xmlns="" xmlns:m="http://schemas.openxmlformats.org/officeDocument/2006/math" xmlns:a14="http://schemas.microsoft.com/office/drawing/2010/main" xmlns:ma14="http://schemas.microsoft.com/office/mac/drawingml/2011/main" val="1"/>
             </a:ext>
           </a:extLst>
         </p:spPr>
@@ -22818,7 +22847,7 @@
           </a:ln>
           <a:extLst>
             <a:ext uri="{C572A759-6A51-4108-AA02-DFA0A04FC94B}">
-              <ma14:wrappingTextBoxFlag xmlns:ma14="http://schemas.microsoft.com/office/mac/drawingml/2011/main" xmlns:a14="http://schemas.microsoft.com/office/drawing/2010/main" xmlns:m="http://schemas.openxmlformats.org/officeDocument/2006/math" xmlns="" val="1"/>
+              <ma14:wrappingTextBoxFlag xmlns="" xmlns:m="http://schemas.openxmlformats.org/officeDocument/2006/math" xmlns:a14="http://schemas.microsoft.com/office/drawing/2010/main" xmlns:ma14="http://schemas.microsoft.com/office/mac/drawingml/2011/main" val="1"/>
             </a:ext>
           </a:extLst>
         </p:spPr>
@@ -22869,7 +22898,7 @@
           </a:ln>
           <a:extLst>
             <a:ext uri="{C572A759-6A51-4108-AA02-DFA0A04FC94B}">
-              <ma14:wrappingTextBoxFlag xmlns:ma14="http://schemas.microsoft.com/office/mac/drawingml/2011/main" xmlns:a14="http://schemas.microsoft.com/office/drawing/2010/main" xmlns:m="http://schemas.openxmlformats.org/officeDocument/2006/math" xmlns="" val="1"/>
+              <ma14:wrappingTextBoxFlag xmlns="" xmlns:m="http://schemas.openxmlformats.org/officeDocument/2006/math" xmlns:a14="http://schemas.microsoft.com/office/drawing/2010/main" xmlns:ma14="http://schemas.microsoft.com/office/mac/drawingml/2011/main" val="1"/>
             </a:ext>
           </a:extLst>
         </p:spPr>
@@ -22920,7 +22949,7 @@
           </a:ln>
           <a:extLst>
             <a:ext uri="{C572A759-6A51-4108-AA02-DFA0A04FC94B}">
-              <ma14:wrappingTextBoxFlag xmlns:ma14="http://schemas.microsoft.com/office/mac/drawingml/2011/main" xmlns:a14="http://schemas.microsoft.com/office/drawing/2010/main" xmlns:m="http://schemas.openxmlformats.org/officeDocument/2006/math" xmlns="" val="1"/>
+              <ma14:wrappingTextBoxFlag xmlns="" xmlns:m="http://schemas.openxmlformats.org/officeDocument/2006/math" xmlns:a14="http://schemas.microsoft.com/office/drawing/2010/main" xmlns:ma14="http://schemas.microsoft.com/office/mac/drawingml/2011/main" val="1"/>
             </a:ext>
           </a:extLst>
         </p:spPr>
@@ -22971,7 +23000,7 @@
           </a:ln>
           <a:extLst>
             <a:ext uri="{C572A759-6A51-4108-AA02-DFA0A04FC94B}">
-              <ma14:wrappingTextBoxFlag xmlns:ma14="http://schemas.microsoft.com/office/mac/drawingml/2011/main" xmlns:a14="http://schemas.microsoft.com/office/drawing/2010/main" xmlns:m="http://schemas.openxmlformats.org/officeDocument/2006/math" xmlns="" val="1"/>
+              <ma14:wrappingTextBoxFlag xmlns="" xmlns:m="http://schemas.openxmlformats.org/officeDocument/2006/math" xmlns:a14="http://schemas.microsoft.com/office/drawing/2010/main" xmlns:ma14="http://schemas.microsoft.com/office/mac/drawingml/2011/main" val="1"/>
             </a:ext>
           </a:extLst>
         </p:spPr>
@@ -23022,7 +23051,7 @@
           </a:ln>
           <a:extLst>
             <a:ext uri="{C572A759-6A51-4108-AA02-DFA0A04FC94B}">
-              <ma14:wrappingTextBoxFlag xmlns:ma14="http://schemas.microsoft.com/office/mac/drawingml/2011/main" xmlns:a14="http://schemas.microsoft.com/office/drawing/2010/main" xmlns:m="http://schemas.openxmlformats.org/officeDocument/2006/math" xmlns="" val="1"/>
+              <ma14:wrappingTextBoxFlag xmlns="" xmlns:m="http://schemas.openxmlformats.org/officeDocument/2006/math" xmlns:a14="http://schemas.microsoft.com/office/drawing/2010/main" xmlns:ma14="http://schemas.microsoft.com/office/mac/drawingml/2011/main" val="1"/>
             </a:ext>
           </a:extLst>
         </p:spPr>
@@ -23073,7 +23102,7 @@
           </a:ln>
           <a:extLst>
             <a:ext uri="{C572A759-6A51-4108-AA02-DFA0A04FC94B}">
-              <ma14:wrappingTextBoxFlag xmlns:ma14="http://schemas.microsoft.com/office/mac/drawingml/2011/main" xmlns:a14="http://schemas.microsoft.com/office/drawing/2010/main" xmlns:m="http://schemas.openxmlformats.org/officeDocument/2006/math" xmlns="" val="1"/>
+              <ma14:wrappingTextBoxFlag xmlns="" xmlns:m="http://schemas.openxmlformats.org/officeDocument/2006/math" xmlns:a14="http://schemas.microsoft.com/office/drawing/2010/main" xmlns:ma14="http://schemas.microsoft.com/office/mac/drawingml/2011/main" val="1"/>
             </a:ext>
           </a:extLst>
         </p:spPr>
@@ -23124,7 +23153,7 @@
           </a:ln>
           <a:extLst>
             <a:ext uri="{C572A759-6A51-4108-AA02-DFA0A04FC94B}">
-              <ma14:wrappingTextBoxFlag xmlns:ma14="http://schemas.microsoft.com/office/mac/drawingml/2011/main" xmlns:a14="http://schemas.microsoft.com/office/drawing/2010/main" xmlns:m="http://schemas.openxmlformats.org/officeDocument/2006/math" xmlns="" val="1"/>
+              <ma14:wrappingTextBoxFlag xmlns="" xmlns:m="http://schemas.openxmlformats.org/officeDocument/2006/math" xmlns:a14="http://schemas.microsoft.com/office/drawing/2010/main" xmlns:ma14="http://schemas.microsoft.com/office/mac/drawingml/2011/main" val="1"/>
             </a:ext>
           </a:extLst>
         </p:spPr>
@@ -23175,7 +23204,7 @@
           </a:ln>
           <a:extLst>
             <a:ext uri="{C572A759-6A51-4108-AA02-DFA0A04FC94B}">
-              <ma14:wrappingTextBoxFlag xmlns:ma14="http://schemas.microsoft.com/office/mac/drawingml/2011/main" xmlns:a14="http://schemas.microsoft.com/office/drawing/2010/main" xmlns:m="http://schemas.openxmlformats.org/officeDocument/2006/math" xmlns="" val="1"/>
+              <ma14:wrappingTextBoxFlag xmlns="" xmlns:m="http://schemas.openxmlformats.org/officeDocument/2006/math" xmlns:a14="http://schemas.microsoft.com/office/drawing/2010/main" xmlns:ma14="http://schemas.microsoft.com/office/mac/drawingml/2011/main" val="1"/>
             </a:ext>
           </a:extLst>
         </p:spPr>
@@ -23226,7 +23255,7 @@
           </a:ln>
           <a:extLst>
             <a:ext uri="{C572A759-6A51-4108-AA02-DFA0A04FC94B}">
-              <ma14:wrappingTextBoxFlag xmlns:ma14="http://schemas.microsoft.com/office/mac/drawingml/2011/main" xmlns:a14="http://schemas.microsoft.com/office/drawing/2010/main" xmlns:m="http://schemas.openxmlformats.org/officeDocument/2006/math" xmlns="" val="1"/>
+              <ma14:wrappingTextBoxFlag xmlns="" xmlns:m="http://schemas.openxmlformats.org/officeDocument/2006/math" xmlns:a14="http://schemas.microsoft.com/office/drawing/2010/main" xmlns:ma14="http://schemas.microsoft.com/office/mac/drawingml/2011/main" val="1"/>
             </a:ext>
           </a:extLst>
         </p:spPr>
@@ -23277,7 +23306,7 @@
           </a:ln>
           <a:extLst>
             <a:ext uri="{C572A759-6A51-4108-AA02-DFA0A04FC94B}">
-              <ma14:wrappingTextBoxFlag xmlns:ma14="http://schemas.microsoft.com/office/mac/drawingml/2011/main" xmlns:a14="http://schemas.microsoft.com/office/drawing/2010/main" xmlns:m="http://schemas.openxmlformats.org/officeDocument/2006/math" xmlns="" val="1"/>
+              <ma14:wrappingTextBoxFlag xmlns="" xmlns:m="http://schemas.openxmlformats.org/officeDocument/2006/math" xmlns:a14="http://schemas.microsoft.com/office/drawing/2010/main" xmlns:ma14="http://schemas.microsoft.com/office/mac/drawingml/2011/main" val="1"/>
             </a:ext>
           </a:extLst>
         </p:spPr>
@@ -23328,7 +23357,7 @@
           </a:ln>
           <a:extLst>
             <a:ext uri="{C572A759-6A51-4108-AA02-DFA0A04FC94B}">
-              <ma14:wrappingTextBoxFlag xmlns:ma14="http://schemas.microsoft.com/office/mac/drawingml/2011/main" xmlns:a14="http://schemas.microsoft.com/office/drawing/2010/main" xmlns:m="http://schemas.openxmlformats.org/officeDocument/2006/math" xmlns="" val="1"/>
+              <ma14:wrappingTextBoxFlag xmlns="" xmlns:m="http://schemas.openxmlformats.org/officeDocument/2006/math" xmlns:a14="http://schemas.microsoft.com/office/drawing/2010/main" xmlns:ma14="http://schemas.microsoft.com/office/mac/drawingml/2011/main" val="1"/>
             </a:ext>
           </a:extLst>
         </p:spPr>
@@ -23379,7 +23408,7 @@
           </a:ln>
           <a:extLst>
             <a:ext uri="{C572A759-6A51-4108-AA02-DFA0A04FC94B}">
-              <ma14:wrappingTextBoxFlag xmlns:ma14="http://schemas.microsoft.com/office/mac/drawingml/2011/main" xmlns:a14="http://schemas.microsoft.com/office/drawing/2010/main" xmlns:m="http://schemas.openxmlformats.org/officeDocument/2006/math" xmlns="" val="1"/>
+              <ma14:wrappingTextBoxFlag xmlns="" xmlns:m="http://schemas.openxmlformats.org/officeDocument/2006/math" xmlns:a14="http://schemas.microsoft.com/office/drawing/2010/main" xmlns:ma14="http://schemas.microsoft.com/office/mac/drawingml/2011/main" val="1"/>
             </a:ext>
           </a:extLst>
         </p:spPr>
@@ -23430,7 +23459,7 @@
           </a:ln>
           <a:extLst>
             <a:ext uri="{C572A759-6A51-4108-AA02-DFA0A04FC94B}">
-              <ma14:wrappingTextBoxFlag xmlns:ma14="http://schemas.microsoft.com/office/mac/drawingml/2011/main" xmlns:a14="http://schemas.microsoft.com/office/drawing/2010/main" xmlns:m="http://schemas.openxmlformats.org/officeDocument/2006/math" xmlns="" val="1"/>
+              <ma14:wrappingTextBoxFlag xmlns="" xmlns:m="http://schemas.openxmlformats.org/officeDocument/2006/math" xmlns:a14="http://schemas.microsoft.com/office/drawing/2010/main" xmlns:ma14="http://schemas.microsoft.com/office/mac/drawingml/2011/main" val="1"/>
             </a:ext>
           </a:extLst>
         </p:spPr>
@@ -23481,7 +23510,7 @@
           </a:ln>
           <a:extLst>
             <a:ext uri="{C572A759-6A51-4108-AA02-DFA0A04FC94B}">
-              <ma14:wrappingTextBoxFlag xmlns:ma14="http://schemas.microsoft.com/office/mac/drawingml/2011/main" xmlns:a14="http://schemas.microsoft.com/office/drawing/2010/main" xmlns:m="http://schemas.openxmlformats.org/officeDocument/2006/math" xmlns="" val="1"/>
+              <ma14:wrappingTextBoxFlag xmlns="" xmlns:m="http://schemas.openxmlformats.org/officeDocument/2006/math" xmlns:a14="http://schemas.microsoft.com/office/drawing/2010/main" xmlns:ma14="http://schemas.microsoft.com/office/mac/drawingml/2011/main" val="1"/>
             </a:ext>
           </a:extLst>
         </p:spPr>
@@ -23532,7 +23561,7 @@
           </a:ln>
           <a:extLst>
             <a:ext uri="{C572A759-6A51-4108-AA02-DFA0A04FC94B}">
-              <ma14:wrappingTextBoxFlag xmlns:ma14="http://schemas.microsoft.com/office/mac/drawingml/2011/main" xmlns:a14="http://schemas.microsoft.com/office/drawing/2010/main" xmlns:m="http://schemas.openxmlformats.org/officeDocument/2006/math" xmlns="" val="1"/>
+              <ma14:wrappingTextBoxFlag xmlns="" xmlns:m="http://schemas.openxmlformats.org/officeDocument/2006/math" xmlns:a14="http://schemas.microsoft.com/office/drawing/2010/main" xmlns:ma14="http://schemas.microsoft.com/office/mac/drawingml/2011/main" val="1"/>
             </a:ext>
           </a:extLst>
         </p:spPr>
@@ -23583,7 +23612,7 @@
           </a:ln>
           <a:extLst>
             <a:ext uri="{C572A759-6A51-4108-AA02-DFA0A04FC94B}">
-              <ma14:wrappingTextBoxFlag xmlns:ma14="http://schemas.microsoft.com/office/mac/drawingml/2011/main" xmlns:a14="http://schemas.microsoft.com/office/drawing/2010/main" xmlns:m="http://schemas.openxmlformats.org/officeDocument/2006/math" xmlns="" val="1"/>
+              <ma14:wrappingTextBoxFlag xmlns="" xmlns:m="http://schemas.openxmlformats.org/officeDocument/2006/math" xmlns:a14="http://schemas.microsoft.com/office/drawing/2010/main" xmlns:ma14="http://schemas.microsoft.com/office/mac/drawingml/2011/main" val="1"/>
             </a:ext>
           </a:extLst>
         </p:spPr>
@@ -23634,7 +23663,7 @@
           </a:ln>
           <a:extLst>
             <a:ext uri="{C572A759-6A51-4108-AA02-DFA0A04FC94B}">
-              <ma14:wrappingTextBoxFlag xmlns:ma14="http://schemas.microsoft.com/office/mac/drawingml/2011/main" xmlns:a14="http://schemas.microsoft.com/office/drawing/2010/main" xmlns:m="http://schemas.openxmlformats.org/officeDocument/2006/math" xmlns="" val="1"/>
+              <ma14:wrappingTextBoxFlag xmlns="" xmlns:m="http://schemas.openxmlformats.org/officeDocument/2006/math" xmlns:a14="http://schemas.microsoft.com/office/drawing/2010/main" xmlns:ma14="http://schemas.microsoft.com/office/mac/drawingml/2011/main" val="1"/>
             </a:ext>
           </a:extLst>
         </p:spPr>
@@ -23685,7 +23714,7 @@
           </a:ln>
           <a:extLst>
             <a:ext uri="{C572A759-6A51-4108-AA02-DFA0A04FC94B}">
-              <ma14:wrappingTextBoxFlag xmlns:ma14="http://schemas.microsoft.com/office/mac/drawingml/2011/main" xmlns:a14="http://schemas.microsoft.com/office/drawing/2010/main" xmlns:m="http://schemas.openxmlformats.org/officeDocument/2006/math" xmlns="" val="1"/>
+              <ma14:wrappingTextBoxFlag xmlns="" xmlns:m="http://schemas.openxmlformats.org/officeDocument/2006/math" xmlns:a14="http://schemas.microsoft.com/office/drawing/2010/main" xmlns:ma14="http://schemas.microsoft.com/office/mac/drawingml/2011/main" val="1"/>
             </a:ext>
           </a:extLst>
         </p:spPr>
@@ -23736,7 +23765,7 @@
           </a:ln>
           <a:extLst>
             <a:ext uri="{C572A759-6A51-4108-AA02-DFA0A04FC94B}">
-              <ma14:wrappingTextBoxFlag xmlns:ma14="http://schemas.microsoft.com/office/mac/drawingml/2011/main" xmlns:a14="http://schemas.microsoft.com/office/drawing/2010/main" xmlns:m="http://schemas.openxmlformats.org/officeDocument/2006/math" xmlns="" val="1"/>
+              <ma14:wrappingTextBoxFlag xmlns="" xmlns:m="http://schemas.openxmlformats.org/officeDocument/2006/math" xmlns:a14="http://schemas.microsoft.com/office/drawing/2010/main" xmlns:ma14="http://schemas.microsoft.com/office/mac/drawingml/2011/main" val="1"/>
             </a:ext>
           </a:extLst>
         </p:spPr>
@@ -23787,7 +23816,7 @@
           </a:ln>
           <a:extLst>
             <a:ext uri="{C572A759-6A51-4108-AA02-DFA0A04FC94B}">
-              <ma14:wrappingTextBoxFlag xmlns:ma14="http://schemas.microsoft.com/office/mac/drawingml/2011/main" xmlns:a14="http://schemas.microsoft.com/office/drawing/2010/main" xmlns:m="http://schemas.openxmlformats.org/officeDocument/2006/math" xmlns="" val="1"/>
+              <ma14:wrappingTextBoxFlag xmlns="" xmlns:m="http://schemas.openxmlformats.org/officeDocument/2006/math" xmlns:a14="http://schemas.microsoft.com/office/drawing/2010/main" xmlns:ma14="http://schemas.microsoft.com/office/mac/drawingml/2011/main" val="1"/>
             </a:ext>
           </a:extLst>
         </p:spPr>
@@ -23838,7 +23867,7 @@
           </a:ln>
           <a:extLst>
             <a:ext uri="{C572A759-6A51-4108-AA02-DFA0A04FC94B}">
-              <ma14:wrappingTextBoxFlag xmlns:ma14="http://schemas.microsoft.com/office/mac/drawingml/2011/main" xmlns:a14="http://schemas.microsoft.com/office/drawing/2010/main" xmlns:m="http://schemas.openxmlformats.org/officeDocument/2006/math" xmlns="" val="1"/>
+              <ma14:wrappingTextBoxFlag xmlns="" xmlns:m="http://schemas.openxmlformats.org/officeDocument/2006/math" xmlns:a14="http://schemas.microsoft.com/office/drawing/2010/main" xmlns:ma14="http://schemas.microsoft.com/office/mac/drawingml/2011/main" val="1"/>
             </a:ext>
           </a:extLst>
         </p:spPr>
@@ -23889,7 +23918,7 @@
           </a:ln>
           <a:extLst>
             <a:ext uri="{C572A759-6A51-4108-AA02-DFA0A04FC94B}">
-              <ma14:wrappingTextBoxFlag xmlns:ma14="http://schemas.microsoft.com/office/mac/drawingml/2011/main" xmlns:a14="http://schemas.microsoft.com/office/drawing/2010/main" xmlns:m="http://schemas.openxmlformats.org/officeDocument/2006/math" xmlns="" val="1"/>
+              <ma14:wrappingTextBoxFlag xmlns="" xmlns:m="http://schemas.openxmlformats.org/officeDocument/2006/math" xmlns:a14="http://schemas.microsoft.com/office/drawing/2010/main" xmlns:ma14="http://schemas.microsoft.com/office/mac/drawingml/2011/main" val="1"/>
             </a:ext>
           </a:extLst>
         </p:spPr>
@@ -23940,7 +23969,7 @@
           </a:ln>
           <a:extLst>
             <a:ext uri="{C572A759-6A51-4108-AA02-DFA0A04FC94B}">
-              <ma14:wrappingTextBoxFlag xmlns:ma14="http://schemas.microsoft.com/office/mac/drawingml/2011/main" xmlns:a14="http://schemas.microsoft.com/office/drawing/2010/main" xmlns:m="http://schemas.openxmlformats.org/officeDocument/2006/math" xmlns="" val="1"/>
+              <ma14:wrappingTextBoxFlag xmlns="" xmlns:m="http://schemas.openxmlformats.org/officeDocument/2006/math" xmlns:a14="http://schemas.microsoft.com/office/drawing/2010/main" xmlns:ma14="http://schemas.microsoft.com/office/mac/drawingml/2011/main" val="1"/>
             </a:ext>
           </a:extLst>
         </p:spPr>
@@ -23991,7 +24020,7 @@
           </a:ln>
           <a:extLst>
             <a:ext uri="{C572A759-6A51-4108-AA02-DFA0A04FC94B}">
-              <ma14:wrappingTextBoxFlag xmlns:ma14="http://schemas.microsoft.com/office/mac/drawingml/2011/main" xmlns:a14="http://schemas.microsoft.com/office/drawing/2010/main" xmlns:m="http://schemas.openxmlformats.org/officeDocument/2006/math" xmlns="" val="1"/>
+              <ma14:wrappingTextBoxFlag xmlns="" xmlns:m="http://schemas.openxmlformats.org/officeDocument/2006/math" xmlns:a14="http://schemas.microsoft.com/office/drawing/2010/main" xmlns:ma14="http://schemas.microsoft.com/office/mac/drawingml/2011/main" val="1"/>
             </a:ext>
           </a:extLst>
         </p:spPr>
@@ -24403,7 +24432,7 @@
           </a:ln>
           <a:extLst>
             <a:ext uri="{C572A759-6A51-4108-AA02-DFA0A04FC94B}">
-              <ma14:wrappingTextBoxFlag xmlns="" xmlns:m="http://schemas.openxmlformats.org/officeDocument/2006/math" xmlns:a14="http://schemas.microsoft.com/office/drawing/2010/main" xmlns:ma14="http://schemas.microsoft.com/office/mac/drawingml/2011/main" val="1"/>
+              <ma14:wrappingTextBoxFlag xmlns:ma14="http://schemas.microsoft.com/office/mac/drawingml/2011/main" xmlns:a14="http://schemas.microsoft.com/office/drawing/2010/main" xmlns:m="http://schemas.openxmlformats.org/officeDocument/2006/math" xmlns="" val="1"/>
             </a:ext>
           </a:extLst>
         </p:spPr>
@@ -24458,7 +24487,7 @@
           </a:ln>
           <a:extLst>
             <a:ext uri="{C572A759-6A51-4108-AA02-DFA0A04FC94B}">
-              <ma14:wrappingTextBoxFlag xmlns="" xmlns:m="http://schemas.openxmlformats.org/officeDocument/2006/math" xmlns:a14="http://schemas.microsoft.com/office/drawing/2010/main" xmlns:ma14="http://schemas.microsoft.com/office/mac/drawingml/2011/main" val="1"/>
+              <ma14:wrappingTextBoxFlag xmlns:ma14="http://schemas.microsoft.com/office/mac/drawingml/2011/main" xmlns:a14="http://schemas.microsoft.com/office/drawing/2010/main" xmlns:m="http://schemas.openxmlformats.org/officeDocument/2006/math" xmlns="" val="1"/>
             </a:ext>
           </a:extLst>
         </p:spPr>
@@ -24509,7 +24538,7 @@
           </a:ln>
           <a:extLst>
             <a:ext uri="{C572A759-6A51-4108-AA02-DFA0A04FC94B}">
-              <ma14:wrappingTextBoxFlag xmlns="" xmlns:m="http://schemas.openxmlformats.org/officeDocument/2006/math" xmlns:a14="http://schemas.microsoft.com/office/drawing/2010/main" xmlns:ma14="http://schemas.microsoft.com/office/mac/drawingml/2011/main" val="1"/>
+              <ma14:wrappingTextBoxFlag xmlns:ma14="http://schemas.microsoft.com/office/mac/drawingml/2011/main" xmlns:a14="http://schemas.microsoft.com/office/drawing/2010/main" xmlns:m="http://schemas.openxmlformats.org/officeDocument/2006/math" xmlns="" val="1"/>
             </a:ext>
           </a:extLst>
         </p:spPr>
@@ -24560,7 +24589,7 @@
           </a:ln>
           <a:extLst>
             <a:ext uri="{C572A759-6A51-4108-AA02-DFA0A04FC94B}">
-              <ma14:wrappingTextBoxFlag xmlns="" xmlns:m="http://schemas.openxmlformats.org/officeDocument/2006/math" xmlns:a14="http://schemas.microsoft.com/office/drawing/2010/main" xmlns:ma14="http://schemas.microsoft.com/office/mac/drawingml/2011/main" val="1"/>
+              <ma14:wrappingTextBoxFlag xmlns:ma14="http://schemas.microsoft.com/office/mac/drawingml/2011/main" xmlns:a14="http://schemas.microsoft.com/office/drawing/2010/main" xmlns:m="http://schemas.openxmlformats.org/officeDocument/2006/math" xmlns="" val="1"/>
             </a:ext>
           </a:extLst>
         </p:spPr>
@@ -24611,7 +24640,7 @@
           </a:ln>
           <a:extLst>
             <a:ext uri="{C572A759-6A51-4108-AA02-DFA0A04FC94B}">
-              <ma14:wrappingTextBoxFlag xmlns="" xmlns:m="http://schemas.openxmlformats.org/officeDocument/2006/math" xmlns:a14="http://schemas.microsoft.com/office/drawing/2010/main" xmlns:ma14="http://schemas.microsoft.com/office/mac/drawingml/2011/main" val="1"/>
+              <ma14:wrappingTextBoxFlag xmlns:ma14="http://schemas.microsoft.com/office/mac/drawingml/2011/main" xmlns:a14="http://schemas.microsoft.com/office/drawing/2010/main" xmlns:m="http://schemas.openxmlformats.org/officeDocument/2006/math" xmlns="" val="1"/>
             </a:ext>
           </a:extLst>
         </p:spPr>
@@ -24662,7 +24691,7 @@
           </a:ln>
           <a:extLst>
             <a:ext uri="{C572A759-6A51-4108-AA02-DFA0A04FC94B}">
-              <ma14:wrappingTextBoxFlag xmlns="" xmlns:m="http://schemas.openxmlformats.org/officeDocument/2006/math" xmlns:a14="http://schemas.microsoft.com/office/drawing/2010/main" xmlns:ma14="http://schemas.microsoft.com/office/mac/drawingml/2011/main" val="1"/>
+              <ma14:wrappingTextBoxFlag xmlns:ma14="http://schemas.microsoft.com/office/mac/drawingml/2011/main" xmlns:a14="http://schemas.microsoft.com/office/drawing/2010/main" xmlns:m="http://schemas.openxmlformats.org/officeDocument/2006/math" xmlns="" val="1"/>
             </a:ext>
           </a:extLst>
         </p:spPr>
@@ -24713,7 +24742,7 @@
           </a:ln>
           <a:extLst>
             <a:ext uri="{C572A759-6A51-4108-AA02-DFA0A04FC94B}">
-              <ma14:wrappingTextBoxFlag xmlns="" xmlns:m="http://schemas.openxmlformats.org/officeDocument/2006/math" xmlns:a14="http://schemas.microsoft.com/office/drawing/2010/main" xmlns:ma14="http://schemas.microsoft.com/office/mac/drawingml/2011/main" val="1"/>
+              <ma14:wrappingTextBoxFlag xmlns:ma14="http://schemas.microsoft.com/office/mac/drawingml/2011/main" xmlns:a14="http://schemas.microsoft.com/office/drawing/2010/main" xmlns:m="http://schemas.openxmlformats.org/officeDocument/2006/math" xmlns="" val="1"/>
             </a:ext>
           </a:extLst>
         </p:spPr>
@@ -24764,7 +24793,7 @@
           </a:ln>
           <a:extLst>
             <a:ext uri="{C572A759-6A51-4108-AA02-DFA0A04FC94B}">
-              <ma14:wrappingTextBoxFlag xmlns="" xmlns:m="http://schemas.openxmlformats.org/officeDocument/2006/math" xmlns:a14="http://schemas.microsoft.com/office/drawing/2010/main" xmlns:ma14="http://schemas.microsoft.com/office/mac/drawingml/2011/main" val="1"/>
+              <ma14:wrappingTextBoxFlag xmlns:ma14="http://schemas.microsoft.com/office/mac/drawingml/2011/main" xmlns:a14="http://schemas.microsoft.com/office/drawing/2010/main" xmlns:m="http://schemas.openxmlformats.org/officeDocument/2006/math" xmlns="" val="1"/>
             </a:ext>
           </a:extLst>
         </p:spPr>
@@ -24815,7 +24844,7 @@
           </a:ln>
           <a:extLst>
             <a:ext uri="{C572A759-6A51-4108-AA02-DFA0A04FC94B}">
-              <ma14:wrappingTextBoxFlag xmlns="" xmlns:m="http://schemas.openxmlformats.org/officeDocument/2006/math" xmlns:a14="http://schemas.microsoft.com/office/drawing/2010/main" xmlns:ma14="http://schemas.microsoft.com/office/mac/drawingml/2011/main" val="1"/>
+              <ma14:wrappingTextBoxFlag xmlns:ma14="http://schemas.microsoft.com/office/mac/drawingml/2011/main" xmlns:a14="http://schemas.microsoft.com/office/drawing/2010/main" xmlns:m="http://schemas.openxmlformats.org/officeDocument/2006/math" xmlns="" val="1"/>
             </a:ext>
           </a:extLst>
         </p:spPr>
@@ -24866,7 +24895,7 @@
           </a:ln>
           <a:extLst>
             <a:ext uri="{C572A759-6A51-4108-AA02-DFA0A04FC94B}">
-              <ma14:wrappingTextBoxFlag xmlns="" xmlns:m="http://schemas.openxmlformats.org/officeDocument/2006/math" xmlns:a14="http://schemas.microsoft.com/office/drawing/2010/main" xmlns:ma14="http://schemas.microsoft.com/office/mac/drawingml/2011/main" val="1"/>
+              <ma14:wrappingTextBoxFlag xmlns:ma14="http://schemas.microsoft.com/office/mac/drawingml/2011/main" xmlns:a14="http://schemas.microsoft.com/office/drawing/2010/main" xmlns:m="http://schemas.openxmlformats.org/officeDocument/2006/math" xmlns="" val="1"/>
             </a:ext>
           </a:extLst>
         </p:spPr>
@@ -24917,7 +24946,7 @@
           </a:ln>
           <a:extLst>
             <a:ext uri="{C572A759-6A51-4108-AA02-DFA0A04FC94B}">
-              <ma14:wrappingTextBoxFlag xmlns="" xmlns:m="http://schemas.openxmlformats.org/officeDocument/2006/math" xmlns:a14="http://schemas.microsoft.com/office/drawing/2010/main" xmlns:ma14="http://schemas.microsoft.com/office/mac/drawingml/2011/main" val="1"/>
+              <ma14:wrappingTextBoxFlag xmlns:ma14="http://schemas.microsoft.com/office/mac/drawingml/2011/main" xmlns:a14="http://schemas.microsoft.com/office/drawing/2010/main" xmlns:m="http://schemas.openxmlformats.org/officeDocument/2006/math" xmlns="" val="1"/>
             </a:ext>
           </a:extLst>
         </p:spPr>
@@ -24968,7 +24997,7 @@
           </a:ln>
           <a:extLst>
             <a:ext uri="{C572A759-6A51-4108-AA02-DFA0A04FC94B}">
-              <ma14:wrappingTextBoxFlag xmlns="" xmlns:m="http://schemas.openxmlformats.org/officeDocument/2006/math" xmlns:a14="http://schemas.microsoft.com/office/drawing/2010/main" xmlns:ma14="http://schemas.microsoft.com/office/mac/drawingml/2011/main" val="1"/>
+              <ma14:wrappingTextBoxFlag xmlns:ma14="http://schemas.microsoft.com/office/mac/drawingml/2011/main" xmlns:a14="http://schemas.microsoft.com/office/drawing/2010/main" xmlns:m="http://schemas.openxmlformats.org/officeDocument/2006/math" xmlns="" val="1"/>
             </a:ext>
           </a:extLst>
         </p:spPr>
@@ -25019,7 +25048,7 @@
           </a:ln>
           <a:extLst>
             <a:ext uri="{C572A759-6A51-4108-AA02-DFA0A04FC94B}">
-              <ma14:wrappingTextBoxFlag xmlns="" xmlns:m="http://schemas.openxmlformats.org/officeDocument/2006/math" xmlns:a14="http://schemas.microsoft.com/office/drawing/2010/main" xmlns:ma14="http://schemas.microsoft.com/office/mac/drawingml/2011/main" val="1"/>
+              <ma14:wrappingTextBoxFlag xmlns:ma14="http://schemas.microsoft.com/office/mac/drawingml/2011/main" xmlns:a14="http://schemas.microsoft.com/office/drawing/2010/main" xmlns:m="http://schemas.openxmlformats.org/officeDocument/2006/math" xmlns="" val="1"/>
             </a:ext>
           </a:extLst>
         </p:spPr>
@@ -25070,7 +25099,7 @@
           </a:ln>
           <a:extLst>
             <a:ext uri="{C572A759-6A51-4108-AA02-DFA0A04FC94B}">
-              <ma14:wrappingTextBoxFlag xmlns="" xmlns:m="http://schemas.openxmlformats.org/officeDocument/2006/math" xmlns:a14="http://schemas.microsoft.com/office/drawing/2010/main" xmlns:ma14="http://schemas.microsoft.com/office/mac/drawingml/2011/main" val="1"/>
+              <ma14:wrappingTextBoxFlag xmlns:ma14="http://schemas.microsoft.com/office/mac/drawingml/2011/main" xmlns:a14="http://schemas.microsoft.com/office/drawing/2010/main" xmlns:m="http://schemas.openxmlformats.org/officeDocument/2006/math" xmlns="" val="1"/>
             </a:ext>
           </a:extLst>
         </p:spPr>
@@ -25121,7 +25150,7 @@
           </a:ln>
           <a:extLst>
             <a:ext uri="{C572A759-6A51-4108-AA02-DFA0A04FC94B}">
-              <ma14:wrappingTextBoxFlag xmlns="" xmlns:m="http://schemas.openxmlformats.org/officeDocument/2006/math" xmlns:a14="http://schemas.microsoft.com/office/drawing/2010/main" xmlns:ma14="http://schemas.microsoft.com/office/mac/drawingml/2011/main" val="1"/>
+              <ma14:wrappingTextBoxFlag xmlns:ma14="http://schemas.microsoft.com/office/mac/drawingml/2011/main" xmlns:a14="http://schemas.microsoft.com/office/drawing/2010/main" xmlns:m="http://schemas.openxmlformats.org/officeDocument/2006/math" xmlns="" val="1"/>
             </a:ext>
           </a:extLst>
         </p:spPr>
@@ -25172,7 +25201,7 @@
           </a:ln>
           <a:extLst>
             <a:ext uri="{C572A759-6A51-4108-AA02-DFA0A04FC94B}">
-              <ma14:wrappingTextBoxFlag xmlns="" xmlns:m="http://schemas.openxmlformats.org/officeDocument/2006/math" xmlns:a14="http://schemas.microsoft.com/office/drawing/2010/main" xmlns:ma14="http://schemas.microsoft.com/office/mac/drawingml/2011/main" val="1"/>
+              <ma14:wrappingTextBoxFlag xmlns:ma14="http://schemas.microsoft.com/office/mac/drawingml/2011/main" xmlns:a14="http://schemas.microsoft.com/office/drawing/2010/main" xmlns:m="http://schemas.openxmlformats.org/officeDocument/2006/math" xmlns="" val="1"/>
             </a:ext>
           </a:extLst>
         </p:spPr>
@@ -25223,7 +25252,7 @@
           </a:ln>
           <a:extLst>
             <a:ext uri="{C572A759-6A51-4108-AA02-DFA0A04FC94B}">
-              <ma14:wrappingTextBoxFlag xmlns="" xmlns:m="http://schemas.openxmlformats.org/officeDocument/2006/math" xmlns:a14="http://schemas.microsoft.com/office/drawing/2010/main" xmlns:ma14="http://schemas.microsoft.com/office/mac/drawingml/2011/main" val="1"/>
+              <ma14:wrappingTextBoxFlag xmlns:ma14="http://schemas.microsoft.com/office/mac/drawingml/2011/main" xmlns:a14="http://schemas.microsoft.com/office/drawing/2010/main" xmlns:m="http://schemas.openxmlformats.org/officeDocument/2006/math" xmlns="" val="1"/>
             </a:ext>
           </a:extLst>
         </p:spPr>
@@ -25274,7 +25303,7 @@
           </a:ln>
           <a:extLst>
             <a:ext uri="{C572A759-6A51-4108-AA02-DFA0A04FC94B}">
-              <ma14:wrappingTextBoxFlag xmlns="" xmlns:m="http://schemas.openxmlformats.org/officeDocument/2006/math" xmlns:a14="http://schemas.microsoft.com/office/drawing/2010/main" xmlns:ma14="http://schemas.microsoft.com/office/mac/drawingml/2011/main" val="1"/>
+              <ma14:wrappingTextBoxFlag xmlns:ma14="http://schemas.microsoft.com/office/mac/drawingml/2011/main" xmlns:a14="http://schemas.microsoft.com/office/drawing/2010/main" xmlns:m="http://schemas.openxmlformats.org/officeDocument/2006/math" xmlns="" val="1"/>
             </a:ext>
           </a:extLst>
         </p:spPr>
@@ -25325,7 +25354,7 @@
           </a:ln>
           <a:extLst>
             <a:ext uri="{C572A759-6A51-4108-AA02-DFA0A04FC94B}">
-              <ma14:wrappingTextBoxFlag xmlns="" xmlns:m="http://schemas.openxmlformats.org/officeDocument/2006/math" xmlns:a14="http://schemas.microsoft.com/office/drawing/2010/main" xmlns:ma14="http://schemas.microsoft.com/office/mac/drawingml/2011/main" val="1"/>
+              <ma14:wrappingTextBoxFlag xmlns:ma14="http://schemas.microsoft.com/office/mac/drawingml/2011/main" xmlns:a14="http://schemas.microsoft.com/office/drawing/2010/main" xmlns:m="http://schemas.openxmlformats.org/officeDocument/2006/math" xmlns="" val="1"/>
             </a:ext>
           </a:extLst>
         </p:spPr>
@@ -25376,7 +25405,7 @@
           </a:ln>
           <a:extLst>
             <a:ext uri="{C572A759-6A51-4108-AA02-DFA0A04FC94B}">
-              <ma14:wrappingTextBoxFlag xmlns="" xmlns:m="http://schemas.openxmlformats.org/officeDocument/2006/math" xmlns:a14="http://schemas.microsoft.com/office/drawing/2010/main" xmlns:ma14="http://schemas.microsoft.com/office/mac/drawingml/2011/main" val="1"/>
+              <ma14:wrappingTextBoxFlag xmlns:ma14="http://schemas.microsoft.com/office/mac/drawingml/2011/main" xmlns:a14="http://schemas.microsoft.com/office/drawing/2010/main" xmlns:m="http://schemas.openxmlformats.org/officeDocument/2006/math" xmlns="" val="1"/>
             </a:ext>
           </a:extLst>
         </p:spPr>
@@ -25427,7 +25456,7 @@
           </a:ln>
           <a:extLst>
             <a:ext uri="{C572A759-6A51-4108-AA02-DFA0A04FC94B}">
-              <ma14:wrappingTextBoxFlag xmlns="" xmlns:m="http://schemas.openxmlformats.org/officeDocument/2006/math" xmlns:a14="http://schemas.microsoft.com/office/drawing/2010/main" xmlns:ma14="http://schemas.microsoft.com/office/mac/drawingml/2011/main" val="1"/>
+              <ma14:wrappingTextBoxFlag xmlns:ma14="http://schemas.microsoft.com/office/mac/drawingml/2011/main" xmlns:a14="http://schemas.microsoft.com/office/drawing/2010/main" xmlns:m="http://schemas.openxmlformats.org/officeDocument/2006/math" xmlns="" val="1"/>
             </a:ext>
           </a:extLst>
         </p:spPr>
@@ -25478,7 +25507,7 @@
           </a:ln>
           <a:extLst>
             <a:ext uri="{C572A759-6A51-4108-AA02-DFA0A04FC94B}">
-              <ma14:wrappingTextBoxFlag xmlns="" xmlns:m="http://schemas.openxmlformats.org/officeDocument/2006/math" xmlns:a14="http://schemas.microsoft.com/office/drawing/2010/main" xmlns:ma14="http://schemas.microsoft.com/office/mac/drawingml/2011/main" val="1"/>
+              <ma14:wrappingTextBoxFlag xmlns:ma14="http://schemas.microsoft.com/office/mac/drawingml/2011/main" xmlns:a14="http://schemas.microsoft.com/office/drawing/2010/main" xmlns:m="http://schemas.openxmlformats.org/officeDocument/2006/math" xmlns="" val="1"/>
             </a:ext>
           </a:extLst>
         </p:spPr>
@@ -25529,7 +25558,7 @@
           </a:ln>
           <a:extLst>
             <a:ext uri="{C572A759-6A51-4108-AA02-DFA0A04FC94B}">
-              <ma14:wrappingTextBoxFlag xmlns="" xmlns:m="http://schemas.openxmlformats.org/officeDocument/2006/math" xmlns:a14="http://schemas.microsoft.com/office/drawing/2010/main" xmlns:ma14="http://schemas.microsoft.com/office/mac/drawingml/2011/main" val="1"/>
+              <ma14:wrappingTextBoxFlag xmlns:ma14="http://schemas.microsoft.com/office/mac/drawingml/2011/main" xmlns:a14="http://schemas.microsoft.com/office/drawing/2010/main" xmlns:m="http://schemas.openxmlformats.org/officeDocument/2006/math" xmlns="" val="1"/>
             </a:ext>
           </a:extLst>
         </p:spPr>
@@ -25580,7 +25609,7 @@
           </a:ln>
           <a:extLst>
             <a:ext uri="{C572A759-6A51-4108-AA02-DFA0A04FC94B}">
-              <ma14:wrappingTextBoxFlag xmlns="" xmlns:m="http://schemas.openxmlformats.org/officeDocument/2006/math" xmlns:a14="http://schemas.microsoft.com/office/drawing/2010/main" xmlns:ma14="http://schemas.microsoft.com/office/mac/drawingml/2011/main" val="1"/>
+              <ma14:wrappingTextBoxFlag xmlns:ma14="http://schemas.microsoft.com/office/mac/drawingml/2011/main" xmlns:a14="http://schemas.microsoft.com/office/drawing/2010/main" xmlns:m="http://schemas.openxmlformats.org/officeDocument/2006/math" xmlns="" val="1"/>
             </a:ext>
           </a:extLst>
         </p:spPr>
@@ -25631,7 +25660,7 @@
           </a:ln>
           <a:extLst>
             <a:ext uri="{C572A759-6A51-4108-AA02-DFA0A04FC94B}">
-              <ma14:wrappingTextBoxFlag xmlns="" xmlns:m="http://schemas.openxmlformats.org/officeDocument/2006/math" xmlns:a14="http://schemas.microsoft.com/office/drawing/2010/main" xmlns:ma14="http://schemas.microsoft.com/office/mac/drawingml/2011/main" val="1"/>
+              <ma14:wrappingTextBoxFlag xmlns:ma14="http://schemas.microsoft.com/office/mac/drawingml/2011/main" xmlns:a14="http://schemas.microsoft.com/office/drawing/2010/main" xmlns:m="http://schemas.openxmlformats.org/officeDocument/2006/math" xmlns="" val="1"/>
             </a:ext>
           </a:extLst>
         </p:spPr>
@@ -25682,7 +25711,7 @@
           </a:ln>
           <a:extLst>
             <a:ext uri="{C572A759-6A51-4108-AA02-DFA0A04FC94B}">
-              <ma14:wrappingTextBoxFlag xmlns="" xmlns:m="http://schemas.openxmlformats.org/officeDocument/2006/math" xmlns:a14="http://schemas.microsoft.com/office/drawing/2010/main" xmlns:ma14="http://schemas.microsoft.com/office/mac/drawingml/2011/main" val="1"/>
+              <ma14:wrappingTextBoxFlag xmlns:ma14="http://schemas.microsoft.com/office/mac/drawingml/2011/main" xmlns:a14="http://schemas.microsoft.com/office/drawing/2010/main" xmlns:m="http://schemas.openxmlformats.org/officeDocument/2006/math" xmlns="" val="1"/>
             </a:ext>
           </a:extLst>
         </p:spPr>
@@ -25733,7 +25762,7 @@
           </a:ln>
           <a:extLst>
             <a:ext uri="{C572A759-6A51-4108-AA02-DFA0A04FC94B}">
-              <ma14:wrappingTextBoxFlag xmlns="" xmlns:m="http://schemas.openxmlformats.org/officeDocument/2006/math" xmlns:a14="http://schemas.microsoft.com/office/drawing/2010/main" xmlns:ma14="http://schemas.microsoft.com/office/mac/drawingml/2011/main" val="1"/>
+              <ma14:wrappingTextBoxFlag xmlns:ma14="http://schemas.microsoft.com/office/mac/drawingml/2011/main" xmlns:a14="http://schemas.microsoft.com/office/drawing/2010/main" xmlns:m="http://schemas.openxmlformats.org/officeDocument/2006/math" xmlns="" val="1"/>
             </a:ext>
           </a:extLst>
         </p:spPr>
@@ -25784,7 +25813,7 @@
           </a:ln>
           <a:extLst>
             <a:ext uri="{C572A759-6A51-4108-AA02-DFA0A04FC94B}">
-              <ma14:wrappingTextBoxFlag xmlns="" xmlns:m="http://schemas.openxmlformats.org/officeDocument/2006/math" xmlns:a14="http://schemas.microsoft.com/office/drawing/2010/main" xmlns:ma14="http://schemas.microsoft.com/office/mac/drawingml/2011/main" val="1"/>
+              <ma14:wrappingTextBoxFlag xmlns:ma14="http://schemas.microsoft.com/office/mac/drawingml/2011/main" xmlns:a14="http://schemas.microsoft.com/office/drawing/2010/main" xmlns:m="http://schemas.openxmlformats.org/officeDocument/2006/math" xmlns="" val="1"/>
             </a:ext>
           </a:extLst>
         </p:spPr>
@@ -25835,7 +25864,7 @@
           </a:ln>
           <a:extLst>
             <a:ext uri="{C572A759-6A51-4108-AA02-DFA0A04FC94B}">
-              <ma14:wrappingTextBoxFlag xmlns="" xmlns:m="http://schemas.openxmlformats.org/officeDocument/2006/math" xmlns:a14="http://schemas.microsoft.com/office/drawing/2010/main" xmlns:ma14="http://schemas.microsoft.com/office/mac/drawingml/2011/main" val="1"/>
+              <ma14:wrappingTextBoxFlag xmlns:ma14="http://schemas.microsoft.com/office/mac/drawingml/2011/main" xmlns:a14="http://schemas.microsoft.com/office/drawing/2010/main" xmlns:m="http://schemas.openxmlformats.org/officeDocument/2006/math" xmlns="" val="1"/>
             </a:ext>
           </a:extLst>
         </p:spPr>
@@ -25886,7 +25915,7 @@
           </a:ln>
           <a:extLst>
             <a:ext uri="{C572A759-6A51-4108-AA02-DFA0A04FC94B}">
-              <ma14:wrappingTextBoxFlag xmlns="" xmlns:m="http://schemas.openxmlformats.org/officeDocument/2006/math" xmlns:a14="http://schemas.microsoft.com/office/drawing/2010/main" xmlns:ma14="http://schemas.microsoft.com/office/mac/drawingml/2011/main" val="1"/>
+              <ma14:wrappingTextBoxFlag xmlns:ma14="http://schemas.microsoft.com/office/mac/drawingml/2011/main" xmlns:a14="http://schemas.microsoft.com/office/drawing/2010/main" xmlns:m="http://schemas.openxmlformats.org/officeDocument/2006/math" xmlns="" val="1"/>
             </a:ext>
           </a:extLst>
         </p:spPr>
@@ -26298,7 +26327,7 @@
           </a:ln>
           <a:extLst>
             <a:ext uri="{C572A759-6A51-4108-AA02-DFA0A04FC94B}">
-              <ma14:wrappingTextBoxFlag xmlns="" xmlns:m="http://schemas.openxmlformats.org/officeDocument/2006/math" xmlns:a14="http://schemas.microsoft.com/office/drawing/2010/main" xmlns:ma14="http://schemas.microsoft.com/office/mac/drawingml/2011/main" val="1"/>
+              <ma14:wrappingTextBoxFlag xmlns:ma14="http://schemas.microsoft.com/office/mac/drawingml/2011/main" xmlns:a14="http://schemas.microsoft.com/office/drawing/2010/main" xmlns:m="http://schemas.openxmlformats.org/officeDocument/2006/math" xmlns="" val="1"/>
             </a:ext>
           </a:extLst>
         </p:spPr>
@@ -26349,7 +26378,7 @@
           </a:ln>
           <a:extLst>
             <a:ext uri="{C572A759-6A51-4108-AA02-DFA0A04FC94B}">
-              <ma14:wrappingTextBoxFlag xmlns="" xmlns:m="http://schemas.openxmlformats.org/officeDocument/2006/math" xmlns:a14="http://schemas.microsoft.com/office/drawing/2010/main" xmlns:ma14="http://schemas.microsoft.com/office/mac/drawingml/2011/main" val="1"/>
+              <ma14:wrappingTextBoxFlag xmlns:ma14="http://schemas.microsoft.com/office/mac/drawingml/2011/main" xmlns:a14="http://schemas.microsoft.com/office/drawing/2010/main" xmlns:m="http://schemas.openxmlformats.org/officeDocument/2006/math" xmlns="" val="1"/>
             </a:ext>
           </a:extLst>
         </p:spPr>
@@ -26400,7 +26429,7 @@
           </a:ln>
           <a:extLst>
             <a:ext uri="{C572A759-6A51-4108-AA02-DFA0A04FC94B}">
-              <ma14:wrappingTextBoxFlag xmlns="" xmlns:m="http://schemas.openxmlformats.org/officeDocument/2006/math" xmlns:a14="http://schemas.microsoft.com/office/drawing/2010/main" xmlns:ma14="http://schemas.microsoft.com/office/mac/drawingml/2011/main" val="1"/>
+              <ma14:wrappingTextBoxFlag xmlns:ma14="http://schemas.microsoft.com/office/mac/drawingml/2011/main" xmlns:a14="http://schemas.microsoft.com/office/drawing/2010/main" xmlns:m="http://schemas.openxmlformats.org/officeDocument/2006/math" xmlns="" val="1"/>
             </a:ext>
           </a:extLst>
         </p:spPr>
@@ -26451,7 +26480,7 @@
           </a:ln>
           <a:extLst>
             <a:ext uri="{C572A759-6A51-4108-AA02-DFA0A04FC94B}">
-              <ma14:wrappingTextBoxFlag xmlns="" xmlns:m="http://schemas.openxmlformats.org/officeDocument/2006/math" xmlns:a14="http://schemas.microsoft.com/office/drawing/2010/main" xmlns:ma14="http://schemas.microsoft.com/office/mac/drawingml/2011/main" val="1"/>
+              <ma14:wrappingTextBoxFlag xmlns:ma14="http://schemas.microsoft.com/office/mac/drawingml/2011/main" xmlns:a14="http://schemas.microsoft.com/office/drawing/2010/main" xmlns:m="http://schemas.openxmlformats.org/officeDocument/2006/math" xmlns="" val="1"/>
             </a:ext>
           </a:extLst>
         </p:spPr>
@@ -26502,7 +26531,7 @@
           </a:ln>
           <a:extLst>
             <a:ext uri="{C572A759-6A51-4108-AA02-DFA0A04FC94B}">
-              <ma14:wrappingTextBoxFlag xmlns="" xmlns:m="http://schemas.openxmlformats.org/officeDocument/2006/math" xmlns:a14="http://schemas.microsoft.com/office/drawing/2010/main" xmlns:ma14="http://schemas.microsoft.com/office/mac/drawingml/2011/main" val="1"/>
+              <ma14:wrappingTextBoxFlag xmlns:ma14="http://schemas.microsoft.com/office/mac/drawingml/2011/main" xmlns:a14="http://schemas.microsoft.com/office/drawing/2010/main" xmlns:m="http://schemas.openxmlformats.org/officeDocument/2006/math" xmlns="" val="1"/>
             </a:ext>
           </a:extLst>
         </p:spPr>
@@ -26553,7 +26582,7 @@
           </a:ln>
           <a:extLst>
             <a:ext uri="{C572A759-6A51-4108-AA02-DFA0A04FC94B}">
-              <ma14:wrappingTextBoxFlag xmlns="" xmlns:m="http://schemas.openxmlformats.org/officeDocument/2006/math" xmlns:a14="http://schemas.microsoft.com/office/drawing/2010/main" xmlns:ma14="http://schemas.microsoft.com/office/mac/drawingml/2011/main" val="1"/>
+              <ma14:wrappingTextBoxFlag xmlns:ma14="http://schemas.microsoft.com/office/mac/drawingml/2011/main" xmlns:a14="http://schemas.microsoft.com/office/drawing/2010/main" xmlns:m="http://schemas.openxmlformats.org/officeDocument/2006/math" xmlns="" val="1"/>
             </a:ext>
           </a:extLst>
         </p:spPr>
@@ -26604,7 +26633,7 @@
           </a:ln>
           <a:extLst>
             <a:ext uri="{C572A759-6A51-4108-AA02-DFA0A04FC94B}">
-              <ma14:wrappingTextBoxFlag xmlns="" xmlns:m="http://schemas.openxmlformats.org/officeDocument/2006/math" xmlns:a14="http://schemas.microsoft.com/office/drawing/2010/main" xmlns:ma14="http://schemas.microsoft.com/office/mac/drawingml/2011/main" val="1"/>
+              <ma14:wrappingTextBoxFlag xmlns:ma14="http://schemas.microsoft.com/office/mac/drawingml/2011/main" xmlns:a14="http://schemas.microsoft.com/office/drawing/2010/main" xmlns:m="http://schemas.openxmlformats.org/officeDocument/2006/math" xmlns="" val="1"/>
             </a:ext>
           </a:extLst>
         </p:spPr>
@@ -26655,7 +26684,7 @@
           </a:ln>
           <a:extLst>
             <a:ext uri="{C572A759-6A51-4108-AA02-DFA0A04FC94B}">
-              <ma14:wrappingTextBoxFlag xmlns="" xmlns:m="http://schemas.openxmlformats.org/officeDocument/2006/math" xmlns:a14="http://schemas.microsoft.com/office/drawing/2010/main" xmlns:ma14="http://schemas.microsoft.com/office/mac/drawingml/2011/main" val="1"/>
+              <ma14:wrappingTextBoxFlag xmlns:ma14="http://schemas.microsoft.com/office/mac/drawingml/2011/main" xmlns:a14="http://schemas.microsoft.com/office/drawing/2010/main" xmlns:m="http://schemas.openxmlformats.org/officeDocument/2006/math" xmlns="" val="1"/>
             </a:ext>
           </a:extLst>
         </p:spPr>
@@ -26706,7 +26735,7 @@
           </a:ln>
           <a:extLst>
             <a:ext uri="{C572A759-6A51-4108-AA02-DFA0A04FC94B}">
-              <ma14:wrappingTextBoxFlag xmlns="" xmlns:m="http://schemas.openxmlformats.org/officeDocument/2006/math" xmlns:a14="http://schemas.microsoft.com/office/drawing/2010/main" xmlns:ma14="http://schemas.microsoft.com/office/mac/drawingml/2011/main" val="1"/>
+              <ma14:wrappingTextBoxFlag xmlns:ma14="http://schemas.microsoft.com/office/mac/drawingml/2011/main" xmlns:a14="http://schemas.microsoft.com/office/drawing/2010/main" xmlns:m="http://schemas.openxmlformats.org/officeDocument/2006/math" xmlns="" val="1"/>
             </a:ext>
           </a:extLst>
         </p:spPr>
@@ -26757,7 +26786,7 @@
           </a:ln>
           <a:extLst>
             <a:ext uri="{C572A759-6A51-4108-AA02-DFA0A04FC94B}">
-              <ma14:wrappingTextBoxFlag xmlns="" xmlns:m="http://schemas.openxmlformats.org/officeDocument/2006/math" xmlns:a14="http://schemas.microsoft.com/office/drawing/2010/main" xmlns:ma14="http://schemas.microsoft.com/office/mac/drawingml/2011/main" val="1"/>
+              <ma14:wrappingTextBoxFlag xmlns:ma14="http://schemas.microsoft.com/office/mac/drawingml/2011/main" xmlns:a14="http://schemas.microsoft.com/office/drawing/2010/main" xmlns:m="http://schemas.openxmlformats.org/officeDocument/2006/math" xmlns="" val="1"/>
             </a:ext>
           </a:extLst>
         </p:spPr>
@@ -26808,7 +26837,7 @@
           </a:ln>
           <a:extLst>
             <a:ext uri="{C572A759-6A51-4108-AA02-DFA0A04FC94B}">
-              <ma14:wrappingTextBoxFlag xmlns="" xmlns:m="http://schemas.openxmlformats.org/officeDocument/2006/math" xmlns:a14="http://schemas.microsoft.com/office/drawing/2010/main" xmlns:ma14="http://schemas.microsoft.com/office/mac/drawingml/2011/main" val="1"/>
+              <ma14:wrappingTextBoxFlag xmlns:ma14="http://schemas.microsoft.com/office/mac/drawingml/2011/main" xmlns:a14="http://schemas.microsoft.com/office/drawing/2010/main" xmlns:m="http://schemas.openxmlformats.org/officeDocument/2006/math" xmlns="" val="1"/>
             </a:ext>
           </a:extLst>
         </p:spPr>
@@ -26859,7 +26888,7 @@
           </a:ln>
           <a:extLst>
             <a:ext uri="{C572A759-6A51-4108-AA02-DFA0A04FC94B}">
-              <ma14:wrappingTextBoxFlag xmlns="" xmlns:m="http://schemas.openxmlformats.org/officeDocument/2006/math" xmlns:a14="http://schemas.microsoft.com/office/drawing/2010/main" xmlns:ma14="http://schemas.microsoft.com/office/mac/drawingml/2011/main" val="1"/>
+              <ma14:wrappingTextBoxFlag xmlns:ma14="http://schemas.microsoft.com/office/mac/drawingml/2011/main" xmlns:a14="http://schemas.microsoft.com/office/drawing/2010/main" xmlns:m="http://schemas.openxmlformats.org/officeDocument/2006/math" xmlns="" val="1"/>
             </a:ext>
           </a:extLst>
         </p:spPr>
@@ -26910,7 +26939,7 @@
           </a:ln>
           <a:extLst>
             <a:ext uri="{C572A759-6A51-4108-AA02-DFA0A04FC94B}">
-              <ma14:wrappingTextBoxFlag xmlns="" xmlns:m="http://schemas.openxmlformats.org/officeDocument/2006/math" xmlns:a14="http://schemas.microsoft.com/office/drawing/2010/main" xmlns:ma14="http://schemas.microsoft.com/office/mac/drawingml/2011/main" val="1"/>
+              <ma14:wrappingTextBoxFlag xmlns:ma14="http://schemas.microsoft.com/office/mac/drawingml/2011/main" xmlns:a14="http://schemas.microsoft.com/office/drawing/2010/main" xmlns:m="http://schemas.openxmlformats.org/officeDocument/2006/math" xmlns="" val="1"/>
             </a:ext>
           </a:extLst>
         </p:spPr>
@@ -26961,7 +26990,7 @@
           </a:ln>
           <a:extLst>
             <a:ext uri="{C572A759-6A51-4108-AA02-DFA0A04FC94B}">
-              <ma14:wrappingTextBoxFlag xmlns="" xmlns:m="http://schemas.openxmlformats.org/officeDocument/2006/math" xmlns:a14="http://schemas.microsoft.com/office/drawing/2010/main" xmlns:ma14="http://schemas.microsoft.com/office/mac/drawingml/2011/main" val="1"/>
+              <ma14:wrappingTextBoxFlag xmlns:ma14="http://schemas.microsoft.com/office/mac/drawingml/2011/main" xmlns:a14="http://schemas.microsoft.com/office/drawing/2010/main" xmlns:m="http://schemas.openxmlformats.org/officeDocument/2006/math" xmlns="" val="1"/>
             </a:ext>
           </a:extLst>
         </p:spPr>
@@ -27012,7 +27041,7 @@
           </a:ln>
           <a:extLst>
             <a:ext uri="{C572A759-6A51-4108-AA02-DFA0A04FC94B}">
-              <ma14:wrappingTextBoxFlag xmlns="" xmlns:m="http://schemas.openxmlformats.org/officeDocument/2006/math" xmlns:a14="http://schemas.microsoft.com/office/drawing/2010/main" xmlns:ma14="http://schemas.microsoft.com/office/mac/drawingml/2011/main" val="1"/>
+              <ma14:wrappingTextBoxFlag xmlns:ma14="http://schemas.microsoft.com/office/mac/drawingml/2011/main" xmlns:a14="http://schemas.microsoft.com/office/drawing/2010/main" xmlns:m="http://schemas.openxmlformats.org/officeDocument/2006/math" xmlns="" val="1"/>
             </a:ext>
           </a:extLst>
         </p:spPr>
@@ -27063,7 +27092,7 @@
           </a:ln>
           <a:extLst>
             <a:ext uri="{C572A759-6A51-4108-AA02-DFA0A04FC94B}">
-              <ma14:wrappingTextBoxFlag xmlns="" xmlns:m="http://schemas.openxmlformats.org/officeDocument/2006/math" xmlns:a14="http://schemas.microsoft.com/office/drawing/2010/main" xmlns:ma14="http://schemas.microsoft.com/office/mac/drawingml/2011/main" val="1"/>
+              <ma14:wrappingTextBoxFlag xmlns:ma14="http://schemas.microsoft.com/office/mac/drawingml/2011/main" xmlns:a14="http://schemas.microsoft.com/office/drawing/2010/main" xmlns:m="http://schemas.openxmlformats.org/officeDocument/2006/math" xmlns="" val="1"/>
             </a:ext>
           </a:extLst>
         </p:spPr>
@@ -27114,7 +27143,7 @@
           </a:ln>
           <a:extLst>
             <a:ext uri="{C572A759-6A51-4108-AA02-DFA0A04FC94B}">
-              <ma14:wrappingTextBoxFlag xmlns="" xmlns:m="http://schemas.openxmlformats.org/officeDocument/2006/math" xmlns:a14="http://schemas.microsoft.com/office/drawing/2010/main" xmlns:ma14="http://schemas.microsoft.com/office/mac/drawingml/2011/main" val="1"/>
+              <ma14:wrappingTextBoxFlag xmlns:ma14="http://schemas.microsoft.com/office/mac/drawingml/2011/main" xmlns:a14="http://schemas.microsoft.com/office/drawing/2010/main" xmlns:m="http://schemas.openxmlformats.org/officeDocument/2006/math" xmlns="" val="1"/>
             </a:ext>
           </a:extLst>
         </p:spPr>
@@ -27165,7 +27194,7 @@
           </a:ln>
           <a:extLst>
             <a:ext uri="{C572A759-6A51-4108-AA02-DFA0A04FC94B}">
-              <ma14:wrappingTextBoxFlag xmlns="" xmlns:m="http://schemas.openxmlformats.org/officeDocument/2006/math" xmlns:a14="http://schemas.microsoft.com/office/drawing/2010/main" xmlns:ma14="http://schemas.microsoft.com/office/mac/drawingml/2011/main" val="1"/>
+              <ma14:wrappingTextBoxFlag xmlns:ma14="http://schemas.microsoft.com/office/mac/drawingml/2011/main" xmlns:a14="http://schemas.microsoft.com/office/drawing/2010/main" xmlns:m="http://schemas.openxmlformats.org/officeDocument/2006/math" xmlns="" val="1"/>
             </a:ext>
           </a:extLst>
         </p:spPr>
@@ -27216,7 +27245,7 @@
           </a:ln>
           <a:extLst>
             <a:ext uri="{C572A759-6A51-4108-AA02-DFA0A04FC94B}">
-              <ma14:wrappingTextBoxFlag xmlns="" xmlns:m="http://schemas.openxmlformats.org/officeDocument/2006/math" xmlns:a14="http://schemas.microsoft.com/office/drawing/2010/main" xmlns:ma14="http://schemas.microsoft.com/office/mac/drawingml/2011/main" val="1"/>
+              <ma14:wrappingTextBoxFlag xmlns:ma14="http://schemas.microsoft.com/office/mac/drawingml/2011/main" xmlns:a14="http://schemas.microsoft.com/office/drawing/2010/main" xmlns:m="http://schemas.openxmlformats.org/officeDocument/2006/math" xmlns="" val="1"/>
             </a:ext>
           </a:extLst>
         </p:spPr>
@@ -27267,7 +27296,7 @@
           </a:ln>
           <a:extLst>
             <a:ext uri="{C572A759-6A51-4108-AA02-DFA0A04FC94B}">
-              <ma14:wrappingTextBoxFlag xmlns="" xmlns:m="http://schemas.openxmlformats.org/officeDocument/2006/math" xmlns:a14="http://schemas.microsoft.com/office/drawing/2010/main" xmlns:ma14="http://schemas.microsoft.com/office/mac/drawingml/2011/main" val="1"/>
+              <ma14:wrappingTextBoxFlag xmlns:ma14="http://schemas.microsoft.com/office/mac/drawingml/2011/main" xmlns:a14="http://schemas.microsoft.com/office/drawing/2010/main" xmlns:m="http://schemas.openxmlformats.org/officeDocument/2006/math" xmlns="" val="1"/>
             </a:ext>
           </a:extLst>
         </p:spPr>
@@ -27318,7 +27347,7 @@
           </a:ln>
           <a:extLst>
             <a:ext uri="{C572A759-6A51-4108-AA02-DFA0A04FC94B}">
-              <ma14:wrappingTextBoxFlag xmlns="" xmlns:m="http://schemas.openxmlformats.org/officeDocument/2006/math" xmlns:a14="http://schemas.microsoft.com/office/drawing/2010/main" xmlns:ma14="http://schemas.microsoft.com/office/mac/drawingml/2011/main" val="1"/>
+              <ma14:wrappingTextBoxFlag xmlns:ma14="http://schemas.microsoft.com/office/mac/drawingml/2011/main" xmlns:a14="http://schemas.microsoft.com/office/drawing/2010/main" xmlns:m="http://schemas.openxmlformats.org/officeDocument/2006/math" xmlns="" val="1"/>
             </a:ext>
           </a:extLst>
         </p:spPr>
@@ -27369,7 +27398,7 @@
           </a:ln>
           <a:extLst>
             <a:ext uri="{C572A759-6A51-4108-AA02-DFA0A04FC94B}">
-              <ma14:wrappingTextBoxFlag xmlns="" xmlns:m="http://schemas.openxmlformats.org/officeDocument/2006/math" xmlns:a14="http://schemas.microsoft.com/office/drawing/2010/main" xmlns:ma14="http://schemas.microsoft.com/office/mac/drawingml/2011/main" val="1"/>
+              <ma14:wrappingTextBoxFlag xmlns:ma14="http://schemas.microsoft.com/office/mac/drawingml/2011/main" xmlns:a14="http://schemas.microsoft.com/office/drawing/2010/main" xmlns:m="http://schemas.openxmlformats.org/officeDocument/2006/math" xmlns="" val="1"/>
             </a:ext>
           </a:extLst>
         </p:spPr>
@@ -27420,7 +27449,7 @@
           </a:ln>
           <a:extLst>
             <a:ext uri="{C572A759-6A51-4108-AA02-DFA0A04FC94B}">
-              <ma14:wrappingTextBoxFlag xmlns="" xmlns:m="http://schemas.openxmlformats.org/officeDocument/2006/math" xmlns:a14="http://schemas.microsoft.com/office/drawing/2010/main" xmlns:ma14="http://schemas.microsoft.com/office/mac/drawingml/2011/main" val="1"/>
+              <ma14:wrappingTextBoxFlag xmlns:ma14="http://schemas.microsoft.com/office/mac/drawingml/2011/main" xmlns:a14="http://schemas.microsoft.com/office/drawing/2010/main" xmlns:m="http://schemas.openxmlformats.org/officeDocument/2006/math" xmlns="" val="1"/>
             </a:ext>
           </a:extLst>
         </p:spPr>
@@ -27471,7 +27500,7 @@
           </a:ln>
           <a:extLst>
             <a:ext uri="{C572A759-6A51-4108-AA02-DFA0A04FC94B}">
-              <ma14:wrappingTextBoxFlag xmlns="" xmlns:m="http://schemas.openxmlformats.org/officeDocument/2006/math" xmlns:a14="http://schemas.microsoft.com/office/drawing/2010/main" xmlns:ma14="http://schemas.microsoft.com/office/mac/drawingml/2011/main" val="1"/>
+              <ma14:wrappingTextBoxFlag xmlns:ma14="http://schemas.microsoft.com/office/mac/drawingml/2011/main" xmlns:a14="http://schemas.microsoft.com/office/drawing/2010/main" xmlns:m="http://schemas.openxmlformats.org/officeDocument/2006/math" xmlns="" val="1"/>
             </a:ext>
           </a:extLst>
         </p:spPr>
@@ -27522,7 +27551,7 @@
           </a:ln>
           <a:extLst>
             <a:ext uri="{C572A759-6A51-4108-AA02-DFA0A04FC94B}">
-              <ma14:wrappingTextBoxFlag xmlns="" xmlns:m="http://schemas.openxmlformats.org/officeDocument/2006/math" xmlns:a14="http://schemas.microsoft.com/office/drawing/2010/main" xmlns:ma14="http://schemas.microsoft.com/office/mac/drawingml/2011/main" val="1"/>
+              <ma14:wrappingTextBoxFlag xmlns:ma14="http://schemas.microsoft.com/office/mac/drawingml/2011/main" xmlns:a14="http://schemas.microsoft.com/office/drawing/2010/main" xmlns:m="http://schemas.openxmlformats.org/officeDocument/2006/math" xmlns="" val="1"/>
             </a:ext>
           </a:extLst>
         </p:spPr>
@@ -27573,7 +27602,7 @@
           </a:ln>
           <a:extLst>
             <a:ext uri="{C572A759-6A51-4108-AA02-DFA0A04FC94B}">
-              <ma14:wrappingTextBoxFlag xmlns="" xmlns:m="http://schemas.openxmlformats.org/officeDocument/2006/math" xmlns:a14="http://schemas.microsoft.com/office/drawing/2010/main" xmlns:ma14="http://schemas.microsoft.com/office/mac/drawingml/2011/main" val="1"/>
+              <ma14:wrappingTextBoxFlag xmlns:ma14="http://schemas.microsoft.com/office/mac/drawingml/2011/main" xmlns:a14="http://schemas.microsoft.com/office/drawing/2010/main" xmlns:m="http://schemas.openxmlformats.org/officeDocument/2006/math" xmlns="" val="1"/>
             </a:ext>
           </a:extLst>
         </p:spPr>
@@ -27624,7 +27653,7 @@
           </a:ln>
           <a:extLst>
             <a:ext uri="{C572A759-6A51-4108-AA02-DFA0A04FC94B}">
-              <ma14:wrappingTextBoxFlag xmlns="" xmlns:m="http://schemas.openxmlformats.org/officeDocument/2006/math" xmlns:a14="http://schemas.microsoft.com/office/drawing/2010/main" xmlns:ma14="http://schemas.microsoft.com/office/mac/drawingml/2011/main" val="1"/>
+              <ma14:wrappingTextBoxFlag xmlns:ma14="http://schemas.microsoft.com/office/mac/drawingml/2011/main" xmlns:a14="http://schemas.microsoft.com/office/drawing/2010/main" xmlns:m="http://schemas.openxmlformats.org/officeDocument/2006/math" xmlns="" val="1"/>
             </a:ext>
           </a:extLst>
         </p:spPr>
@@ -27675,7 +27704,7 @@
           </a:ln>
           <a:extLst>
             <a:ext uri="{C572A759-6A51-4108-AA02-DFA0A04FC94B}">
-              <ma14:wrappingTextBoxFlag xmlns="" xmlns:m="http://schemas.openxmlformats.org/officeDocument/2006/math" xmlns:a14="http://schemas.microsoft.com/office/drawing/2010/main" xmlns:ma14="http://schemas.microsoft.com/office/mac/drawingml/2011/main" val="1"/>
+              <ma14:wrappingTextBoxFlag xmlns:ma14="http://schemas.microsoft.com/office/mac/drawingml/2011/main" xmlns:a14="http://schemas.microsoft.com/office/drawing/2010/main" xmlns:m="http://schemas.openxmlformats.org/officeDocument/2006/math" xmlns="" val="1"/>
             </a:ext>
           </a:extLst>
         </p:spPr>
@@ -27726,7 +27755,7 @@
           </a:ln>
           <a:extLst>
             <a:ext uri="{C572A759-6A51-4108-AA02-DFA0A04FC94B}">
-              <ma14:wrappingTextBoxFlag xmlns="" xmlns:m="http://schemas.openxmlformats.org/officeDocument/2006/math" xmlns:a14="http://schemas.microsoft.com/office/drawing/2010/main" xmlns:ma14="http://schemas.microsoft.com/office/mac/drawingml/2011/main" val="1"/>
+              <ma14:wrappingTextBoxFlag xmlns:ma14="http://schemas.microsoft.com/office/mac/drawingml/2011/main" xmlns:a14="http://schemas.microsoft.com/office/drawing/2010/main" xmlns:m="http://schemas.openxmlformats.org/officeDocument/2006/math" xmlns="" val="1"/>
             </a:ext>
           </a:extLst>
         </p:spPr>
@@ -27777,7 +27806,7 @@
           </a:ln>
           <a:extLst>
             <a:ext uri="{C572A759-6A51-4108-AA02-DFA0A04FC94B}">
-              <ma14:wrappingTextBoxFlag xmlns="" xmlns:m="http://schemas.openxmlformats.org/officeDocument/2006/math" xmlns:a14="http://schemas.microsoft.com/office/drawing/2010/main" xmlns:ma14="http://schemas.microsoft.com/office/mac/drawingml/2011/main" val="1"/>
+              <ma14:wrappingTextBoxFlag xmlns:ma14="http://schemas.microsoft.com/office/mac/drawingml/2011/main" xmlns:a14="http://schemas.microsoft.com/office/drawing/2010/main" xmlns:m="http://schemas.openxmlformats.org/officeDocument/2006/math" xmlns="" val="1"/>
             </a:ext>
           </a:extLst>
         </p:spPr>
@@ -28321,7 +28350,7 @@
           </a:ln>
           <a:extLst>
             <a:ext uri="{C572A759-6A51-4108-AA02-DFA0A04FC94B}">
-              <ma14:wrappingTextBoxFlag xmlns:ma14="http://schemas.microsoft.com/office/mac/drawingml/2011/main" xmlns:a14="http://schemas.microsoft.com/office/drawing/2010/main" xmlns:m="http://schemas.openxmlformats.org/officeDocument/2006/math" xmlns="" val="1"/>
+              <ma14:wrappingTextBoxFlag xmlns="" xmlns:m="http://schemas.openxmlformats.org/officeDocument/2006/math" xmlns:a14="http://schemas.microsoft.com/office/drawing/2010/main" xmlns:ma14="http://schemas.microsoft.com/office/mac/drawingml/2011/main" val="1"/>
             </a:ext>
           </a:extLst>
         </p:spPr>
@@ -28372,7 +28401,7 @@
           </a:ln>
           <a:extLst>
             <a:ext uri="{C572A759-6A51-4108-AA02-DFA0A04FC94B}">
-              <ma14:wrappingTextBoxFlag xmlns:ma14="http://schemas.microsoft.com/office/mac/drawingml/2011/main" xmlns:a14="http://schemas.microsoft.com/office/drawing/2010/main" xmlns:m="http://schemas.openxmlformats.org/officeDocument/2006/math" xmlns="" val="1"/>
+              <ma14:wrappingTextBoxFlag xmlns="" xmlns:m="http://schemas.openxmlformats.org/officeDocument/2006/math" xmlns:a14="http://schemas.microsoft.com/office/drawing/2010/main" xmlns:ma14="http://schemas.microsoft.com/office/mac/drawingml/2011/main" val="1"/>
             </a:ext>
           </a:extLst>
         </p:spPr>
@@ -28423,7 +28452,7 @@
           </a:ln>
           <a:extLst>
             <a:ext uri="{C572A759-6A51-4108-AA02-DFA0A04FC94B}">
-              <ma14:wrappingTextBoxFlag xmlns:ma14="http://schemas.microsoft.com/office/mac/drawingml/2011/main" xmlns:a14="http://schemas.microsoft.com/office/drawing/2010/main" xmlns:m="http://schemas.openxmlformats.org/officeDocument/2006/math" xmlns="" val="1"/>
+              <ma14:wrappingTextBoxFlag xmlns="" xmlns:m="http://schemas.openxmlformats.org/officeDocument/2006/math" xmlns:a14="http://schemas.microsoft.com/office/drawing/2010/main" xmlns:ma14="http://schemas.microsoft.com/office/mac/drawingml/2011/main" val="1"/>
             </a:ext>
           </a:extLst>
         </p:spPr>
@@ -28474,7 +28503,7 @@
           </a:ln>
           <a:extLst>
             <a:ext uri="{C572A759-6A51-4108-AA02-DFA0A04FC94B}">
-              <ma14:wrappingTextBoxFlag xmlns:ma14="http://schemas.microsoft.com/office/mac/drawingml/2011/main" xmlns:a14="http://schemas.microsoft.com/office/drawing/2010/main" xmlns:m="http://schemas.openxmlformats.org/officeDocument/2006/math" xmlns="" val="1"/>
+              <ma14:wrappingTextBoxFlag xmlns="" xmlns:m="http://schemas.openxmlformats.org/officeDocument/2006/math" xmlns:a14="http://schemas.microsoft.com/office/drawing/2010/main" xmlns:ma14="http://schemas.microsoft.com/office/mac/drawingml/2011/main" val="1"/>
             </a:ext>
           </a:extLst>
         </p:spPr>
@@ -28525,7 +28554,7 @@
           </a:ln>
           <a:extLst>
             <a:ext uri="{C572A759-6A51-4108-AA02-DFA0A04FC94B}">
-              <ma14:wrappingTextBoxFlag xmlns:ma14="http://schemas.microsoft.com/office/mac/drawingml/2011/main" xmlns:a14="http://schemas.microsoft.com/office/drawing/2010/main" xmlns:m="http://schemas.openxmlformats.org/officeDocument/2006/math" xmlns="" val="1"/>
+              <ma14:wrappingTextBoxFlag xmlns="" xmlns:m="http://schemas.openxmlformats.org/officeDocument/2006/math" xmlns:a14="http://schemas.microsoft.com/office/drawing/2010/main" xmlns:ma14="http://schemas.microsoft.com/office/mac/drawingml/2011/main" val="1"/>
             </a:ext>
           </a:extLst>
         </p:spPr>
@@ -28576,7 +28605,7 @@
           </a:ln>
           <a:extLst>
             <a:ext uri="{C572A759-6A51-4108-AA02-DFA0A04FC94B}">
-              <ma14:wrappingTextBoxFlag xmlns:ma14="http://schemas.microsoft.com/office/mac/drawingml/2011/main" xmlns:a14="http://schemas.microsoft.com/office/drawing/2010/main" xmlns:m="http://schemas.openxmlformats.org/officeDocument/2006/math" xmlns="" val="1"/>
+              <ma14:wrappingTextBoxFlag xmlns="" xmlns:m="http://schemas.openxmlformats.org/officeDocument/2006/math" xmlns:a14="http://schemas.microsoft.com/office/drawing/2010/main" xmlns:ma14="http://schemas.microsoft.com/office/mac/drawingml/2011/main" val="1"/>
             </a:ext>
           </a:extLst>
         </p:spPr>
@@ -28627,7 +28656,7 @@
           </a:ln>
           <a:extLst>
             <a:ext uri="{C572A759-6A51-4108-AA02-DFA0A04FC94B}">
-              <ma14:wrappingTextBoxFlag xmlns:ma14="http://schemas.microsoft.com/office/mac/drawingml/2011/main" xmlns:a14="http://schemas.microsoft.com/office/drawing/2010/main" xmlns:m="http://schemas.openxmlformats.org/officeDocument/2006/math" xmlns="" val="1"/>
+              <ma14:wrappingTextBoxFlag xmlns="" xmlns:m="http://schemas.openxmlformats.org/officeDocument/2006/math" xmlns:a14="http://schemas.microsoft.com/office/drawing/2010/main" xmlns:ma14="http://schemas.microsoft.com/office/mac/drawingml/2011/main" val="1"/>
             </a:ext>
           </a:extLst>
         </p:spPr>
@@ -28678,7 +28707,7 @@
           </a:ln>
           <a:extLst>
             <a:ext uri="{C572A759-6A51-4108-AA02-DFA0A04FC94B}">
-              <ma14:wrappingTextBoxFlag xmlns:ma14="http://schemas.microsoft.com/office/mac/drawingml/2011/main" xmlns:a14="http://schemas.microsoft.com/office/drawing/2010/main" xmlns:m="http://schemas.openxmlformats.org/officeDocument/2006/math" xmlns="" val="1"/>
+              <ma14:wrappingTextBoxFlag xmlns="" xmlns:m="http://schemas.openxmlformats.org/officeDocument/2006/math" xmlns:a14="http://schemas.microsoft.com/office/drawing/2010/main" xmlns:ma14="http://schemas.microsoft.com/office/mac/drawingml/2011/main" val="1"/>
             </a:ext>
           </a:extLst>
         </p:spPr>
@@ -28729,7 +28758,7 @@
           </a:ln>
           <a:extLst>
             <a:ext uri="{C572A759-6A51-4108-AA02-DFA0A04FC94B}">
-              <ma14:wrappingTextBoxFlag xmlns:ma14="http://schemas.microsoft.com/office/mac/drawingml/2011/main" xmlns:a14="http://schemas.microsoft.com/office/drawing/2010/main" xmlns:m="http://schemas.openxmlformats.org/officeDocument/2006/math" xmlns="" val="1"/>
+              <ma14:wrappingTextBoxFlag xmlns="" xmlns:m="http://schemas.openxmlformats.org/officeDocument/2006/math" xmlns:a14="http://schemas.microsoft.com/office/drawing/2010/main" xmlns:ma14="http://schemas.microsoft.com/office/mac/drawingml/2011/main" val="1"/>
             </a:ext>
           </a:extLst>
         </p:spPr>
@@ -28780,7 +28809,7 @@
           </a:ln>
           <a:extLst>
             <a:ext uri="{C572A759-6A51-4108-AA02-DFA0A04FC94B}">
-              <ma14:wrappingTextBoxFlag xmlns:ma14="http://schemas.microsoft.com/office/mac/drawingml/2011/main" xmlns:a14="http://schemas.microsoft.com/office/drawing/2010/main" xmlns:m="http://schemas.openxmlformats.org/officeDocument/2006/math" xmlns="" val="1"/>
+              <ma14:wrappingTextBoxFlag xmlns="" xmlns:m="http://schemas.openxmlformats.org/officeDocument/2006/math" xmlns:a14="http://schemas.microsoft.com/office/drawing/2010/main" xmlns:ma14="http://schemas.microsoft.com/office/mac/drawingml/2011/main" val="1"/>
             </a:ext>
           </a:extLst>
         </p:spPr>
@@ -28831,7 +28860,7 @@
           </a:ln>
           <a:extLst>
             <a:ext uri="{C572A759-6A51-4108-AA02-DFA0A04FC94B}">
-              <ma14:wrappingTextBoxFlag xmlns:ma14="http://schemas.microsoft.com/office/mac/drawingml/2011/main" xmlns:a14="http://schemas.microsoft.com/office/drawing/2010/main" xmlns:m="http://schemas.openxmlformats.org/officeDocument/2006/math" xmlns="" val="1"/>
+              <ma14:wrappingTextBoxFlag xmlns="" xmlns:m="http://schemas.openxmlformats.org/officeDocument/2006/math" xmlns:a14="http://schemas.microsoft.com/office/drawing/2010/main" xmlns:ma14="http://schemas.microsoft.com/office/mac/drawingml/2011/main" val="1"/>
             </a:ext>
           </a:extLst>
         </p:spPr>
@@ -28882,7 +28911,7 @@
           </a:ln>
           <a:extLst>
             <a:ext uri="{C572A759-6A51-4108-AA02-DFA0A04FC94B}">
-              <ma14:wrappingTextBoxFlag xmlns:ma14="http://schemas.microsoft.com/office/mac/drawingml/2011/main" xmlns:a14="http://schemas.microsoft.com/office/drawing/2010/main" xmlns:m="http://schemas.openxmlformats.org/officeDocument/2006/math" xmlns="" val="1"/>
+              <ma14:wrappingTextBoxFlag xmlns="" xmlns:m="http://schemas.openxmlformats.org/officeDocument/2006/math" xmlns:a14="http://schemas.microsoft.com/office/drawing/2010/main" xmlns:ma14="http://schemas.microsoft.com/office/mac/drawingml/2011/main" val="1"/>
             </a:ext>
           </a:extLst>
         </p:spPr>
@@ -28933,7 +28962,7 @@
           </a:ln>
           <a:extLst>
             <a:ext uri="{C572A759-6A51-4108-AA02-DFA0A04FC94B}">
-              <ma14:wrappingTextBoxFlag xmlns:ma14="http://schemas.microsoft.com/office/mac/drawingml/2011/main" xmlns:a14="http://schemas.microsoft.com/office/drawing/2010/main" xmlns:m="http://schemas.openxmlformats.org/officeDocument/2006/math" xmlns="" val="1"/>
+              <ma14:wrappingTextBoxFlag xmlns="" xmlns:m="http://schemas.openxmlformats.org/officeDocument/2006/math" xmlns:a14="http://schemas.microsoft.com/office/drawing/2010/main" xmlns:ma14="http://schemas.microsoft.com/office/mac/drawingml/2011/main" val="1"/>
             </a:ext>
           </a:extLst>
         </p:spPr>
@@ -28984,7 +29013,7 @@
           </a:ln>
           <a:extLst>
             <a:ext uri="{C572A759-6A51-4108-AA02-DFA0A04FC94B}">
-              <ma14:wrappingTextBoxFlag xmlns:ma14="http://schemas.microsoft.com/office/mac/drawingml/2011/main" xmlns:a14="http://schemas.microsoft.com/office/drawing/2010/main" xmlns:m="http://schemas.openxmlformats.org/officeDocument/2006/math" xmlns="" val="1"/>
+              <ma14:wrappingTextBoxFlag xmlns="" xmlns:m="http://schemas.openxmlformats.org/officeDocument/2006/math" xmlns:a14="http://schemas.microsoft.com/office/drawing/2010/main" xmlns:ma14="http://schemas.microsoft.com/office/mac/drawingml/2011/main" val="1"/>
             </a:ext>
           </a:extLst>
         </p:spPr>
@@ -29035,7 +29064,7 @@
           </a:ln>
           <a:extLst>
             <a:ext uri="{C572A759-6A51-4108-AA02-DFA0A04FC94B}">
-              <ma14:wrappingTextBoxFlag xmlns:ma14="http://schemas.microsoft.com/office/mac/drawingml/2011/main" xmlns:a14="http://schemas.microsoft.com/office/drawing/2010/main" xmlns:m="http://schemas.openxmlformats.org/officeDocument/2006/math" xmlns="" val="1"/>
+              <ma14:wrappingTextBoxFlag xmlns="" xmlns:m="http://schemas.openxmlformats.org/officeDocument/2006/math" xmlns:a14="http://schemas.microsoft.com/office/drawing/2010/main" xmlns:ma14="http://schemas.microsoft.com/office/mac/drawingml/2011/main" val="1"/>
             </a:ext>
           </a:extLst>
         </p:spPr>
@@ -29086,7 +29115,7 @@
           </a:ln>
           <a:extLst>
             <a:ext uri="{C572A759-6A51-4108-AA02-DFA0A04FC94B}">
-              <ma14:wrappingTextBoxFlag xmlns:ma14="http://schemas.microsoft.com/office/mac/drawingml/2011/main" xmlns:a14="http://schemas.microsoft.com/office/drawing/2010/main" xmlns:m="http://schemas.openxmlformats.org/officeDocument/2006/math" xmlns="" val="1"/>
+              <ma14:wrappingTextBoxFlag xmlns="" xmlns:m="http://schemas.openxmlformats.org/officeDocument/2006/math" xmlns:a14="http://schemas.microsoft.com/office/drawing/2010/main" xmlns:ma14="http://schemas.microsoft.com/office/mac/drawingml/2011/main" val="1"/>
             </a:ext>
           </a:extLst>
         </p:spPr>
@@ -29137,7 +29166,7 @@
           </a:ln>
           <a:extLst>
             <a:ext uri="{C572A759-6A51-4108-AA02-DFA0A04FC94B}">
-              <ma14:wrappingTextBoxFlag xmlns:ma14="http://schemas.microsoft.com/office/mac/drawingml/2011/main" xmlns:a14="http://schemas.microsoft.com/office/drawing/2010/main" xmlns:m="http://schemas.openxmlformats.org/officeDocument/2006/math" xmlns="" val="1"/>
+              <ma14:wrappingTextBoxFlag xmlns="" xmlns:m="http://schemas.openxmlformats.org/officeDocument/2006/math" xmlns:a14="http://schemas.microsoft.com/office/drawing/2010/main" xmlns:ma14="http://schemas.microsoft.com/office/mac/drawingml/2011/main" val="1"/>
             </a:ext>
           </a:extLst>
         </p:spPr>
@@ -29188,7 +29217,7 @@
           </a:ln>
           <a:extLst>
             <a:ext uri="{C572A759-6A51-4108-AA02-DFA0A04FC94B}">
-              <ma14:wrappingTextBoxFlag xmlns:ma14="http://schemas.microsoft.com/office/mac/drawingml/2011/main" xmlns:a14="http://schemas.microsoft.com/office/drawing/2010/main" xmlns:m="http://schemas.openxmlformats.org/officeDocument/2006/math" xmlns="" val="1"/>
+              <ma14:wrappingTextBoxFlag xmlns="" xmlns:m="http://schemas.openxmlformats.org/officeDocument/2006/math" xmlns:a14="http://schemas.microsoft.com/office/drawing/2010/main" xmlns:ma14="http://schemas.microsoft.com/office/mac/drawingml/2011/main" val="1"/>
             </a:ext>
           </a:extLst>
         </p:spPr>
@@ -29239,7 +29268,7 @@
           </a:ln>
           <a:extLst>
             <a:ext uri="{C572A759-6A51-4108-AA02-DFA0A04FC94B}">
-              <ma14:wrappingTextBoxFlag xmlns:ma14="http://schemas.microsoft.com/office/mac/drawingml/2011/main" xmlns:a14="http://schemas.microsoft.com/office/drawing/2010/main" xmlns:m="http://schemas.openxmlformats.org/officeDocument/2006/math" xmlns="" val="1"/>
+              <ma14:wrappingTextBoxFlag xmlns="" xmlns:m="http://schemas.openxmlformats.org/officeDocument/2006/math" xmlns:a14="http://schemas.microsoft.com/office/drawing/2010/main" xmlns:ma14="http://schemas.microsoft.com/office/mac/drawingml/2011/main" val="1"/>
             </a:ext>
           </a:extLst>
         </p:spPr>
@@ -29290,7 +29319,7 @@
           </a:ln>
           <a:extLst>
             <a:ext uri="{C572A759-6A51-4108-AA02-DFA0A04FC94B}">
-              <ma14:wrappingTextBoxFlag xmlns:ma14="http://schemas.microsoft.com/office/mac/drawingml/2011/main" xmlns:a14="http://schemas.microsoft.com/office/drawing/2010/main" xmlns:m="http://schemas.openxmlformats.org/officeDocument/2006/math" xmlns="" val="1"/>
+              <ma14:wrappingTextBoxFlag xmlns="" xmlns:m="http://schemas.openxmlformats.org/officeDocument/2006/math" xmlns:a14="http://schemas.microsoft.com/office/drawing/2010/main" xmlns:ma14="http://schemas.microsoft.com/office/mac/drawingml/2011/main" val="1"/>
             </a:ext>
           </a:extLst>
         </p:spPr>
@@ -29341,7 +29370,7 @@
           </a:ln>
           <a:extLst>
             <a:ext uri="{C572A759-6A51-4108-AA02-DFA0A04FC94B}">
-              <ma14:wrappingTextBoxFlag xmlns:ma14="http://schemas.microsoft.com/office/mac/drawingml/2011/main" xmlns:a14="http://schemas.microsoft.com/office/drawing/2010/main" xmlns:m="http://schemas.openxmlformats.org/officeDocument/2006/math" xmlns="" val="1"/>
+              <ma14:wrappingTextBoxFlag xmlns="" xmlns:m="http://schemas.openxmlformats.org/officeDocument/2006/math" xmlns:a14="http://schemas.microsoft.com/office/drawing/2010/main" xmlns:ma14="http://schemas.microsoft.com/office/mac/drawingml/2011/main" val="1"/>
             </a:ext>
           </a:extLst>
         </p:spPr>
@@ -29392,7 +29421,7 @@
           </a:ln>
           <a:extLst>
             <a:ext uri="{C572A759-6A51-4108-AA02-DFA0A04FC94B}">
-              <ma14:wrappingTextBoxFlag xmlns:ma14="http://schemas.microsoft.com/office/mac/drawingml/2011/main" xmlns:a14="http://schemas.microsoft.com/office/drawing/2010/main" xmlns:m="http://schemas.openxmlformats.org/officeDocument/2006/math" xmlns="" val="1"/>
+              <ma14:wrappingTextBoxFlag xmlns="" xmlns:m="http://schemas.openxmlformats.org/officeDocument/2006/math" xmlns:a14="http://schemas.microsoft.com/office/drawing/2010/main" xmlns:ma14="http://schemas.microsoft.com/office/mac/drawingml/2011/main" val="1"/>
             </a:ext>
           </a:extLst>
         </p:spPr>
@@ -29443,7 +29472,7 @@
           </a:ln>
           <a:extLst>
             <a:ext uri="{C572A759-6A51-4108-AA02-DFA0A04FC94B}">
-              <ma14:wrappingTextBoxFlag xmlns:ma14="http://schemas.microsoft.com/office/mac/drawingml/2011/main" xmlns:a14="http://schemas.microsoft.com/office/drawing/2010/main" xmlns:m="http://schemas.openxmlformats.org/officeDocument/2006/math" xmlns="" val="1"/>
+              <ma14:wrappingTextBoxFlag xmlns="" xmlns:m="http://schemas.openxmlformats.org/officeDocument/2006/math" xmlns:a14="http://schemas.microsoft.com/office/drawing/2010/main" xmlns:ma14="http://schemas.microsoft.com/office/mac/drawingml/2011/main" val="1"/>
             </a:ext>
           </a:extLst>
         </p:spPr>
@@ -29494,7 +29523,7 @@
           </a:ln>
           <a:extLst>
             <a:ext uri="{C572A759-6A51-4108-AA02-DFA0A04FC94B}">
-              <ma14:wrappingTextBoxFlag xmlns:ma14="http://schemas.microsoft.com/office/mac/drawingml/2011/main" xmlns:a14="http://schemas.microsoft.com/office/drawing/2010/main" xmlns:m="http://schemas.openxmlformats.org/officeDocument/2006/math" xmlns="" val="1"/>
+              <ma14:wrappingTextBoxFlag xmlns="" xmlns:m="http://schemas.openxmlformats.org/officeDocument/2006/math" xmlns:a14="http://schemas.microsoft.com/office/drawing/2010/main" xmlns:ma14="http://schemas.microsoft.com/office/mac/drawingml/2011/main" val="1"/>
             </a:ext>
           </a:extLst>
         </p:spPr>
@@ -29545,7 +29574,7 @@
           </a:ln>
           <a:extLst>
             <a:ext uri="{C572A759-6A51-4108-AA02-DFA0A04FC94B}">
-              <ma14:wrappingTextBoxFlag xmlns:ma14="http://schemas.microsoft.com/office/mac/drawingml/2011/main" xmlns:a14="http://schemas.microsoft.com/office/drawing/2010/main" xmlns:m="http://schemas.openxmlformats.org/officeDocument/2006/math" xmlns="" val="1"/>
+              <ma14:wrappingTextBoxFlag xmlns="" xmlns:m="http://schemas.openxmlformats.org/officeDocument/2006/math" xmlns:a14="http://schemas.microsoft.com/office/drawing/2010/main" xmlns:ma14="http://schemas.microsoft.com/office/mac/drawingml/2011/main" val="1"/>
             </a:ext>
           </a:extLst>
         </p:spPr>
@@ -29596,7 +29625,7 @@
           </a:ln>
           <a:extLst>
             <a:ext uri="{C572A759-6A51-4108-AA02-DFA0A04FC94B}">
-              <ma14:wrappingTextBoxFlag xmlns:ma14="http://schemas.microsoft.com/office/mac/drawingml/2011/main" xmlns:a14="http://schemas.microsoft.com/office/drawing/2010/main" xmlns:m="http://schemas.openxmlformats.org/officeDocument/2006/math" xmlns="" val="1"/>
+              <ma14:wrappingTextBoxFlag xmlns="" xmlns:m="http://schemas.openxmlformats.org/officeDocument/2006/math" xmlns:a14="http://schemas.microsoft.com/office/drawing/2010/main" xmlns:ma14="http://schemas.microsoft.com/office/mac/drawingml/2011/main" val="1"/>
             </a:ext>
           </a:extLst>
         </p:spPr>
@@ -29647,7 +29676,7 @@
           </a:ln>
           <a:extLst>
             <a:ext uri="{C572A759-6A51-4108-AA02-DFA0A04FC94B}">
-              <ma14:wrappingTextBoxFlag xmlns:ma14="http://schemas.microsoft.com/office/mac/drawingml/2011/main" xmlns:a14="http://schemas.microsoft.com/office/drawing/2010/main" xmlns:m="http://schemas.openxmlformats.org/officeDocument/2006/math" xmlns="" val="1"/>
+              <ma14:wrappingTextBoxFlag xmlns="" xmlns:m="http://schemas.openxmlformats.org/officeDocument/2006/math" xmlns:a14="http://schemas.microsoft.com/office/drawing/2010/main" xmlns:ma14="http://schemas.microsoft.com/office/mac/drawingml/2011/main" val="1"/>
             </a:ext>
           </a:extLst>
         </p:spPr>
@@ -29698,7 +29727,7 @@
           </a:ln>
           <a:extLst>
             <a:ext uri="{C572A759-6A51-4108-AA02-DFA0A04FC94B}">
-              <ma14:wrappingTextBoxFlag xmlns:ma14="http://schemas.microsoft.com/office/mac/drawingml/2011/main" xmlns:a14="http://schemas.microsoft.com/office/drawing/2010/main" xmlns:m="http://schemas.openxmlformats.org/officeDocument/2006/math" xmlns="" val="1"/>
+              <ma14:wrappingTextBoxFlag xmlns="" xmlns:m="http://schemas.openxmlformats.org/officeDocument/2006/math" xmlns:a14="http://schemas.microsoft.com/office/drawing/2010/main" xmlns:ma14="http://schemas.microsoft.com/office/mac/drawingml/2011/main" val="1"/>
             </a:ext>
           </a:extLst>
         </p:spPr>
@@ -29749,7 +29778,7 @@
           </a:ln>
           <a:extLst>
             <a:ext uri="{C572A759-6A51-4108-AA02-DFA0A04FC94B}">
-              <ma14:wrappingTextBoxFlag xmlns:ma14="http://schemas.microsoft.com/office/mac/drawingml/2011/main" xmlns:a14="http://schemas.microsoft.com/office/drawing/2010/main" xmlns:m="http://schemas.openxmlformats.org/officeDocument/2006/math" xmlns="" val="1"/>
+              <ma14:wrappingTextBoxFlag xmlns="" xmlns:m="http://schemas.openxmlformats.org/officeDocument/2006/math" xmlns:a14="http://schemas.microsoft.com/office/drawing/2010/main" xmlns:ma14="http://schemas.microsoft.com/office/mac/drawingml/2011/main" val="1"/>
             </a:ext>
           </a:extLst>
         </p:spPr>
@@ -29800,7 +29829,7 @@
           </a:ln>
           <a:extLst>
             <a:ext uri="{C572A759-6A51-4108-AA02-DFA0A04FC94B}">
-              <ma14:wrappingTextBoxFlag xmlns:ma14="http://schemas.microsoft.com/office/mac/drawingml/2011/main" xmlns:a14="http://schemas.microsoft.com/office/drawing/2010/main" xmlns:m="http://schemas.openxmlformats.org/officeDocument/2006/math" xmlns="" val="1"/>
+              <ma14:wrappingTextBoxFlag xmlns="" xmlns:m="http://schemas.openxmlformats.org/officeDocument/2006/math" xmlns:a14="http://schemas.microsoft.com/office/drawing/2010/main" xmlns:ma14="http://schemas.microsoft.com/office/mac/drawingml/2011/main" val="1"/>
             </a:ext>
           </a:extLst>
         </p:spPr>
@@ -30963,7 +30992,7 @@
           </a:ln>
           <a:extLst>
             <a:ext uri="{C572A759-6A51-4108-AA02-DFA0A04FC94B}">
-              <ma14:wrappingTextBoxFlag xmlns:ma14="http://schemas.microsoft.com/office/mac/drawingml/2011/main" xmlns:a14="http://schemas.microsoft.com/office/drawing/2010/main" xmlns:m="http://schemas.openxmlformats.org/officeDocument/2006/math" xmlns="" val="1"/>
+              <ma14:wrappingTextBoxFlag xmlns="" xmlns:m="http://schemas.openxmlformats.org/officeDocument/2006/math" xmlns:a14="http://schemas.microsoft.com/office/drawing/2010/main" xmlns:ma14="http://schemas.microsoft.com/office/mac/drawingml/2011/main" val="1"/>
             </a:ext>
           </a:extLst>
         </p:spPr>
@@ -31013,7 +31042,7 @@
           </a:ln>
           <a:extLst>
             <a:ext uri="{C572A759-6A51-4108-AA02-DFA0A04FC94B}">
-              <ma14:wrappingTextBoxFlag xmlns:ma14="http://schemas.microsoft.com/office/mac/drawingml/2011/main" xmlns:a14="http://schemas.microsoft.com/office/drawing/2010/main" xmlns:m="http://schemas.openxmlformats.org/officeDocument/2006/math" xmlns="" val="1"/>
+              <ma14:wrappingTextBoxFlag xmlns="" xmlns:m="http://schemas.openxmlformats.org/officeDocument/2006/math" xmlns:a14="http://schemas.microsoft.com/office/drawing/2010/main" xmlns:ma14="http://schemas.microsoft.com/office/mac/drawingml/2011/main" val="1"/>
             </a:ext>
           </a:extLst>
         </p:spPr>
@@ -31064,7 +31093,7 @@
           </a:ln>
           <a:extLst>
             <a:ext uri="{C572A759-6A51-4108-AA02-DFA0A04FC94B}">
-              <ma14:wrappingTextBoxFlag xmlns:ma14="http://schemas.microsoft.com/office/mac/drawingml/2011/main" xmlns:a14="http://schemas.microsoft.com/office/drawing/2010/main" xmlns:m="http://schemas.openxmlformats.org/officeDocument/2006/math" xmlns="" val="1"/>
+              <ma14:wrappingTextBoxFlag xmlns="" xmlns:m="http://schemas.openxmlformats.org/officeDocument/2006/math" xmlns:a14="http://schemas.microsoft.com/office/drawing/2010/main" xmlns:ma14="http://schemas.microsoft.com/office/mac/drawingml/2011/main" val="1"/>
             </a:ext>
           </a:extLst>
         </p:spPr>
@@ -31115,7 +31144,7 @@
           </a:ln>
           <a:extLst>
             <a:ext uri="{C572A759-6A51-4108-AA02-DFA0A04FC94B}">
-              <ma14:wrappingTextBoxFlag xmlns:ma14="http://schemas.microsoft.com/office/mac/drawingml/2011/main" xmlns:a14="http://schemas.microsoft.com/office/drawing/2010/main" xmlns:m="http://schemas.openxmlformats.org/officeDocument/2006/math" xmlns="" val="1"/>
+              <ma14:wrappingTextBoxFlag xmlns="" xmlns:m="http://schemas.openxmlformats.org/officeDocument/2006/math" xmlns:a14="http://schemas.microsoft.com/office/drawing/2010/main" xmlns:ma14="http://schemas.microsoft.com/office/mac/drawingml/2011/main" val="1"/>
             </a:ext>
           </a:extLst>
         </p:spPr>
@@ -31166,7 +31195,7 @@
           </a:ln>
           <a:extLst>
             <a:ext uri="{C572A759-6A51-4108-AA02-DFA0A04FC94B}">
-              <ma14:wrappingTextBoxFlag xmlns:ma14="http://schemas.microsoft.com/office/mac/drawingml/2011/main" xmlns:a14="http://schemas.microsoft.com/office/drawing/2010/main" xmlns:m="http://schemas.openxmlformats.org/officeDocument/2006/math" xmlns="" val="1"/>
+              <ma14:wrappingTextBoxFlag xmlns="" xmlns:m="http://schemas.openxmlformats.org/officeDocument/2006/math" xmlns:a14="http://schemas.microsoft.com/office/drawing/2010/main" xmlns:ma14="http://schemas.microsoft.com/office/mac/drawingml/2011/main" val="1"/>
             </a:ext>
           </a:extLst>
         </p:spPr>
@@ -31217,7 +31246,7 @@
           </a:ln>
           <a:extLst>
             <a:ext uri="{C572A759-6A51-4108-AA02-DFA0A04FC94B}">
-              <ma14:wrappingTextBoxFlag xmlns:ma14="http://schemas.microsoft.com/office/mac/drawingml/2011/main" xmlns:a14="http://schemas.microsoft.com/office/drawing/2010/main" xmlns:m="http://schemas.openxmlformats.org/officeDocument/2006/math" xmlns="" val="1"/>
+              <ma14:wrappingTextBoxFlag xmlns="" xmlns:m="http://schemas.openxmlformats.org/officeDocument/2006/math" xmlns:a14="http://schemas.microsoft.com/office/drawing/2010/main" xmlns:ma14="http://schemas.microsoft.com/office/mac/drawingml/2011/main" val="1"/>
             </a:ext>
           </a:extLst>
         </p:spPr>
@@ -31268,7 +31297,7 @@
           </a:ln>
           <a:extLst>
             <a:ext uri="{C572A759-6A51-4108-AA02-DFA0A04FC94B}">
-              <ma14:wrappingTextBoxFlag xmlns:ma14="http://schemas.microsoft.com/office/mac/drawingml/2011/main" xmlns:a14="http://schemas.microsoft.com/office/drawing/2010/main" xmlns:m="http://schemas.openxmlformats.org/officeDocument/2006/math" xmlns="" val="1"/>
+              <ma14:wrappingTextBoxFlag xmlns="" xmlns:m="http://schemas.openxmlformats.org/officeDocument/2006/math" xmlns:a14="http://schemas.microsoft.com/office/drawing/2010/main" xmlns:ma14="http://schemas.microsoft.com/office/mac/drawingml/2011/main" val="1"/>
             </a:ext>
           </a:extLst>
         </p:spPr>
@@ -31319,7 +31348,7 @@
           </a:ln>
           <a:extLst>
             <a:ext uri="{C572A759-6A51-4108-AA02-DFA0A04FC94B}">
-              <ma14:wrappingTextBoxFlag xmlns:ma14="http://schemas.microsoft.com/office/mac/drawingml/2011/main" xmlns:a14="http://schemas.microsoft.com/office/drawing/2010/main" xmlns:m="http://schemas.openxmlformats.org/officeDocument/2006/math" xmlns="" val="1"/>
+              <ma14:wrappingTextBoxFlag xmlns="" xmlns:m="http://schemas.openxmlformats.org/officeDocument/2006/math" xmlns:a14="http://schemas.microsoft.com/office/drawing/2010/main" xmlns:ma14="http://schemas.microsoft.com/office/mac/drawingml/2011/main" val="1"/>
             </a:ext>
           </a:extLst>
         </p:spPr>
@@ -31370,7 +31399,7 @@
           </a:ln>
           <a:extLst>
             <a:ext uri="{C572A759-6A51-4108-AA02-DFA0A04FC94B}">
-              <ma14:wrappingTextBoxFlag xmlns:ma14="http://schemas.microsoft.com/office/mac/drawingml/2011/main" xmlns:a14="http://schemas.microsoft.com/office/drawing/2010/main" xmlns:m="http://schemas.openxmlformats.org/officeDocument/2006/math" xmlns="" val="1"/>
+              <ma14:wrappingTextBoxFlag xmlns="" xmlns:m="http://schemas.openxmlformats.org/officeDocument/2006/math" xmlns:a14="http://schemas.microsoft.com/office/drawing/2010/main" xmlns:ma14="http://schemas.microsoft.com/office/mac/drawingml/2011/main" val="1"/>
             </a:ext>
           </a:extLst>
         </p:spPr>
@@ -31421,7 +31450,7 @@
           </a:ln>
           <a:extLst>
             <a:ext uri="{C572A759-6A51-4108-AA02-DFA0A04FC94B}">
-              <ma14:wrappingTextBoxFlag xmlns:ma14="http://schemas.microsoft.com/office/mac/drawingml/2011/main" xmlns:a14="http://schemas.microsoft.com/office/drawing/2010/main" xmlns:m="http://schemas.openxmlformats.org/officeDocument/2006/math" xmlns="" val="1"/>
+              <ma14:wrappingTextBoxFlag xmlns="" xmlns:m="http://schemas.openxmlformats.org/officeDocument/2006/math" xmlns:a14="http://schemas.microsoft.com/office/drawing/2010/main" xmlns:ma14="http://schemas.microsoft.com/office/mac/drawingml/2011/main" val="1"/>
             </a:ext>
           </a:extLst>
         </p:spPr>
@@ -31472,7 +31501,7 @@
           </a:ln>
           <a:extLst>
             <a:ext uri="{C572A759-6A51-4108-AA02-DFA0A04FC94B}">
-              <ma14:wrappingTextBoxFlag xmlns:ma14="http://schemas.microsoft.com/office/mac/drawingml/2011/main" xmlns:a14="http://schemas.microsoft.com/office/drawing/2010/main" xmlns:m="http://schemas.openxmlformats.org/officeDocument/2006/math" xmlns="" val="1"/>
+              <ma14:wrappingTextBoxFlag xmlns="" xmlns:m="http://schemas.openxmlformats.org/officeDocument/2006/math" xmlns:a14="http://schemas.microsoft.com/office/drawing/2010/main" xmlns:ma14="http://schemas.microsoft.com/office/mac/drawingml/2011/main" val="1"/>
             </a:ext>
           </a:extLst>
         </p:spPr>
@@ -31523,7 +31552,7 @@
           </a:ln>
           <a:extLst>
             <a:ext uri="{C572A759-6A51-4108-AA02-DFA0A04FC94B}">
-              <ma14:wrappingTextBoxFlag xmlns:ma14="http://schemas.microsoft.com/office/mac/drawingml/2011/main" xmlns:a14="http://schemas.microsoft.com/office/drawing/2010/main" xmlns:m="http://schemas.openxmlformats.org/officeDocument/2006/math" xmlns="" val="1"/>
+              <ma14:wrappingTextBoxFlag xmlns="" xmlns:m="http://schemas.openxmlformats.org/officeDocument/2006/math" xmlns:a14="http://schemas.microsoft.com/office/drawing/2010/main" xmlns:ma14="http://schemas.microsoft.com/office/mac/drawingml/2011/main" val="1"/>
             </a:ext>
           </a:extLst>
         </p:spPr>
@@ -31574,7 +31603,7 @@
           </a:ln>
           <a:extLst>
             <a:ext uri="{C572A759-6A51-4108-AA02-DFA0A04FC94B}">
-              <ma14:wrappingTextBoxFlag xmlns:ma14="http://schemas.microsoft.com/office/mac/drawingml/2011/main" xmlns:a14="http://schemas.microsoft.com/office/drawing/2010/main" xmlns:m="http://schemas.openxmlformats.org/officeDocument/2006/math" xmlns="" val="1"/>
+              <ma14:wrappingTextBoxFlag xmlns="" xmlns:m="http://schemas.openxmlformats.org/officeDocument/2006/math" xmlns:a14="http://schemas.microsoft.com/office/drawing/2010/main" xmlns:ma14="http://schemas.microsoft.com/office/mac/drawingml/2011/main" val="1"/>
             </a:ext>
           </a:extLst>
         </p:spPr>
@@ -31625,7 +31654,7 @@
           </a:ln>
           <a:extLst>
             <a:ext uri="{C572A759-6A51-4108-AA02-DFA0A04FC94B}">
-              <ma14:wrappingTextBoxFlag xmlns:ma14="http://schemas.microsoft.com/office/mac/drawingml/2011/main" xmlns:a14="http://schemas.microsoft.com/office/drawing/2010/main" xmlns:m="http://schemas.openxmlformats.org/officeDocument/2006/math" xmlns="" val="1"/>
+              <ma14:wrappingTextBoxFlag xmlns="" xmlns:m="http://schemas.openxmlformats.org/officeDocument/2006/math" xmlns:a14="http://schemas.microsoft.com/office/drawing/2010/main" xmlns:ma14="http://schemas.microsoft.com/office/mac/drawingml/2011/main" val="1"/>
             </a:ext>
           </a:extLst>
         </p:spPr>
@@ -31676,7 +31705,7 @@
           </a:ln>
           <a:extLst>
             <a:ext uri="{C572A759-6A51-4108-AA02-DFA0A04FC94B}">
-              <ma14:wrappingTextBoxFlag xmlns:ma14="http://schemas.microsoft.com/office/mac/drawingml/2011/main" xmlns:a14="http://schemas.microsoft.com/office/drawing/2010/main" xmlns:m="http://schemas.openxmlformats.org/officeDocument/2006/math" xmlns="" val="1"/>
+              <ma14:wrappingTextBoxFlag xmlns="" xmlns:m="http://schemas.openxmlformats.org/officeDocument/2006/math" xmlns:a14="http://schemas.microsoft.com/office/drawing/2010/main" xmlns:ma14="http://schemas.microsoft.com/office/mac/drawingml/2011/main" val="1"/>
             </a:ext>
           </a:extLst>
         </p:spPr>
@@ -31727,7 +31756,7 @@
           </a:ln>
           <a:extLst>
             <a:ext uri="{C572A759-6A51-4108-AA02-DFA0A04FC94B}">
-              <ma14:wrappingTextBoxFlag xmlns:ma14="http://schemas.microsoft.com/office/mac/drawingml/2011/main" xmlns:a14="http://schemas.microsoft.com/office/drawing/2010/main" xmlns:m="http://schemas.openxmlformats.org/officeDocument/2006/math" xmlns="" val="1"/>
+              <ma14:wrappingTextBoxFlag xmlns="" xmlns:m="http://schemas.openxmlformats.org/officeDocument/2006/math" xmlns:a14="http://schemas.microsoft.com/office/drawing/2010/main" xmlns:ma14="http://schemas.microsoft.com/office/mac/drawingml/2011/main" val="1"/>
             </a:ext>
           </a:extLst>
         </p:spPr>
@@ -31778,7 +31807,7 @@
           </a:ln>
           <a:extLst>
             <a:ext uri="{C572A759-6A51-4108-AA02-DFA0A04FC94B}">
-              <ma14:wrappingTextBoxFlag xmlns:ma14="http://schemas.microsoft.com/office/mac/drawingml/2011/main" xmlns:a14="http://schemas.microsoft.com/office/drawing/2010/main" xmlns:m="http://schemas.openxmlformats.org/officeDocument/2006/math" xmlns="" val="1"/>
+              <ma14:wrappingTextBoxFlag xmlns="" xmlns:m="http://schemas.openxmlformats.org/officeDocument/2006/math" xmlns:a14="http://schemas.microsoft.com/office/drawing/2010/main" xmlns:ma14="http://schemas.microsoft.com/office/mac/drawingml/2011/main" val="1"/>
             </a:ext>
           </a:extLst>
         </p:spPr>
@@ -31829,7 +31858,7 @@
           </a:ln>
           <a:extLst>
             <a:ext uri="{C572A759-6A51-4108-AA02-DFA0A04FC94B}">
-              <ma14:wrappingTextBoxFlag xmlns:ma14="http://schemas.microsoft.com/office/mac/drawingml/2011/main" xmlns:a14="http://schemas.microsoft.com/office/drawing/2010/main" xmlns:m="http://schemas.openxmlformats.org/officeDocument/2006/math" xmlns="" val="1"/>
+              <ma14:wrappingTextBoxFlag xmlns="" xmlns:m="http://schemas.openxmlformats.org/officeDocument/2006/math" xmlns:a14="http://schemas.microsoft.com/office/drawing/2010/main" xmlns:ma14="http://schemas.microsoft.com/office/mac/drawingml/2011/main" val="1"/>
             </a:ext>
           </a:extLst>
         </p:spPr>
@@ -31880,7 +31909,7 @@
           </a:ln>
           <a:extLst>
             <a:ext uri="{C572A759-6A51-4108-AA02-DFA0A04FC94B}">
-              <ma14:wrappingTextBoxFlag xmlns:ma14="http://schemas.microsoft.com/office/mac/drawingml/2011/main" xmlns:a14="http://schemas.microsoft.com/office/drawing/2010/main" xmlns:m="http://schemas.openxmlformats.org/officeDocument/2006/math" xmlns="" val="1"/>
+              <ma14:wrappingTextBoxFlag xmlns="" xmlns:m="http://schemas.openxmlformats.org/officeDocument/2006/math" xmlns:a14="http://schemas.microsoft.com/office/drawing/2010/main" xmlns:ma14="http://schemas.microsoft.com/office/mac/drawingml/2011/main" val="1"/>
             </a:ext>
           </a:extLst>
         </p:spPr>
@@ -31931,7 +31960,7 @@
           </a:ln>
           <a:extLst>
             <a:ext uri="{C572A759-6A51-4108-AA02-DFA0A04FC94B}">
-              <ma14:wrappingTextBoxFlag xmlns:ma14="http://schemas.microsoft.com/office/mac/drawingml/2011/main" xmlns:a14="http://schemas.microsoft.com/office/drawing/2010/main" xmlns:m="http://schemas.openxmlformats.org/officeDocument/2006/math" xmlns="" val="1"/>
+              <ma14:wrappingTextBoxFlag xmlns="" xmlns:m="http://schemas.openxmlformats.org/officeDocument/2006/math" xmlns:a14="http://schemas.microsoft.com/office/drawing/2010/main" xmlns:ma14="http://schemas.microsoft.com/office/mac/drawingml/2011/main" val="1"/>
             </a:ext>
           </a:extLst>
         </p:spPr>
@@ -31982,7 +32011,7 @@
           </a:ln>
           <a:extLst>
             <a:ext uri="{C572A759-6A51-4108-AA02-DFA0A04FC94B}">
-              <ma14:wrappingTextBoxFlag xmlns:ma14="http://schemas.microsoft.com/office/mac/drawingml/2011/main" xmlns:a14="http://schemas.microsoft.com/office/drawing/2010/main" xmlns:m="http://schemas.openxmlformats.org/officeDocument/2006/math" xmlns="" val="1"/>
+              <ma14:wrappingTextBoxFlag xmlns="" xmlns:m="http://schemas.openxmlformats.org/officeDocument/2006/math" xmlns:a14="http://schemas.microsoft.com/office/drawing/2010/main" xmlns:ma14="http://schemas.microsoft.com/office/mac/drawingml/2011/main" val="1"/>
             </a:ext>
           </a:extLst>
         </p:spPr>
@@ -32033,7 +32062,7 @@
           </a:ln>
           <a:extLst>
             <a:ext uri="{C572A759-6A51-4108-AA02-DFA0A04FC94B}">
-              <ma14:wrappingTextBoxFlag xmlns:ma14="http://schemas.microsoft.com/office/mac/drawingml/2011/main" xmlns:a14="http://schemas.microsoft.com/office/drawing/2010/main" xmlns:m="http://schemas.openxmlformats.org/officeDocument/2006/math" xmlns="" val="1"/>
+              <ma14:wrappingTextBoxFlag xmlns="" xmlns:m="http://schemas.openxmlformats.org/officeDocument/2006/math" xmlns:a14="http://schemas.microsoft.com/office/drawing/2010/main" xmlns:ma14="http://schemas.microsoft.com/office/mac/drawingml/2011/main" val="1"/>
             </a:ext>
           </a:extLst>
         </p:spPr>
@@ -32084,7 +32113,7 @@
           </a:ln>
           <a:extLst>
             <a:ext uri="{C572A759-6A51-4108-AA02-DFA0A04FC94B}">
-              <ma14:wrappingTextBoxFlag xmlns:ma14="http://schemas.microsoft.com/office/mac/drawingml/2011/main" xmlns:a14="http://schemas.microsoft.com/office/drawing/2010/main" xmlns:m="http://schemas.openxmlformats.org/officeDocument/2006/math" xmlns="" val="1"/>
+              <ma14:wrappingTextBoxFlag xmlns="" xmlns:m="http://schemas.openxmlformats.org/officeDocument/2006/math" xmlns:a14="http://schemas.microsoft.com/office/drawing/2010/main" xmlns:ma14="http://schemas.microsoft.com/office/mac/drawingml/2011/main" val="1"/>
             </a:ext>
           </a:extLst>
         </p:spPr>
@@ -32135,7 +32164,7 @@
           </a:ln>
           <a:extLst>
             <a:ext uri="{C572A759-6A51-4108-AA02-DFA0A04FC94B}">
-              <ma14:wrappingTextBoxFlag xmlns:ma14="http://schemas.microsoft.com/office/mac/drawingml/2011/main" xmlns:a14="http://schemas.microsoft.com/office/drawing/2010/main" xmlns:m="http://schemas.openxmlformats.org/officeDocument/2006/math" xmlns="" val="1"/>
+              <ma14:wrappingTextBoxFlag xmlns="" xmlns:m="http://schemas.openxmlformats.org/officeDocument/2006/math" xmlns:a14="http://schemas.microsoft.com/office/drawing/2010/main" xmlns:ma14="http://schemas.microsoft.com/office/mac/drawingml/2011/main" val="1"/>
             </a:ext>
           </a:extLst>
         </p:spPr>
@@ -32186,7 +32215,7 @@
           </a:ln>
           <a:extLst>
             <a:ext uri="{C572A759-6A51-4108-AA02-DFA0A04FC94B}">
-              <ma14:wrappingTextBoxFlag xmlns:ma14="http://schemas.microsoft.com/office/mac/drawingml/2011/main" xmlns:a14="http://schemas.microsoft.com/office/drawing/2010/main" xmlns:m="http://schemas.openxmlformats.org/officeDocument/2006/math" xmlns="" val="1"/>
+              <ma14:wrappingTextBoxFlag xmlns="" xmlns:m="http://schemas.openxmlformats.org/officeDocument/2006/math" xmlns:a14="http://schemas.microsoft.com/office/drawing/2010/main" xmlns:ma14="http://schemas.microsoft.com/office/mac/drawingml/2011/main" val="1"/>
             </a:ext>
           </a:extLst>
         </p:spPr>
@@ -32237,7 +32266,7 @@
           </a:ln>
           <a:extLst>
             <a:ext uri="{C572A759-6A51-4108-AA02-DFA0A04FC94B}">
-              <ma14:wrappingTextBoxFlag xmlns:ma14="http://schemas.microsoft.com/office/mac/drawingml/2011/main" xmlns:a14="http://schemas.microsoft.com/office/drawing/2010/main" xmlns:m="http://schemas.openxmlformats.org/officeDocument/2006/math" xmlns="" val="1"/>
+              <ma14:wrappingTextBoxFlag xmlns="" xmlns:m="http://schemas.openxmlformats.org/officeDocument/2006/math" xmlns:a14="http://schemas.microsoft.com/office/drawing/2010/main" xmlns:ma14="http://schemas.microsoft.com/office/mac/drawingml/2011/main" val="1"/>
             </a:ext>
           </a:extLst>
         </p:spPr>
@@ -32288,7 +32317,7 @@
           </a:ln>
           <a:extLst>
             <a:ext uri="{C572A759-6A51-4108-AA02-DFA0A04FC94B}">
-              <ma14:wrappingTextBoxFlag xmlns:ma14="http://schemas.microsoft.com/office/mac/drawingml/2011/main" xmlns:a14="http://schemas.microsoft.com/office/drawing/2010/main" xmlns:m="http://schemas.openxmlformats.org/officeDocument/2006/math" xmlns="" val="1"/>
+              <ma14:wrappingTextBoxFlag xmlns="" xmlns:m="http://schemas.openxmlformats.org/officeDocument/2006/math" xmlns:a14="http://schemas.microsoft.com/office/drawing/2010/main" xmlns:ma14="http://schemas.microsoft.com/office/mac/drawingml/2011/main" val="1"/>
             </a:ext>
           </a:extLst>
         </p:spPr>
@@ -32339,7 +32368,7 @@
           </a:ln>
           <a:extLst>
             <a:ext uri="{C572A759-6A51-4108-AA02-DFA0A04FC94B}">
-              <ma14:wrappingTextBoxFlag xmlns:ma14="http://schemas.microsoft.com/office/mac/drawingml/2011/main" xmlns:a14="http://schemas.microsoft.com/office/drawing/2010/main" xmlns:m="http://schemas.openxmlformats.org/officeDocument/2006/math" xmlns="" val="1"/>
+              <ma14:wrappingTextBoxFlag xmlns="" xmlns:m="http://schemas.openxmlformats.org/officeDocument/2006/math" xmlns:a14="http://schemas.microsoft.com/office/drawing/2010/main" xmlns:ma14="http://schemas.microsoft.com/office/mac/drawingml/2011/main" val="1"/>
             </a:ext>
           </a:extLst>
         </p:spPr>
@@ -32390,7 +32419,7 @@
           </a:ln>
           <a:extLst>
             <a:ext uri="{C572A759-6A51-4108-AA02-DFA0A04FC94B}">
-              <ma14:wrappingTextBoxFlag xmlns:ma14="http://schemas.microsoft.com/office/mac/drawingml/2011/main" xmlns:a14="http://schemas.microsoft.com/office/drawing/2010/main" xmlns:m="http://schemas.openxmlformats.org/officeDocument/2006/math" xmlns="" val="1"/>
+              <ma14:wrappingTextBoxFlag xmlns="" xmlns:m="http://schemas.openxmlformats.org/officeDocument/2006/math" xmlns:a14="http://schemas.microsoft.com/office/drawing/2010/main" xmlns:ma14="http://schemas.microsoft.com/office/mac/drawingml/2011/main" val="1"/>
             </a:ext>
           </a:extLst>
         </p:spPr>
@@ -32441,7 +32470,7 @@
           </a:ln>
           <a:extLst>
             <a:ext uri="{C572A759-6A51-4108-AA02-DFA0A04FC94B}">
-              <ma14:wrappingTextBoxFlag xmlns:ma14="http://schemas.microsoft.com/office/mac/drawingml/2011/main" xmlns:a14="http://schemas.microsoft.com/office/drawing/2010/main" xmlns:m="http://schemas.openxmlformats.org/officeDocument/2006/math" xmlns="" val="1"/>
+              <ma14:wrappingTextBoxFlag xmlns="" xmlns:m="http://schemas.openxmlformats.org/officeDocument/2006/math" xmlns:a14="http://schemas.microsoft.com/office/drawing/2010/main" xmlns:ma14="http://schemas.microsoft.com/office/mac/drawingml/2011/main" val="1"/>
             </a:ext>
           </a:extLst>
         </p:spPr>
@@ -32940,7 +32969,7 @@
           </a:ln>
           <a:extLst>
             <a:ext uri="{C572A759-6A51-4108-AA02-DFA0A04FC94B}">
-              <ma14:wrappingTextBoxFlag xmlns="" xmlns:m="http://schemas.openxmlformats.org/officeDocument/2006/math" xmlns:a14="http://schemas.microsoft.com/office/drawing/2010/main" xmlns:ma14="http://schemas.microsoft.com/office/mac/drawingml/2011/main" val="1"/>
+              <ma14:wrappingTextBoxFlag xmlns:ma14="http://schemas.microsoft.com/office/mac/drawingml/2011/main" xmlns:a14="http://schemas.microsoft.com/office/drawing/2010/main" xmlns:m="http://schemas.openxmlformats.org/officeDocument/2006/math" xmlns="" val="1"/>
             </a:ext>
           </a:extLst>
         </p:spPr>
@@ -32990,7 +33019,7 @@
           </a:ln>
           <a:extLst>
             <a:ext uri="{C572A759-6A51-4108-AA02-DFA0A04FC94B}">
-              <ma14:wrappingTextBoxFlag xmlns="" xmlns:m="http://schemas.openxmlformats.org/officeDocument/2006/math" xmlns:a14="http://schemas.microsoft.com/office/drawing/2010/main" xmlns:ma14="http://schemas.microsoft.com/office/mac/drawingml/2011/main" val="1"/>
+              <ma14:wrappingTextBoxFlag xmlns:ma14="http://schemas.microsoft.com/office/mac/drawingml/2011/main" xmlns:a14="http://schemas.microsoft.com/office/drawing/2010/main" xmlns:m="http://schemas.openxmlformats.org/officeDocument/2006/math" xmlns="" val="1"/>
             </a:ext>
           </a:extLst>
         </p:spPr>
@@ -33041,7 +33070,7 @@
           </a:ln>
           <a:extLst>
             <a:ext uri="{C572A759-6A51-4108-AA02-DFA0A04FC94B}">
-              <ma14:wrappingTextBoxFlag xmlns="" xmlns:m="http://schemas.openxmlformats.org/officeDocument/2006/math" xmlns:a14="http://schemas.microsoft.com/office/drawing/2010/main" xmlns:ma14="http://schemas.microsoft.com/office/mac/drawingml/2011/main" val="1"/>
+              <ma14:wrappingTextBoxFlag xmlns:ma14="http://schemas.microsoft.com/office/mac/drawingml/2011/main" xmlns:a14="http://schemas.microsoft.com/office/drawing/2010/main" xmlns:m="http://schemas.openxmlformats.org/officeDocument/2006/math" xmlns="" val="1"/>
             </a:ext>
           </a:extLst>
         </p:spPr>
@@ -33092,7 +33121,7 @@
           </a:ln>
           <a:extLst>
             <a:ext uri="{C572A759-6A51-4108-AA02-DFA0A04FC94B}">
-              <ma14:wrappingTextBoxFlag xmlns="" xmlns:m="http://schemas.openxmlformats.org/officeDocument/2006/math" xmlns:a14="http://schemas.microsoft.com/office/drawing/2010/main" xmlns:ma14="http://schemas.microsoft.com/office/mac/drawingml/2011/main" val="1"/>
+              <ma14:wrappingTextBoxFlag xmlns:ma14="http://schemas.microsoft.com/office/mac/drawingml/2011/main" xmlns:a14="http://schemas.microsoft.com/office/drawing/2010/main" xmlns:m="http://schemas.openxmlformats.org/officeDocument/2006/math" xmlns="" val="1"/>
             </a:ext>
           </a:extLst>
         </p:spPr>
@@ -33143,7 +33172,7 @@
           </a:ln>
           <a:extLst>
             <a:ext uri="{C572A759-6A51-4108-AA02-DFA0A04FC94B}">
-              <ma14:wrappingTextBoxFlag xmlns="" xmlns:m="http://schemas.openxmlformats.org/officeDocument/2006/math" xmlns:a14="http://schemas.microsoft.com/office/drawing/2010/main" xmlns:ma14="http://schemas.microsoft.com/office/mac/drawingml/2011/main" val="1"/>
+              <ma14:wrappingTextBoxFlag xmlns:ma14="http://schemas.microsoft.com/office/mac/drawingml/2011/main" xmlns:a14="http://schemas.microsoft.com/office/drawing/2010/main" xmlns:m="http://schemas.openxmlformats.org/officeDocument/2006/math" xmlns="" val="1"/>
             </a:ext>
           </a:extLst>
         </p:spPr>
@@ -33194,7 +33223,7 @@
           </a:ln>
           <a:extLst>
             <a:ext uri="{C572A759-6A51-4108-AA02-DFA0A04FC94B}">
-              <ma14:wrappingTextBoxFlag xmlns="" xmlns:m="http://schemas.openxmlformats.org/officeDocument/2006/math" xmlns:a14="http://schemas.microsoft.com/office/drawing/2010/main" xmlns:ma14="http://schemas.microsoft.com/office/mac/drawingml/2011/main" val="1"/>
+              <ma14:wrappingTextBoxFlag xmlns:ma14="http://schemas.microsoft.com/office/mac/drawingml/2011/main" xmlns:a14="http://schemas.microsoft.com/office/drawing/2010/main" xmlns:m="http://schemas.openxmlformats.org/officeDocument/2006/math" xmlns="" val="1"/>
             </a:ext>
           </a:extLst>
         </p:spPr>
@@ -33245,7 +33274,7 @@
           </a:ln>
           <a:extLst>
             <a:ext uri="{C572A759-6A51-4108-AA02-DFA0A04FC94B}">
-              <ma14:wrappingTextBoxFlag xmlns="" xmlns:m="http://schemas.openxmlformats.org/officeDocument/2006/math" xmlns:a14="http://schemas.microsoft.com/office/drawing/2010/main" xmlns:ma14="http://schemas.microsoft.com/office/mac/drawingml/2011/main" val="1"/>
+              <ma14:wrappingTextBoxFlag xmlns:ma14="http://schemas.microsoft.com/office/mac/drawingml/2011/main" xmlns:a14="http://schemas.microsoft.com/office/drawing/2010/main" xmlns:m="http://schemas.openxmlformats.org/officeDocument/2006/math" xmlns="" val="1"/>
             </a:ext>
           </a:extLst>
         </p:spPr>
@@ -33296,7 +33325,7 @@
           </a:ln>
           <a:extLst>
             <a:ext uri="{C572A759-6A51-4108-AA02-DFA0A04FC94B}">
-              <ma14:wrappingTextBoxFlag xmlns="" xmlns:m="http://schemas.openxmlformats.org/officeDocument/2006/math" xmlns:a14="http://schemas.microsoft.com/office/drawing/2010/main" xmlns:ma14="http://schemas.microsoft.com/office/mac/drawingml/2011/main" val="1"/>
+              <ma14:wrappingTextBoxFlag xmlns:ma14="http://schemas.microsoft.com/office/mac/drawingml/2011/main" xmlns:a14="http://schemas.microsoft.com/office/drawing/2010/main" xmlns:m="http://schemas.openxmlformats.org/officeDocument/2006/math" xmlns="" val="1"/>
             </a:ext>
           </a:extLst>
         </p:spPr>
@@ -33347,7 +33376,7 @@
           </a:ln>
           <a:extLst>
             <a:ext uri="{C572A759-6A51-4108-AA02-DFA0A04FC94B}">
-              <ma14:wrappingTextBoxFlag xmlns="" xmlns:m="http://schemas.openxmlformats.org/officeDocument/2006/math" xmlns:a14="http://schemas.microsoft.com/office/drawing/2010/main" xmlns:ma14="http://schemas.microsoft.com/office/mac/drawingml/2011/main" val="1"/>
+              <ma14:wrappingTextBoxFlag xmlns:ma14="http://schemas.microsoft.com/office/mac/drawingml/2011/main" xmlns:a14="http://schemas.microsoft.com/office/drawing/2010/main" xmlns:m="http://schemas.openxmlformats.org/officeDocument/2006/math" xmlns="" val="1"/>
             </a:ext>
           </a:extLst>
         </p:spPr>
@@ -33398,7 +33427,7 @@
           </a:ln>
           <a:extLst>
             <a:ext uri="{C572A759-6A51-4108-AA02-DFA0A04FC94B}">
-              <ma14:wrappingTextBoxFlag xmlns="" xmlns:m="http://schemas.openxmlformats.org/officeDocument/2006/math" xmlns:a14="http://schemas.microsoft.com/office/drawing/2010/main" xmlns:ma14="http://schemas.microsoft.com/office/mac/drawingml/2011/main" val="1"/>
+              <ma14:wrappingTextBoxFlag xmlns:ma14="http://schemas.microsoft.com/office/mac/drawingml/2011/main" xmlns:a14="http://schemas.microsoft.com/office/drawing/2010/main" xmlns:m="http://schemas.openxmlformats.org/officeDocument/2006/math" xmlns="" val="1"/>
             </a:ext>
           </a:extLst>
         </p:spPr>
@@ -33449,7 +33478,7 @@
           </a:ln>
           <a:extLst>
             <a:ext uri="{C572A759-6A51-4108-AA02-DFA0A04FC94B}">
-              <ma14:wrappingTextBoxFlag xmlns="" xmlns:m="http://schemas.openxmlformats.org/officeDocument/2006/math" xmlns:a14="http://schemas.microsoft.com/office/drawing/2010/main" xmlns:ma14="http://schemas.microsoft.com/office/mac/drawingml/2011/main" val="1"/>
+              <ma14:wrappingTextBoxFlag xmlns:ma14="http://schemas.microsoft.com/office/mac/drawingml/2011/main" xmlns:a14="http://schemas.microsoft.com/office/drawing/2010/main" xmlns:m="http://schemas.openxmlformats.org/officeDocument/2006/math" xmlns="" val="1"/>
             </a:ext>
           </a:extLst>
         </p:spPr>
@@ -33500,7 +33529,7 @@
           </a:ln>
           <a:extLst>
             <a:ext uri="{C572A759-6A51-4108-AA02-DFA0A04FC94B}">
-              <ma14:wrappingTextBoxFlag xmlns="" xmlns:m="http://schemas.openxmlformats.org/officeDocument/2006/math" xmlns:a14="http://schemas.microsoft.com/office/drawing/2010/main" xmlns:ma14="http://schemas.microsoft.com/office/mac/drawingml/2011/main" val="1"/>
+              <ma14:wrappingTextBoxFlag xmlns:ma14="http://schemas.microsoft.com/office/mac/drawingml/2011/main" xmlns:a14="http://schemas.microsoft.com/office/drawing/2010/main" xmlns:m="http://schemas.openxmlformats.org/officeDocument/2006/math" xmlns="" val="1"/>
             </a:ext>
           </a:extLst>
         </p:spPr>
@@ -33551,7 +33580,7 @@
           </a:ln>
           <a:extLst>
             <a:ext uri="{C572A759-6A51-4108-AA02-DFA0A04FC94B}">
-              <ma14:wrappingTextBoxFlag xmlns="" xmlns:m="http://schemas.openxmlformats.org/officeDocument/2006/math" xmlns:a14="http://schemas.microsoft.com/office/drawing/2010/main" xmlns:ma14="http://schemas.microsoft.com/office/mac/drawingml/2011/main" val="1"/>
+              <ma14:wrappingTextBoxFlag xmlns:ma14="http://schemas.microsoft.com/office/mac/drawingml/2011/main" xmlns:a14="http://schemas.microsoft.com/office/drawing/2010/main" xmlns:m="http://schemas.openxmlformats.org/officeDocument/2006/math" xmlns="" val="1"/>
             </a:ext>
           </a:extLst>
         </p:spPr>
@@ -33602,7 +33631,7 @@
           </a:ln>
           <a:extLst>
             <a:ext uri="{C572A759-6A51-4108-AA02-DFA0A04FC94B}">
-              <ma14:wrappingTextBoxFlag xmlns="" xmlns:m="http://schemas.openxmlformats.org/officeDocument/2006/math" xmlns:a14="http://schemas.microsoft.com/office/drawing/2010/main" xmlns:ma14="http://schemas.microsoft.com/office/mac/drawingml/2011/main" val="1"/>
+              <ma14:wrappingTextBoxFlag xmlns:ma14="http://schemas.microsoft.com/office/mac/drawingml/2011/main" xmlns:a14="http://schemas.microsoft.com/office/drawing/2010/main" xmlns:m="http://schemas.openxmlformats.org/officeDocument/2006/math" xmlns="" val="1"/>
             </a:ext>
           </a:extLst>
         </p:spPr>
@@ -33653,7 +33682,7 @@
           </a:ln>
           <a:extLst>
             <a:ext uri="{C572A759-6A51-4108-AA02-DFA0A04FC94B}">
-              <ma14:wrappingTextBoxFlag xmlns="" xmlns:m="http://schemas.openxmlformats.org/officeDocument/2006/math" xmlns:a14="http://schemas.microsoft.com/office/drawing/2010/main" xmlns:ma14="http://schemas.microsoft.com/office/mac/drawingml/2011/main" val="1"/>
+              <ma14:wrappingTextBoxFlag xmlns:ma14="http://schemas.microsoft.com/office/mac/drawingml/2011/main" xmlns:a14="http://schemas.microsoft.com/office/drawing/2010/main" xmlns:m="http://schemas.openxmlformats.org/officeDocument/2006/math" xmlns="" val="1"/>
             </a:ext>
           </a:extLst>
         </p:spPr>
@@ -33704,7 +33733,7 @@
           </a:ln>
           <a:extLst>
             <a:ext uri="{C572A759-6A51-4108-AA02-DFA0A04FC94B}">
-              <ma14:wrappingTextBoxFlag xmlns="" xmlns:m="http://schemas.openxmlformats.org/officeDocument/2006/math" xmlns:a14="http://schemas.microsoft.com/office/drawing/2010/main" xmlns:ma14="http://schemas.microsoft.com/office/mac/drawingml/2011/main" val="1"/>
+              <ma14:wrappingTextBoxFlag xmlns:ma14="http://schemas.microsoft.com/office/mac/drawingml/2011/main" xmlns:a14="http://schemas.microsoft.com/office/drawing/2010/main" xmlns:m="http://schemas.openxmlformats.org/officeDocument/2006/math" xmlns="" val="1"/>
             </a:ext>
           </a:extLst>
         </p:spPr>
@@ -33755,7 +33784,7 @@
           </a:ln>
           <a:extLst>
             <a:ext uri="{C572A759-6A51-4108-AA02-DFA0A04FC94B}">
-              <ma14:wrappingTextBoxFlag xmlns="" xmlns:m="http://schemas.openxmlformats.org/officeDocument/2006/math" xmlns:a14="http://schemas.microsoft.com/office/drawing/2010/main" xmlns:ma14="http://schemas.microsoft.com/office/mac/drawingml/2011/main" val="1"/>
+              <ma14:wrappingTextBoxFlag xmlns:ma14="http://schemas.microsoft.com/office/mac/drawingml/2011/main" xmlns:a14="http://schemas.microsoft.com/office/drawing/2010/main" xmlns:m="http://schemas.openxmlformats.org/officeDocument/2006/math" xmlns="" val="1"/>
             </a:ext>
           </a:extLst>
         </p:spPr>
@@ -33806,7 +33835,7 @@
           </a:ln>
           <a:extLst>
             <a:ext uri="{C572A759-6A51-4108-AA02-DFA0A04FC94B}">
-              <ma14:wrappingTextBoxFlag xmlns="" xmlns:m="http://schemas.openxmlformats.org/officeDocument/2006/math" xmlns:a14="http://schemas.microsoft.com/office/drawing/2010/main" xmlns:ma14="http://schemas.microsoft.com/office/mac/drawingml/2011/main" val="1"/>
+              <ma14:wrappingTextBoxFlag xmlns:ma14="http://schemas.microsoft.com/office/mac/drawingml/2011/main" xmlns:a14="http://schemas.microsoft.com/office/drawing/2010/main" xmlns:m="http://schemas.openxmlformats.org/officeDocument/2006/math" xmlns="" val="1"/>
             </a:ext>
           </a:extLst>
         </p:spPr>
@@ -33857,7 +33886,7 @@
           </a:ln>
           <a:extLst>
             <a:ext uri="{C572A759-6A51-4108-AA02-DFA0A04FC94B}">
-              <ma14:wrappingTextBoxFlag xmlns="" xmlns:m="http://schemas.openxmlformats.org/officeDocument/2006/math" xmlns:a14="http://schemas.microsoft.com/office/drawing/2010/main" xmlns:ma14="http://schemas.microsoft.com/office/mac/drawingml/2011/main" val="1"/>
+              <ma14:wrappingTextBoxFlag xmlns:ma14="http://schemas.microsoft.com/office/mac/drawingml/2011/main" xmlns:a14="http://schemas.microsoft.com/office/drawing/2010/main" xmlns:m="http://schemas.openxmlformats.org/officeDocument/2006/math" xmlns="" val="1"/>
             </a:ext>
           </a:extLst>
         </p:spPr>
@@ -33908,7 +33937,7 @@
           </a:ln>
           <a:extLst>
             <a:ext uri="{C572A759-6A51-4108-AA02-DFA0A04FC94B}">
-              <ma14:wrappingTextBoxFlag xmlns="" xmlns:m="http://schemas.openxmlformats.org/officeDocument/2006/math" xmlns:a14="http://schemas.microsoft.com/office/drawing/2010/main" xmlns:ma14="http://schemas.microsoft.com/office/mac/drawingml/2011/main" val="1"/>
+              <ma14:wrappingTextBoxFlag xmlns:ma14="http://schemas.microsoft.com/office/mac/drawingml/2011/main" xmlns:a14="http://schemas.microsoft.com/office/drawing/2010/main" xmlns:m="http://schemas.openxmlformats.org/officeDocument/2006/math" xmlns="" val="1"/>
             </a:ext>
           </a:extLst>
         </p:spPr>
@@ -33959,7 +33988,7 @@
           </a:ln>
           <a:extLst>
             <a:ext uri="{C572A759-6A51-4108-AA02-DFA0A04FC94B}">
-              <ma14:wrappingTextBoxFlag xmlns="" xmlns:m="http://schemas.openxmlformats.org/officeDocument/2006/math" xmlns:a14="http://schemas.microsoft.com/office/drawing/2010/main" xmlns:ma14="http://schemas.microsoft.com/office/mac/drawingml/2011/main" val="1"/>
+              <ma14:wrappingTextBoxFlag xmlns:ma14="http://schemas.microsoft.com/office/mac/drawingml/2011/main" xmlns:a14="http://schemas.microsoft.com/office/drawing/2010/main" xmlns:m="http://schemas.openxmlformats.org/officeDocument/2006/math" xmlns="" val="1"/>
             </a:ext>
           </a:extLst>
         </p:spPr>
@@ -34010,7 +34039,7 @@
           </a:ln>
           <a:extLst>
             <a:ext uri="{C572A759-6A51-4108-AA02-DFA0A04FC94B}">
-              <ma14:wrappingTextBoxFlag xmlns="" xmlns:m="http://schemas.openxmlformats.org/officeDocument/2006/math" xmlns:a14="http://schemas.microsoft.com/office/drawing/2010/main" xmlns:ma14="http://schemas.microsoft.com/office/mac/drawingml/2011/main" val="1"/>
+              <ma14:wrappingTextBoxFlag xmlns:ma14="http://schemas.microsoft.com/office/mac/drawingml/2011/main" xmlns:a14="http://schemas.microsoft.com/office/drawing/2010/main" xmlns:m="http://schemas.openxmlformats.org/officeDocument/2006/math" xmlns="" val="1"/>
             </a:ext>
           </a:extLst>
         </p:spPr>
@@ -34061,7 +34090,7 @@
           </a:ln>
           <a:extLst>
             <a:ext uri="{C572A759-6A51-4108-AA02-DFA0A04FC94B}">
-              <ma14:wrappingTextBoxFlag xmlns="" xmlns:m="http://schemas.openxmlformats.org/officeDocument/2006/math" xmlns:a14="http://schemas.microsoft.com/office/drawing/2010/main" xmlns:ma14="http://schemas.microsoft.com/office/mac/drawingml/2011/main" val="1"/>
+              <ma14:wrappingTextBoxFlag xmlns:ma14="http://schemas.microsoft.com/office/mac/drawingml/2011/main" xmlns:a14="http://schemas.microsoft.com/office/drawing/2010/main" xmlns:m="http://schemas.openxmlformats.org/officeDocument/2006/math" xmlns="" val="1"/>
             </a:ext>
           </a:extLst>
         </p:spPr>
@@ -34112,7 +34141,7 @@
           </a:ln>
           <a:extLst>
             <a:ext uri="{C572A759-6A51-4108-AA02-DFA0A04FC94B}">
-              <ma14:wrappingTextBoxFlag xmlns="" xmlns:m="http://schemas.openxmlformats.org/officeDocument/2006/math" xmlns:a14="http://schemas.microsoft.com/office/drawing/2010/main" xmlns:ma14="http://schemas.microsoft.com/office/mac/drawingml/2011/main" val="1"/>
+              <ma14:wrappingTextBoxFlag xmlns:ma14="http://schemas.microsoft.com/office/mac/drawingml/2011/main" xmlns:a14="http://schemas.microsoft.com/office/drawing/2010/main" xmlns:m="http://schemas.openxmlformats.org/officeDocument/2006/math" xmlns="" val="1"/>
             </a:ext>
           </a:extLst>
         </p:spPr>
@@ -34163,7 +34192,7 @@
           </a:ln>
           <a:extLst>
             <a:ext uri="{C572A759-6A51-4108-AA02-DFA0A04FC94B}">
-              <ma14:wrappingTextBoxFlag xmlns="" xmlns:m="http://schemas.openxmlformats.org/officeDocument/2006/math" xmlns:a14="http://schemas.microsoft.com/office/drawing/2010/main" xmlns:ma14="http://schemas.microsoft.com/office/mac/drawingml/2011/main" val="1"/>
+              <ma14:wrappingTextBoxFlag xmlns:ma14="http://schemas.microsoft.com/office/mac/drawingml/2011/main" xmlns:a14="http://schemas.microsoft.com/office/drawing/2010/main" xmlns:m="http://schemas.openxmlformats.org/officeDocument/2006/math" xmlns="" val="1"/>
             </a:ext>
           </a:extLst>
         </p:spPr>
@@ -34214,7 +34243,7 @@
           </a:ln>
           <a:extLst>
             <a:ext uri="{C572A759-6A51-4108-AA02-DFA0A04FC94B}">
-              <ma14:wrappingTextBoxFlag xmlns="" xmlns:m="http://schemas.openxmlformats.org/officeDocument/2006/math" xmlns:a14="http://schemas.microsoft.com/office/drawing/2010/main" xmlns:ma14="http://schemas.microsoft.com/office/mac/drawingml/2011/main" val="1"/>
+              <ma14:wrappingTextBoxFlag xmlns:ma14="http://schemas.microsoft.com/office/mac/drawingml/2011/main" xmlns:a14="http://schemas.microsoft.com/office/drawing/2010/main" xmlns:m="http://schemas.openxmlformats.org/officeDocument/2006/math" xmlns="" val="1"/>
             </a:ext>
           </a:extLst>
         </p:spPr>
@@ -34265,7 +34294,7 @@
           </a:ln>
           <a:extLst>
             <a:ext uri="{C572A759-6A51-4108-AA02-DFA0A04FC94B}">
-              <ma14:wrappingTextBoxFlag xmlns="" xmlns:m="http://schemas.openxmlformats.org/officeDocument/2006/math" xmlns:a14="http://schemas.microsoft.com/office/drawing/2010/main" xmlns:ma14="http://schemas.microsoft.com/office/mac/drawingml/2011/main" val="1"/>
+              <ma14:wrappingTextBoxFlag xmlns:ma14="http://schemas.microsoft.com/office/mac/drawingml/2011/main" xmlns:a14="http://schemas.microsoft.com/office/drawing/2010/main" xmlns:m="http://schemas.openxmlformats.org/officeDocument/2006/math" xmlns="" val="1"/>
             </a:ext>
           </a:extLst>
         </p:spPr>
@@ -34316,7 +34345,7 @@
           </a:ln>
           <a:extLst>
             <a:ext uri="{C572A759-6A51-4108-AA02-DFA0A04FC94B}">
-              <ma14:wrappingTextBoxFlag xmlns="" xmlns:m="http://schemas.openxmlformats.org/officeDocument/2006/math" xmlns:a14="http://schemas.microsoft.com/office/drawing/2010/main" xmlns:ma14="http://schemas.microsoft.com/office/mac/drawingml/2011/main" val="1"/>
+              <ma14:wrappingTextBoxFlag xmlns:ma14="http://schemas.microsoft.com/office/mac/drawingml/2011/main" xmlns:a14="http://schemas.microsoft.com/office/drawing/2010/main" xmlns:m="http://schemas.openxmlformats.org/officeDocument/2006/math" xmlns="" val="1"/>
             </a:ext>
           </a:extLst>
         </p:spPr>
@@ -34367,7 +34396,7 @@
           </a:ln>
           <a:extLst>
             <a:ext uri="{C572A759-6A51-4108-AA02-DFA0A04FC94B}">
-              <ma14:wrappingTextBoxFlag xmlns="" xmlns:m="http://schemas.openxmlformats.org/officeDocument/2006/math" xmlns:a14="http://schemas.microsoft.com/office/drawing/2010/main" xmlns:ma14="http://schemas.microsoft.com/office/mac/drawingml/2011/main" val="1"/>
+              <ma14:wrappingTextBoxFlag xmlns:ma14="http://schemas.microsoft.com/office/mac/drawingml/2011/main" xmlns:a14="http://schemas.microsoft.com/office/drawing/2010/main" xmlns:m="http://schemas.openxmlformats.org/officeDocument/2006/math" xmlns="" val="1"/>
             </a:ext>
           </a:extLst>
         </p:spPr>
@@ -34418,7 +34447,7 @@
           </a:ln>
           <a:extLst>
             <a:ext uri="{C572A759-6A51-4108-AA02-DFA0A04FC94B}">
-              <ma14:wrappingTextBoxFlag xmlns="" xmlns:m="http://schemas.openxmlformats.org/officeDocument/2006/math" xmlns:a14="http://schemas.microsoft.com/office/drawing/2010/main" xmlns:ma14="http://schemas.microsoft.com/office/mac/drawingml/2011/main" val="1"/>
+              <ma14:wrappingTextBoxFlag xmlns:ma14="http://schemas.microsoft.com/office/mac/drawingml/2011/main" xmlns:a14="http://schemas.microsoft.com/office/drawing/2010/main" xmlns:m="http://schemas.openxmlformats.org/officeDocument/2006/math" xmlns="" val="1"/>
             </a:ext>
           </a:extLst>
         </p:spPr>
@@ -34897,7 +34926,7 @@
           </a:ln>
           <a:extLst>
             <a:ext uri="{C572A759-6A51-4108-AA02-DFA0A04FC94B}">
-              <ma14:wrappingTextBoxFlag xmlns:ma14="http://schemas.microsoft.com/office/mac/drawingml/2011/main" xmlns:a14="http://schemas.microsoft.com/office/drawing/2010/main" xmlns:m="http://schemas.openxmlformats.org/officeDocument/2006/math" xmlns="" val="1"/>
+              <ma14:wrappingTextBoxFlag xmlns="" xmlns:m="http://schemas.openxmlformats.org/officeDocument/2006/math" xmlns:a14="http://schemas.microsoft.com/office/drawing/2010/main" xmlns:ma14="http://schemas.microsoft.com/office/mac/drawingml/2011/main" val="1"/>
             </a:ext>
           </a:extLst>
         </p:spPr>
@@ -34947,7 +34976,7 @@
           </a:ln>
           <a:extLst>
             <a:ext uri="{C572A759-6A51-4108-AA02-DFA0A04FC94B}">
-              <ma14:wrappingTextBoxFlag xmlns:ma14="http://schemas.microsoft.com/office/mac/drawingml/2011/main" xmlns:a14="http://schemas.microsoft.com/office/drawing/2010/main" xmlns:m="http://schemas.openxmlformats.org/officeDocument/2006/math" xmlns="" val="1"/>
+              <ma14:wrappingTextBoxFlag xmlns="" xmlns:m="http://schemas.openxmlformats.org/officeDocument/2006/math" xmlns:a14="http://schemas.microsoft.com/office/drawing/2010/main" xmlns:ma14="http://schemas.microsoft.com/office/mac/drawingml/2011/main" val="1"/>
             </a:ext>
           </a:extLst>
         </p:spPr>
@@ -34998,7 +35027,7 @@
           </a:ln>
           <a:extLst>
             <a:ext uri="{C572A759-6A51-4108-AA02-DFA0A04FC94B}">
-              <ma14:wrappingTextBoxFlag xmlns:ma14="http://schemas.microsoft.com/office/mac/drawingml/2011/main" xmlns:a14="http://schemas.microsoft.com/office/drawing/2010/main" xmlns:m="http://schemas.openxmlformats.org/officeDocument/2006/math" xmlns="" val="1"/>
+              <ma14:wrappingTextBoxFlag xmlns="" xmlns:m="http://schemas.openxmlformats.org/officeDocument/2006/math" xmlns:a14="http://schemas.microsoft.com/office/drawing/2010/main" xmlns:ma14="http://schemas.microsoft.com/office/mac/drawingml/2011/main" val="1"/>
             </a:ext>
           </a:extLst>
         </p:spPr>
@@ -35049,7 +35078,7 @@
           </a:ln>
           <a:extLst>
             <a:ext uri="{C572A759-6A51-4108-AA02-DFA0A04FC94B}">
-              <ma14:wrappingTextBoxFlag xmlns:ma14="http://schemas.microsoft.com/office/mac/drawingml/2011/main" xmlns:a14="http://schemas.microsoft.com/office/drawing/2010/main" xmlns:m="http://schemas.openxmlformats.org/officeDocument/2006/math" xmlns="" val="1"/>
+              <ma14:wrappingTextBoxFlag xmlns="" xmlns:m="http://schemas.openxmlformats.org/officeDocument/2006/math" xmlns:a14="http://schemas.microsoft.com/office/drawing/2010/main" xmlns:ma14="http://schemas.microsoft.com/office/mac/drawingml/2011/main" val="1"/>
             </a:ext>
           </a:extLst>
         </p:spPr>
@@ -35100,7 +35129,7 @@
           </a:ln>
           <a:extLst>
             <a:ext uri="{C572A759-6A51-4108-AA02-DFA0A04FC94B}">
-              <ma14:wrappingTextBoxFlag xmlns:ma14="http://schemas.microsoft.com/office/mac/drawingml/2011/main" xmlns:a14="http://schemas.microsoft.com/office/drawing/2010/main" xmlns:m="http://schemas.openxmlformats.org/officeDocument/2006/math" xmlns="" val="1"/>
+              <ma14:wrappingTextBoxFlag xmlns="" xmlns:m="http://schemas.openxmlformats.org/officeDocument/2006/math" xmlns:a14="http://schemas.microsoft.com/office/drawing/2010/main" xmlns:ma14="http://schemas.microsoft.com/office/mac/drawingml/2011/main" val="1"/>
             </a:ext>
           </a:extLst>
         </p:spPr>
@@ -35151,7 +35180,7 @@
           </a:ln>
           <a:extLst>
             <a:ext uri="{C572A759-6A51-4108-AA02-DFA0A04FC94B}">
-              <ma14:wrappingTextBoxFlag xmlns:ma14="http://schemas.microsoft.com/office/mac/drawingml/2011/main" xmlns:a14="http://schemas.microsoft.com/office/drawing/2010/main" xmlns:m="http://schemas.openxmlformats.org/officeDocument/2006/math" xmlns="" val="1"/>
+              <ma14:wrappingTextBoxFlag xmlns="" xmlns:m="http://schemas.openxmlformats.org/officeDocument/2006/math" xmlns:a14="http://schemas.microsoft.com/office/drawing/2010/main" xmlns:ma14="http://schemas.microsoft.com/office/mac/drawingml/2011/main" val="1"/>
             </a:ext>
           </a:extLst>
         </p:spPr>
@@ -35202,7 +35231,7 @@
           </a:ln>
           <a:extLst>
             <a:ext uri="{C572A759-6A51-4108-AA02-DFA0A04FC94B}">
-              <ma14:wrappingTextBoxFlag xmlns:ma14="http://schemas.microsoft.com/office/mac/drawingml/2011/main" xmlns:a14="http://schemas.microsoft.com/office/drawing/2010/main" xmlns:m="http://schemas.openxmlformats.org/officeDocument/2006/math" xmlns="" val="1"/>
+              <ma14:wrappingTextBoxFlag xmlns="" xmlns:m="http://schemas.openxmlformats.org/officeDocument/2006/math" xmlns:a14="http://schemas.microsoft.com/office/drawing/2010/main" xmlns:ma14="http://schemas.microsoft.com/office/mac/drawingml/2011/main" val="1"/>
             </a:ext>
           </a:extLst>
         </p:spPr>
@@ -35253,7 +35282,7 @@
           </a:ln>
           <a:extLst>
             <a:ext uri="{C572A759-6A51-4108-AA02-DFA0A04FC94B}">
-              <ma14:wrappingTextBoxFlag xmlns:ma14="http://schemas.microsoft.com/office/mac/drawingml/2011/main" xmlns:a14="http://schemas.microsoft.com/office/drawing/2010/main" xmlns:m="http://schemas.openxmlformats.org/officeDocument/2006/math" xmlns="" val="1"/>
+              <ma14:wrappingTextBoxFlag xmlns="" xmlns:m="http://schemas.openxmlformats.org/officeDocument/2006/math" xmlns:a14="http://schemas.microsoft.com/office/drawing/2010/main" xmlns:ma14="http://schemas.microsoft.com/office/mac/drawingml/2011/main" val="1"/>
             </a:ext>
           </a:extLst>
         </p:spPr>
@@ -35304,7 +35333,7 @@
           </a:ln>
           <a:extLst>
             <a:ext uri="{C572A759-6A51-4108-AA02-DFA0A04FC94B}">
-              <ma14:wrappingTextBoxFlag xmlns:ma14="http://schemas.microsoft.com/office/mac/drawingml/2011/main" xmlns:a14="http://schemas.microsoft.com/office/drawing/2010/main" xmlns:m="http://schemas.openxmlformats.org/officeDocument/2006/math" xmlns="" val="1"/>
+              <ma14:wrappingTextBoxFlag xmlns="" xmlns:m="http://schemas.openxmlformats.org/officeDocument/2006/math" xmlns:a14="http://schemas.microsoft.com/office/drawing/2010/main" xmlns:ma14="http://schemas.microsoft.com/office/mac/drawingml/2011/main" val="1"/>
             </a:ext>
           </a:extLst>
         </p:spPr>
@@ -35355,7 +35384,7 @@
           </a:ln>
           <a:extLst>
             <a:ext uri="{C572A759-6A51-4108-AA02-DFA0A04FC94B}">
-              <ma14:wrappingTextBoxFlag xmlns:ma14="http://schemas.microsoft.com/office/mac/drawingml/2011/main" xmlns:a14="http://schemas.microsoft.com/office/drawing/2010/main" xmlns:m="http://schemas.openxmlformats.org/officeDocument/2006/math" xmlns="" val="1"/>
+              <ma14:wrappingTextBoxFlag xmlns="" xmlns:m="http://schemas.openxmlformats.org/officeDocument/2006/math" xmlns:a14="http://schemas.microsoft.com/office/drawing/2010/main" xmlns:ma14="http://schemas.microsoft.com/office/mac/drawingml/2011/main" val="1"/>
             </a:ext>
           </a:extLst>
         </p:spPr>
@@ -35406,7 +35435,7 @@
           </a:ln>
           <a:extLst>
             <a:ext uri="{C572A759-6A51-4108-AA02-DFA0A04FC94B}">
-              <ma14:wrappingTextBoxFlag xmlns:ma14="http://schemas.microsoft.com/office/mac/drawingml/2011/main" xmlns:a14="http://schemas.microsoft.com/office/drawing/2010/main" xmlns:m="http://schemas.openxmlformats.org/officeDocument/2006/math" xmlns="" val="1"/>
+              <ma14:wrappingTextBoxFlag xmlns="" xmlns:m="http://schemas.openxmlformats.org/officeDocument/2006/math" xmlns:a14="http://schemas.microsoft.com/office/drawing/2010/main" xmlns:ma14="http://schemas.microsoft.com/office/mac/drawingml/2011/main" val="1"/>
             </a:ext>
           </a:extLst>
         </p:spPr>
@@ -35457,7 +35486,7 @@
           </a:ln>
           <a:extLst>
             <a:ext uri="{C572A759-6A51-4108-AA02-DFA0A04FC94B}">
-              <ma14:wrappingTextBoxFlag xmlns:ma14="http://schemas.microsoft.com/office/mac/drawingml/2011/main" xmlns:a14="http://schemas.microsoft.com/office/drawing/2010/main" xmlns:m="http://schemas.openxmlformats.org/officeDocument/2006/math" xmlns="" val="1"/>
+              <ma14:wrappingTextBoxFlag xmlns="" xmlns:m="http://schemas.openxmlformats.org/officeDocument/2006/math" xmlns:a14="http://schemas.microsoft.com/office/drawing/2010/main" xmlns:ma14="http://schemas.microsoft.com/office/mac/drawingml/2011/main" val="1"/>
             </a:ext>
           </a:extLst>
         </p:spPr>
@@ -35508,7 +35537,7 @@
           </a:ln>
           <a:extLst>
             <a:ext uri="{C572A759-6A51-4108-AA02-DFA0A04FC94B}">
-              <ma14:wrappingTextBoxFlag xmlns:ma14="http://schemas.microsoft.com/office/mac/drawingml/2011/main" xmlns:a14="http://schemas.microsoft.com/office/drawing/2010/main" xmlns:m="http://schemas.openxmlformats.org/officeDocument/2006/math" xmlns="" val="1"/>
+              <ma14:wrappingTextBoxFlag xmlns="" xmlns:m="http://schemas.openxmlformats.org/officeDocument/2006/math" xmlns:a14="http://schemas.microsoft.com/office/drawing/2010/main" xmlns:ma14="http://schemas.microsoft.com/office/mac/drawingml/2011/main" val="1"/>
             </a:ext>
           </a:extLst>
         </p:spPr>
@@ -35559,7 +35588,7 @@
           </a:ln>
           <a:extLst>
             <a:ext uri="{C572A759-6A51-4108-AA02-DFA0A04FC94B}">
-              <ma14:wrappingTextBoxFlag xmlns:ma14="http://schemas.microsoft.com/office/mac/drawingml/2011/main" xmlns:a14="http://schemas.microsoft.com/office/drawing/2010/main" xmlns:m="http://schemas.openxmlformats.org/officeDocument/2006/math" xmlns="" val="1"/>
+              <ma14:wrappingTextBoxFlag xmlns="" xmlns:m="http://schemas.openxmlformats.org/officeDocument/2006/math" xmlns:a14="http://schemas.microsoft.com/office/drawing/2010/main" xmlns:ma14="http://schemas.microsoft.com/office/mac/drawingml/2011/main" val="1"/>
             </a:ext>
           </a:extLst>
         </p:spPr>
@@ -35610,7 +35639,7 @@
           </a:ln>
           <a:extLst>
             <a:ext uri="{C572A759-6A51-4108-AA02-DFA0A04FC94B}">
-              <ma14:wrappingTextBoxFlag xmlns:ma14="http://schemas.microsoft.com/office/mac/drawingml/2011/main" xmlns:a14="http://schemas.microsoft.com/office/drawing/2010/main" xmlns:m="http://schemas.openxmlformats.org/officeDocument/2006/math" xmlns="" val="1"/>
+              <ma14:wrappingTextBoxFlag xmlns="" xmlns:m="http://schemas.openxmlformats.org/officeDocument/2006/math" xmlns:a14="http://schemas.microsoft.com/office/drawing/2010/main" xmlns:ma14="http://schemas.microsoft.com/office/mac/drawingml/2011/main" val="1"/>
             </a:ext>
           </a:extLst>
         </p:spPr>
@@ -35661,7 +35690,7 @@
           </a:ln>
           <a:extLst>
             <a:ext uri="{C572A759-6A51-4108-AA02-DFA0A04FC94B}">
-              <ma14:wrappingTextBoxFlag xmlns:ma14="http://schemas.microsoft.com/office/mac/drawingml/2011/main" xmlns:a14="http://schemas.microsoft.com/office/drawing/2010/main" xmlns:m="http://schemas.openxmlformats.org/officeDocument/2006/math" xmlns="" val="1"/>
+              <ma14:wrappingTextBoxFlag xmlns="" xmlns:m="http://schemas.openxmlformats.org/officeDocument/2006/math" xmlns:a14="http://schemas.microsoft.com/office/drawing/2010/main" xmlns:ma14="http://schemas.microsoft.com/office/mac/drawingml/2011/main" val="1"/>
             </a:ext>
           </a:extLst>
         </p:spPr>
@@ -35712,7 +35741,7 @@
           </a:ln>
           <a:extLst>
             <a:ext uri="{C572A759-6A51-4108-AA02-DFA0A04FC94B}">
-              <ma14:wrappingTextBoxFlag xmlns:ma14="http://schemas.microsoft.com/office/mac/drawingml/2011/main" xmlns:a14="http://schemas.microsoft.com/office/drawing/2010/main" xmlns:m="http://schemas.openxmlformats.org/officeDocument/2006/math" xmlns="" val="1"/>
+              <ma14:wrappingTextBoxFlag xmlns="" xmlns:m="http://schemas.openxmlformats.org/officeDocument/2006/math" xmlns:a14="http://schemas.microsoft.com/office/drawing/2010/main" xmlns:ma14="http://schemas.microsoft.com/office/mac/drawingml/2011/main" val="1"/>
             </a:ext>
           </a:extLst>
         </p:spPr>
@@ -35763,7 +35792,7 @@
           </a:ln>
           <a:extLst>
             <a:ext uri="{C572A759-6A51-4108-AA02-DFA0A04FC94B}">
-              <ma14:wrappingTextBoxFlag xmlns:ma14="http://schemas.microsoft.com/office/mac/drawingml/2011/main" xmlns:a14="http://schemas.microsoft.com/office/drawing/2010/main" xmlns:m="http://schemas.openxmlformats.org/officeDocument/2006/math" xmlns="" val="1"/>
+              <ma14:wrappingTextBoxFlag xmlns="" xmlns:m="http://schemas.openxmlformats.org/officeDocument/2006/math" xmlns:a14="http://schemas.microsoft.com/office/drawing/2010/main" xmlns:ma14="http://schemas.microsoft.com/office/mac/drawingml/2011/main" val="1"/>
             </a:ext>
           </a:extLst>
         </p:spPr>
@@ -35814,7 +35843,7 @@
           </a:ln>
           <a:extLst>
             <a:ext uri="{C572A759-6A51-4108-AA02-DFA0A04FC94B}">
-              <ma14:wrappingTextBoxFlag xmlns:ma14="http://schemas.microsoft.com/office/mac/drawingml/2011/main" xmlns:a14="http://schemas.microsoft.com/office/drawing/2010/main" xmlns:m="http://schemas.openxmlformats.org/officeDocument/2006/math" xmlns="" val="1"/>
+              <ma14:wrappingTextBoxFlag xmlns="" xmlns:m="http://schemas.openxmlformats.org/officeDocument/2006/math" xmlns:a14="http://schemas.microsoft.com/office/drawing/2010/main" xmlns:ma14="http://schemas.microsoft.com/office/mac/drawingml/2011/main" val="1"/>
             </a:ext>
           </a:extLst>
         </p:spPr>
@@ -35865,7 +35894,7 @@
           </a:ln>
           <a:extLst>
             <a:ext uri="{C572A759-6A51-4108-AA02-DFA0A04FC94B}">
-              <ma14:wrappingTextBoxFlag xmlns:ma14="http://schemas.microsoft.com/office/mac/drawingml/2011/main" xmlns:a14="http://schemas.microsoft.com/office/drawing/2010/main" xmlns:m="http://schemas.openxmlformats.org/officeDocument/2006/math" xmlns="" val="1"/>
+              <ma14:wrappingTextBoxFlag xmlns="" xmlns:m="http://schemas.openxmlformats.org/officeDocument/2006/math" xmlns:a14="http://schemas.microsoft.com/office/drawing/2010/main" xmlns:ma14="http://schemas.microsoft.com/office/mac/drawingml/2011/main" val="1"/>
             </a:ext>
           </a:extLst>
         </p:spPr>
@@ -35916,7 +35945,7 @@
           </a:ln>
           <a:extLst>
             <a:ext uri="{C572A759-6A51-4108-AA02-DFA0A04FC94B}">
-              <ma14:wrappingTextBoxFlag xmlns:ma14="http://schemas.microsoft.com/office/mac/drawingml/2011/main" xmlns:a14="http://schemas.microsoft.com/office/drawing/2010/main" xmlns:m="http://schemas.openxmlformats.org/officeDocument/2006/math" xmlns="" val="1"/>
+              <ma14:wrappingTextBoxFlag xmlns="" xmlns:m="http://schemas.openxmlformats.org/officeDocument/2006/math" xmlns:a14="http://schemas.microsoft.com/office/drawing/2010/main" xmlns:ma14="http://schemas.microsoft.com/office/mac/drawingml/2011/main" val="1"/>
             </a:ext>
           </a:extLst>
         </p:spPr>
@@ -35967,7 +35996,7 @@
           </a:ln>
           <a:extLst>
             <a:ext uri="{C572A759-6A51-4108-AA02-DFA0A04FC94B}">
-              <ma14:wrappingTextBoxFlag xmlns:ma14="http://schemas.microsoft.com/office/mac/drawingml/2011/main" xmlns:a14="http://schemas.microsoft.com/office/drawing/2010/main" xmlns:m="http://schemas.openxmlformats.org/officeDocument/2006/math" xmlns="" val="1"/>
+              <ma14:wrappingTextBoxFlag xmlns="" xmlns:m="http://schemas.openxmlformats.org/officeDocument/2006/math" xmlns:a14="http://schemas.microsoft.com/office/drawing/2010/main" xmlns:ma14="http://schemas.microsoft.com/office/mac/drawingml/2011/main" val="1"/>
             </a:ext>
           </a:extLst>
         </p:spPr>
@@ -36018,7 +36047,7 @@
           </a:ln>
           <a:extLst>
             <a:ext uri="{C572A759-6A51-4108-AA02-DFA0A04FC94B}">
-              <ma14:wrappingTextBoxFlag xmlns:ma14="http://schemas.microsoft.com/office/mac/drawingml/2011/main" xmlns:a14="http://schemas.microsoft.com/office/drawing/2010/main" xmlns:m="http://schemas.openxmlformats.org/officeDocument/2006/math" xmlns="" val="1"/>
+              <ma14:wrappingTextBoxFlag xmlns="" xmlns:m="http://schemas.openxmlformats.org/officeDocument/2006/math" xmlns:a14="http://schemas.microsoft.com/office/drawing/2010/main" xmlns:ma14="http://schemas.microsoft.com/office/mac/drawingml/2011/main" val="1"/>
             </a:ext>
           </a:extLst>
         </p:spPr>
@@ -36069,7 +36098,7 @@
           </a:ln>
           <a:extLst>
             <a:ext uri="{C572A759-6A51-4108-AA02-DFA0A04FC94B}">
-              <ma14:wrappingTextBoxFlag xmlns:ma14="http://schemas.microsoft.com/office/mac/drawingml/2011/main" xmlns:a14="http://schemas.microsoft.com/office/drawing/2010/main" xmlns:m="http://schemas.openxmlformats.org/officeDocument/2006/math" xmlns="" val="1"/>
+              <ma14:wrappingTextBoxFlag xmlns="" xmlns:m="http://schemas.openxmlformats.org/officeDocument/2006/math" xmlns:a14="http://schemas.microsoft.com/office/drawing/2010/main" xmlns:ma14="http://schemas.microsoft.com/office/mac/drawingml/2011/main" val="1"/>
             </a:ext>
           </a:extLst>
         </p:spPr>
@@ -36120,7 +36149,7 @@
           </a:ln>
           <a:extLst>
             <a:ext uri="{C572A759-6A51-4108-AA02-DFA0A04FC94B}">
-              <ma14:wrappingTextBoxFlag xmlns:ma14="http://schemas.microsoft.com/office/mac/drawingml/2011/main" xmlns:a14="http://schemas.microsoft.com/office/drawing/2010/main" xmlns:m="http://schemas.openxmlformats.org/officeDocument/2006/math" xmlns="" val="1"/>
+              <ma14:wrappingTextBoxFlag xmlns="" xmlns:m="http://schemas.openxmlformats.org/officeDocument/2006/math" xmlns:a14="http://schemas.microsoft.com/office/drawing/2010/main" xmlns:ma14="http://schemas.microsoft.com/office/mac/drawingml/2011/main" val="1"/>
             </a:ext>
           </a:extLst>
         </p:spPr>
@@ -36171,7 +36200,7 @@
           </a:ln>
           <a:extLst>
             <a:ext uri="{C572A759-6A51-4108-AA02-DFA0A04FC94B}">
-              <ma14:wrappingTextBoxFlag xmlns:ma14="http://schemas.microsoft.com/office/mac/drawingml/2011/main" xmlns:a14="http://schemas.microsoft.com/office/drawing/2010/main" xmlns:m="http://schemas.openxmlformats.org/officeDocument/2006/math" xmlns="" val="1"/>
+              <ma14:wrappingTextBoxFlag xmlns="" xmlns:m="http://schemas.openxmlformats.org/officeDocument/2006/math" xmlns:a14="http://schemas.microsoft.com/office/drawing/2010/main" xmlns:ma14="http://schemas.microsoft.com/office/mac/drawingml/2011/main" val="1"/>
             </a:ext>
           </a:extLst>
         </p:spPr>
@@ -36222,7 +36251,7 @@
           </a:ln>
           <a:extLst>
             <a:ext uri="{C572A759-6A51-4108-AA02-DFA0A04FC94B}">
-              <ma14:wrappingTextBoxFlag xmlns:ma14="http://schemas.microsoft.com/office/mac/drawingml/2011/main" xmlns:a14="http://schemas.microsoft.com/office/drawing/2010/main" xmlns:m="http://schemas.openxmlformats.org/officeDocument/2006/math" xmlns="" val="1"/>
+              <ma14:wrappingTextBoxFlag xmlns="" xmlns:m="http://schemas.openxmlformats.org/officeDocument/2006/math" xmlns:a14="http://schemas.microsoft.com/office/drawing/2010/main" xmlns:ma14="http://schemas.microsoft.com/office/mac/drawingml/2011/main" val="1"/>
             </a:ext>
           </a:extLst>
         </p:spPr>
@@ -36273,7 +36302,7 @@
           </a:ln>
           <a:extLst>
             <a:ext uri="{C572A759-6A51-4108-AA02-DFA0A04FC94B}">
-              <ma14:wrappingTextBoxFlag xmlns:ma14="http://schemas.microsoft.com/office/mac/drawingml/2011/main" xmlns:a14="http://schemas.microsoft.com/office/drawing/2010/main" xmlns:m="http://schemas.openxmlformats.org/officeDocument/2006/math" xmlns="" val="1"/>
+              <ma14:wrappingTextBoxFlag xmlns="" xmlns:m="http://schemas.openxmlformats.org/officeDocument/2006/math" xmlns:a14="http://schemas.microsoft.com/office/drawing/2010/main" xmlns:ma14="http://schemas.microsoft.com/office/mac/drawingml/2011/main" val="1"/>
             </a:ext>
           </a:extLst>
         </p:spPr>
@@ -36324,7 +36353,7 @@
           </a:ln>
           <a:extLst>
             <a:ext uri="{C572A759-6A51-4108-AA02-DFA0A04FC94B}">
-              <ma14:wrappingTextBoxFlag xmlns:ma14="http://schemas.microsoft.com/office/mac/drawingml/2011/main" xmlns:a14="http://schemas.microsoft.com/office/drawing/2010/main" xmlns:m="http://schemas.openxmlformats.org/officeDocument/2006/math" xmlns="" val="1"/>
+              <ma14:wrappingTextBoxFlag xmlns="" xmlns:m="http://schemas.openxmlformats.org/officeDocument/2006/math" xmlns:a14="http://schemas.microsoft.com/office/drawing/2010/main" xmlns:ma14="http://schemas.microsoft.com/office/mac/drawingml/2011/main" val="1"/>
             </a:ext>
           </a:extLst>
         </p:spPr>
@@ -36375,7 +36404,7 @@
           </a:ln>
           <a:extLst>
             <a:ext uri="{C572A759-6A51-4108-AA02-DFA0A04FC94B}">
-              <ma14:wrappingTextBoxFlag xmlns:ma14="http://schemas.microsoft.com/office/mac/drawingml/2011/main" xmlns:a14="http://schemas.microsoft.com/office/drawing/2010/main" xmlns:m="http://schemas.openxmlformats.org/officeDocument/2006/math" xmlns="" val="1"/>
+              <ma14:wrappingTextBoxFlag xmlns="" xmlns:m="http://schemas.openxmlformats.org/officeDocument/2006/math" xmlns:a14="http://schemas.microsoft.com/office/drawing/2010/main" xmlns:ma14="http://schemas.microsoft.com/office/mac/drawingml/2011/main" val="1"/>
             </a:ext>
           </a:extLst>
         </p:spPr>
